--- a/Neo4j/Future Unleashed_Neo4j.pptx
+++ b/Neo4j/Future Unleashed_Neo4j.pptx
@@ -6,7 +6,7 @@
     <p:sldMasterId id="2147483650" r:id="rId2"/>
   </p:sldMasterIdLst>
   <p:notesMasterIdLst>
-    <p:notesMasterId r:id="rId28"/>
+    <p:notesMasterId r:id="rId31"/>
   </p:notesMasterIdLst>
   <p:sldIdLst>
     <p:sldId id="256" r:id="rId3"/>
@@ -22,18 +22,21 @@
     <p:sldId id="279" r:id="rId13"/>
     <p:sldId id="280" r:id="rId14"/>
     <p:sldId id="281" r:id="rId15"/>
-    <p:sldId id="282" r:id="rId16"/>
-    <p:sldId id="283" r:id="rId17"/>
-    <p:sldId id="284" r:id="rId18"/>
-    <p:sldId id="285" r:id="rId19"/>
-    <p:sldId id="286" r:id="rId20"/>
-    <p:sldId id="287" r:id="rId21"/>
-    <p:sldId id="289" r:id="rId22"/>
-    <p:sldId id="290" r:id="rId23"/>
-    <p:sldId id="291" r:id="rId24"/>
-    <p:sldId id="292" r:id="rId25"/>
-    <p:sldId id="293" r:id="rId26"/>
-    <p:sldId id="294" r:id="rId27"/>
+    <p:sldId id="295" r:id="rId16"/>
+    <p:sldId id="297" r:id="rId17"/>
+    <p:sldId id="282" r:id="rId18"/>
+    <p:sldId id="283" r:id="rId19"/>
+    <p:sldId id="284" r:id="rId20"/>
+    <p:sldId id="285" r:id="rId21"/>
+    <p:sldId id="286" r:id="rId22"/>
+    <p:sldId id="287" r:id="rId23"/>
+    <p:sldId id="289" r:id="rId24"/>
+    <p:sldId id="296" r:id="rId25"/>
+    <p:sldId id="290" r:id="rId26"/>
+    <p:sldId id="291" r:id="rId27"/>
+    <p:sldId id="292" r:id="rId28"/>
+    <p:sldId id="293" r:id="rId29"/>
+    <p:sldId id="294" r:id="rId30"/>
   </p:sldIdLst>
   <p:sldSz cx="12192000" cy="6858000"/>
   <p:notesSz cx="6858000" cy="9144000"/>
@@ -2103,7 +2106,7 @@
           <a:p>
             <a:fld id="{CCE70BC5-5967-46F5-B959-0187FC8CE82A}" type="datetimeFigureOut">
               <a:rPr lang="en-US" smtClean="0"/>
-              <a:t>10/20/2015</a:t>
+              <a:t>11/2/2015</a:t>
             </a:fld>
             <a:endParaRPr lang="en-US"/>
           </a:p>
@@ -2546,18 +2549,78 @@
           <a:bodyPr/>
           <a:lstStyle/>
           <a:p>
+            <a:pPr marL="0" marR="0" lvl="0" indent="0" algn="r" defTabSz="914400" rtl="0" eaLnBrk="1" fontAlgn="auto" latinLnBrk="0" hangingPunct="1">
+              <a:lnSpc>
+                <a:spcPct val="100000"/>
+              </a:lnSpc>
+              <a:spcBef>
+                <a:spcPts val="0"/>
+              </a:spcBef>
+              <a:spcAft>
+                <a:spcPts val="0"/>
+              </a:spcAft>
+              <a:buClrTx/>
+              <a:buSzTx/>
+              <a:buFontTx/>
+              <a:buNone/>
+              <a:tabLst/>
+              <a:defRPr/>
+            </a:pPr>
             <a:fld id="{A9D60960-B8FD-4F06-B5CE-A35308F4A9E8}" type="slidenum">
-              <a:rPr lang="en-US" smtClean="0"/>
+              <a:rPr kumimoji="0" lang="en-US" sz="1200" b="0" i="0" u="none" strike="noStrike" kern="1200" cap="none" spc="0" normalizeH="0" baseline="0" noProof="0" smtClean="0">
+                <a:ln>
+                  <a:noFill/>
+                </a:ln>
+                <a:solidFill>
+                  <a:prstClr val="black"/>
+                </a:solidFill>
+                <a:effectLst/>
+                <a:uLnTx/>
+                <a:uFillTx/>
+                <a:latin typeface="Calibri" panose="020F0502020204030204"/>
+                <a:ea typeface="+mn-ea"/>
+                <a:cs typeface="+mn-cs"/>
+              </a:rPr>
+              <a:pPr marL="0" marR="0" lvl="0" indent="0" algn="r" defTabSz="914400" rtl="0" eaLnBrk="1" fontAlgn="auto" latinLnBrk="0" hangingPunct="1">
+                <a:lnSpc>
+                  <a:spcPct val="100000"/>
+                </a:lnSpc>
+                <a:spcBef>
+                  <a:spcPts val="0"/>
+                </a:spcBef>
+                <a:spcAft>
+                  <a:spcPts val="0"/>
+                </a:spcAft>
+                <a:buClrTx/>
+                <a:buSzTx/>
+                <a:buFontTx/>
+                <a:buNone/>
+                <a:tabLst/>
+                <a:defRPr/>
+              </a:pPr>
               <a:t>14</a:t>
             </a:fld>
-            <a:endParaRPr lang="en-US"/>
+            <a:endParaRPr kumimoji="0" lang="en-US" sz="1200" b="0" i="0" u="none" strike="noStrike" kern="1200" cap="none" spc="0" normalizeH="0" baseline="0" noProof="0">
+              <a:ln>
+                <a:noFill/>
+              </a:ln>
+              <a:solidFill>
+                <a:prstClr val="black"/>
+              </a:solidFill>
+              <a:effectLst/>
+              <a:uLnTx/>
+              <a:uFillTx/>
+              <a:latin typeface="Calibri" panose="020F0502020204030204"/>
+              <a:ea typeface="+mn-ea"/>
+              <a:cs typeface="+mn-cs"/>
+            </a:endParaRPr>
           </a:p>
         </p:txBody>
       </p:sp>
     </p:spTree>
     <p:extLst>
       <p:ext uri="{BB962C8B-B14F-4D97-AF65-F5344CB8AC3E}">
-        <p14:creationId xmlns:p14="http://schemas.microsoft.com/office/powerpoint/2010/main" val="443663192"/>
+        <p14:creationId xmlns:p14="http://schemas.microsoft.com/office/powerpoint/2010/main" val="2506049709"/>
       </p:ext>
     </p:extLst>
   </p:cSld>
@@ -2611,14 +2674,6 @@
           <a:bodyPr/>
           <a:lstStyle/>
           <a:p>
-            <a:r>
-              <a:rPr lang="en-US" dirty="0" smtClean="0"/>
-              <a:t>Neo4j SDK are available for all these</a:t>
-            </a:r>
-            <a:r>
-              <a:rPr lang="en-US" baseline="0" dirty="0" smtClean="0"/>
-              <a:t> languages and as well as with Rest API – one can POST the queries directly and get the response.</a:t>
-            </a:r>
             <a:endParaRPr lang="en-US" dirty="0"/>
           </a:p>
         </p:txBody>
@@ -2709,7 +2764,7 @@
     </p:spTree>
     <p:extLst>
       <p:ext uri="{BB962C8B-B14F-4D97-AF65-F5344CB8AC3E}">
-        <p14:creationId xmlns:p14="http://schemas.microsoft.com/office/powerpoint/2010/main" val="550536863"/>
+        <p14:creationId xmlns:p14="http://schemas.microsoft.com/office/powerpoint/2010/main" val="474302973"/>
       </p:ext>
     </p:extLst>
   </p:cSld>
@@ -2782,78 +2837,18 @@
           <a:bodyPr/>
           <a:lstStyle/>
           <a:p>
-            <a:pPr marL="0" marR="0" lvl="0" indent="0" algn="r" defTabSz="914400" rtl="0" eaLnBrk="1" fontAlgn="auto" latinLnBrk="0" hangingPunct="1">
-              <a:lnSpc>
-                <a:spcPct val="100000"/>
-              </a:lnSpc>
-              <a:spcBef>
-                <a:spcPts val="0"/>
-              </a:spcBef>
-              <a:spcAft>
-                <a:spcPts val="0"/>
-              </a:spcAft>
-              <a:buClrTx/>
-              <a:buSzTx/>
-              <a:buFontTx/>
-              <a:buNone/>
-              <a:tabLst/>
-              <a:defRPr/>
-            </a:pPr>
             <a:fld id="{A9D60960-B8FD-4F06-B5CE-A35308F4A9E8}" type="slidenum">
-              <a:rPr kumimoji="0" lang="en-US" sz="1200" b="0" i="0" u="none" strike="noStrike" kern="1200" cap="none" spc="0" normalizeH="0" baseline="0" noProof="0" smtClean="0">
-                <a:ln>
-                  <a:noFill/>
-                </a:ln>
-                <a:solidFill>
-                  <a:prstClr val="black"/>
-                </a:solidFill>
-                <a:effectLst/>
-                <a:uLnTx/>
-                <a:uFillTx/>
-                <a:latin typeface="Calibri" panose="020F0502020204030204"/>
-                <a:ea typeface="+mn-ea"/>
-                <a:cs typeface="+mn-cs"/>
-              </a:rPr>
-              <a:pPr marL="0" marR="0" lvl="0" indent="0" algn="r" defTabSz="914400" rtl="0" eaLnBrk="1" fontAlgn="auto" latinLnBrk="0" hangingPunct="1">
-                <a:lnSpc>
-                  <a:spcPct val="100000"/>
-                </a:lnSpc>
-                <a:spcBef>
-                  <a:spcPts val="0"/>
-                </a:spcBef>
-                <a:spcAft>
-                  <a:spcPts val="0"/>
-                </a:spcAft>
-                <a:buClrTx/>
-                <a:buSzTx/>
-                <a:buFontTx/>
-                <a:buNone/>
-                <a:tabLst/>
-                <a:defRPr/>
-              </a:pPr>
-              <a:t>17</a:t>
+              <a:rPr lang="en-US" smtClean="0"/>
+              <a:t>16</a:t>
             </a:fld>
-            <a:endParaRPr kumimoji="0" lang="en-US" sz="1200" b="0" i="0" u="none" strike="noStrike" kern="1200" cap="none" spc="0" normalizeH="0" baseline="0" noProof="0">
-              <a:ln>
-                <a:noFill/>
-              </a:ln>
-              <a:solidFill>
-                <a:prstClr val="black"/>
-              </a:solidFill>
-              <a:effectLst/>
-              <a:uLnTx/>
-              <a:uFillTx/>
-              <a:latin typeface="Calibri" panose="020F0502020204030204"/>
-              <a:ea typeface="+mn-ea"/>
-              <a:cs typeface="+mn-cs"/>
-            </a:endParaRPr>
+            <a:endParaRPr lang="en-US"/>
           </a:p>
         </p:txBody>
       </p:sp>
     </p:spTree>
     <p:extLst>
       <p:ext uri="{BB962C8B-B14F-4D97-AF65-F5344CB8AC3E}">
-        <p14:creationId xmlns:p14="http://schemas.microsoft.com/office/powerpoint/2010/main" val="1679730851"/>
+        <p14:creationId xmlns:p14="http://schemas.microsoft.com/office/powerpoint/2010/main" val="443663192"/>
       </p:ext>
     </p:extLst>
   </p:cSld>
@@ -2909,22 +2904,12 @@
           <a:p>
             <a:r>
               <a:rPr lang="en-US" dirty="0" smtClean="0"/>
-              <a:t>Its all about the Patterns when it comes to graph databases, for ex see the patterns of “Nodes</a:t>
+              <a:t>Neo4j SDK are available for all these</a:t>
             </a:r>
             <a:r>
               <a:rPr lang="en-US" baseline="0" dirty="0" smtClean="0"/>
-              <a:t> having “</a:t>
-            </a:r>
-            <a:r>
-              <a:rPr lang="en-US" baseline="0" dirty="0" err="1" smtClean="0"/>
-              <a:t>Husband_of</a:t>
-            </a:r>
-            <a:r>
-              <a:rPr lang="en-US" baseline="0" dirty="0" smtClean="0"/>
-              <a:t>” relations, Am I Missing marking some relations here?</a:t>
-            </a:r>
-          </a:p>
-          <a:p>
+              <a:t> languages and as well as with Rest API – one can POST the queries directly and get the response.</a:t>
+            </a:r>
             <a:endParaRPr lang="en-US" dirty="0"/>
           </a:p>
         </p:txBody>
@@ -2993,7 +2978,7 @@
                 <a:tabLst/>
                 <a:defRPr/>
               </a:pPr>
-              <a:t>18</a:t>
+              <a:t>17</a:t>
             </a:fld>
             <a:endParaRPr kumimoji="0" lang="en-US" sz="1200" b="0" i="0" u="none" strike="noStrike" kern="1200" cap="none" spc="0" normalizeH="0" baseline="0" noProof="0">
               <a:ln>
@@ -3015,7 +3000,7 @@
     </p:spTree>
     <p:extLst>
       <p:ext uri="{BB962C8B-B14F-4D97-AF65-F5344CB8AC3E}">
-        <p14:creationId xmlns:p14="http://schemas.microsoft.com/office/powerpoint/2010/main" val="920428371"/>
+        <p14:creationId xmlns:p14="http://schemas.microsoft.com/office/powerpoint/2010/main" val="550536863"/>
       </p:ext>
     </p:extLst>
   </p:cSld>
@@ -3069,18 +3054,6 @@
           <a:bodyPr/>
           <a:lstStyle/>
           <a:p>
-            <a:r>
-              <a:rPr lang="en-US" dirty="0" smtClean="0"/>
-              <a:t>What are we doing here, We are matching a type of node a with relation to node b having a relation of “</a:t>
-            </a:r>
-            <a:r>
-              <a:rPr lang="en-US" dirty="0" err="1" smtClean="0"/>
-              <a:t>Husband_Of</a:t>
-            </a:r>
-            <a:r>
-              <a:rPr lang="en-US" dirty="0" smtClean="0"/>
-              <a:t>” and returning both the kind of nodes</a:t>
-            </a:r>
             <a:endParaRPr lang="en-US" dirty="0"/>
           </a:p>
         </p:txBody>
@@ -3100,18 +3073,78 @@
           <a:bodyPr/>
           <a:lstStyle/>
           <a:p>
+            <a:pPr marL="0" marR="0" lvl="0" indent="0" algn="r" defTabSz="914400" rtl="0" eaLnBrk="1" fontAlgn="auto" latinLnBrk="0" hangingPunct="1">
+              <a:lnSpc>
+                <a:spcPct val="100000"/>
+              </a:lnSpc>
+              <a:spcBef>
+                <a:spcPts val="0"/>
+              </a:spcBef>
+              <a:spcAft>
+                <a:spcPts val="0"/>
+              </a:spcAft>
+              <a:buClrTx/>
+              <a:buSzTx/>
+              <a:buFontTx/>
+              <a:buNone/>
+              <a:tabLst/>
+              <a:defRPr/>
+            </a:pPr>
             <a:fld id="{A9D60960-B8FD-4F06-B5CE-A35308F4A9E8}" type="slidenum">
-              <a:rPr lang="en-US" smtClean="0"/>
+              <a:rPr kumimoji="0" lang="en-US" sz="1200" b="0" i="0" u="none" strike="noStrike" kern="1200" cap="none" spc="0" normalizeH="0" baseline="0" noProof="0" smtClean="0">
+                <a:ln>
+                  <a:noFill/>
+                </a:ln>
+                <a:solidFill>
+                  <a:prstClr val="black"/>
+                </a:solidFill>
+                <a:effectLst/>
+                <a:uLnTx/>
+                <a:uFillTx/>
+                <a:latin typeface="Calibri" panose="020F0502020204030204"/>
+                <a:ea typeface="+mn-ea"/>
+                <a:cs typeface="+mn-cs"/>
+              </a:rPr>
+              <a:pPr marL="0" marR="0" lvl="0" indent="0" algn="r" defTabSz="914400" rtl="0" eaLnBrk="1" fontAlgn="auto" latinLnBrk="0" hangingPunct="1">
+                <a:lnSpc>
+                  <a:spcPct val="100000"/>
+                </a:lnSpc>
+                <a:spcBef>
+                  <a:spcPts val="0"/>
+                </a:spcBef>
+                <a:spcAft>
+                  <a:spcPts val="0"/>
+                </a:spcAft>
+                <a:buClrTx/>
+                <a:buSzTx/>
+                <a:buFontTx/>
+                <a:buNone/>
+                <a:tabLst/>
+                <a:defRPr/>
+              </a:pPr>
               <a:t>19</a:t>
             </a:fld>
-            <a:endParaRPr lang="en-US"/>
+            <a:endParaRPr kumimoji="0" lang="en-US" sz="1200" b="0" i="0" u="none" strike="noStrike" kern="1200" cap="none" spc="0" normalizeH="0" baseline="0" noProof="0">
+              <a:ln>
+                <a:noFill/>
+              </a:ln>
+              <a:solidFill>
+                <a:prstClr val="black"/>
+              </a:solidFill>
+              <a:effectLst/>
+              <a:uLnTx/>
+              <a:uFillTx/>
+              <a:latin typeface="Calibri" panose="020F0502020204030204"/>
+              <a:ea typeface="+mn-ea"/>
+              <a:cs typeface="+mn-cs"/>
+            </a:endParaRPr>
           </a:p>
         </p:txBody>
       </p:sp>
     </p:spTree>
     <p:extLst>
       <p:ext uri="{BB962C8B-B14F-4D97-AF65-F5344CB8AC3E}">
-        <p14:creationId xmlns:p14="http://schemas.microsoft.com/office/powerpoint/2010/main" val="778760326"/>
+        <p14:creationId xmlns:p14="http://schemas.microsoft.com/office/powerpoint/2010/main" val="1679730851"/>
       </p:ext>
     </p:extLst>
   </p:cSld>
@@ -3167,40 +3200,22 @@
           <a:p>
             <a:r>
               <a:rPr lang="en-US" dirty="0" smtClean="0"/>
-              <a:t>Finding the Shortest Paths between </a:t>
-            </a:r>
-            <a:r>
-              <a:rPr lang="en-US" dirty="0" err="1" smtClean="0"/>
-              <a:t>sahadev</a:t>
+              <a:t>Its all about the Patterns when it comes to graph databases, for ex see the patterns of “Nodes</a:t>
             </a:r>
             <a:r>
               <a:rPr lang="en-US" baseline="0" dirty="0" smtClean="0"/>
-              <a:t> and </a:t>
+              <a:t> having “</a:t>
             </a:r>
             <a:r>
               <a:rPr lang="en-US" baseline="0" dirty="0" err="1" smtClean="0"/>
-              <a:t>Abhi</a:t>
+              <a:t>Husband_of</a:t>
             </a:r>
             <a:r>
               <a:rPr lang="en-US" baseline="0" dirty="0" smtClean="0"/>
-              <a:t> </a:t>
-            </a:r>
-            <a:r>
-              <a:rPr lang="en-US" baseline="0" dirty="0" err="1" smtClean="0"/>
-              <a:t>manyu</a:t>
-            </a:r>
-            <a:r>
-              <a:rPr lang="en-US" baseline="0" dirty="0" smtClean="0"/>
-              <a:t>, if be given a relational </a:t>
-            </a:r>
-            <a:r>
-              <a:rPr lang="en-US" baseline="0" dirty="0" err="1" smtClean="0"/>
-              <a:t>db</a:t>
-            </a:r>
-            <a:r>
-              <a:rPr lang="en-US" baseline="0" dirty="0" smtClean="0"/>
-              <a:t> , think about how much lines of code would need to be written  </a:t>
-            </a:r>
+              <a:t>” relations, Am I Missing marking some relations here?</a:t>
+            </a:r>
+          </a:p>
+          <a:p>
             <a:endParaRPr lang="en-US" dirty="0"/>
           </a:p>
         </p:txBody>
@@ -3220,9 +3235,285 @@
           <a:bodyPr/>
           <a:lstStyle/>
           <a:p>
+            <a:pPr marL="0" marR="0" lvl="0" indent="0" algn="r" defTabSz="914400" rtl="0" eaLnBrk="1" fontAlgn="auto" latinLnBrk="0" hangingPunct="1">
+              <a:lnSpc>
+                <a:spcPct val="100000"/>
+              </a:lnSpc>
+              <a:spcBef>
+                <a:spcPts val="0"/>
+              </a:spcBef>
+              <a:spcAft>
+                <a:spcPts val="0"/>
+              </a:spcAft>
+              <a:buClrTx/>
+              <a:buSzTx/>
+              <a:buFontTx/>
+              <a:buNone/>
+              <a:tabLst/>
+              <a:defRPr/>
+            </a:pPr>
+            <a:fld id="{A9D60960-B8FD-4F06-B5CE-A35308F4A9E8}" type="slidenum">
+              <a:rPr kumimoji="0" lang="en-US" sz="1200" b="0" i="0" u="none" strike="noStrike" kern="1200" cap="none" spc="0" normalizeH="0" baseline="0" noProof="0" smtClean="0">
+                <a:ln>
+                  <a:noFill/>
+                </a:ln>
+                <a:solidFill>
+                  <a:prstClr val="black"/>
+                </a:solidFill>
+                <a:effectLst/>
+                <a:uLnTx/>
+                <a:uFillTx/>
+                <a:latin typeface="Calibri" panose="020F0502020204030204"/>
+                <a:ea typeface="+mn-ea"/>
+                <a:cs typeface="+mn-cs"/>
+              </a:rPr>
+              <a:pPr marL="0" marR="0" lvl="0" indent="0" algn="r" defTabSz="914400" rtl="0" eaLnBrk="1" fontAlgn="auto" latinLnBrk="0" hangingPunct="1">
+                <a:lnSpc>
+                  <a:spcPct val="100000"/>
+                </a:lnSpc>
+                <a:spcBef>
+                  <a:spcPts val="0"/>
+                </a:spcBef>
+                <a:spcAft>
+                  <a:spcPts val="0"/>
+                </a:spcAft>
+                <a:buClrTx/>
+                <a:buSzTx/>
+                <a:buFontTx/>
+                <a:buNone/>
+                <a:tabLst/>
+                <a:defRPr/>
+              </a:pPr>
+              <a:t>20</a:t>
+            </a:fld>
+            <a:endParaRPr kumimoji="0" lang="en-US" sz="1200" b="0" i="0" u="none" strike="noStrike" kern="1200" cap="none" spc="0" normalizeH="0" baseline="0" noProof="0">
+              <a:ln>
+                <a:noFill/>
+              </a:ln>
+              <a:solidFill>
+                <a:prstClr val="black"/>
+              </a:solidFill>
+              <a:effectLst/>
+              <a:uLnTx/>
+              <a:uFillTx/>
+              <a:latin typeface="Calibri" panose="020F0502020204030204"/>
+              <a:ea typeface="+mn-ea"/>
+              <a:cs typeface="+mn-cs"/>
+            </a:endParaRPr>
+          </a:p>
+        </p:txBody>
+      </p:sp>
+    </p:spTree>
+    <p:extLst>
+      <p:ext uri="{BB962C8B-B14F-4D97-AF65-F5344CB8AC3E}">
+        <p14:creationId xmlns:p14="http://schemas.microsoft.com/office/powerpoint/2010/main" val="920428371"/>
+      </p:ext>
+    </p:extLst>
+  </p:cSld>
+  <p:clrMapOvr>
+    <a:masterClrMapping/>
+  </p:clrMapOvr>
+</p:notes>
+</file>
+
+<file path=ppt/notesSlides/notesSlide16.xml><?xml version="1.0" encoding="utf-8"?>
+<p:notes xmlns:a="http://schemas.openxmlformats.org/drawingml/2006/main" xmlns:r="http://schemas.openxmlformats.org/officeDocument/2006/relationships" xmlns:p="http://schemas.openxmlformats.org/presentationml/2006/main">
+  <p:cSld>
+    <p:spTree>
+      <p:nvGrpSpPr>
+        <p:cNvPr id="1" name=""/>
+        <p:cNvGrpSpPr/>
+        <p:nvPr/>
+      </p:nvGrpSpPr>
+      <p:grpSpPr>
+        <a:xfrm>
+          <a:off x="0" y="0"/>
+          <a:ext cx="0" cy="0"/>
+          <a:chOff x="0" y="0"/>
+          <a:chExt cx="0" cy="0"/>
+        </a:xfrm>
+      </p:grpSpPr>
+      <p:sp>
+        <p:nvSpPr>
+          <p:cNvPr id="2" name="Slide Image Placeholder 1"/>
+          <p:cNvSpPr>
+            <a:spLocks noGrp="1" noRot="1" noChangeAspect="1"/>
+          </p:cNvSpPr>
+          <p:nvPr>
+            <p:ph type="sldImg"/>
+          </p:nvPr>
+        </p:nvSpPr>
+        <p:spPr/>
+      </p:sp>
+      <p:sp>
+        <p:nvSpPr>
+          <p:cNvPr id="3" name="Notes Placeholder 2"/>
+          <p:cNvSpPr>
+            <a:spLocks noGrp="1"/>
+          </p:cNvSpPr>
+          <p:nvPr>
+            <p:ph type="body" idx="1"/>
+          </p:nvPr>
+        </p:nvSpPr>
+        <p:spPr/>
+        <p:txBody>
+          <a:bodyPr/>
+          <a:lstStyle/>
+          <a:p>
+            <a:r>
+              <a:rPr lang="en-US" dirty="0" smtClean="0"/>
+              <a:t>What are we doing here, We are matching a type of node a with relation to node b having a relation of “</a:t>
+            </a:r>
+            <a:r>
+              <a:rPr lang="en-US" dirty="0" err="1" smtClean="0"/>
+              <a:t>Husband_Of</a:t>
+            </a:r>
+            <a:r>
+              <a:rPr lang="en-US" dirty="0" smtClean="0"/>
+              <a:t>” and returning both the kind of nodes</a:t>
+            </a:r>
+            <a:endParaRPr lang="en-US" dirty="0"/>
+          </a:p>
+        </p:txBody>
+      </p:sp>
+      <p:sp>
+        <p:nvSpPr>
+          <p:cNvPr id="4" name="Slide Number Placeholder 3"/>
+          <p:cNvSpPr>
+            <a:spLocks noGrp="1"/>
+          </p:cNvSpPr>
+          <p:nvPr>
+            <p:ph type="sldNum" sz="quarter" idx="10"/>
+          </p:nvPr>
+        </p:nvSpPr>
+        <p:spPr/>
+        <p:txBody>
+          <a:bodyPr/>
+          <a:lstStyle/>
+          <a:p>
             <a:fld id="{A9D60960-B8FD-4F06-B5CE-A35308F4A9E8}" type="slidenum">
               <a:rPr lang="en-US" smtClean="0"/>
-              <a:t>20</a:t>
+              <a:t>21</a:t>
+            </a:fld>
+            <a:endParaRPr lang="en-US"/>
+          </a:p>
+        </p:txBody>
+      </p:sp>
+    </p:spTree>
+    <p:extLst>
+      <p:ext uri="{BB962C8B-B14F-4D97-AF65-F5344CB8AC3E}">
+        <p14:creationId xmlns:p14="http://schemas.microsoft.com/office/powerpoint/2010/main" val="778760326"/>
+      </p:ext>
+    </p:extLst>
+  </p:cSld>
+  <p:clrMapOvr>
+    <a:masterClrMapping/>
+  </p:clrMapOvr>
+</p:notes>
+</file>
+
+<file path=ppt/notesSlides/notesSlide17.xml><?xml version="1.0" encoding="utf-8"?>
+<p:notes xmlns:a="http://schemas.openxmlformats.org/drawingml/2006/main" xmlns:r="http://schemas.openxmlformats.org/officeDocument/2006/relationships" xmlns:p="http://schemas.openxmlformats.org/presentationml/2006/main">
+  <p:cSld>
+    <p:spTree>
+      <p:nvGrpSpPr>
+        <p:cNvPr id="1" name=""/>
+        <p:cNvGrpSpPr/>
+        <p:nvPr/>
+      </p:nvGrpSpPr>
+      <p:grpSpPr>
+        <a:xfrm>
+          <a:off x="0" y="0"/>
+          <a:ext cx="0" cy="0"/>
+          <a:chOff x="0" y="0"/>
+          <a:chExt cx="0" cy="0"/>
+        </a:xfrm>
+      </p:grpSpPr>
+      <p:sp>
+        <p:nvSpPr>
+          <p:cNvPr id="2" name="Slide Image Placeholder 1"/>
+          <p:cNvSpPr>
+            <a:spLocks noGrp="1" noRot="1" noChangeAspect="1"/>
+          </p:cNvSpPr>
+          <p:nvPr>
+            <p:ph type="sldImg"/>
+          </p:nvPr>
+        </p:nvSpPr>
+        <p:spPr/>
+      </p:sp>
+      <p:sp>
+        <p:nvSpPr>
+          <p:cNvPr id="3" name="Notes Placeholder 2"/>
+          <p:cNvSpPr>
+            <a:spLocks noGrp="1"/>
+          </p:cNvSpPr>
+          <p:nvPr>
+            <p:ph type="body" idx="1"/>
+          </p:nvPr>
+        </p:nvSpPr>
+        <p:spPr/>
+        <p:txBody>
+          <a:bodyPr/>
+          <a:lstStyle/>
+          <a:p>
+            <a:r>
+              <a:rPr lang="en-US" dirty="0" smtClean="0"/>
+              <a:t>Finding the Shortest Paths between </a:t>
+            </a:r>
+            <a:r>
+              <a:rPr lang="en-US" dirty="0" err="1" smtClean="0"/>
+              <a:t>sahadev</a:t>
+            </a:r>
+            <a:r>
+              <a:rPr lang="en-US" baseline="0" dirty="0" smtClean="0"/>
+              <a:t> and </a:t>
+            </a:r>
+            <a:r>
+              <a:rPr lang="en-US" baseline="0" dirty="0" err="1" smtClean="0"/>
+              <a:t>Abhi</a:t>
+            </a:r>
+            <a:r>
+              <a:rPr lang="en-US" baseline="0" dirty="0" smtClean="0"/>
+              <a:t> </a:t>
+            </a:r>
+            <a:r>
+              <a:rPr lang="en-US" baseline="0" dirty="0" err="1" smtClean="0"/>
+              <a:t>manyu</a:t>
+            </a:r>
+            <a:r>
+              <a:rPr lang="en-US" baseline="0" dirty="0" smtClean="0"/>
+              <a:t>, if be given a relational </a:t>
+            </a:r>
+            <a:r>
+              <a:rPr lang="en-US" baseline="0" dirty="0" err="1" smtClean="0"/>
+              <a:t>db</a:t>
+            </a:r>
+            <a:r>
+              <a:rPr lang="en-US" baseline="0" dirty="0" smtClean="0"/>
+              <a:t> , think about how much lines of code would need to be written  </a:t>
+            </a:r>
+            <a:endParaRPr lang="en-US" dirty="0"/>
+          </a:p>
+        </p:txBody>
+      </p:sp>
+      <p:sp>
+        <p:nvSpPr>
+          <p:cNvPr id="4" name="Slide Number Placeholder 3"/>
+          <p:cNvSpPr>
+            <a:spLocks noGrp="1"/>
+          </p:cNvSpPr>
+          <p:nvPr>
+            <p:ph type="sldNum" sz="quarter" idx="10"/>
+          </p:nvPr>
+        </p:nvSpPr>
+        <p:spPr/>
+        <p:txBody>
+          <a:bodyPr/>
+          <a:lstStyle/>
+          <a:p>
+            <a:fld id="{A9D60960-B8FD-4F06-B5CE-A35308F4A9E8}" type="slidenum">
+              <a:rPr lang="en-US" smtClean="0"/>
+              <a:t>22</a:t>
             </a:fld>
             <a:endParaRPr lang="en-US"/>
           </a:p>
@@ -3232,6 +3523,150 @@
     <p:extLst>
       <p:ext uri="{BB962C8B-B14F-4D97-AF65-F5344CB8AC3E}">
         <p14:creationId xmlns:p14="http://schemas.microsoft.com/office/powerpoint/2010/main" val="65763014"/>
+      </p:ext>
+    </p:extLst>
+  </p:cSld>
+  <p:clrMapOvr>
+    <a:masterClrMapping/>
+  </p:clrMapOvr>
+</p:notes>
+</file>
+
+<file path=ppt/notesSlides/notesSlide18.xml><?xml version="1.0" encoding="utf-8"?>
+<p:notes xmlns:a="http://schemas.openxmlformats.org/drawingml/2006/main" xmlns:r="http://schemas.openxmlformats.org/officeDocument/2006/relationships" xmlns:p="http://schemas.openxmlformats.org/presentationml/2006/main">
+  <p:cSld>
+    <p:spTree>
+      <p:nvGrpSpPr>
+        <p:cNvPr id="1" name=""/>
+        <p:cNvGrpSpPr/>
+        <p:nvPr/>
+      </p:nvGrpSpPr>
+      <p:grpSpPr>
+        <a:xfrm>
+          <a:off x="0" y="0"/>
+          <a:ext cx="0" cy="0"/>
+          <a:chOff x="0" y="0"/>
+          <a:chExt cx="0" cy="0"/>
+        </a:xfrm>
+      </p:grpSpPr>
+      <p:sp>
+        <p:nvSpPr>
+          <p:cNvPr id="2" name="Slide Image Placeholder 1"/>
+          <p:cNvSpPr>
+            <a:spLocks noGrp="1" noRot="1" noChangeAspect="1"/>
+          </p:cNvSpPr>
+          <p:nvPr>
+            <p:ph type="sldImg"/>
+          </p:nvPr>
+        </p:nvSpPr>
+        <p:spPr/>
+      </p:sp>
+      <p:sp>
+        <p:nvSpPr>
+          <p:cNvPr id="3" name="Notes Placeholder 2"/>
+          <p:cNvSpPr>
+            <a:spLocks noGrp="1"/>
+          </p:cNvSpPr>
+          <p:nvPr>
+            <p:ph type="body" idx="1"/>
+          </p:nvPr>
+        </p:nvSpPr>
+        <p:spPr/>
+        <p:txBody>
+          <a:bodyPr/>
+          <a:lstStyle/>
+          <a:p>
+            <a:endParaRPr lang="en-US" dirty="0"/>
+          </a:p>
+        </p:txBody>
+      </p:sp>
+      <p:sp>
+        <p:nvSpPr>
+          <p:cNvPr id="4" name="Slide Number Placeholder 3"/>
+          <p:cNvSpPr>
+            <a:spLocks noGrp="1"/>
+          </p:cNvSpPr>
+          <p:nvPr>
+            <p:ph type="sldNum" sz="quarter" idx="10"/>
+          </p:nvPr>
+        </p:nvSpPr>
+        <p:spPr/>
+        <p:txBody>
+          <a:bodyPr/>
+          <a:lstStyle/>
+          <a:p>
+            <a:pPr marL="0" marR="0" lvl="0" indent="0" algn="r" defTabSz="914400" rtl="0" eaLnBrk="1" fontAlgn="auto" latinLnBrk="0" hangingPunct="1">
+              <a:lnSpc>
+                <a:spcPct val="100000"/>
+              </a:lnSpc>
+              <a:spcBef>
+                <a:spcPts val="0"/>
+              </a:spcBef>
+              <a:spcAft>
+                <a:spcPts val="0"/>
+              </a:spcAft>
+              <a:buClrTx/>
+              <a:buSzTx/>
+              <a:buFontTx/>
+              <a:buNone/>
+              <a:tabLst/>
+              <a:defRPr/>
+            </a:pPr>
+            <a:fld id="{A9D60960-B8FD-4F06-B5CE-A35308F4A9E8}" type="slidenum">
+              <a:rPr kumimoji="0" lang="en-US" sz="1200" b="0" i="0" u="none" strike="noStrike" kern="1200" cap="none" spc="0" normalizeH="0" baseline="0" noProof="0" smtClean="0">
+                <a:ln>
+                  <a:noFill/>
+                </a:ln>
+                <a:solidFill>
+                  <a:prstClr val="black"/>
+                </a:solidFill>
+                <a:effectLst/>
+                <a:uLnTx/>
+                <a:uFillTx/>
+                <a:latin typeface="Calibri" panose="020F0502020204030204"/>
+                <a:ea typeface="+mn-ea"/>
+                <a:cs typeface="+mn-cs"/>
+              </a:rPr>
+              <a:pPr marL="0" marR="0" lvl="0" indent="0" algn="r" defTabSz="914400" rtl="0" eaLnBrk="1" fontAlgn="auto" latinLnBrk="0" hangingPunct="1">
+                <a:lnSpc>
+                  <a:spcPct val="100000"/>
+                </a:lnSpc>
+                <a:spcBef>
+                  <a:spcPts val="0"/>
+                </a:spcBef>
+                <a:spcAft>
+                  <a:spcPts val="0"/>
+                </a:spcAft>
+                <a:buClrTx/>
+                <a:buSzTx/>
+                <a:buFontTx/>
+                <a:buNone/>
+                <a:tabLst/>
+                <a:defRPr/>
+              </a:pPr>
+              <a:t>23</a:t>
+            </a:fld>
+            <a:endParaRPr kumimoji="0" lang="en-US" sz="1200" b="0" i="0" u="none" strike="noStrike" kern="1200" cap="none" spc="0" normalizeH="0" baseline="0" noProof="0">
+              <a:ln>
+                <a:noFill/>
+              </a:ln>
+              <a:solidFill>
+                <a:prstClr val="black"/>
+              </a:solidFill>
+              <a:effectLst/>
+              <a:uLnTx/>
+              <a:uFillTx/>
+              <a:latin typeface="Calibri" panose="020F0502020204030204"/>
+              <a:ea typeface="+mn-ea"/>
+              <a:cs typeface="+mn-cs"/>
+            </a:endParaRPr>
+          </a:p>
+        </p:txBody>
+      </p:sp>
+    </p:spTree>
+    <p:extLst>
+      <p:ext uri="{BB962C8B-B14F-4D97-AF65-F5344CB8AC3E}">
+        <p14:creationId xmlns:p14="http://schemas.microsoft.com/office/powerpoint/2010/main" val="2226226110"/>
       </p:ext>
     </p:extLst>
   </p:cSld>
@@ -4533,7 +4968,7 @@
           <a:p>
             <a:fld id="{615B8220-D6CE-4EBA-9DF4-44184996CC87}" type="datetimeFigureOut">
               <a:rPr lang="en-IN" smtClean="0"/>
-              <a:t>20-10-2015</a:t>
+              <a:t>02-11-2015</a:t>
             </a:fld>
             <a:endParaRPr lang="en-IN"/>
           </a:p>
@@ -4786,7 +5221,7 @@
           <a:p>
             <a:fld id="{615B8220-D6CE-4EBA-9DF4-44184996CC87}" type="datetimeFigureOut">
               <a:rPr lang="en-IN" smtClean="0"/>
-              <a:t>20-10-2015</a:t>
+              <a:t>02-11-2015</a:t>
             </a:fld>
             <a:endParaRPr lang="en-IN"/>
           </a:p>
@@ -4956,7 +5391,7 @@
           <a:p>
             <a:fld id="{615B8220-D6CE-4EBA-9DF4-44184996CC87}" type="datetimeFigureOut">
               <a:rPr lang="en-IN" smtClean="0"/>
-              <a:t>20-10-2015</a:t>
+              <a:t>02-11-2015</a:t>
             </a:fld>
             <a:endParaRPr lang="en-IN"/>
           </a:p>
@@ -5136,7 +5571,7 @@
           <a:p>
             <a:fld id="{615B8220-D6CE-4EBA-9DF4-44184996CC87}" type="datetimeFigureOut">
               <a:rPr lang="en-IN" smtClean="0"/>
-              <a:t>20-10-2015</a:t>
+              <a:t>02-11-2015</a:t>
             </a:fld>
             <a:endParaRPr lang="en-IN"/>
           </a:p>
@@ -5358,7 +5793,7 @@
           <a:p>
             <a:fld id="{615B8220-D6CE-4EBA-9DF4-44184996CC87}" type="datetimeFigureOut">
               <a:rPr lang="en-IN" smtClean="0"/>
-              <a:t>20-10-2015</a:t>
+              <a:t>02-11-2015</a:t>
             </a:fld>
             <a:endParaRPr lang="en-IN"/>
           </a:p>
@@ -5558,7 +5993,7 @@
           <a:p>
             <a:fld id="{615B8220-D6CE-4EBA-9DF4-44184996CC87}" type="datetimeFigureOut">
               <a:rPr lang="en-IN" smtClean="0"/>
-              <a:t>20-10-2015</a:t>
+              <a:t>02-11-2015</a:t>
             </a:fld>
             <a:endParaRPr lang="en-IN"/>
           </a:p>
@@ -5818,7 +6253,7 @@
           <a:p>
             <a:fld id="{615B8220-D6CE-4EBA-9DF4-44184996CC87}" type="datetimeFigureOut">
               <a:rPr lang="en-IN" smtClean="0"/>
-              <a:t>20-10-2015</a:t>
+              <a:t>02-11-2015</a:t>
             </a:fld>
             <a:endParaRPr lang="en-IN"/>
           </a:p>
@@ -6094,7 +6529,7 @@
           <a:p>
             <a:fld id="{615B8220-D6CE-4EBA-9DF4-44184996CC87}" type="datetimeFigureOut">
               <a:rPr lang="en-IN" smtClean="0"/>
-              <a:t>20-10-2015</a:t>
+              <a:t>02-11-2015</a:t>
             </a:fld>
             <a:endParaRPr lang="en-IN"/>
           </a:p>
@@ -6326,7 +6761,7 @@
           <a:p>
             <a:fld id="{615B8220-D6CE-4EBA-9DF4-44184996CC87}" type="datetimeFigureOut">
               <a:rPr lang="en-IN" smtClean="0"/>
-              <a:t>20-10-2015</a:t>
+              <a:t>02-11-2015</a:t>
             </a:fld>
             <a:endParaRPr lang="en-IN"/>
           </a:p>
@@ -6693,7 +7128,7 @@
           <a:p>
             <a:fld id="{615B8220-D6CE-4EBA-9DF4-44184996CC87}" type="datetimeFigureOut">
               <a:rPr lang="en-IN" smtClean="0"/>
-              <a:t>20-10-2015</a:t>
+              <a:t>02-11-2015</a:t>
             </a:fld>
             <a:endParaRPr lang="en-IN"/>
           </a:p>
@@ -6811,7 +7246,7 @@
           <a:p>
             <a:fld id="{615B8220-D6CE-4EBA-9DF4-44184996CC87}" type="datetimeFigureOut">
               <a:rPr lang="en-IN" smtClean="0"/>
-              <a:t>20-10-2015</a:t>
+              <a:t>02-11-2015</a:t>
             </a:fld>
             <a:endParaRPr lang="en-IN"/>
           </a:p>
@@ -6906,7 +7341,7 @@
           <a:p>
             <a:fld id="{615B8220-D6CE-4EBA-9DF4-44184996CC87}" type="datetimeFigureOut">
               <a:rPr lang="en-IN" smtClean="0"/>
-              <a:t>20-10-2015</a:t>
+              <a:t>02-11-2015</a:t>
             </a:fld>
             <a:endParaRPr lang="en-IN"/>
           </a:p>
@@ -7543,7 +7978,7 @@
           <a:p>
             <a:fld id="{615B8220-D6CE-4EBA-9DF4-44184996CC87}" type="datetimeFigureOut">
               <a:rPr lang="en-IN" smtClean="0"/>
-              <a:t>20-10-2015</a:t>
+              <a:t>02-11-2015</a:t>
             </a:fld>
             <a:endParaRPr lang="en-IN"/>
           </a:p>
@@ -8345,8 +8780,57 @@
                   </a:solidFill>
                   <a:latin typeface="Segoe UI Light"/>
                 </a:rPr>
-                <a:t>Sr. Tech. Evangelist</a:t>
+                <a:t>Sr. Tech. </a:t>
               </a:r>
+              <a:r>
+                <a:rPr lang="en-US" sz="2000" dirty="0" smtClean="0">
+                  <a:solidFill>
+                    <a:schemeClr val="bg1"/>
+                  </a:solidFill>
+                  <a:latin typeface="Segoe UI Light"/>
+                </a:rPr>
+                <a:t>Evangelist</a:t>
+              </a:r>
+            </a:p>
+            <a:p>
+              <a:pPr>
+                <a:defRPr/>
+              </a:pPr>
+              <a:endParaRPr lang="en-US" sz="2000" dirty="0">
+                <a:solidFill>
+                  <a:schemeClr val="bg1"/>
+                </a:solidFill>
+                <a:latin typeface="Segoe UI Light"/>
+              </a:endParaRPr>
+            </a:p>
+            <a:p>
+              <a:pPr>
+                <a:defRPr/>
+              </a:pPr>
+              <a:r>
+                <a:rPr lang="en-US" sz="2000" dirty="0" smtClean="0">
+                  <a:solidFill>
+                    <a:schemeClr val="bg1"/>
+                  </a:solidFill>
+                  <a:latin typeface="Segoe UI Light"/>
+                </a:rPr>
+                <a:t>@</a:t>
+              </a:r>
+              <a:r>
+                <a:rPr lang="en-US" sz="2000" dirty="0" err="1" smtClean="0">
+                  <a:solidFill>
+                    <a:schemeClr val="bg1"/>
+                  </a:solidFill>
+                  <a:latin typeface="Segoe UI Light"/>
+                </a:rPr>
+                <a:t>brijrajsingh</a:t>
+              </a:r>
+              <a:endParaRPr lang="en-US" sz="2000" dirty="0" smtClean="0">
+                <a:solidFill>
+                  <a:schemeClr val="bg1"/>
+                </a:solidFill>
+                <a:latin typeface="Segoe UI Light"/>
+              </a:endParaRPr>
             </a:p>
           </p:txBody>
         </p:sp>
@@ -8436,6 +8920,14 @@
   <p:clrMapOvr>
     <a:masterClrMapping/>
   </p:clrMapOvr>
+  <mc:AlternateContent xmlns:mc="http://schemas.openxmlformats.org/markup-compatibility/2006">
+    <mc:Choice xmlns:p14="http://schemas.microsoft.com/office/powerpoint/2010/main" Requires="p14">
+      <p:transition spd="slow" p14:dur="2000" advTm="21361"/>
+    </mc:Choice>
+    <mc:Fallback>
+      <p:transition spd="slow" advTm="21361"/>
+    </mc:Fallback>
+  </mc:AlternateContent>
   <p:timing>
     <p:tnLst>
       <p:par>
@@ -8875,9 +9367,6 @@
               </a:rPr>
               <a:t>The Graph way</a:t>
             </a:r>
-            <a:endParaRPr lang="en-US" sz="2000" dirty="0" smtClean="0">
-              <a:latin typeface="Segoe UI Light"/>
-            </a:endParaRPr>
           </a:p>
         </p:txBody>
       </p:sp>
@@ -8891,6 +9380,14 @@
   <p:clrMapOvr>
     <a:masterClrMapping/>
   </p:clrMapOvr>
+  <mc:AlternateContent xmlns:mc="http://schemas.openxmlformats.org/markup-compatibility/2006">
+    <mc:Choice xmlns:p14="http://schemas.microsoft.com/office/powerpoint/2010/main" Requires="p14">
+      <p:transition spd="slow" p14:dur="2000" advTm="5635"/>
+    </mc:Choice>
+    <mc:Fallback>
+      <p:transition spd="slow" advTm="5635"/>
+    </mc:Fallback>
+  </mc:AlternateContent>
   <p:timing>
     <p:tnLst>
       <p:par>
@@ -8952,6 +9449,14 @@
   <p:clrMapOvr>
     <a:masterClrMapping/>
   </p:clrMapOvr>
+  <mc:AlternateContent xmlns:mc="http://schemas.openxmlformats.org/markup-compatibility/2006">
+    <mc:Choice xmlns:p14="http://schemas.microsoft.com/office/powerpoint/2010/main" Requires="p14">
+      <p:transition spd="slow" p14:dur="2000" advTm="83171"/>
+    </mc:Choice>
+    <mc:Fallback>
+      <p:transition spd="slow" advTm="83171"/>
+    </mc:Fallback>
+  </mc:AlternateContent>
   <p:timing>
     <p:tnLst>
       <p:par>
@@ -9001,7 +9506,16 @@
                 </a:solidFill>
                 <a:latin typeface="Segoe UI Light" panose="020B0502040204020203" pitchFamily="34" charset="0"/>
               </a:rPr>
-              <a:t>Neo4J Installation</a:t>
+              <a:t>Neo4J </a:t>
+            </a:r>
+            <a:r>
+              <a:rPr lang="en-US" dirty="0" smtClean="0">
+                <a:solidFill>
+                  <a:srgbClr val="00B0F0"/>
+                </a:solidFill>
+                <a:latin typeface="Segoe UI Light" panose="020B0502040204020203" pitchFamily="34" charset="0"/>
+              </a:rPr>
+              <a:t>Installation – Local Machine</a:t>
             </a:r>
             <a:endParaRPr lang="en-US" dirty="0"/>
           </a:p>
@@ -9029,7 +9543,64 @@
                 <a:latin typeface="Segoe UI Light" panose="020B0502040204020203" pitchFamily="34" charset="0"/>
                 <a:cs typeface="Segoe UI Light" panose="020B0502040204020203" pitchFamily="34" charset="0"/>
               </a:rPr>
-              <a:t>2 kinds of Packages </a:t>
+              <a:t>Get it from neo4j.org or </a:t>
+            </a:r>
+            <a:r>
+              <a:rPr lang="en-US" sz="3200" dirty="0" err="1" smtClean="0">
+                <a:latin typeface="Segoe UI Light" panose="020B0502040204020203" pitchFamily="34" charset="0"/>
+                <a:cs typeface="Segoe UI Light" panose="020B0502040204020203" pitchFamily="34" charset="0"/>
+              </a:rPr>
+              <a:t>Github</a:t>
+            </a:r>
+            <a:r>
+              <a:rPr lang="en-US" sz="3200" dirty="0">
+                <a:latin typeface="Segoe UI Light" panose="020B0502040204020203" pitchFamily="34" charset="0"/>
+                <a:cs typeface="Segoe UI Light" panose="020B0502040204020203" pitchFamily="34" charset="0"/>
+              </a:rPr>
+              <a:t> </a:t>
+            </a:r>
+            <a:r>
+              <a:rPr lang="en-US" sz="3200" dirty="0">
+                <a:latin typeface="Segoe UI Light" panose="020B0502040204020203" pitchFamily="34" charset="0"/>
+                <a:cs typeface="Segoe UI Light" panose="020B0502040204020203" pitchFamily="34" charset="0"/>
+                <a:hlinkClick r:id="rId3"/>
+              </a:rPr>
+              <a:t>https://</a:t>
+            </a:r>
+            <a:r>
+              <a:rPr lang="en-US" sz="3200" dirty="0" smtClean="0">
+                <a:latin typeface="Segoe UI Light" panose="020B0502040204020203" pitchFamily="34" charset="0"/>
+                <a:cs typeface="Segoe UI Light" panose="020B0502040204020203" pitchFamily="34" charset="0"/>
+                <a:hlinkClick r:id="rId3"/>
+              </a:rPr>
+              <a:t>github.com/neo4j</a:t>
+            </a:r>
+            <a:r>
+              <a:rPr lang="en-US" sz="3200" dirty="0" smtClean="0">
+                <a:latin typeface="Segoe UI Light" panose="020B0502040204020203" pitchFamily="34" charset="0"/>
+                <a:cs typeface="Segoe UI Light" panose="020B0502040204020203" pitchFamily="34" charset="0"/>
+              </a:rPr>
+              <a:t> </a:t>
+            </a:r>
+            <a:endParaRPr lang="en-US" sz="3200" dirty="0">
+              <a:latin typeface="Segoe UI Light" panose="020B0502040204020203" pitchFamily="34" charset="0"/>
+              <a:cs typeface="Segoe UI Light" panose="020B0502040204020203" pitchFamily="34" charset="0"/>
+            </a:endParaRPr>
+          </a:p>
+          <a:p>
+            <a:r>
+              <a:rPr lang="en-US" sz="3200" dirty="0" smtClean="0">
+                <a:latin typeface="Segoe UI Light" panose="020B0502040204020203" pitchFamily="34" charset="0"/>
+                <a:cs typeface="Segoe UI Light" panose="020B0502040204020203" pitchFamily="34" charset="0"/>
+              </a:rPr>
+              <a:t>2 </a:t>
+            </a:r>
+            <a:r>
+              <a:rPr lang="en-US" sz="3200" dirty="0" smtClean="0">
+                <a:latin typeface="Segoe UI Light" panose="020B0502040204020203" pitchFamily="34" charset="0"/>
+                <a:cs typeface="Segoe UI Light" panose="020B0502040204020203" pitchFamily="34" charset="0"/>
+              </a:rPr>
+              <a:t>kinds of Packages </a:t>
             </a:r>
           </a:p>
           <a:p>
@@ -9053,33 +9624,19 @@
             </a:r>
           </a:p>
           <a:p>
-            <a:pPr lvl="2"/>
-            <a:r>
-              <a:rPr lang="en-US" sz="2400" dirty="0" smtClean="0">
-                <a:latin typeface="Segoe UI Light" panose="020B0502040204020203" pitchFamily="34" charset="0"/>
-                <a:cs typeface="Segoe UI Light" panose="020B0502040204020203" pitchFamily="34" charset="0"/>
-              </a:rPr>
-              <a:t> Open Source – available at </a:t>
-            </a:r>
-            <a:r>
-              <a:rPr lang="en-US" sz="2400" dirty="0" err="1" smtClean="0">
-                <a:latin typeface="Segoe UI Light" panose="020B0502040204020203" pitchFamily="34" charset="0"/>
-                <a:cs typeface="Segoe UI Light" panose="020B0502040204020203" pitchFamily="34" charset="0"/>
-              </a:rPr>
-              <a:t>Github</a:t>
-            </a:r>
-            <a:endParaRPr lang="en-US" sz="2400" dirty="0" smtClean="0">
-              <a:latin typeface="Segoe UI Light" panose="020B0502040204020203" pitchFamily="34" charset="0"/>
-              <a:cs typeface="Segoe UI Light" panose="020B0502040204020203" pitchFamily="34" charset="0"/>
-            </a:endParaRPr>
-          </a:p>
-          <a:p>
             <a:r>
               <a:rPr lang="en-US" sz="3200" dirty="0" smtClean="0">
                 <a:latin typeface="Segoe UI Light" panose="020B0502040204020203" pitchFamily="34" charset="0"/>
                 <a:cs typeface="Segoe UI Light" panose="020B0502040204020203" pitchFamily="34" charset="0"/>
               </a:rPr>
-              <a:t>Download an Install at </a:t>
+              <a:t>Download and </a:t>
+            </a:r>
+            <a:r>
+              <a:rPr lang="en-US" sz="3200" dirty="0" smtClean="0">
+                <a:latin typeface="Segoe UI Light" panose="020B0502040204020203" pitchFamily="34" charset="0"/>
+                <a:cs typeface="Segoe UI Light" panose="020B0502040204020203" pitchFamily="34" charset="0"/>
+              </a:rPr>
+              <a:t>Install at </a:t>
             </a:r>
           </a:p>
           <a:p>
@@ -9111,7 +9668,7 @@
               </a:rPr>
               <a:t>Mac OS X </a:t>
             </a:r>
-            <a:endParaRPr lang="en-US" sz="2800" dirty="0">
+            <a:endParaRPr lang="en-US" sz="2800" dirty="0" smtClean="0">
               <a:latin typeface="Segoe UI Light" panose="020B0502040204020203" pitchFamily="34" charset="0"/>
               <a:cs typeface="Segoe UI Light" panose="020B0502040204020203" pitchFamily="34" charset="0"/>
             </a:endParaRPr>
@@ -9127,7 +9684,7 @@
           <p:nvPr/>
         </p:nvPicPr>
         <p:blipFill>
-          <a:blip r:embed="rId3">
+          <a:blip r:embed="rId4">
             <a:extLst>
               <a:ext uri="{28A0092B-C50C-407E-A947-70E740481C1C}">
                 <a14:useLocalDpi xmlns:a14="http://schemas.microsoft.com/office/drawing/2010/main" val="0"/>
@@ -9158,6 +9715,14 @@
   <p:clrMapOvr>
     <a:masterClrMapping/>
   </p:clrMapOvr>
+  <mc:AlternateContent xmlns:mc="http://schemas.openxmlformats.org/markup-compatibility/2006">
+    <mc:Choice xmlns:p14="http://schemas.microsoft.com/office/powerpoint/2010/main" Requires="p14">
+      <p:transition spd="slow" p14:dur="2000" advTm="62933"/>
+    </mc:Choice>
+    <mc:Fallback>
+      <p:transition spd="slow" advTm="62933"/>
+    </mc:Fallback>
+  </mc:AlternateContent>
   <p:timing>
     <p:tnLst>
       <p:par>
@@ -9207,7 +9772,16 @@
                 </a:solidFill>
                 <a:latin typeface="Segoe UI Light" panose="020B0502040204020203" pitchFamily="34" charset="0"/>
               </a:rPr>
-              <a:t>Neo4J Installation</a:t>
+              <a:t>Neo4J </a:t>
+            </a:r>
+            <a:r>
+              <a:rPr lang="en-US" dirty="0" smtClean="0">
+                <a:solidFill>
+                  <a:srgbClr val="00B0F0"/>
+                </a:solidFill>
+                <a:latin typeface="Segoe UI Light" panose="020B0502040204020203" pitchFamily="34" charset="0"/>
+              </a:rPr>
+              <a:t>Installation – Local Machine</a:t>
             </a:r>
             <a:endParaRPr lang="en-US" dirty="0"/>
           </a:p>
@@ -9354,6 +9928,14 @@
   <p:clrMapOvr>
     <a:masterClrMapping/>
   </p:clrMapOvr>
+  <mc:AlternateContent xmlns:mc="http://schemas.openxmlformats.org/markup-compatibility/2006">
+    <mc:Choice xmlns:p14="http://schemas.microsoft.com/office/powerpoint/2010/main" Requires="p14">
+      <p:transition spd="slow" p14:dur="2000" advTm="4370"/>
+    </mc:Choice>
+    <mc:Fallback>
+      <p:transition spd="slow" advTm="4370"/>
+    </mc:Fallback>
+  </mc:AlternateContent>
   <p:timing>
     <p:tnLst>
       <p:par>
@@ -9365,6 +9947,393 @@
 </file>
 
 <file path=ppt/slides/slide14.xml><?xml version="1.0" encoding="utf-8"?>
+<p:sld xmlns:a="http://schemas.openxmlformats.org/drawingml/2006/main" xmlns:r="http://schemas.openxmlformats.org/officeDocument/2006/relationships" xmlns:p="http://schemas.openxmlformats.org/presentationml/2006/main">
+  <p:cSld>
+    <p:spTree>
+      <p:nvGrpSpPr>
+        <p:cNvPr id="1" name=""/>
+        <p:cNvGrpSpPr/>
+        <p:nvPr/>
+      </p:nvGrpSpPr>
+      <p:grpSpPr>
+        <a:xfrm>
+          <a:off x="0" y="0"/>
+          <a:ext cx="0" cy="0"/>
+          <a:chOff x="0" y="0"/>
+          <a:chExt cx="0" cy="0"/>
+        </a:xfrm>
+      </p:grpSpPr>
+      <p:sp>
+        <p:nvSpPr>
+          <p:cNvPr id="2" name="Title 1"/>
+          <p:cNvSpPr>
+            <a:spLocks noGrp="1"/>
+          </p:cNvSpPr>
+          <p:nvPr>
+            <p:ph type="title"/>
+          </p:nvPr>
+        </p:nvSpPr>
+        <p:spPr/>
+        <p:txBody>
+          <a:bodyPr/>
+          <a:lstStyle/>
+          <a:p>
+            <a:r>
+              <a:rPr lang="en-US" dirty="0" smtClean="0">
+                <a:solidFill>
+                  <a:srgbClr val="00B0F0"/>
+                </a:solidFill>
+                <a:latin typeface="Segoe UI Light" panose="020B0502040204020203" pitchFamily="34" charset="0"/>
+              </a:rPr>
+              <a:t>Neo4J </a:t>
+            </a:r>
+            <a:r>
+              <a:rPr lang="en-US" dirty="0" smtClean="0">
+                <a:solidFill>
+                  <a:srgbClr val="00B0F0"/>
+                </a:solidFill>
+                <a:latin typeface="Segoe UI Light" panose="020B0502040204020203" pitchFamily="34" charset="0"/>
+              </a:rPr>
+              <a:t>Installation – Azure - Demo</a:t>
+            </a:r>
+            <a:endParaRPr lang="en-US" dirty="0"/>
+          </a:p>
+        </p:txBody>
+      </p:sp>
+      <p:sp>
+        <p:nvSpPr>
+          <p:cNvPr id="3" name="Content Placeholder 2"/>
+          <p:cNvSpPr>
+            <a:spLocks noGrp="1"/>
+          </p:cNvSpPr>
+          <p:nvPr>
+            <p:ph idx="1"/>
+          </p:nvPr>
+        </p:nvSpPr>
+        <p:spPr/>
+        <p:txBody>
+          <a:bodyPr>
+            <a:normAutofit/>
+          </a:bodyPr>
+          <a:lstStyle/>
+          <a:p>
+            <a:r>
+              <a:rPr lang="en-US" sz="3200" dirty="0" smtClean="0">
+                <a:latin typeface="Segoe UI Light" panose="020B0502040204020203" pitchFamily="34" charset="0"/>
+                <a:cs typeface="Segoe UI Light" panose="020B0502040204020203" pitchFamily="34" charset="0"/>
+              </a:rPr>
+              <a:t>Find the Latest Neo4J VM Image from VM Depot</a:t>
+            </a:r>
+          </a:p>
+          <a:p>
+            <a:r>
+              <a:rPr lang="en-US" sz="3200" dirty="0" smtClean="0">
+                <a:latin typeface="Segoe UI Light" panose="020B0502040204020203" pitchFamily="34" charset="0"/>
+                <a:cs typeface="Segoe UI Light" panose="020B0502040204020203" pitchFamily="34" charset="0"/>
+              </a:rPr>
+              <a:t>Copy to your Storage Account</a:t>
+            </a:r>
+          </a:p>
+          <a:p>
+            <a:r>
+              <a:rPr lang="en-US" sz="3200" dirty="0" smtClean="0">
+                <a:latin typeface="Segoe UI Light" panose="020B0502040204020203" pitchFamily="34" charset="0"/>
+                <a:cs typeface="Segoe UI Light" panose="020B0502040204020203" pitchFamily="34" charset="0"/>
+              </a:rPr>
+              <a:t>Register your Image</a:t>
+            </a:r>
+          </a:p>
+          <a:p>
+            <a:r>
+              <a:rPr lang="en-US" sz="3200" dirty="0" smtClean="0">
+                <a:latin typeface="Segoe UI Light" panose="020B0502040204020203" pitchFamily="34" charset="0"/>
+                <a:cs typeface="Segoe UI Light" panose="020B0502040204020203" pitchFamily="34" charset="0"/>
+              </a:rPr>
+              <a:t>Create a VM from the Image</a:t>
+            </a:r>
+          </a:p>
+          <a:p>
+            <a:r>
+              <a:rPr lang="en-US" sz="3200" dirty="0" smtClean="0">
+                <a:latin typeface="Segoe UI Light" panose="020B0502040204020203" pitchFamily="34" charset="0"/>
+                <a:cs typeface="Segoe UI Light" panose="020B0502040204020203" pitchFamily="34" charset="0"/>
+              </a:rPr>
+              <a:t>Remember ! To open the 7474 port </a:t>
+            </a:r>
+            <a:endParaRPr lang="en-US" sz="3200" dirty="0">
+              <a:latin typeface="Segoe UI Light" panose="020B0502040204020203" pitchFamily="34" charset="0"/>
+              <a:cs typeface="Segoe UI Light" panose="020B0502040204020203" pitchFamily="34" charset="0"/>
+            </a:endParaRPr>
+          </a:p>
+        </p:txBody>
+      </p:sp>
+      <p:pic>
+        <p:nvPicPr>
+          <p:cNvPr id="4" name="Picture 3"/>
+          <p:cNvPicPr>
+            <a:picLocks noChangeAspect="1"/>
+          </p:cNvPicPr>
+          <p:nvPr/>
+        </p:nvPicPr>
+        <p:blipFill>
+          <a:blip r:embed="rId3">
+            <a:extLst>
+              <a:ext uri="{28A0092B-C50C-407E-A947-70E740481C1C}">
+                <a14:useLocalDpi xmlns:a14="http://schemas.microsoft.com/office/drawing/2010/main" val="0"/>
+              </a:ext>
+            </a:extLst>
+          </a:blip>
+          <a:stretch>
+            <a:fillRect/>
+          </a:stretch>
+        </p:blipFill>
+        <p:spPr>
+          <a:xfrm>
+            <a:off x="9982200" y="-76200"/>
+            <a:ext cx="2143125" cy="952500"/>
+          </a:xfrm>
+          <a:prstGeom prst="rect">
+            <a:avLst/>
+          </a:prstGeom>
+        </p:spPr>
+      </p:pic>
+    </p:spTree>
+    <p:extLst>
+      <p:ext uri="{BB962C8B-B14F-4D97-AF65-F5344CB8AC3E}">
+        <p14:creationId xmlns:p14="http://schemas.microsoft.com/office/powerpoint/2010/main" val="3013412424"/>
+      </p:ext>
+    </p:extLst>
+  </p:cSld>
+  <p:clrMapOvr>
+    <a:masterClrMapping/>
+  </p:clrMapOvr>
+  <mc:AlternateContent xmlns:mc="http://schemas.openxmlformats.org/markup-compatibility/2006">
+    <mc:Choice xmlns:p14="http://schemas.microsoft.com/office/powerpoint/2010/main" Requires="p14">
+      <p:transition spd="slow" p14:dur="2000" advTm="23546"/>
+    </mc:Choice>
+    <mc:Fallback>
+      <p:transition spd="slow" advTm="23546"/>
+    </mc:Fallback>
+  </mc:AlternateContent>
+  <p:timing>
+    <p:tnLst>
+      <p:par>
+        <p:cTn id="1" dur="indefinite" restart="never" nodeType="tmRoot"/>
+      </p:par>
+    </p:tnLst>
+  </p:timing>
+</p:sld>
+</file>
+
+<file path=ppt/slides/slide15.xml><?xml version="1.0" encoding="utf-8"?>
+<p:sld xmlns:a="http://schemas.openxmlformats.org/drawingml/2006/main" xmlns:r="http://schemas.openxmlformats.org/officeDocument/2006/relationships" xmlns:p="http://schemas.openxmlformats.org/presentationml/2006/main">
+  <p:cSld>
+    <p:spTree>
+      <p:nvGrpSpPr>
+        <p:cNvPr id="1" name=""/>
+        <p:cNvGrpSpPr/>
+        <p:nvPr/>
+      </p:nvGrpSpPr>
+      <p:grpSpPr>
+        <a:xfrm>
+          <a:off x="0" y="0"/>
+          <a:ext cx="0" cy="0"/>
+          <a:chOff x="0" y="0"/>
+          <a:chExt cx="0" cy="0"/>
+        </a:xfrm>
+      </p:grpSpPr>
+      <p:sp>
+        <p:nvSpPr>
+          <p:cNvPr id="2" name="Title 1"/>
+          <p:cNvSpPr>
+            <a:spLocks noGrp="1"/>
+          </p:cNvSpPr>
+          <p:nvPr>
+            <p:ph type="title"/>
+          </p:nvPr>
+        </p:nvSpPr>
+        <p:spPr/>
+        <p:txBody>
+          <a:bodyPr/>
+          <a:lstStyle/>
+          <a:p>
+            <a:r>
+              <a:rPr lang="en-US" dirty="0" smtClean="0">
+                <a:solidFill>
+                  <a:srgbClr val="00B0F0"/>
+                </a:solidFill>
+                <a:latin typeface="Segoe UI Light" panose="020B0502040204020203" pitchFamily="34" charset="0"/>
+              </a:rPr>
+              <a:t>Neo4J </a:t>
+            </a:r>
+            <a:r>
+              <a:rPr lang="en-US" dirty="0" smtClean="0">
+                <a:solidFill>
+                  <a:srgbClr val="00B0F0"/>
+                </a:solidFill>
+                <a:latin typeface="Segoe UI Light" panose="020B0502040204020203" pitchFamily="34" charset="0"/>
+              </a:rPr>
+              <a:t>– Azure</a:t>
+            </a:r>
+            <a:endParaRPr lang="en-US" dirty="0"/>
+          </a:p>
+        </p:txBody>
+      </p:sp>
+      <p:sp>
+        <p:nvSpPr>
+          <p:cNvPr id="3" name="Content Placeholder 2"/>
+          <p:cNvSpPr>
+            <a:spLocks noGrp="1"/>
+          </p:cNvSpPr>
+          <p:nvPr>
+            <p:ph idx="1"/>
+          </p:nvPr>
+        </p:nvSpPr>
+        <p:spPr/>
+        <p:txBody>
+          <a:bodyPr>
+            <a:normAutofit/>
+          </a:bodyPr>
+          <a:lstStyle/>
+          <a:p>
+            <a:r>
+              <a:rPr lang="en-US" sz="3200" dirty="0" smtClean="0">
+                <a:latin typeface="Segoe UI Light" panose="020B0502040204020203" pitchFamily="34" charset="0"/>
+                <a:cs typeface="Segoe UI Light" panose="020B0502040204020203" pitchFamily="34" charset="0"/>
+              </a:rPr>
+              <a:t>Neo4J Azure Managed Hosting Also available by </a:t>
+            </a:r>
+            <a:r>
+              <a:rPr lang="en-US" sz="3200" dirty="0" err="1" smtClean="0">
+                <a:latin typeface="Segoe UI Light" panose="020B0502040204020203" pitchFamily="34" charset="0"/>
+                <a:cs typeface="Segoe UI Light" panose="020B0502040204020203" pitchFamily="34" charset="0"/>
+              </a:rPr>
+              <a:t>GrapheneDB</a:t>
+            </a:r>
+            <a:endParaRPr lang="en-US" sz="3200" dirty="0" smtClean="0">
+              <a:latin typeface="Segoe UI Light" panose="020B0502040204020203" pitchFamily="34" charset="0"/>
+              <a:cs typeface="Segoe UI Light" panose="020B0502040204020203" pitchFamily="34" charset="0"/>
+            </a:endParaRPr>
+          </a:p>
+          <a:p>
+            <a:pPr marL="0" indent="0">
+              <a:buNone/>
+            </a:pPr>
+            <a:r>
+              <a:rPr lang="en-US" sz="3200" dirty="0">
+                <a:latin typeface="Segoe UI Light" panose="020B0502040204020203" pitchFamily="34" charset="0"/>
+                <a:cs typeface="Segoe UI Light" panose="020B0502040204020203" pitchFamily="34" charset="0"/>
+                <a:hlinkClick r:id="rId3"/>
+              </a:rPr>
+              <a:t>http://</a:t>
+            </a:r>
+            <a:r>
+              <a:rPr lang="en-US" sz="3200" dirty="0" smtClean="0">
+                <a:latin typeface="Segoe UI Light" panose="020B0502040204020203" pitchFamily="34" charset="0"/>
+                <a:cs typeface="Segoe UI Light" panose="020B0502040204020203" pitchFamily="34" charset="0"/>
+                <a:hlinkClick r:id="rId3"/>
+              </a:rPr>
+              <a:t>www.graphenedb.com/pricing-azure</a:t>
+            </a:r>
+            <a:r>
+              <a:rPr lang="en-US" sz="3200" dirty="0" smtClean="0">
+                <a:latin typeface="Segoe UI Light" panose="020B0502040204020203" pitchFamily="34" charset="0"/>
+                <a:cs typeface="Segoe UI Light" panose="020B0502040204020203" pitchFamily="34" charset="0"/>
+              </a:rPr>
+              <a:t> </a:t>
+            </a:r>
+          </a:p>
+          <a:p>
+            <a:endParaRPr lang="en-US" sz="3200" dirty="0">
+              <a:latin typeface="Segoe UI Light" panose="020B0502040204020203" pitchFamily="34" charset="0"/>
+              <a:cs typeface="Segoe UI Light" panose="020B0502040204020203" pitchFamily="34" charset="0"/>
+            </a:endParaRPr>
+          </a:p>
+        </p:txBody>
+      </p:sp>
+      <p:pic>
+        <p:nvPicPr>
+          <p:cNvPr id="4" name="Picture 3"/>
+          <p:cNvPicPr>
+            <a:picLocks noChangeAspect="1"/>
+          </p:cNvPicPr>
+          <p:nvPr/>
+        </p:nvPicPr>
+        <p:blipFill>
+          <a:blip r:embed="rId4">
+            <a:extLst>
+              <a:ext uri="{28A0092B-C50C-407E-A947-70E740481C1C}">
+                <a14:useLocalDpi xmlns:a14="http://schemas.microsoft.com/office/drawing/2010/main" val="0"/>
+              </a:ext>
+            </a:extLst>
+          </a:blip>
+          <a:stretch>
+            <a:fillRect/>
+          </a:stretch>
+        </p:blipFill>
+        <p:spPr>
+          <a:xfrm>
+            <a:off x="9982200" y="-76200"/>
+            <a:ext cx="2143125" cy="952500"/>
+          </a:xfrm>
+          <a:prstGeom prst="rect">
+            <a:avLst/>
+          </a:prstGeom>
+        </p:spPr>
+      </p:pic>
+      <p:pic>
+        <p:nvPicPr>
+          <p:cNvPr id="6" name="Picture 5"/>
+          <p:cNvPicPr>
+            <a:picLocks noChangeAspect="1"/>
+          </p:cNvPicPr>
+          <p:nvPr/>
+        </p:nvPicPr>
+        <p:blipFill>
+          <a:blip r:embed="rId5"/>
+          <a:stretch>
+            <a:fillRect/>
+          </a:stretch>
+        </p:blipFill>
+        <p:spPr>
+          <a:xfrm>
+            <a:off x="3848100" y="3495675"/>
+            <a:ext cx="3086100" cy="771525"/>
+          </a:xfrm>
+          <a:prstGeom prst="rect">
+            <a:avLst/>
+          </a:prstGeom>
+        </p:spPr>
+      </p:pic>
+    </p:spTree>
+    <p:extLst>
+      <p:ext uri="{BB962C8B-B14F-4D97-AF65-F5344CB8AC3E}">
+        <p14:creationId xmlns:p14="http://schemas.microsoft.com/office/powerpoint/2010/main" val="2325759222"/>
+      </p:ext>
+    </p:extLst>
+  </p:cSld>
+  <p:clrMapOvr>
+    <a:masterClrMapping/>
+  </p:clrMapOvr>
+  <mc:AlternateContent xmlns:mc="http://schemas.openxmlformats.org/markup-compatibility/2006">
+    <mc:Choice xmlns:p14="http://schemas.microsoft.com/office/powerpoint/2010/main" Requires="p14">
+      <p:transition spd="slow" p14:dur="2000" advTm="32179"/>
+    </mc:Choice>
+    <mc:Fallback>
+      <p:transition spd="slow" advTm="32179"/>
+    </mc:Fallback>
+  </mc:AlternateContent>
+  <p:timing>
+    <p:tnLst>
+      <p:par>
+        <p:cTn id="1" dur="indefinite" restart="never" nodeType="tmRoot"/>
+      </p:par>
+    </p:tnLst>
+  </p:timing>
+</p:sld>
+</file>
+
+<file path=ppt/slides/slide16.xml><?xml version="1.0" encoding="utf-8"?>
 <p:sld xmlns:a="http://schemas.openxmlformats.org/drawingml/2006/main" xmlns:r="http://schemas.openxmlformats.org/officeDocument/2006/relationships" xmlns:p="http://schemas.openxmlformats.org/presentationml/2006/main">
   <p:cSld>
     <p:spTree>
@@ -9469,1519 +10438,14 @@
   <p:clrMapOvr>
     <a:masterClrMapping/>
   </p:clrMapOvr>
-  <p:timing>
-    <p:tnLst>
-      <p:par>
-        <p:cTn id="1" dur="indefinite" restart="never" nodeType="tmRoot"/>
-      </p:par>
-    </p:tnLst>
-  </p:timing>
-</p:sld>
-</file>
-
-<file path=ppt/slides/slide15.xml><?xml version="1.0" encoding="utf-8"?>
-<p:sld xmlns:a="http://schemas.openxmlformats.org/drawingml/2006/main" xmlns:r="http://schemas.openxmlformats.org/officeDocument/2006/relationships" xmlns:p="http://schemas.openxmlformats.org/presentationml/2006/main">
-  <p:cSld>
-    <p:spTree>
-      <p:nvGrpSpPr>
-        <p:cNvPr id="1" name=""/>
-        <p:cNvGrpSpPr/>
-        <p:nvPr/>
-      </p:nvGrpSpPr>
-      <p:grpSpPr>
-        <a:xfrm>
-          <a:off x="0" y="0"/>
-          <a:ext cx="0" cy="0"/>
-          <a:chOff x="0" y="0"/>
-          <a:chExt cx="0" cy="0"/>
-        </a:xfrm>
-      </p:grpSpPr>
-      <p:sp>
-        <p:nvSpPr>
-          <p:cNvPr id="2" name="Title 1"/>
-          <p:cNvSpPr>
-            <a:spLocks noGrp="1"/>
-          </p:cNvSpPr>
-          <p:nvPr>
-            <p:ph type="title"/>
-          </p:nvPr>
-        </p:nvSpPr>
-        <p:spPr/>
-        <p:txBody>
-          <a:bodyPr/>
-          <a:lstStyle/>
-          <a:p>
-            <a:r>
-              <a:rPr lang="en-US" dirty="0" smtClean="0">
-                <a:solidFill>
-                  <a:srgbClr val="00B0F0"/>
-                </a:solidFill>
-                <a:latin typeface="Segoe UI Light" panose="020B0502040204020203" pitchFamily="34" charset="0"/>
-              </a:rPr>
-              <a:t>Neo4J Developer Interfaces</a:t>
-            </a:r>
-            <a:endParaRPr lang="en-US" dirty="0"/>
-          </a:p>
-        </p:txBody>
-      </p:sp>
-      <p:sp>
-        <p:nvSpPr>
-          <p:cNvPr id="3" name="Content Placeholder 2"/>
-          <p:cNvSpPr>
-            <a:spLocks noGrp="1"/>
-          </p:cNvSpPr>
-          <p:nvPr>
-            <p:ph idx="1"/>
-          </p:nvPr>
-        </p:nvSpPr>
-        <p:spPr/>
-        <p:txBody>
-          <a:bodyPr>
-            <a:normAutofit lnSpcReduction="10000"/>
-          </a:bodyPr>
-          <a:lstStyle/>
-          <a:p>
-            <a:r>
-              <a:rPr lang="en-US" dirty="0" smtClean="0">
-                <a:latin typeface="Segoe UI Light" panose="020B0502040204020203" pitchFamily="34" charset="0"/>
-                <a:cs typeface="Segoe UI Light" panose="020B0502040204020203" pitchFamily="34" charset="0"/>
-              </a:rPr>
-              <a:t>REST API</a:t>
-            </a:r>
-          </a:p>
-          <a:p>
-            <a:r>
-              <a:rPr lang="en-US" dirty="0" err="1" smtClean="0">
-                <a:latin typeface="Segoe UI Light" panose="020B0502040204020203" pitchFamily="34" charset="0"/>
-                <a:cs typeface="Segoe UI Light" panose="020B0502040204020203" pitchFamily="34" charset="0"/>
-              </a:rPr>
-              <a:t>.Net</a:t>
-            </a:r>
-            <a:endParaRPr lang="en-US" dirty="0" smtClean="0">
-              <a:latin typeface="Segoe UI Light" panose="020B0502040204020203" pitchFamily="34" charset="0"/>
-              <a:cs typeface="Segoe UI Light" panose="020B0502040204020203" pitchFamily="34" charset="0"/>
-            </a:endParaRPr>
-          </a:p>
-          <a:p>
-            <a:r>
-              <a:rPr lang="en-US" dirty="0" smtClean="0">
-                <a:latin typeface="Segoe UI Light" panose="020B0502040204020203" pitchFamily="34" charset="0"/>
-                <a:cs typeface="Segoe UI Light" panose="020B0502040204020203" pitchFamily="34" charset="0"/>
-              </a:rPr>
-              <a:t>Java</a:t>
-            </a:r>
-          </a:p>
-          <a:p>
-            <a:r>
-              <a:rPr lang="en-US" dirty="0" smtClean="0">
-                <a:latin typeface="Segoe UI Light" panose="020B0502040204020203" pitchFamily="34" charset="0"/>
-                <a:cs typeface="Segoe UI Light" panose="020B0502040204020203" pitchFamily="34" charset="0"/>
-              </a:rPr>
-              <a:t>Spring Frameworks</a:t>
-            </a:r>
-          </a:p>
-          <a:p>
-            <a:r>
-              <a:rPr lang="en-US" dirty="0" err="1" smtClean="0">
-                <a:latin typeface="Segoe UI Light" panose="020B0502040204020203" pitchFamily="34" charset="0"/>
-                <a:cs typeface="Segoe UI Light" panose="020B0502040204020203" pitchFamily="34" charset="0"/>
-              </a:rPr>
-              <a:t>Javascript</a:t>
-            </a:r>
-            <a:endParaRPr lang="en-US" dirty="0" smtClean="0">
-              <a:latin typeface="Segoe UI Light" panose="020B0502040204020203" pitchFamily="34" charset="0"/>
-              <a:cs typeface="Segoe UI Light" panose="020B0502040204020203" pitchFamily="34" charset="0"/>
-            </a:endParaRPr>
-          </a:p>
-          <a:p>
-            <a:r>
-              <a:rPr lang="en-US" dirty="0" smtClean="0">
-                <a:latin typeface="Segoe UI Light" panose="020B0502040204020203" pitchFamily="34" charset="0"/>
-                <a:cs typeface="Segoe UI Light" panose="020B0502040204020203" pitchFamily="34" charset="0"/>
-              </a:rPr>
-              <a:t>Python</a:t>
-            </a:r>
-          </a:p>
-          <a:p>
-            <a:r>
-              <a:rPr lang="en-US" dirty="0" smtClean="0">
-                <a:latin typeface="Segoe UI Light" panose="020B0502040204020203" pitchFamily="34" charset="0"/>
-                <a:cs typeface="Segoe UI Light" panose="020B0502040204020203" pitchFamily="34" charset="0"/>
-              </a:rPr>
-              <a:t>Ruby</a:t>
-            </a:r>
-          </a:p>
-          <a:p>
-            <a:r>
-              <a:rPr lang="en-US" dirty="0" smtClean="0">
-                <a:latin typeface="Segoe UI Light" panose="020B0502040204020203" pitchFamily="34" charset="0"/>
-                <a:cs typeface="Segoe UI Light" panose="020B0502040204020203" pitchFamily="34" charset="0"/>
-              </a:rPr>
-              <a:t>PHP</a:t>
-            </a:r>
-          </a:p>
-          <a:p>
-            <a:r>
-              <a:rPr lang="en-US" dirty="0" smtClean="0">
-                <a:latin typeface="Segoe UI Light" panose="020B0502040204020203" pitchFamily="34" charset="0"/>
-                <a:cs typeface="Segoe UI Light" panose="020B0502040204020203" pitchFamily="34" charset="0"/>
-              </a:rPr>
-              <a:t>R, GO, Closure, Perl, Haskell</a:t>
-            </a:r>
-            <a:endParaRPr lang="en-US" dirty="0">
-              <a:latin typeface="Segoe UI Light" panose="020B0502040204020203" pitchFamily="34" charset="0"/>
-              <a:cs typeface="Segoe UI Light" panose="020B0502040204020203" pitchFamily="34" charset="0"/>
-            </a:endParaRPr>
-          </a:p>
-        </p:txBody>
-      </p:sp>
-    </p:spTree>
-    <p:extLst>
-      <p:ext uri="{BB962C8B-B14F-4D97-AF65-F5344CB8AC3E}">
-        <p14:creationId xmlns:p14="http://schemas.microsoft.com/office/powerpoint/2010/main" val="978762258"/>
-      </p:ext>
-    </p:extLst>
-  </p:cSld>
-  <p:clrMapOvr>
-    <a:masterClrMapping/>
-  </p:clrMapOvr>
-  <p:timing>
-    <p:tnLst>
-      <p:par>
-        <p:cTn id="1" dur="indefinite" restart="never" nodeType="tmRoot"/>
-      </p:par>
-    </p:tnLst>
-  </p:timing>
-</p:sld>
-</file>
-
-<file path=ppt/slides/slide16.xml><?xml version="1.0" encoding="utf-8"?>
-<p:sld xmlns:a="http://schemas.openxmlformats.org/drawingml/2006/main" xmlns:r="http://schemas.openxmlformats.org/officeDocument/2006/relationships" xmlns:p="http://schemas.openxmlformats.org/presentationml/2006/main">
-  <p:cSld>
-    <p:spTree>
-      <p:nvGrpSpPr>
-        <p:cNvPr id="1" name=""/>
-        <p:cNvGrpSpPr/>
-        <p:nvPr/>
-      </p:nvGrpSpPr>
-      <p:grpSpPr>
-        <a:xfrm>
-          <a:off x="0" y="0"/>
-          <a:ext cx="0" cy="0"/>
-          <a:chOff x="0" y="0"/>
-          <a:chExt cx="0" cy="0"/>
-        </a:xfrm>
-      </p:grpSpPr>
-      <p:sp>
-        <p:nvSpPr>
-          <p:cNvPr id="3" name="Content Placeholder 2"/>
-          <p:cNvSpPr>
-            <a:spLocks noGrp="1"/>
-          </p:cNvSpPr>
-          <p:nvPr>
-            <p:ph idx="1"/>
-          </p:nvPr>
-        </p:nvSpPr>
-        <p:spPr>
-          <a:xfrm>
-            <a:off x="838200" y="1901825"/>
-            <a:ext cx="10515600" cy="4351338"/>
-          </a:xfrm>
-        </p:spPr>
-        <p:txBody>
-          <a:bodyPr/>
-          <a:lstStyle/>
-          <a:p>
-            <a:r>
-              <a:rPr lang="en-US" dirty="0" smtClean="0"/>
-              <a:t>Convert your data to CSV and Load </a:t>
-            </a:r>
-          </a:p>
-          <a:p>
-            <a:pPr lvl="1"/>
-            <a:endParaRPr lang="en-US" dirty="0" smtClean="0"/>
-          </a:p>
-          <a:p>
-            <a:r>
-              <a:rPr lang="en-US" dirty="0" smtClean="0"/>
-              <a:t>Even Load Large Amounts of Data from BIG CSV Files using the Periodic Commit</a:t>
-            </a:r>
-          </a:p>
-          <a:p>
-            <a:endParaRPr lang="en-US" dirty="0"/>
-          </a:p>
-          <a:p>
-            <a:r>
-              <a:rPr lang="en-US" dirty="0" smtClean="0"/>
-              <a:t>Write your own load using Cypher Query and run the “Insert Queries”</a:t>
-            </a:r>
-          </a:p>
-          <a:p>
-            <a:pPr lvl="1"/>
-            <a:endParaRPr lang="en-US" dirty="0"/>
-          </a:p>
-        </p:txBody>
-      </p:sp>
-      <p:sp>
-        <p:nvSpPr>
-          <p:cNvPr id="4" name="Title 1"/>
-          <p:cNvSpPr>
-            <a:spLocks noGrp="1"/>
-          </p:cNvSpPr>
-          <p:nvPr>
-            <p:ph type="title"/>
-          </p:nvPr>
-        </p:nvSpPr>
-        <p:spPr>
-          <a:xfrm>
-            <a:off x="838200" y="365125"/>
-            <a:ext cx="10515600" cy="1325563"/>
-          </a:xfrm>
-        </p:spPr>
-        <p:txBody>
-          <a:bodyPr/>
-          <a:lstStyle/>
-          <a:p>
-            <a:r>
-              <a:rPr lang="en-US" dirty="0" smtClean="0">
-                <a:solidFill>
-                  <a:srgbClr val="00B0F0"/>
-                </a:solidFill>
-                <a:latin typeface="Segoe UI Light" panose="020B0502040204020203" pitchFamily="34" charset="0"/>
-              </a:rPr>
-              <a:t>Loading data in Neo4j</a:t>
-            </a:r>
-            <a:endParaRPr lang="en-US" dirty="0"/>
-          </a:p>
-        </p:txBody>
-      </p:sp>
-      <p:sp>
-        <p:nvSpPr>
-          <p:cNvPr id="6" name="Rectangle 2"/>
-          <p:cNvSpPr>
-            <a:spLocks noChangeArrowheads="1"/>
-          </p:cNvSpPr>
-          <p:nvPr/>
-        </p:nvSpPr>
-        <p:spPr bwMode="auto">
-          <a:xfrm>
-            <a:off x="0" y="3733800"/>
-            <a:ext cx="12192000" cy="457200"/>
-          </a:xfrm>
-          <a:prstGeom prst="rect">
-            <a:avLst/>
-          </a:prstGeom>
-          <a:solidFill>
-            <a:srgbClr val="F9F9F9"/>
-          </a:solidFill>
-          <a:ln>
-            <a:noFill/>
-          </a:ln>
-          <a:effectLst/>
-          <a:extLst>
-            <a:ext uri="{91240B29-F687-4F45-9708-019B960494DF}">
-              <a14:hiddenLine xmlns:a14="http://schemas.microsoft.com/office/drawing/2010/main" w="9525">
-                <a:solidFill>
-                  <a:schemeClr val="tx1"/>
-                </a:solidFill>
-                <a:miter lim="800000"/>
-                <a:headEnd/>
-                <a:tailEnd/>
-              </a14:hiddenLine>
-            </a:ext>
-            <a:ext uri="{AF507438-7753-43E0-B8FC-AC1667EBCBE1}">
-              <a14:hiddenEffects xmlns:a14="http://schemas.microsoft.com/office/drawing/2010/main">
-                <a:effectLst>
-                  <a:outerShdw dist="35921" dir="2700000" algn="ctr" rotWithShape="0">
-                    <a:schemeClr val="bg2"/>
-                  </a:outerShdw>
-                </a:effectLst>
-              </a14:hiddenEffects>
-            </a:ext>
-          </a:extLst>
-        </p:spPr>
-        <p:txBody>
-          <a:bodyPr vert="horz" wrap="none" lIns="0" tIns="0" rIns="0" bIns="63480" numCol="1" anchor="ctr" anchorCtr="0" compatLnSpc="1">
-            <a:prstTxWarp prst="textNoShape">
-              <a:avLst/>
-            </a:prstTxWarp>
-            <a:spAutoFit/>
-          </a:bodyPr>
-          <a:lstStyle/>
-          <a:p>
-            <a:pPr marL="0" marR="0" lvl="0" indent="0" algn="l" defTabSz="914400" rtl="0" eaLnBrk="0" fontAlgn="base" latinLnBrk="0" hangingPunct="0">
-              <a:lnSpc>
-                <a:spcPct val="100000"/>
-              </a:lnSpc>
-              <a:spcBef>
-                <a:spcPct val="0"/>
-              </a:spcBef>
-              <a:spcAft>
-                <a:spcPct val="0"/>
-              </a:spcAft>
-              <a:buClrTx/>
-              <a:buSzTx/>
-              <a:buFontTx/>
-              <a:buNone/>
-              <a:tabLst/>
-            </a:pPr>
-            <a:r>
-              <a:rPr kumimoji="0" lang="en-US" altLang="en-US" sz="1000" b="0" i="0" u="none" strike="noStrike" cap="none" normalizeH="0" baseline="0" dirty="0" smtClean="0">
-                <a:ln>
-                  <a:noFill/>
-                </a:ln>
-                <a:solidFill>
-                  <a:srgbClr val="1D75B3"/>
-                </a:solidFill>
-                <a:effectLst/>
-                <a:latin typeface="Ubuntu Mono"/>
-              </a:rPr>
-              <a:t>USING</a:t>
-            </a:r>
-            <a:r>
-              <a:rPr kumimoji="0" lang="en-US" altLang="en-US" sz="1000" b="0" i="0" u="none" strike="noStrike" cap="none" normalizeH="0" baseline="0" dirty="0" smtClean="0">
-                <a:ln>
-                  <a:noFill/>
-                </a:ln>
-                <a:solidFill>
-                  <a:srgbClr val="333333"/>
-                </a:solidFill>
-                <a:effectLst/>
-                <a:latin typeface="Ubuntu Mono"/>
-              </a:rPr>
-              <a:t> </a:t>
-            </a:r>
-            <a:r>
-              <a:rPr kumimoji="0" lang="en-US" altLang="en-US" sz="1000" b="0" i="0" u="none" strike="noStrike" cap="none" normalizeH="0" baseline="0" dirty="0" smtClean="0">
-                <a:ln>
-                  <a:noFill/>
-                </a:ln>
-                <a:solidFill>
-                  <a:srgbClr val="1D75B3"/>
-                </a:solidFill>
-                <a:effectLst/>
-                <a:latin typeface="Ubuntu Mono"/>
-              </a:rPr>
-              <a:t>PERIODIC</a:t>
-            </a:r>
-            <a:r>
-              <a:rPr kumimoji="0" lang="en-US" altLang="en-US" sz="1000" b="0" i="0" u="none" strike="noStrike" cap="none" normalizeH="0" baseline="0" dirty="0" smtClean="0">
-                <a:ln>
-                  <a:noFill/>
-                </a:ln>
-                <a:solidFill>
-                  <a:srgbClr val="333333"/>
-                </a:solidFill>
-                <a:effectLst/>
-                <a:latin typeface="Ubuntu Mono"/>
-              </a:rPr>
-              <a:t> </a:t>
-            </a:r>
-            <a:r>
-              <a:rPr kumimoji="0" lang="en-US" altLang="en-US" sz="1000" b="0" i="0" u="none" strike="noStrike" cap="none" normalizeH="0" baseline="0" dirty="0" smtClean="0">
-                <a:ln>
-                  <a:noFill/>
-                </a:ln>
-                <a:solidFill>
-                  <a:srgbClr val="1D75B3"/>
-                </a:solidFill>
-                <a:effectLst/>
-                <a:latin typeface="Ubuntu Mono"/>
-              </a:rPr>
-              <a:t>COMMIT</a:t>
-            </a:r>
-            <a:r>
-              <a:rPr kumimoji="0" lang="en-US" altLang="en-US" sz="1000" b="0" i="0" u="none" strike="noStrike" cap="none" normalizeH="0" baseline="0" dirty="0" smtClean="0">
-                <a:ln>
-                  <a:noFill/>
-                </a:ln>
-                <a:solidFill>
-                  <a:srgbClr val="333333"/>
-                </a:solidFill>
-                <a:effectLst/>
-                <a:latin typeface="Ubuntu Mono"/>
-              </a:rPr>
-              <a:t> </a:t>
-            </a:r>
-            <a:r>
-              <a:rPr kumimoji="0" lang="en-US" altLang="en-US" sz="1000" b="0" i="0" u="none" strike="noStrike" cap="none" normalizeH="0" baseline="0" dirty="0" smtClean="0">
-                <a:ln>
-                  <a:noFill/>
-                </a:ln>
-                <a:solidFill>
-                  <a:srgbClr val="047D65"/>
-                </a:solidFill>
-                <a:effectLst/>
-                <a:latin typeface="Ubuntu Mono"/>
-              </a:rPr>
-              <a:t>500</a:t>
-            </a:r>
-            <a:r>
-              <a:rPr kumimoji="0" lang="en-US" altLang="en-US" sz="1000" b="0" i="0" u="none" strike="noStrike" cap="none" normalizeH="0" baseline="0" dirty="0" smtClean="0">
-                <a:ln>
-                  <a:noFill/>
-                </a:ln>
-                <a:solidFill>
-                  <a:srgbClr val="333333"/>
-                </a:solidFill>
-                <a:effectLst/>
-                <a:latin typeface="Ubuntu Mono"/>
-              </a:rPr>
-              <a:t> </a:t>
-            </a:r>
-            <a:r>
-              <a:rPr kumimoji="0" lang="en-US" altLang="en-US" sz="1000" b="0" i="0" u="none" strike="noStrike" cap="none" normalizeH="0" baseline="0" dirty="0" smtClean="0">
-                <a:ln>
-                  <a:noFill/>
-                </a:ln>
-                <a:solidFill>
-                  <a:srgbClr val="1D75B3"/>
-                </a:solidFill>
-                <a:effectLst/>
-                <a:latin typeface="Ubuntu Mono"/>
-              </a:rPr>
-              <a:t>LOAD</a:t>
-            </a:r>
-            <a:r>
-              <a:rPr kumimoji="0" lang="en-US" altLang="en-US" sz="1000" b="0" i="0" u="none" strike="noStrike" cap="none" normalizeH="0" baseline="0" dirty="0" smtClean="0">
-                <a:ln>
-                  <a:noFill/>
-                </a:ln>
-                <a:solidFill>
-                  <a:srgbClr val="333333"/>
-                </a:solidFill>
-                <a:effectLst/>
-                <a:latin typeface="Ubuntu Mono"/>
-              </a:rPr>
-              <a:t> </a:t>
-            </a:r>
-            <a:r>
-              <a:rPr kumimoji="0" lang="en-US" altLang="en-US" sz="1000" b="0" i="0" u="none" strike="noStrike" cap="none" normalizeH="0" baseline="0" dirty="0" smtClean="0">
-                <a:ln>
-                  <a:noFill/>
-                </a:ln>
-                <a:solidFill>
-                  <a:srgbClr val="1D75B3"/>
-                </a:solidFill>
-                <a:effectLst/>
-                <a:latin typeface="Ubuntu Mono"/>
-              </a:rPr>
-              <a:t>CSV</a:t>
-            </a:r>
-            <a:r>
-              <a:rPr kumimoji="0" lang="en-US" altLang="en-US" sz="1000" b="0" i="0" u="none" strike="noStrike" cap="none" normalizeH="0" baseline="0" dirty="0" smtClean="0">
-                <a:ln>
-                  <a:noFill/>
-                </a:ln>
-                <a:solidFill>
-                  <a:srgbClr val="333333"/>
-                </a:solidFill>
-                <a:effectLst/>
-                <a:latin typeface="Ubuntu Mono"/>
-              </a:rPr>
-              <a:t> </a:t>
-            </a:r>
-            <a:r>
-              <a:rPr kumimoji="0" lang="en-US" altLang="en-US" sz="1000" b="0" i="0" u="none" strike="noStrike" cap="none" normalizeH="0" baseline="0" dirty="0" smtClean="0">
-                <a:ln>
-                  <a:noFill/>
-                </a:ln>
-                <a:solidFill>
-                  <a:srgbClr val="1D75B3"/>
-                </a:solidFill>
-                <a:effectLst/>
-                <a:latin typeface="Ubuntu Mono"/>
-              </a:rPr>
-              <a:t>FROM</a:t>
-            </a:r>
-            <a:r>
-              <a:rPr kumimoji="0" lang="en-US" altLang="en-US" sz="1000" b="0" i="0" u="none" strike="noStrike" cap="none" normalizeH="0" baseline="0" dirty="0" smtClean="0">
-                <a:ln>
-                  <a:noFill/>
-                </a:ln>
-                <a:solidFill>
-                  <a:srgbClr val="333333"/>
-                </a:solidFill>
-                <a:effectLst/>
-                <a:latin typeface="Ubuntu Mono"/>
-              </a:rPr>
-              <a:t> </a:t>
-            </a:r>
-            <a:r>
-              <a:rPr kumimoji="0" lang="en-US" altLang="en-US" sz="1000" b="0" i="0" u="none" strike="noStrike" cap="none" normalizeH="0" baseline="0" dirty="0" smtClean="0">
-                <a:ln>
-                  <a:noFill/>
-                </a:ln>
-                <a:solidFill>
-                  <a:srgbClr val="B35E14"/>
-                </a:solidFill>
-                <a:effectLst/>
-                <a:latin typeface="Ubuntu Mono"/>
-              </a:rPr>
-              <a:t>'http://neo4j.com/docs/2.2.6/csv/artists.csv'</a:t>
-            </a:r>
-            <a:r>
-              <a:rPr kumimoji="0" lang="en-US" altLang="en-US" sz="1000" b="0" i="0" u="none" strike="noStrike" cap="none" normalizeH="0" baseline="0" dirty="0" smtClean="0">
-                <a:ln>
-                  <a:noFill/>
-                </a:ln>
-                <a:solidFill>
-                  <a:srgbClr val="333333"/>
-                </a:solidFill>
-                <a:effectLst/>
-                <a:latin typeface="Ubuntu Mono"/>
-              </a:rPr>
-              <a:t> </a:t>
-            </a:r>
-            <a:r>
-              <a:rPr kumimoji="0" lang="en-US" altLang="en-US" sz="1000" b="0" i="0" u="none" strike="noStrike" cap="none" normalizeH="0" baseline="0" dirty="0" smtClean="0">
-                <a:ln>
-                  <a:noFill/>
-                </a:ln>
-                <a:solidFill>
-                  <a:srgbClr val="1D75B3"/>
-                </a:solidFill>
-                <a:effectLst/>
-                <a:latin typeface="Ubuntu Mono"/>
-              </a:rPr>
-              <a:t>AS</a:t>
-            </a:r>
-            <a:r>
-              <a:rPr kumimoji="0" lang="en-US" altLang="en-US" sz="1000" b="0" i="0" u="none" strike="noStrike" cap="none" normalizeH="0" baseline="0" dirty="0" smtClean="0">
-                <a:ln>
-                  <a:noFill/>
-                </a:ln>
-                <a:solidFill>
-                  <a:srgbClr val="333333"/>
-                </a:solidFill>
-                <a:effectLst/>
-                <a:latin typeface="Ubuntu Mono"/>
-              </a:rPr>
-              <a:t> </a:t>
-            </a:r>
-            <a:r>
-              <a:rPr kumimoji="0" lang="en-US" altLang="en-US" sz="1000" b="0" i="0" u="none" strike="noStrike" cap="none" normalizeH="0" baseline="0" dirty="0" smtClean="0">
-                <a:ln>
-                  <a:noFill/>
-                </a:ln>
-                <a:solidFill>
-                  <a:srgbClr val="047D65"/>
-                </a:solidFill>
-                <a:effectLst/>
-                <a:latin typeface="Ubuntu Mono"/>
-              </a:rPr>
-              <a:t>line</a:t>
-            </a:r>
-            <a:r>
-              <a:rPr kumimoji="0" lang="en-US" altLang="en-US" sz="1000" b="0" i="0" u="none" strike="noStrike" cap="none" normalizeH="0" baseline="0" dirty="0" smtClean="0">
-                <a:ln>
-                  <a:noFill/>
-                </a:ln>
-                <a:solidFill>
-                  <a:srgbClr val="333333"/>
-                </a:solidFill>
-                <a:effectLst/>
-                <a:latin typeface="Ubuntu Mono"/>
-              </a:rPr>
-              <a:t> </a:t>
-            </a:r>
-            <a:r>
-              <a:rPr kumimoji="0" lang="en-US" altLang="en-US" sz="1000" b="0" i="0" u="none" strike="noStrike" cap="none" normalizeH="0" baseline="0" dirty="0" smtClean="0">
-                <a:ln>
-                  <a:noFill/>
-                </a:ln>
-                <a:solidFill>
-                  <a:srgbClr val="1D75B3"/>
-                </a:solidFill>
-                <a:effectLst/>
-                <a:latin typeface="Ubuntu Mono"/>
-              </a:rPr>
-              <a:t>CREATE</a:t>
-            </a:r>
-            <a:r>
-              <a:rPr kumimoji="0" lang="en-US" altLang="en-US" sz="1000" b="0" i="0" u="none" strike="noStrike" cap="none" normalizeH="0" baseline="0" dirty="0" smtClean="0">
-                <a:ln>
-                  <a:noFill/>
-                </a:ln>
-                <a:solidFill>
-                  <a:srgbClr val="333333"/>
-                </a:solidFill>
-                <a:effectLst/>
-                <a:latin typeface="Ubuntu Mono"/>
-              </a:rPr>
-              <a:t> </a:t>
-            </a:r>
-            <a:r>
-              <a:rPr kumimoji="0" lang="en-US" altLang="en-US" sz="1000" b="0" i="0" u="none" strike="noStrike" cap="none" normalizeH="0" baseline="0" dirty="0" smtClean="0">
-                <a:ln>
-                  <a:noFill/>
-                </a:ln>
-                <a:solidFill>
-                  <a:srgbClr val="9C3328"/>
-                </a:solidFill>
-                <a:effectLst/>
-                <a:latin typeface="Ubuntu Mono"/>
-              </a:rPr>
-              <a:t>(</a:t>
-            </a:r>
-            <a:r>
-              <a:rPr kumimoji="0" lang="en-US" altLang="en-US" sz="1000" b="0" i="0" u="none" strike="noStrike" cap="none" normalizeH="0" baseline="0" dirty="0" smtClean="0">
-                <a:ln>
-                  <a:noFill/>
-                </a:ln>
-                <a:solidFill>
-                  <a:srgbClr val="047D65"/>
-                </a:solidFill>
-                <a:effectLst/>
-                <a:latin typeface="Ubuntu Mono"/>
-              </a:rPr>
-              <a:t>:Artist</a:t>
-            </a:r>
-            <a:r>
-              <a:rPr kumimoji="0" lang="en-US" altLang="en-US" sz="1000" b="0" i="0" u="none" strike="noStrike" cap="none" normalizeH="0" baseline="0" dirty="0" smtClean="0">
-                <a:ln>
-                  <a:noFill/>
-                </a:ln>
-                <a:solidFill>
-                  <a:srgbClr val="333333"/>
-                </a:solidFill>
-                <a:effectLst/>
-                <a:latin typeface="Ubuntu Mono"/>
-              </a:rPr>
-              <a:t> </a:t>
-            </a:r>
-            <a:r>
-              <a:rPr kumimoji="0" lang="en-US" altLang="en-US" sz="1000" b="0" i="0" u="none" strike="noStrike" cap="none" normalizeH="0" baseline="0" dirty="0" smtClean="0">
-                <a:ln>
-                  <a:noFill/>
-                </a:ln>
-                <a:solidFill>
-                  <a:srgbClr val="9C3328"/>
-                </a:solidFill>
-                <a:effectLst/>
-                <a:latin typeface="Ubuntu Mono"/>
-              </a:rPr>
-              <a:t>{</a:t>
-            </a:r>
-            <a:r>
-              <a:rPr kumimoji="0" lang="en-US" altLang="en-US" sz="1000" b="0" i="0" u="none" strike="noStrike" cap="none" normalizeH="0" baseline="0" dirty="0" smtClean="0">
-                <a:ln>
-                  <a:noFill/>
-                </a:ln>
-                <a:solidFill>
-                  <a:srgbClr val="333333"/>
-                </a:solidFill>
-                <a:effectLst/>
-                <a:latin typeface="Ubuntu Mono"/>
-              </a:rPr>
-              <a:t> </a:t>
-            </a:r>
-            <a:r>
-              <a:rPr kumimoji="0" lang="en-US" altLang="en-US" sz="1000" b="0" i="0" u="none" strike="noStrike" cap="none" normalizeH="0" baseline="0" dirty="0" smtClean="0">
-                <a:ln>
-                  <a:noFill/>
-                </a:ln>
-                <a:solidFill>
-                  <a:srgbClr val="75438A"/>
-                </a:solidFill>
-                <a:effectLst/>
-                <a:latin typeface="Ubuntu Mono"/>
-              </a:rPr>
-              <a:t>name:</a:t>
-            </a:r>
-            <a:r>
-              <a:rPr kumimoji="0" lang="en-US" altLang="en-US" sz="1000" b="0" i="0" u="none" strike="noStrike" cap="none" normalizeH="0" baseline="0" dirty="0" smtClean="0">
-                <a:ln>
-                  <a:noFill/>
-                </a:ln>
-                <a:solidFill>
-                  <a:srgbClr val="333333"/>
-                </a:solidFill>
-                <a:effectLst/>
-                <a:latin typeface="Ubuntu Mono"/>
-              </a:rPr>
-              <a:t> </a:t>
-            </a:r>
-            <a:r>
-              <a:rPr kumimoji="0" lang="en-US" altLang="en-US" sz="1000" b="0" i="0" u="none" strike="noStrike" cap="none" normalizeH="0" baseline="0" dirty="0" smtClean="0">
-                <a:ln>
-                  <a:noFill/>
-                </a:ln>
-                <a:solidFill>
-                  <a:srgbClr val="047D65"/>
-                </a:solidFill>
-                <a:effectLst/>
-                <a:latin typeface="Ubuntu Mono"/>
-              </a:rPr>
-              <a:t>line</a:t>
-            </a:r>
-            <a:r>
-              <a:rPr kumimoji="0" lang="en-US" altLang="en-US" sz="1000" b="0" i="0" u="none" strike="noStrike" cap="none" normalizeH="0" baseline="0" dirty="0" smtClean="0">
-                <a:ln>
-                  <a:noFill/>
-                </a:ln>
-                <a:solidFill>
-                  <a:srgbClr val="9C3328"/>
-                </a:solidFill>
-                <a:effectLst/>
-                <a:latin typeface="Ubuntu Mono"/>
-              </a:rPr>
-              <a:t>[</a:t>
-            </a:r>
-            <a:r>
-              <a:rPr kumimoji="0" lang="en-US" altLang="en-US" sz="1000" b="0" i="0" u="none" strike="noStrike" cap="none" normalizeH="0" baseline="0" dirty="0" smtClean="0">
-                <a:ln>
-                  <a:noFill/>
-                </a:ln>
-                <a:solidFill>
-                  <a:srgbClr val="047D65"/>
-                </a:solidFill>
-                <a:effectLst/>
-                <a:latin typeface="Ubuntu Mono"/>
-              </a:rPr>
-              <a:t>1</a:t>
-            </a:r>
-            <a:r>
-              <a:rPr kumimoji="0" lang="en-US" altLang="en-US" sz="1000" b="0" i="0" u="none" strike="noStrike" cap="none" normalizeH="0" baseline="0" dirty="0" smtClean="0">
-                <a:ln>
-                  <a:noFill/>
-                </a:ln>
-                <a:solidFill>
-                  <a:srgbClr val="9C3328"/>
-                </a:solidFill>
-                <a:effectLst/>
-                <a:latin typeface="Ubuntu Mono"/>
-              </a:rPr>
-              <a:t>],</a:t>
-            </a:r>
-            <a:r>
-              <a:rPr kumimoji="0" lang="en-US" altLang="en-US" sz="1000" b="0" i="0" u="none" strike="noStrike" cap="none" normalizeH="0" baseline="0" dirty="0" smtClean="0">
-                <a:ln>
-                  <a:noFill/>
-                </a:ln>
-                <a:solidFill>
-                  <a:srgbClr val="333333"/>
-                </a:solidFill>
-                <a:effectLst/>
-                <a:latin typeface="Ubuntu Mono"/>
-              </a:rPr>
-              <a:t> </a:t>
-            </a:r>
-            <a:r>
-              <a:rPr kumimoji="0" lang="en-US" altLang="en-US" sz="1000" b="0" i="0" u="none" strike="noStrike" cap="none" normalizeH="0" baseline="0" dirty="0" smtClean="0">
-                <a:ln>
-                  <a:noFill/>
-                </a:ln>
-                <a:solidFill>
-                  <a:srgbClr val="75438A"/>
-                </a:solidFill>
-                <a:effectLst/>
-                <a:latin typeface="Ubuntu Mono"/>
-              </a:rPr>
-              <a:t>year:</a:t>
-            </a:r>
-            <a:r>
-              <a:rPr kumimoji="0" lang="en-US" altLang="en-US" sz="1000" b="0" i="0" u="none" strike="noStrike" cap="none" normalizeH="0" baseline="0" dirty="0" smtClean="0">
-                <a:ln>
-                  <a:noFill/>
-                </a:ln>
-                <a:solidFill>
-                  <a:srgbClr val="333333"/>
-                </a:solidFill>
-                <a:effectLst/>
-                <a:latin typeface="Ubuntu Mono"/>
-              </a:rPr>
-              <a:t> </a:t>
-            </a:r>
-            <a:r>
-              <a:rPr kumimoji="0" lang="en-US" altLang="en-US" sz="1000" b="0" i="0" u="none" strike="noStrike" cap="none" normalizeH="0" baseline="0" dirty="0" err="1" smtClean="0">
-                <a:ln>
-                  <a:noFill/>
-                </a:ln>
-                <a:solidFill>
-                  <a:srgbClr val="333333"/>
-                </a:solidFill>
-                <a:effectLst/>
-                <a:latin typeface="Ubuntu Mono"/>
-              </a:rPr>
-              <a:t>toInt</a:t>
-            </a:r>
-            <a:r>
-              <a:rPr kumimoji="0" lang="en-US" altLang="en-US" sz="1000" b="0" i="0" u="none" strike="noStrike" cap="none" normalizeH="0" baseline="0" dirty="0" smtClean="0">
-                <a:ln>
-                  <a:noFill/>
-                </a:ln>
-                <a:solidFill>
-                  <a:srgbClr val="9C3328"/>
-                </a:solidFill>
-                <a:effectLst/>
-                <a:latin typeface="Ubuntu Mono"/>
-              </a:rPr>
-              <a:t>(</a:t>
-            </a:r>
-            <a:r>
-              <a:rPr kumimoji="0" lang="en-US" altLang="en-US" sz="1000" b="0" i="0" u="none" strike="noStrike" cap="none" normalizeH="0" baseline="0" dirty="0" smtClean="0">
-                <a:ln>
-                  <a:noFill/>
-                </a:ln>
-                <a:solidFill>
-                  <a:srgbClr val="047D65"/>
-                </a:solidFill>
-                <a:effectLst/>
-                <a:latin typeface="Ubuntu Mono"/>
-              </a:rPr>
-              <a:t>line</a:t>
-            </a:r>
-            <a:r>
-              <a:rPr kumimoji="0" lang="en-US" altLang="en-US" sz="1000" b="0" i="0" u="none" strike="noStrike" cap="none" normalizeH="0" baseline="0" dirty="0" smtClean="0">
-                <a:ln>
-                  <a:noFill/>
-                </a:ln>
-                <a:solidFill>
-                  <a:srgbClr val="9C3328"/>
-                </a:solidFill>
-                <a:effectLst/>
-                <a:latin typeface="Ubuntu Mono"/>
-              </a:rPr>
-              <a:t>[</a:t>
-            </a:r>
-            <a:r>
-              <a:rPr kumimoji="0" lang="en-US" altLang="en-US" sz="1000" b="0" i="0" u="none" strike="noStrike" cap="none" normalizeH="0" baseline="0" dirty="0" smtClean="0">
-                <a:ln>
-                  <a:noFill/>
-                </a:ln>
-                <a:solidFill>
-                  <a:srgbClr val="047D65"/>
-                </a:solidFill>
-                <a:effectLst/>
-                <a:latin typeface="Ubuntu Mono"/>
-              </a:rPr>
-              <a:t>2</a:t>
-            </a:r>
-            <a:r>
-              <a:rPr kumimoji="0" lang="en-US" altLang="en-US" sz="1000" b="0" i="0" u="none" strike="noStrike" cap="none" normalizeH="0" baseline="0" dirty="0" smtClean="0">
-                <a:ln>
-                  <a:noFill/>
-                </a:ln>
-                <a:solidFill>
-                  <a:srgbClr val="9C3328"/>
-                </a:solidFill>
-                <a:effectLst/>
-                <a:latin typeface="Ubuntu Mono"/>
-              </a:rPr>
-              <a:t>])})</a:t>
-            </a:r>
-            <a:r>
-              <a:rPr kumimoji="0" lang="en-US" altLang="en-US" sz="800" b="0" i="0" u="none" strike="noStrike" cap="none" normalizeH="0" baseline="0" dirty="0" smtClean="0">
-                <a:ln>
-                  <a:noFill/>
-                </a:ln>
-                <a:solidFill>
-                  <a:schemeClr val="tx1"/>
-                </a:solidFill>
-                <a:effectLst/>
-              </a:rPr>
-              <a:t> </a:t>
-            </a:r>
-            <a:endParaRPr kumimoji="0" lang="en-US" altLang="en-US" sz="1800" b="0" i="0" u="none" strike="noStrike" cap="none" normalizeH="0" baseline="0" dirty="0" smtClean="0">
-              <a:ln>
-                <a:noFill/>
-              </a:ln>
-              <a:solidFill>
-                <a:schemeClr val="tx1"/>
-              </a:solidFill>
-              <a:effectLst/>
-              <a:latin typeface="Arial" panose="020B0604020202020204" pitchFamily="34" charset="0"/>
-            </a:endParaRPr>
-          </a:p>
-        </p:txBody>
-      </p:sp>
-      <p:sp>
-        <p:nvSpPr>
-          <p:cNvPr id="7" name="Rectangle 3"/>
-          <p:cNvSpPr>
-            <a:spLocks noChangeArrowheads="1"/>
-          </p:cNvSpPr>
-          <p:nvPr/>
-        </p:nvSpPr>
-        <p:spPr bwMode="auto">
-          <a:xfrm>
-            <a:off x="0" y="2362200"/>
-            <a:ext cx="12192000" cy="457200"/>
-          </a:xfrm>
-          <a:prstGeom prst="rect">
-            <a:avLst/>
-          </a:prstGeom>
-          <a:solidFill>
-            <a:srgbClr val="F9F9F9"/>
-          </a:solidFill>
-          <a:ln>
-            <a:noFill/>
-          </a:ln>
-          <a:effectLst/>
-          <a:extLst>
-            <a:ext uri="{91240B29-F687-4F45-9708-019B960494DF}">
-              <a14:hiddenLine xmlns:a14="http://schemas.microsoft.com/office/drawing/2010/main" w="9525">
-                <a:solidFill>
-                  <a:schemeClr val="tx1"/>
-                </a:solidFill>
-                <a:miter lim="800000"/>
-                <a:headEnd/>
-                <a:tailEnd/>
-              </a14:hiddenLine>
-            </a:ext>
-            <a:ext uri="{AF507438-7753-43E0-B8FC-AC1667EBCBE1}">
-              <a14:hiddenEffects xmlns:a14="http://schemas.microsoft.com/office/drawing/2010/main">
-                <a:effectLst>
-                  <a:outerShdw dist="35921" dir="2700000" algn="ctr" rotWithShape="0">
-                    <a:schemeClr val="bg2"/>
-                  </a:outerShdw>
-                </a:effectLst>
-              </a14:hiddenEffects>
-            </a:ext>
-          </a:extLst>
-        </p:spPr>
-        <p:txBody>
-          <a:bodyPr vert="horz" wrap="none" lIns="0" tIns="0" rIns="0" bIns="63480" numCol="1" anchor="ctr" anchorCtr="0" compatLnSpc="1">
-            <a:prstTxWarp prst="textNoShape">
-              <a:avLst/>
-            </a:prstTxWarp>
-            <a:spAutoFit/>
-          </a:bodyPr>
-          <a:lstStyle/>
-          <a:p>
-            <a:pPr marL="0" marR="0" lvl="0" indent="0" algn="l" defTabSz="914400" rtl="0" eaLnBrk="0" fontAlgn="base" latinLnBrk="0" hangingPunct="0">
-              <a:lnSpc>
-                <a:spcPct val="100000"/>
-              </a:lnSpc>
-              <a:spcBef>
-                <a:spcPct val="0"/>
-              </a:spcBef>
-              <a:spcAft>
-                <a:spcPct val="0"/>
-              </a:spcAft>
-              <a:buClrTx/>
-              <a:buSzTx/>
-              <a:buFontTx/>
-              <a:buNone/>
-              <a:tabLst/>
-            </a:pPr>
-            <a:r>
-              <a:rPr kumimoji="0" lang="en-US" altLang="en-US" sz="1000" b="0" i="0" u="none" strike="noStrike" cap="none" normalizeH="0" baseline="0" smtClean="0">
-                <a:ln>
-                  <a:noFill/>
-                </a:ln>
-                <a:solidFill>
-                  <a:srgbClr val="1D75B3"/>
-                </a:solidFill>
-                <a:effectLst/>
-                <a:latin typeface="Ubuntu Mono"/>
-              </a:rPr>
-              <a:t>LOAD</a:t>
-            </a:r>
-            <a:r>
-              <a:rPr kumimoji="0" lang="en-US" altLang="en-US" sz="1000" b="0" i="0" u="none" strike="noStrike" cap="none" normalizeH="0" baseline="0" smtClean="0">
-                <a:ln>
-                  <a:noFill/>
-                </a:ln>
-                <a:solidFill>
-                  <a:srgbClr val="333333"/>
-                </a:solidFill>
-                <a:effectLst/>
-                <a:latin typeface="Ubuntu Mono"/>
-              </a:rPr>
-              <a:t> </a:t>
-            </a:r>
-            <a:r>
-              <a:rPr kumimoji="0" lang="en-US" altLang="en-US" sz="1000" b="0" i="0" u="none" strike="noStrike" cap="none" normalizeH="0" baseline="0" smtClean="0">
-                <a:ln>
-                  <a:noFill/>
-                </a:ln>
-                <a:solidFill>
-                  <a:srgbClr val="1D75B3"/>
-                </a:solidFill>
-                <a:effectLst/>
-                <a:latin typeface="Ubuntu Mono"/>
-              </a:rPr>
-              <a:t>CSV</a:t>
-            </a:r>
-            <a:r>
-              <a:rPr kumimoji="0" lang="en-US" altLang="en-US" sz="1000" b="0" i="0" u="none" strike="noStrike" cap="none" normalizeH="0" baseline="0" smtClean="0">
-                <a:ln>
-                  <a:noFill/>
-                </a:ln>
-                <a:solidFill>
-                  <a:srgbClr val="333333"/>
-                </a:solidFill>
-                <a:effectLst/>
-                <a:latin typeface="Ubuntu Mono"/>
-              </a:rPr>
-              <a:t> </a:t>
-            </a:r>
-            <a:r>
-              <a:rPr kumimoji="0" lang="en-US" altLang="en-US" sz="1000" b="0" i="0" u="none" strike="noStrike" cap="none" normalizeH="0" baseline="0" smtClean="0">
-                <a:ln>
-                  <a:noFill/>
-                </a:ln>
-                <a:solidFill>
-                  <a:srgbClr val="1D75B3"/>
-                </a:solidFill>
-                <a:effectLst/>
-                <a:latin typeface="Ubuntu Mono"/>
-              </a:rPr>
-              <a:t>FROM</a:t>
-            </a:r>
-            <a:r>
-              <a:rPr kumimoji="0" lang="en-US" altLang="en-US" sz="1000" b="0" i="0" u="none" strike="noStrike" cap="none" normalizeH="0" baseline="0" smtClean="0">
-                <a:ln>
-                  <a:noFill/>
-                </a:ln>
-                <a:solidFill>
-                  <a:srgbClr val="333333"/>
-                </a:solidFill>
-                <a:effectLst/>
-                <a:latin typeface="Ubuntu Mono"/>
-              </a:rPr>
-              <a:t> </a:t>
-            </a:r>
-            <a:r>
-              <a:rPr kumimoji="0" lang="en-US" altLang="en-US" sz="1000" b="0" i="0" u="none" strike="noStrike" cap="none" normalizeH="0" baseline="0" smtClean="0">
-                <a:ln>
-                  <a:noFill/>
-                </a:ln>
-                <a:solidFill>
-                  <a:srgbClr val="B35E14"/>
-                </a:solidFill>
-                <a:effectLst/>
-                <a:latin typeface="Ubuntu Mono"/>
-              </a:rPr>
-              <a:t>'http://neo4j.com/docs/2.2.6/csv/artists-fieldterminator.csv'</a:t>
-            </a:r>
-            <a:r>
-              <a:rPr kumimoji="0" lang="en-US" altLang="en-US" sz="1000" b="0" i="0" u="none" strike="noStrike" cap="none" normalizeH="0" baseline="0" smtClean="0">
-                <a:ln>
-                  <a:noFill/>
-                </a:ln>
-                <a:solidFill>
-                  <a:srgbClr val="333333"/>
-                </a:solidFill>
-                <a:effectLst/>
-                <a:latin typeface="Ubuntu Mono"/>
-              </a:rPr>
-              <a:t> </a:t>
-            </a:r>
-            <a:r>
-              <a:rPr kumimoji="0" lang="en-US" altLang="en-US" sz="1000" b="0" i="0" u="none" strike="noStrike" cap="none" normalizeH="0" baseline="0" smtClean="0">
-                <a:ln>
-                  <a:noFill/>
-                </a:ln>
-                <a:solidFill>
-                  <a:srgbClr val="1D75B3"/>
-                </a:solidFill>
-                <a:effectLst/>
-                <a:latin typeface="Ubuntu Mono"/>
-              </a:rPr>
-              <a:t>AS</a:t>
-            </a:r>
-            <a:r>
-              <a:rPr kumimoji="0" lang="en-US" altLang="en-US" sz="1000" b="0" i="0" u="none" strike="noStrike" cap="none" normalizeH="0" baseline="0" smtClean="0">
-                <a:ln>
-                  <a:noFill/>
-                </a:ln>
-                <a:solidFill>
-                  <a:srgbClr val="333333"/>
-                </a:solidFill>
-                <a:effectLst/>
-                <a:latin typeface="Ubuntu Mono"/>
-              </a:rPr>
-              <a:t> </a:t>
-            </a:r>
-            <a:r>
-              <a:rPr kumimoji="0" lang="en-US" altLang="en-US" sz="1000" b="0" i="0" u="none" strike="noStrike" cap="none" normalizeH="0" baseline="0" smtClean="0">
-                <a:ln>
-                  <a:noFill/>
-                </a:ln>
-                <a:solidFill>
-                  <a:srgbClr val="047D65"/>
-                </a:solidFill>
-                <a:effectLst/>
-                <a:latin typeface="Ubuntu Mono"/>
-              </a:rPr>
-              <a:t>line</a:t>
-            </a:r>
-            <a:r>
-              <a:rPr kumimoji="0" lang="en-US" altLang="en-US" sz="1000" b="0" i="0" u="none" strike="noStrike" cap="none" normalizeH="0" baseline="0" smtClean="0">
-                <a:ln>
-                  <a:noFill/>
-                </a:ln>
-                <a:solidFill>
-                  <a:srgbClr val="333333"/>
-                </a:solidFill>
-                <a:effectLst/>
-                <a:latin typeface="Ubuntu Mono"/>
-              </a:rPr>
-              <a:t> </a:t>
-            </a:r>
-            <a:r>
-              <a:rPr kumimoji="0" lang="en-US" altLang="en-US" sz="1000" b="0" i="0" u="none" strike="noStrike" cap="none" normalizeH="0" baseline="0" smtClean="0">
-                <a:ln>
-                  <a:noFill/>
-                </a:ln>
-                <a:solidFill>
-                  <a:srgbClr val="1D75B3"/>
-                </a:solidFill>
-                <a:effectLst/>
-                <a:latin typeface="Ubuntu Mono"/>
-              </a:rPr>
-              <a:t>FIELDTERMINATOR</a:t>
-            </a:r>
-            <a:r>
-              <a:rPr kumimoji="0" lang="en-US" altLang="en-US" sz="1000" b="0" i="0" u="none" strike="noStrike" cap="none" normalizeH="0" baseline="0" smtClean="0">
-                <a:ln>
-                  <a:noFill/>
-                </a:ln>
-                <a:solidFill>
-                  <a:srgbClr val="333333"/>
-                </a:solidFill>
-                <a:effectLst/>
-                <a:latin typeface="Ubuntu Mono"/>
-              </a:rPr>
-              <a:t> </a:t>
-            </a:r>
-            <a:r>
-              <a:rPr kumimoji="0" lang="en-US" altLang="en-US" sz="1000" b="0" i="0" u="none" strike="noStrike" cap="none" normalizeH="0" baseline="0" smtClean="0">
-                <a:ln>
-                  <a:noFill/>
-                </a:ln>
-                <a:solidFill>
-                  <a:srgbClr val="B35E14"/>
-                </a:solidFill>
-                <a:effectLst/>
-                <a:latin typeface="Ubuntu Mono"/>
-              </a:rPr>
-              <a:t>';'</a:t>
-            </a:r>
-            <a:r>
-              <a:rPr kumimoji="0" lang="en-US" altLang="en-US" sz="1000" b="0" i="0" u="none" strike="noStrike" cap="none" normalizeH="0" baseline="0" smtClean="0">
-                <a:ln>
-                  <a:noFill/>
-                </a:ln>
-                <a:solidFill>
-                  <a:srgbClr val="333333"/>
-                </a:solidFill>
-                <a:effectLst/>
-                <a:latin typeface="Ubuntu Mono"/>
-              </a:rPr>
-              <a:t> </a:t>
-            </a:r>
-            <a:r>
-              <a:rPr kumimoji="0" lang="en-US" altLang="en-US" sz="1000" b="0" i="0" u="none" strike="noStrike" cap="none" normalizeH="0" baseline="0" smtClean="0">
-                <a:ln>
-                  <a:noFill/>
-                </a:ln>
-                <a:solidFill>
-                  <a:srgbClr val="1D75B3"/>
-                </a:solidFill>
-                <a:effectLst/>
-                <a:latin typeface="Ubuntu Mono"/>
-              </a:rPr>
-              <a:t>CREATE</a:t>
-            </a:r>
-            <a:r>
-              <a:rPr kumimoji="0" lang="en-US" altLang="en-US" sz="1000" b="0" i="0" u="none" strike="noStrike" cap="none" normalizeH="0" baseline="0" smtClean="0">
-                <a:ln>
-                  <a:noFill/>
-                </a:ln>
-                <a:solidFill>
-                  <a:srgbClr val="333333"/>
-                </a:solidFill>
-                <a:effectLst/>
-                <a:latin typeface="Ubuntu Mono"/>
-              </a:rPr>
-              <a:t> </a:t>
-            </a:r>
-            <a:r>
-              <a:rPr kumimoji="0" lang="en-US" altLang="en-US" sz="1000" b="0" i="0" u="none" strike="noStrike" cap="none" normalizeH="0" baseline="0" smtClean="0">
-                <a:ln>
-                  <a:noFill/>
-                </a:ln>
-                <a:solidFill>
-                  <a:srgbClr val="9C3328"/>
-                </a:solidFill>
-                <a:effectLst/>
-                <a:latin typeface="Ubuntu Mono"/>
-              </a:rPr>
-              <a:t>(</a:t>
-            </a:r>
-            <a:r>
-              <a:rPr kumimoji="0" lang="en-US" altLang="en-US" sz="1000" b="0" i="0" u="none" strike="noStrike" cap="none" normalizeH="0" baseline="0" smtClean="0">
-                <a:ln>
-                  <a:noFill/>
-                </a:ln>
-                <a:solidFill>
-                  <a:srgbClr val="047D65"/>
-                </a:solidFill>
-                <a:effectLst/>
-                <a:latin typeface="Ubuntu Mono"/>
-              </a:rPr>
-              <a:t>:Artist</a:t>
-            </a:r>
-            <a:r>
-              <a:rPr kumimoji="0" lang="en-US" altLang="en-US" sz="1000" b="0" i="0" u="none" strike="noStrike" cap="none" normalizeH="0" baseline="0" smtClean="0">
-                <a:ln>
-                  <a:noFill/>
-                </a:ln>
-                <a:solidFill>
-                  <a:srgbClr val="333333"/>
-                </a:solidFill>
-                <a:effectLst/>
-                <a:latin typeface="Ubuntu Mono"/>
-              </a:rPr>
-              <a:t> </a:t>
-            </a:r>
-            <a:r>
-              <a:rPr kumimoji="0" lang="en-US" altLang="en-US" sz="1000" b="0" i="0" u="none" strike="noStrike" cap="none" normalizeH="0" baseline="0" smtClean="0">
-                <a:ln>
-                  <a:noFill/>
-                </a:ln>
-                <a:solidFill>
-                  <a:srgbClr val="9C3328"/>
-                </a:solidFill>
-                <a:effectLst/>
-                <a:latin typeface="Ubuntu Mono"/>
-              </a:rPr>
-              <a:t>{</a:t>
-            </a:r>
-            <a:r>
-              <a:rPr kumimoji="0" lang="en-US" altLang="en-US" sz="1000" b="0" i="0" u="none" strike="noStrike" cap="none" normalizeH="0" baseline="0" smtClean="0">
-                <a:ln>
-                  <a:noFill/>
-                </a:ln>
-                <a:solidFill>
-                  <a:srgbClr val="333333"/>
-                </a:solidFill>
-                <a:effectLst/>
-                <a:latin typeface="Ubuntu Mono"/>
-              </a:rPr>
-              <a:t> </a:t>
-            </a:r>
-            <a:r>
-              <a:rPr kumimoji="0" lang="en-US" altLang="en-US" sz="1000" b="0" i="0" u="none" strike="noStrike" cap="none" normalizeH="0" baseline="0" smtClean="0">
-                <a:ln>
-                  <a:noFill/>
-                </a:ln>
-                <a:solidFill>
-                  <a:srgbClr val="75438A"/>
-                </a:solidFill>
-                <a:effectLst/>
-                <a:latin typeface="Ubuntu Mono"/>
-              </a:rPr>
-              <a:t>name:</a:t>
-            </a:r>
-            <a:r>
-              <a:rPr kumimoji="0" lang="en-US" altLang="en-US" sz="1000" b="0" i="0" u="none" strike="noStrike" cap="none" normalizeH="0" baseline="0" smtClean="0">
-                <a:ln>
-                  <a:noFill/>
-                </a:ln>
-                <a:solidFill>
-                  <a:srgbClr val="333333"/>
-                </a:solidFill>
-                <a:effectLst/>
-                <a:latin typeface="Ubuntu Mono"/>
-              </a:rPr>
-              <a:t> </a:t>
-            </a:r>
-            <a:r>
-              <a:rPr kumimoji="0" lang="en-US" altLang="en-US" sz="1000" b="0" i="0" u="none" strike="noStrike" cap="none" normalizeH="0" baseline="0" smtClean="0">
-                <a:ln>
-                  <a:noFill/>
-                </a:ln>
-                <a:solidFill>
-                  <a:srgbClr val="047D65"/>
-                </a:solidFill>
-                <a:effectLst/>
-                <a:latin typeface="Ubuntu Mono"/>
-              </a:rPr>
-              <a:t>line</a:t>
-            </a:r>
-            <a:r>
-              <a:rPr kumimoji="0" lang="en-US" altLang="en-US" sz="1000" b="0" i="0" u="none" strike="noStrike" cap="none" normalizeH="0" baseline="0" smtClean="0">
-                <a:ln>
-                  <a:noFill/>
-                </a:ln>
-                <a:solidFill>
-                  <a:srgbClr val="9C3328"/>
-                </a:solidFill>
-                <a:effectLst/>
-                <a:latin typeface="Ubuntu Mono"/>
-              </a:rPr>
-              <a:t>[</a:t>
-            </a:r>
-            <a:r>
-              <a:rPr kumimoji="0" lang="en-US" altLang="en-US" sz="1000" b="0" i="0" u="none" strike="noStrike" cap="none" normalizeH="0" baseline="0" smtClean="0">
-                <a:ln>
-                  <a:noFill/>
-                </a:ln>
-                <a:solidFill>
-                  <a:srgbClr val="047D65"/>
-                </a:solidFill>
-                <a:effectLst/>
-                <a:latin typeface="Ubuntu Mono"/>
-              </a:rPr>
-              <a:t>1</a:t>
-            </a:r>
-            <a:r>
-              <a:rPr kumimoji="0" lang="en-US" altLang="en-US" sz="1000" b="0" i="0" u="none" strike="noStrike" cap="none" normalizeH="0" baseline="0" smtClean="0">
-                <a:ln>
-                  <a:noFill/>
-                </a:ln>
-                <a:solidFill>
-                  <a:srgbClr val="9C3328"/>
-                </a:solidFill>
-                <a:effectLst/>
-                <a:latin typeface="Ubuntu Mono"/>
-              </a:rPr>
-              <a:t>],</a:t>
-            </a:r>
-            <a:r>
-              <a:rPr kumimoji="0" lang="en-US" altLang="en-US" sz="1000" b="0" i="0" u="none" strike="noStrike" cap="none" normalizeH="0" baseline="0" smtClean="0">
-                <a:ln>
-                  <a:noFill/>
-                </a:ln>
-                <a:solidFill>
-                  <a:srgbClr val="333333"/>
-                </a:solidFill>
-                <a:effectLst/>
-                <a:latin typeface="Ubuntu Mono"/>
-              </a:rPr>
-              <a:t> </a:t>
-            </a:r>
-            <a:r>
-              <a:rPr kumimoji="0" lang="en-US" altLang="en-US" sz="1000" b="0" i="0" u="none" strike="noStrike" cap="none" normalizeH="0" baseline="0" smtClean="0">
-                <a:ln>
-                  <a:noFill/>
-                </a:ln>
-                <a:solidFill>
-                  <a:srgbClr val="75438A"/>
-                </a:solidFill>
-                <a:effectLst/>
-                <a:latin typeface="Ubuntu Mono"/>
-              </a:rPr>
-              <a:t>year:</a:t>
-            </a:r>
-            <a:r>
-              <a:rPr kumimoji="0" lang="en-US" altLang="en-US" sz="1000" b="0" i="0" u="none" strike="noStrike" cap="none" normalizeH="0" baseline="0" smtClean="0">
-                <a:ln>
-                  <a:noFill/>
-                </a:ln>
-                <a:solidFill>
-                  <a:srgbClr val="333333"/>
-                </a:solidFill>
-                <a:effectLst/>
-                <a:latin typeface="Ubuntu Mono"/>
-              </a:rPr>
-              <a:t> toInt</a:t>
-            </a:r>
-            <a:r>
-              <a:rPr kumimoji="0" lang="en-US" altLang="en-US" sz="1000" b="0" i="0" u="none" strike="noStrike" cap="none" normalizeH="0" baseline="0" smtClean="0">
-                <a:ln>
-                  <a:noFill/>
-                </a:ln>
-                <a:solidFill>
-                  <a:srgbClr val="9C3328"/>
-                </a:solidFill>
-                <a:effectLst/>
-                <a:latin typeface="Ubuntu Mono"/>
-              </a:rPr>
-              <a:t>(</a:t>
-            </a:r>
-            <a:r>
-              <a:rPr kumimoji="0" lang="en-US" altLang="en-US" sz="1000" b="0" i="0" u="none" strike="noStrike" cap="none" normalizeH="0" baseline="0" smtClean="0">
-                <a:ln>
-                  <a:noFill/>
-                </a:ln>
-                <a:solidFill>
-                  <a:srgbClr val="047D65"/>
-                </a:solidFill>
-                <a:effectLst/>
-                <a:latin typeface="Ubuntu Mono"/>
-              </a:rPr>
-              <a:t>line</a:t>
-            </a:r>
-            <a:r>
-              <a:rPr kumimoji="0" lang="en-US" altLang="en-US" sz="1000" b="0" i="0" u="none" strike="noStrike" cap="none" normalizeH="0" baseline="0" smtClean="0">
-                <a:ln>
-                  <a:noFill/>
-                </a:ln>
-                <a:solidFill>
-                  <a:srgbClr val="9C3328"/>
-                </a:solidFill>
-                <a:effectLst/>
-                <a:latin typeface="Ubuntu Mono"/>
-              </a:rPr>
-              <a:t>[</a:t>
-            </a:r>
-            <a:r>
-              <a:rPr kumimoji="0" lang="en-US" altLang="en-US" sz="1000" b="0" i="0" u="none" strike="noStrike" cap="none" normalizeH="0" baseline="0" smtClean="0">
-                <a:ln>
-                  <a:noFill/>
-                </a:ln>
-                <a:solidFill>
-                  <a:srgbClr val="047D65"/>
-                </a:solidFill>
-                <a:effectLst/>
-                <a:latin typeface="Ubuntu Mono"/>
-              </a:rPr>
-              <a:t>2</a:t>
-            </a:r>
-            <a:r>
-              <a:rPr kumimoji="0" lang="en-US" altLang="en-US" sz="1000" b="0" i="0" u="none" strike="noStrike" cap="none" normalizeH="0" baseline="0" smtClean="0">
-                <a:ln>
-                  <a:noFill/>
-                </a:ln>
-                <a:solidFill>
-                  <a:srgbClr val="9C3328"/>
-                </a:solidFill>
-                <a:effectLst/>
-                <a:latin typeface="Ubuntu Mono"/>
-              </a:rPr>
-              <a:t>])})</a:t>
-            </a:r>
-            <a:r>
-              <a:rPr kumimoji="0" lang="en-US" altLang="en-US" sz="800" b="0" i="0" u="none" strike="noStrike" cap="none" normalizeH="0" baseline="0" smtClean="0">
-                <a:ln>
-                  <a:noFill/>
-                </a:ln>
-                <a:solidFill>
-                  <a:schemeClr val="tx1"/>
-                </a:solidFill>
-                <a:effectLst/>
-              </a:rPr>
-              <a:t> </a:t>
-            </a:r>
-            <a:endParaRPr kumimoji="0" lang="en-US" altLang="en-US" sz="1800" b="0" i="0" u="none" strike="noStrike" cap="none" normalizeH="0" baseline="0" smtClean="0">
-              <a:ln>
-                <a:noFill/>
-              </a:ln>
-              <a:solidFill>
-                <a:schemeClr val="tx1"/>
-              </a:solidFill>
-              <a:effectLst/>
-              <a:latin typeface="Arial" panose="020B0604020202020204" pitchFamily="34" charset="0"/>
-            </a:endParaRPr>
-          </a:p>
-        </p:txBody>
-      </p:sp>
-    </p:spTree>
-    <p:extLst>
-      <p:ext uri="{BB962C8B-B14F-4D97-AF65-F5344CB8AC3E}">
-        <p14:creationId xmlns:p14="http://schemas.microsoft.com/office/powerpoint/2010/main" val="3466165010"/>
-      </p:ext>
-    </p:extLst>
-  </p:cSld>
-  <p:clrMapOvr>
-    <a:masterClrMapping/>
-  </p:clrMapOvr>
+  <mc:AlternateContent xmlns:mc="http://schemas.openxmlformats.org/markup-compatibility/2006">
+    <mc:Choice xmlns:p14="http://schemas.microsoft.com/office/powerpoint/2010/main" Requires="p14">
+      <p:transition spd="slow" p14:dur="2000" advTm="21909"/>
+    </mc:Choice>
+    <mc:Fallback>
+      <p:transition spd="slow" advTm="21909"/>
+    </mc:Fallback>
+  </mc:AlternateContent>
   <p:timing>
     <p:tnLst>
       <p:par>
@@ -11031,7 +10495,7 @@
                 </a:solidFill>
                 <a:latin typeface="Segoe UI Light" panose="020B0502040204020203" pitchFamily="34" charset="0"/>
               </a:rPr>
-              <a:t>Cypher – The Graph Lingo</a:t>
+              <a:t>Neo4J Developer Interfaces</a:t>
             </a:r>
             <a:endParaRPr lang="en-US" dirty="0"/>
           </a:p>
@@ -11050,48 +10514,122 @@
         <p:spPr/>
         <p:txBody>
           <a:bodyPr>
-            <a:normAutofit/>
+            <a:normAutofit lnSpcReduction="10000"/>
           </a:bodyPr>
           <a:lstStyle/>
           <a:p>
             <a:r>
-              <a:rPr lang="en-US" sz="4000" dirty="0" smtClean="0">
+              <a:rPr lang="en-US" dirty="0" smtClean="0">
                 <a:latin typeface="Segoe UI Light" panose="020B0502040204020203" pitchFamily="34" charset="0"/>
                 <a:cs typeface="Segoe UI Light" panose="020B0502040204020203" pitchFamily="34" charset="0"/>
               </a:rPr>
-              <a:t>Designed for Graphs</a:t>
-            </a:r>
-          </a:p>
-          <a:p>
-            <a:r>
-              <a:rPr lang="en-US" sz="4000" dirty="0" smtClean="0">
+              <a:t>REST API</a:t>
+            </a:r>
+          </a:p>
+          <a:p>
+            <a:r>
+              <a:rPr lang="en-US" dirty="0" err="1" smtClean="0">
                 <a:latin typeface="Segoe UI Light" panose="020B0502040204020203" pitchFamily="34" charset="0"/>
                 <a:cs typeface="Segoe UI Light" panose="020B0502040204020203" pitchFamily="34" charset="0"/>
               </a:rPr>
-              <a:t>SQL – Like syntax</a:t>
-            </a:r>
-          </a:p>
-          <a:p>
-            <a:r>
-              <a:rPr lang="en-US" sz="4000" dirty="0" smtClean="0">
+              <a:t>.Net</a:t>
+            </a:r>
+            <a:endParaRPr lang="en-US" dirty="0" smtClean="0">
+              <a:latin typeface="Segoe UI Light" panose="020B0502040204020203" pitchFamily="34" charset="0"/>
+              <a:cs typeface="Segoe UI Light" panose="020B0502040204020203" pitchFamily="34" charset="0"/>
+            </a:endParaRPr>
+          </a:p>
+          <a:p>
+            <a:r>
+              <a:rPr lang="en-US" dirty="0" smtClean="0">
                 <a:latin typeface="Segoe UI Light" panose="020B0502040204020203" pitchFamily="34" charset="0"/>
                 <a:cs typeface="Segoe UI Light" panose="020B0502040204020203" pitchFamily="34" charset="0"/>
               </a:rPr>
-              <a:t>Declarative Pattern Matching syntax</a:t>
-            </a:r>
+              <a:t>Java</a:t>
+            </a:r>
+          </a:p>
+          <a:p>
+            <a:r>
+              <a:rPr lang="en-US" dirty="0" smtClean="0">
+                <a:latin typeface="Segoe UI Light" panose="020B0502040204020203" pitchFamily="34" charset="0"/>
+                <a:cs typeface="Segoe UI Light" panose="020B0502040204020203" pitchFamily="34" charset="0"/>
+              </a:rPr>
+              <a:t>Spring Frameworks</a:t>
+            </a:r>
+          </a:p>
+          <a:p>
+            <a:r>
+              <a:rPr lang="en-US" dirty="0" err="1" smtClean="0">
+                <a:latin typeface="Segoe UI Light" panose="020B0502040204020203" pitchFamily="34" charset="0"/>
+                <a:cs typeface="Segoe UI Light" panose="020B0502040204020203" pitchFamily="34" charset="0"/>
+              </a:rPr>
+              <a:t>Javascript</a:t>
+            </a:r>
+            <a:endParaRPr lang="en-US" dirty="0" smtClean="0">
+              <a:latin typeface="Segoe UI Light" panose="020B0502040204020203" pitchFamily="34" charset="0"/>
+              <a:cs typeface="Segoe UI Light" panose="020B0502040204020203" pitchFamily="34" charset="0"/>
+            </a:endParaRPr>
+          </a:p>
+          <a:p>
+            <a:r>
+              <a:rPr lang="en-US" dirty="0" smtClean="0">
+                <a:latin typeface="Segoe UI Light" panose="020B0502040204020203" pitchFamily="34" charset="0"/>
+                <a:cs typeface="Segoe UI Light" panose="020B0502040204020203" pitchFamily="34" charset="0"/>
+              </a:rPr>
+              <a:t>Python</a:t>
+            </a:r>
+          </a:p>
+          <a:p>
+            <a:r>
+              <a:rPr lang="en-US" dirty="0" smtClean="0">
+                <a:latin typeface="Segoe UI Light" panose="020B0502040204020203" pitchFamily="34" charset="0"/>
+                <a:cs typeface="Segoe UI Light" panose="020B0502040204020203" pitchFamily="34" charset="0"/>
+              </a:rPr>
+              <a:t>Ruby</a:t>
+            </a:r>
+          </a:p>
+          <a:p>
+            <a:r>
+              <a:rPr lang="en-US" dirty="0" smtClean="0">
+                <a:latin typeface="Segoe UI Light" panose="020B0502040204020203" pitchFamily="34" charset="0"/>
+                <a:cs typeface="Segoe UI Light" panose="020B0502040204020203" pitchFamily="34" charset="0"/>
+              </a:rPr>
+              <a:t>PHP</a:t>
+            </a:r>
+          </a:p>
+          <a:p>
+            <a:r>
+              <a:rPr lang="en-US" dirty="0" smtClean="0">
+                <a:latin typeface="Segoe UI Light" panose="020B0502040204020203" pitchFamily="34" charset="0"/>
+                <a:cs typeface="Segoe UI Light" panose="020B0502040204020203" pitchFamily="34" charset="0"/>
+              </a:rPr>
+              <a:t>R, GO, Closure, Perl, Haskell</a:t>
+            </a:r>
+            <a:endParaRPr lang="en-US" dirty="0">
+              <a:latin typeface="Segoe UI Light" panose="020B0502040204020203" pitchFamily="34" charset="0"/>
+              <a:cs typeface="Segoe UI Light" panose="020B0502040204020203" pitchFamily="34" charset="0"/>
+            </a:endParaRPr>
           </a:p>
         </p:txBody>
       </p:sp>
     </p:spTree>
     <p:extLst>
       <p:ext uri="{BB962C8B-B14F-4D97-AF65-F5344CB8AC3E}">
-        <p14:creationId xmlns:p14="http://schemas.microsoft.com/office/powerpoint/2010/main" val="2231446638"/>
+        <p14:creationId xmlns:p14="http://schemas.microsoft.com/office/powerpoint/2010/main" val="978762258"/>
       </p:ext>
     </p:extLst>
   </p:cSld>
   <p:clrMapOvr>
     <a:masterClrMapping/>
   </p:clrMapOvr>
+  <mc:AlternateContent xmlns:mc="http://schemas.openxmlformats.org/markup-compatibility/2006">
+    <mc:Choice xmlns:p14="http://schemas.microsoft.com/office/powerpoint/2010/main" Requires="p14">
+      <p:transition spd="slow" p14:dur="2000" advTm="47406"/>
+    </mc:Choice>
+    <mc:Fallback>
+      <p:transition spd="slow" advTm="47406"/>
+    </mc:Fallback>
+  </mc:AlternateContent>
   <p:timing>
     <p:tnLst>
       <p:par>
@@ -11103,6 +10641,1351 @@
 </file>
 
 <file path=ppt/slides/slide18.xml><?xml version="1.0" encoding="utf-8"?>
+<p:sld xmlns:a="http://schemas.openxmlformats.org/drawingml/2006/main" xmlns:r="http://schemas.openxmlformats.org/officeDocument/2006/relationships" xmlns:p="http://schemas.openxmlformats.org/presentationml/2006/main">
+  <p:cSld>
+    <p:spTree>
+      <p:nvGrpSpPr>
+        <p:cNvPr id="1" name=""/>
+        <p:cNvGrpSpPr/>
+        <p:nvPr/>
+      </p:nvGrpSpPr>
+      <p:grpSpPr>
+        <a:xfrm>
+          <a:off x="0" y="0"/>
+          <a:ext cx="0" cy="0"/>
+          <a:chOff x="0" y="0"/>
+          <a:chExt cx="0" cy="0"/>
+        </a:xfrm>
+      </p:grpSpPr>
+      <p:sp>
+        <p:nvSpPr>
+          <p:cNvPr id="3" name="Content Placeholder 2"/>
+          <p:cNvSpPr>
+            <a:spLocks noGrp="1"/>
+          </p:cNvSpPr>
+          <p:nvPr>
+            <p:ph idx="1"/>
+          </p:nvPr>
+        </p:nvSpPr>
+        <p:spPr>
+          <a:xfrm>
+            <a:off x="838200" y="1901825"/>
+            <a:ext cx="10515600" cy="4351338"/>
+          </a:xfrm>
+        </p:spPr>
+        <p:txBody>
+          <a:bodyPr/>
+          <a:lstStyle/>
+          <a:p>
+            <a:r>
+              <a:rPr lang="en-US" dirty="0" smtClean="0"/>
+              <a:t>Convert your data to CSV and Load </a:t>
+            </a:r>
+          </a:p>
+          <a:p>
+            <a:pPr lvl="1"/>
+            <a:endParaRPr lang="en-US" dirty="0" smtClean="0"/>
+          </a:p>
+          <a:p>
+            <a:r>
+              <a:rPr lang="en-US" dirty="0" smtClean="0"/>
+              <a:t>Even Load Large Amounts of Data from BIG CSV Files using the Periodic Commit</a:t>
+            </a:r>
+          </a:p>
+          <a:p>
+            <a:endParaRPr lang="en-US" dirty="0"/>
+          </a:p>
+          <a:p>
+            <a:r>
+              <a:rPr lang="en-US" dirty="0" smtClean="0"/>
+              <a:t>Write your own load using Cypher Query and run the “Insert Queries”</a:t>
+            </a:r>
+          </a:p>
+          <a:p>
+            <a:pPr lvl="1"/>
+            <a:endParaRPr lang="en-US" dirty="0"/>
+          </a:p>
+        </p:txBody>
+      </p:sp>
+      <p:sp>
+        <p:nvSpPr>
+          <p:cNvPr id="4" name="Title 1"/>
+          <p:cNvSpPr>
+            <a:spLocks noGrp="1"/>
+          </p:cNvSpPr>
+          <p:nvPr>
+            <p:ph type="title"/>
+          </p:nvPr>
+        </p:nvSpPr>
+        <p:spPr>
+          <a:xfrm>
+            <a:off x="838200" y="365125"/>
+            <a:ext cx="10515600" cy="1325563"/>
+          </a:xfrm>
+        </p:spPr>
+        <p:txBody>
+          <a:bodyPr/>
+          <a:lstStyle/>
+          <a:p>
+            <a:r>
+              <a:rPr lang="en-US" dirty="0" smtClean="0">
+                <a:solidFill>
+                  <a:srgbClr val="00B0F0"/>
+                </a:solidFill>
+                <a:latin typeface="Segoe UI Light" panose="020B0502040204020203" pitchFamily="34" charset="0"/>
+              </a:rPr>
+              <a:t>Loading data in Neo4j</a:t>
+            </a:r>
+            <a:endParaRPr lang="en-US" dirty="0"/>
+          </a:p>
+        </p:txBody>
+      </p:sp>
+      <p:sp>
+        <p:nvSpPr>
+          <p:cNvPr id="6" name="Rectangle 2"/>
+          <p:cNvSpPr>
+            <a:spLocks noChangeArrowheads="1"/>
+          </p:cNvSpPr>
+          <p:nvPr/>
+        </p:nvSpPr>
+        <p:spPr bwMode="auto">
+          <a:xfrm>
+            <a:off x="0" y="3733800"/>
+            <a:ext cx="12192000" cy="457200"/>
+          </a:xfrm>
+          <a:prstGeom prst="rect">
+            <a:avLst/>
+          </a:prstGeom>
+          <a:solidFill>
+            <a:srgbClr val="F9F9F9"/>
+          </a:solidFill>
+          <a:ln>
+            <a:noFill/>
+          </a:ln>
+          <a:effectLst/>
+          <a:extLst>
+            <a:ext uri="{91240B29-F687-4F45-9708-019B960494DF}">
+              <a14:hiddenLine xmlns:a14="http://schemas.microsoft.com/office/drawing/2010/main" w="9525">
+                <a:solidFill>
+                  <a:schemeClr val="tx1"/>
+                </a:solidFill>
+                <a:miter lim="800000"/>
+                <a:headEnd/>
+                <a:tailEnd/>
+              </a14:hiddenLine>
+            </a:ext>
+            <a:ext uri="{AF507438-7753-43E0-B8FC-AC1667EBCBE1}">
+              <a14:hiddenEffects xmlns:a14="http://schemas.microsoft.com/office/drawing/2010/main">
+                <a:effectLst>
+                  <a:outerShdw dist="35921" dir="2700000" algn="ctr" rotWithShape="0">
+                    <a:schemeClr val="bg2"/>
+                  </a:outerShdw>
+                </a:effectLst>
+              </a14:hiddenEffects>
+            </a:ext>
+          </a:extLst>
+        </p:spPr>
+        <p:txBody>
+          <a:bodyPr vert="horz" wrap="none" lIns="0" tIns="0" rIns="0" bIns="63480" numCol="1" anchor="ctr" anchorCtr="0" compatLnSpc="1">
+            <a:prstTxWarp prst="textNoShape">
+              <a:avLst/>
+            </a:prstTxWarp>
+            <a:spAutoFit/>
+          </a:bodyPr>
+          <a:lstStyle/>
+          <a:p>
+            <a:pPr marL="0" marR="0" lvl="0" indent="0" algn="l" defTabSz="914400" rtl="0" eaLnBrk="0" fontAlgn="base" latinLnBrk="0" hangingPunct="0">
+              <a:lnSpc>
+                <a:spcPct val="100000"/>
+              </a:lnSpc>
+              <a:spcBef>
+                <a:spcPct val="0"/>
+              </a:spcBef>
+              <a:spcAft>
+                <a:spcPct val="0"/>
+              </a:spcAft>
+              <a:buClrTx/>
+              <a:buSzTx/>
+              <a:buFontTx/>
+              <a:buNone/>
+              <a:tabLst/>
+            </a:pPr>
+            <a:r>
+              <a:rPr kumimoji="0" lang="en-US" altLang="en-US" sz="1000" b="0" i="0" u="none" strike="noStrike" cap="none" normalizeH="0" baseline="0" dirty="0" smtClean="0">
+                <a:ln>
+                  <a:noFill/>
+                </a:ln>
+                <a:solidFill>
+                  <a:srgbClr val="1D75B3"/>
+                </a:solidFill>
+                <a:effectLst/>
+                <a:latin typeface="Ubuntu Mono"/>
+              </a:rPr>
+              <a:t>USING</a:t>
+            </a:r>
+            <a:r>
+              <a:rPr kumimoji="0" lang="en-US" altLang="en-US" sz="1000" b="0" i="0" u="none" strike="noStrike" cap="none" normalizeH="0" baseline="0" dirty="0" smtClean="0">
+                <a:ln>
+                  <a:noFill/>
+                </a:ln>
+                <a:solidFill>
+                  <a:srgbClr val="333333"/>
+                </a:solidFill>
+                <a:effectLst/>
+                <a:latin typeface="Ubuntu Mono"/>
+              </a:rPr>
+              <a:t> </a:t>
+            </a:r>
+            <a:r>
+              <a:rPr kumimoji="0" lang="en-US" altLang="en-US" sz="1000" b="0" i="0" u="none" strike="noStrike" cap="none" normalizeH="0" baseline="0" dirty="0" smtClean="0">
+                <a:ln>
+                  <a:noFill/>
+                </a:ln>
+                <a:solidFill>
+                  <a:srgbClr val="1D75B3"/>
+                </a:solidFill>
+                <a:effectLst/>
+                <a:latin typeface="Ubuntu Mono"/>
+              </a:rPr>
+              <a:t>PERIODIC</a:t>
+            </a:r>
+            <a:r>
+              <a:rPr kumimoji="0" lang="en-US" altLang="en-US" sz="1000" b="0" i="0" u="none" strike="noStrike" cap="none" normalizeH="0" baseline="0" dirty="0" smtClean="0">
+                <a:ln>
+                  <a:noFill/>
+                </a:ln>
+                <a:solidFill>
+                  <a:srgbClr val="333333"/>
+                </a:solidFill>
+                <a:effectLst/>
+                <a:latin typeface="Ubuntu Mono"/>
+              </a:rPr>
+              <a:t> </a:t>
+            </a:r>
+            <a:r>
+              <a:rPr kumimoji="0" lang="en-US" altLang="en-US" sz="1000" b="0" i="0" u="none" strike="noStrike" cap="none" normalizeH="0" baseline="0" dirty="0" smtClean="0">
+                <a:ln>
+                  <a:noFill/>
+                </a:ln>
+                <a:solidFill>
+                  <a:srgbClr val="1D75B3"/>
+                </a:solidFill>
+                <a:effectLst/>
+                <a:latin typeface="Ubuntu Mono"/>
+              </a:rPr>
+              <a:t>COMMIT</a:t>
+            </a:r>
+            <a:r>
+              <a:rPr kumimoji="0" lang="en-US" altLang="en-US" sz="1000" b="0" i="0" u="none" strike="noStrike" cap="none" normalizeH="0" baseline="0" dirty="0" smtClean="0">
+                <a:ln>
+                  <a:noFill/>
+                </a:ln>
+                <a:solidFill>
+                  <a:srgbClr val="333333"/>
+                </a:solidFill>
+                <a:effectLst/>
+                <a:latin typeface="Ubuntu Mono"/>
+              </a:rPr>
+              <a:t> </a:t>
+            </a:r>
+            <a:r>
+              <a:rPr kumimoji="0" lang="en-US" altLang="en-US" sz="1000" b="0" i="0" u="none" strike="noStrike" cap="none" normalizeH="0" baseline="0" dirty="0" smtClean="0">
+                <a:ln>
+                  <a:noFill/>
+                </a:ln>
+                <a:solidFill>
+                  <a:srgbClr val="047D65"/>
+                </a:solidFill>
+                <a:effectLst/>
+                <a:latin typeface="Ubuntu Mono"/>
+              </a:rPr>
+              <a:t>500</a:t>
+            </a:r>
+            <a:r>
+              <a:rPr kumimoji="0" lang="en-US" altLang="en-US" sz="1000" b="0" i="0" u="none" strike="noStrike" cap="none" normalizeH="0" baseline="0" dirty="0" smtClean="0">
+                <a:ln>
+                  <a:noFill/>
+                </a:ln>
+                <a:solidFill>
+                  <a:srgbClr val="333333"/>
+                </a:solidFill>
+                <a:effectLst/>
+                <a:latin typeface="Ubuntu Mono"/>
+              </a:rPr>
+              <a:t> </a:t>
+            </a:r>
+            <a:r>
+              <a:rPr kumimoji="0" lang="en-US" altLang="en-US" sz="1000" b="0" i="0" u="none" strike="noStrike" cap="none" normalizeH="0" baseline="0" dirty="0" smtClean="0">
+                <a:ln>
+                  <a:noFill/>
+                </a:ln>
+                <a:solidFill>
+                  <a:srgbClr val="1D75B3"/>
+                </a:solidFill>
+                <a:effectLst/>
+                <a:latin typeface="Ubuntu Mono"/>
+              </a:rPr>
+              <a:t>LOAD</a:t>
+            </a:r>
+            <a:r>
+              <a:rPr kumimoji="0" lang="en-US" altLang="en-US" sz="1000" b="0" i="0" u="none" strike="noStrike" cap="none" normalizeH="0" baseline="0" dirty="0" smtClean="0">
+                <a:ln>
+                  <a:noFill/>
+                </a:ln>
+                <a:solidFill>
+                  <a:srgbClr val="333333"/>
+                </a:solidFill>
+                <a:effectLst/>
+                <a:latin typeface="Ubuntu Mono"/>
+              </a:rPr>
+              <a:t> </a:t>
+            </a:r>
+            <a:r>
+              <a:rPr kumimoji="0" lang="en-US" altLang="en-US" sz="1000" b="0" i="0" u="none" strike="noStrike" cap="none" normalizeH="0" baseline="0" dirty="0" smtClean="0">
+                <a:ln>
+                  <a:noFill/>
+                </a:ln>
+                <a:solidFill>
+                  <a:srgbClr val="1D75B3"/>
+                </a:solidFill>
+                <a:effectLst/>
+                <a:latin typeface="Ubuntu Mono"/>
+              </a:rPr>
+              <a:t>CSV</a:t>
+            </a:r>
+            <a:r>
+              <a:rPr kumimoji="0" lang="en-US" altLang="en-US" sz="1000" b="0" i="0" u="none" strike="noStrike" cap="none" normalizeH="0" baseline="0" dirty="0" smtClean="0">
+                <a:ln>
+                  <a:noFill/>
+                </a:ln>
+                <a:solidFill>
+                  <a:srgbClr val="333333"/>
+                </a:solidFill>
+                <a:effectLst/>
+                <a:latin typeface="Ubuntu Mono"/>
+              </a:rPr>
+              <a:t> </a:t>
+            </a:r>
+            <a:r>
+              <a:rPr kumimoji="0" lang="en-US" altLang="en-US" sz="1000" b="0" i="0" u="none" strike="noStrike" cap="none" normalizeH="0" baseline="0" dirty="0" smtClean="0">
+                <a:ln>
+                  <a:noFill/>
+                </a:ln>
+                <a:solidFill>
+                  <a:srgbClr val="1D75B3"/>
+                </a:solidFill>
+                <a:effectLst/>
+                <a:latin typeface="Ubuntu Mono"/>
+              </a:rPr>
+              <a:t>FROM</a:t>
+            </a:r>
+            <a:r>
+              <a:rPr kumimoji="0" lang="en-US" altLang="en-US" sz="1000" b="0" i="0" u="none" strike="noStrike" cap="none" normalizeH="0" baseline="0" dirty="0" smtClean="0">
+                <a:ln>
+                  <a:noFill/>
+                </a:ln>
+                <a:solidFill>
+                  <a:srgbClr val="333333"/>
+                </a:solidFill>
+                <a:effectLst/>
+                <a:latin typeface="Ubuntu Mono"/>
+              </a:rPr>
+              <a:t> </a:t>
+            </a:r>
+            <a:r>
+              <a:rPr kumimoji="0" lang="en-US" altLang="en-US" sz="1000" b="0" i="0" u="none" strike="noStrike" cap="none" normalizeH="0" baseline="0" dirty="0" smtClean="0">
+                <a:ln>
+                  <a:noFill/>
+                </a:ln>
+                <a:solidFill>
+                  <a:srgbClr val="B35E14"/>
+                </a:solidFill>
+                <a:effectLst/>
+                <a:latin typeface="Ubuntu Mono"/>
+              </a:rPr>
+              <a:t>'http://neo4j.com/docs/2.2.6/csv/artists.csv'</a:t>
+            </a:r>
+            <a:r>
+              <a:rPr kumimoji="0" lang="en-US" altLang="en-US" sz="1000" b="0" i="0" u="none" strike="noStrike" cap="none" normalizeH="0" baseline="0" dirty="0" smtClean="0">
+                <a:ln>
+                  <a:noFill/>
+                </a:ln>
+                <a:solidFill>
+                  <a:srgbClr val="333333"/>
+                </a:solidFill>
+                <a:effectLst/>
+                <a:latin typeface="Ubuntu Mono"/>
+              </a:rPr>
+              <a:t> </a:t>
+            </a:r>
+            <a:r>
+              <a:rPr kumimoji="0" lang="en-US" altLang="en-US" sz="1000" b="0" i="0" u="none" strike="noStrike" cap="none" normalizeH="0" baseline="0" dirty="0" smtClean="0">
+                <a:ln>
+                  <a:noFill/>
+                </a:ln>
+                <a:solidFill>
+                  <a:srgbClr val="1D75B3"/>
+                </a:solidFill>
+                <a:effectLst/>
+                <a:latin typeface="Ubuntu Mono"/>
+              </a:rPr>
+              <a:t>AS</a:t>
+            </a:r>
+            <a:r>
+              <a:rPr kumimoji="0" lang="en-US" altLang="en-US" sz="1000" b="0" i="0" u="none" strike="noStrike" cap="none" normalizeH="0" baseline="0" dirty="0" smtClean="0">
+                <a:ln>
+                  <a:noFill/>
+                </a:ln>
+                <a:solidFill>
+                  <a:srgbClr val="333333"/>
+                </a:solidFill>
+                <a:effectLst/>
+                <a:latin typeface="Ubuntu Mono"/>
+              </a:rPr>
+              <a:t> </a:t>
+            </a:r>
+            <a:r>
+              <a:rPr kumimoji="0" lang="en-US" altLang="en-US" sz="1000" b="0" i="0" u="none" strike="noStrike" cap="none" normalizeH="0" baseline="0" dirty="0" smtClean="0">
+                <a:ln>
+                  <a:noFill/>
+                </a:ln>
+                <a:solidFill>
+                  <a:srgbClr val="047D65"/>
+                </a:solidFill>
+                <a:effectLst/>
+                <a:latin typeface="Ubuntu Mono"/>
+              </a:rPr>
+              <a:t>line</a:t>
+            </a:r>
+            <a:r>
+              <a:rPr kumimoji="0" lang="en-US" altLang="en-US" sz="1000" b="0" i="0" u="none" strike="noStrike" cap="none" normalizeH="0" baseline="0" dirty="0" smtClean="0">
+                <a:ln>
+                  <a:noFill/>
+                </a:ln>
+                <a:solidFill>
+                  <a:srgbClr val="333333"/>
+                </a:solidFill>
+                <a:effectLst/>
+                <a:latin typeface="Ubuntu Mono"/>
+              </a:rPr>
+              <a:t> </a:t>
+            </a:r>
+            <a:r>
+              <a:rPr kumimoji="0" lang="en-US" altLang="en-US" sz="1000" b="0" i="0" u="none" strike="noStrike" cap="none" normalizeH="0" baseline="0" dirty="0" smtClean="0">
+                <a:ln>
+                  <a:noFill/>
+                </a:ln>
+                <a:solidFill>
+                  <a:srgbClr val="1D75B3"/>
+                </a:solidFill>
+                <a:effectLst/>
+                <a:latin typeface="Ubuntu Mono"/>
+              </a:rPr>
+              <a:t>CREATE</a:t>
+            </a:r>
+            <a:r>
+              <a:rPr kumimoji="0" lang="en-US" altLang="en-US" sz="1000" b="0" i="0" u="none" strike="noStrike" cap="none" normalizeH="0" baseline="0" dirty="0" smtClean="0">
+                <a:ln>
+                  <a:noFill/>
+                </a:ln>
+                <a:solidFill>
+                  <a:srgbClr val="333333"/>
+                </a:solidFill>
+                <a:effectLst/>
+                <a:latin typeface="Ubuntu Mono"/>
+              </a:rPr>
+              <a:t> </a:t>
+            </a:r>
+            <a:r>
+              <a:rPr kumimoji="0" lang="en-US" altLang="en-US" sz="1000" b="0" i="0" u="none" strike="noStrike" cap="none" normalizeH="0" baseline="0" dirty="0" smtClean="0">
+                <a:ln>
+                  <a:noFill/>
+                </a:ln>
+                <a:solidFill>
+                  <a:srgbClr val="9C3328"/>
+                </a:solidFill>
+                <a:effectLst/>
+                <a:latin typeface="Ubuntu Mono"/>
+              </a:rPr>
+              <a:t>(</a:t>
+            </a:r>
+            <a:r>
+              <a:rPr kumimoji="0" lang="en-US" altLang="en-US" sz="1000" b="0" i="0" u="none" strike="noStrike" cap="none" normalizeH="0" baseline="0" dirty="0" smtClean="0">
+                <a:ln>
+                  <a:noFill/>
+                </a:ln>
+                <a:solidFill>
+                  <a:srgbClr val="047D65"/>
+                </a:solidFill>
+                <a:effectLst/>
+                <a:latin typeface="Ubuntu Mono"/>
+              </a:rPr>
+              <a:t>:Artist</a:t>
+            </a:r>
+            <a:r>
+              <a:rPr kumimoji="0" lang="en-US" altLang="en-US" sz="1000" b="0" i="0" u="none" strike="noStrike" cap="none" normalizeH="0" baseline="0" dirty="0" smtClean="0">
+                <a:ln>
+                  <a:noFill/>
+                </a:ln>
+                <a:solidFill>
+                  <a:srgbClr val="333333"/>
+                </a:solidFill>
+                <a:effectLst/>
+                <a:latin typeface="Ubuntu Mono"/>
+              </a:rPr>
+              <a:t> </a:t>
+            </a:r>
+            <a:r>
+              <a:rPr kumimoji="0" lang="en-US" altLang="en-US" sz="1000" b="0" i="0" u="none" strike="noStrike" cap="none" normalizeH="0" baseline="0" dirty="0" smtClean="0">
+                <a:ln>
+                  <a:noFill/>
+                </a:ln>
+                <a:solidFill>
+                  <a:srgbClr val="9C3328"/>
+                </a:solidFill>
+                <a:effectLst/>
+                <a:latin typeface="Ubuntu Mono"/>
+              </a:rPr>
+              <a:t>{</a:t>
+            </a:r>
+            <a:r>
+              <a:rPr kumimoji="0" lang="en-US" altLang="en-US" sz="1000" b="0" i="0" u="none" strike="noStrike" cap="none" normalizeH="0" baseline="0" dirty="0" smtClean="0">
+                <a:ln>
+                  <a:noFill/>
+                </a:ln>
+                <a:solidFill>
+                  <a:srgbClr val="333333"/>
+                </a:solidFill>
+                <a:effectLst/>
+                <a:latin typeface="Ubuntu Mono"/>
+              </a:rPr>
+              <a:t> </a:t>
+            </a:r>
+            <a:r>
+              <a:rPr kumimoji="0" lang="en-US" altLang="en-US" sz="1000" b="0" i="0" u="none" strike="noStrike" cap="none" normalizeH="0" baseline="0" dirty="0" smtClean="0">
+                <a:ln>
+                  <a:noFill/>
+                </a:ln>
+                <a:solidFill>
+                  <a:srgbClr val="75438A"/>
+                </a:solidFill>
+                <a:effectLst/>
+                <a:latin typeface="Ubuntu Mono"/>
+              </a:rPr>
+              <a:t>name:</a:t>
+            </a:r>
+            <a:r>
+              <a:rPr kumimoji="0" lang="en-US" altLang="en-US" sz="1000" b="0" i="0" u="none" strike="noStrike" cap="none" normalizeH="0" baseline="0" dirty="0" smtClean="0">
+                <a:ln>
+                  <a:noFill/>
+                </a:ln>
+                <a:solidFill>
+                  <a:srgbClr val="333333"/>
+                </a:solidFill>
+                <a:effectLst/>
+                <a:latin typeface="Ubuntu Mono"/>
+              </a:rPr>
+              <a:t> </a:t>
+            </a:r>
+            <a:r>
+              <a:rPr kumimoji="0" lang="en-US" altLang="en-US" sz="1000" b="0" i="0" u="none" strike="noStrike" cap="none" normalizeH="0" baseline="0" dirty="0" smtClean="0">
+                <a:ln>
+                  <a:noFill/>
+                </a:ln>
+                <a:solidFill>
+                  <a:srgbClr val="047D65"/>
+                </a:solidFill>
+                <a:effectLst/>
+                <a:latin typeface="Ubuntu Mono"/>
+              </a:rPr>
+              <a:t>line</a:t>
+            </a:r>
+            <a:r>
+              <a:rPr kumimoji="0" lang="en-US" altLang="en-US" sz="1000" b="0" i="0" u="none" strike="noStrike" cap="none" normalizeH="0" baseline="0" dirty="0" smtClean="0">
+                <a:ln>
+                  <a:noFill/>
+                </a:ln>
+                <a:solidFill>
+                  <a:srgbClr val="9C3328"/>
+                </a:solidFill>
+                <a:effectLst/>
+                <a:latin typeface="Ubuntu Mono"/>
+              </a:rPr>
+              <a:t>[</a:t>
+            </a:r>
+            <a:r>
+              <a:rPr kumimoji="0" lang="en-US" altLang="en-US" sz="1000" b="0" i="0" u="none" strike="noStrike" cap="none" normalizeH="0" baseline="0" dirty="0" smtClean="0">
+                <a:ln>
+                  <a:noFill/>
+                </a:ln>
+                <a:solidFill>
+                  <a:srgbClr val="047D65"/>
+                </a:solidFill>
+                <a:effectLst/>
+                <a:latin typeface="Ubuntu Mono"/>
+              </a:rPr>
+              <a:t>1</a:t>
+            </a:r>
+            <a:r>
+              <a:rPr kumimoji="0" lang="en-US" altLang="en-US" sz="1000" b="0" i="0" u="none" strike="noStrike" cap="none" normalizeH="0" baseline="0" dirty="0" smtClean="0">
+                <a:ln>
+                  <a:noFill/>
+                </a:ln>
+                <a:solidFill>
+                  <a:srgbClr val="9C3328"/>
+                </a:solidFill>
+                <a:effectLst/>
+                <a:latin typeface="Ubuntu Mono"/>
+              </a:rPr>
+              <a:t>],</a:t>
+            </a:r>
+            <a:r>
+              <a:rPr kumimoji="0" lang="en-US" altLang="en-US" sz="1000" b="0" i="0" u="none" strike="noStrike" cap="none" normalizeH="0" baseline="0" dirty="0" smtClean="0">
+                <a:ln>
+                  <a:noFill/>
+                </a:ln>
+                <a:solidFill>
+                  <a:srgbClr val="333333"/>
+                </a:solidFill>
+                <a:effectLst/>
+                <a:latin typeface="Ubuntu Mono"/>
+              </a:rPr>
+              <a:t> </a:t>
+            </a:r>
+            <a:r>
+              <a:rPr kumimoji="0" lang="en-US" altLang="en-US" sz="1000" b="0" i="0" u="none" strike="noStrike" cap="none" normalizeH="0" baseline="0" dirty="0" smtClean="0">
+                <a:ln>
+                  <a:noFill/>
+                </a:ln>
+                <a:solidFill>
+                  <a:srgbClr val="75438A"/>
+                </a:solidFill>
+                <a:effectLst/>
+                <a:latin typeface="Ubuntu Mono"/>
+              </a:rPr>
+              <a:t>year:</a:t>
+            </a:r>
+            <a:r>
+              <a:rPr kumimoji="0" lang="en-US" altLang="en-US" sz="1000" b="0" i="0" u="none" strike="noStrike" cap="none" normalizeH="0" baseline="0" dirty="0" smtClean="0">
+                <a:ln>
+                  <a:noFill/>
+                </a:ln>
+                <a:solidFill>
+                  <a:srgbClr val="333333"/>
+                </a:solidFill>
+                <a:effectLst/>
+                <a:latin typeface="Ubuntu Mono"/>
+              </a:rPr>
+              <a:t> </a:t>
+            </a:r>
+            <a:r>
+              <a:rPr kumimoji="0" lang="en-US" altLang="en-US" sz="1000" b="0" i="0" u="none" strike="noStrike" cap="none" normalizeH="0" baseline="0" dirty="0" err="1" smtClean="0">
+                <a:ln>
+                  <a:noFill/>
+                </a:ln>
+                <a:solidFill>
+                  <a:srgbClr val="333333"/>
+                </a:solidFill>
+                <a:effectLst/>
+                <a:latin typeface="Ubuntu Mono"/>
+              </a:rPr>
+              <a:t>toInt</a:t>
+            </a:r>
+            <a:r>
+              <a:rPr kumimoji="0" lang="en-US" altLang="en-US" sz="1000" b="0" i="0" u="none" strike="noStrike" cap="none" normalizeH="0" baseline="0" dirty="0" smtClean="0">
+                <a:ln>
+                  <a:noFill/>
+                </a:ln>
+                <a:solidFill>
+                  <a:srgbClr val="9C3328"/>
+                </a:solidFill>
+                <a:effectLst/>
+                <a:latin typeface="Ubuntu Mono"/>
+              </a:rPr>
+              <a:t>(</a:t>
+            </a:r>
+            <a:r>
+              <a:rPr kumimoji="0" lang="en-US" altLang="en-US" sz="1000" b="0" i="0" u="none" strike="noStrike" cap="none" normalizeH="0" baseline="0" dirty="0" smtClean="0">
+                <a:ln>
+                  <a:noFill/>
+                </a:ln>
+                <a:solidFill>
+                  <a:srgbClr val="047D65"/>
+                </a:solidFill>
+                <a:effectLst/>
+                <a:latin typeface="Ubuntu Mono"/>
+              </a:rPr>
+              <a:t>line</a:t>
+            </a:r>
+            <a:r>
+              <a:rPr kumimoji="0" lang="en-US" altLang="en-US" sz="1000" b="0" i="0" u="none" strike="noStrike" cap="none" normalizeH="0" baseline="0" dirty="0" smtClean="0">
+                <a:ln>
+                  <a:noFill/>
+                </a:ln>
+                <a:solidFill>
+                  <a:srgbClr val="9C3328"/>
+                </a:solidFill>
+                <a:effectLst/>
+                <a:latin typeface="Ubuntu Mono"/>
+              </a:rPr>
+              <a:t>[</a:t>
+            </a:r>
+            <a:r>
+              <a:rPr kumimoji="0" lang="en-US" altLang="en-US" sz="1000" b="0" i="0" u="none" strike="noStrike" cap="none" normalizeH="0" baseline="0" dirty="0" smtClean="0">
+                <a:ln>
+                  <a:noFill/>
+                </a:ln>
+                <a:solidFill>
+                  <a:srgbClr val="047D65"/>
+                </a:solidFill>
+                <a:effectLst/>
+                <a:latin typeface="Ubuntu Mono"/>
+              </a:rPr>
+              <a:t>2</a:t>
+            </a:r>
+            <a:r>
+              <a:rPr kumimoji="0" lang="en-US" altLang="en-US" sz="1000" b="0" i="0" u="none" strike="noStrike" cap="none" normalizeH="0" baseline="0" dirty="0" smtClean="0">
+                <a:ln>
+                  <a:noFill/>
+                </a:ln>
+                <a:solidFill>
+                  <a:srgbClr val="9C3328"/>
+                </a:solidFill>
+                <a:effectLst/>
+                <a:latin typeface="Ubuntu Mono"/>
+              </a:rPr>
+              <a:t>])})</a:t>
+            </a:r>
+            <a:r>
+              <a:rPr kumimoji="0" lang="en-US" altLang="en-US" sz="800" b="0" i="0" u="none" strike="noStrike" cap="none" normalizeH="0" baseline="0" dirty="0" smtClean="0">
+                <a:ln>
+                  <a:noFill/>
+                </a:ln>
+                <a:solidFill>
+                  <a:schemeClr val="tx1"/>
+                </a:solidFill>
+                <a:effectLst/>
+              </a:rPr>
+              <a:t> </a:t>
+            </a:r>
+            <a:endParaRPr kumimoji="0" lang="en-US" altLang="en-US" sz="1800" b="0" i="0" u="none" strike="noStrike" cap="none" normalizeH="0" baseline="0" dirty="0" smtClean="0">
+              <a:ln>
+                <a:noFill/>
+              </a:ln>
+              <a:solidFill>
+                <a:schemeClr val="tx1"/>
+              </a:solidFill>
+              <a:effectLst/>
+              <a:latin typeface="Arial" panose="020B0604020202020204" pitchFamily="34" charset="0"/>
+            </a:endParaRPr>
+          </a:p>
+        </p:txBody>
+      </p:sp>
+      <p:sp>
+        <p:nvSpPr>
+          <p:cNvPr id="7" name="Rectangle 3"/>
+          <p:cNvSpPr>
+            <a:spLocks noChangeArrowheads="1"/>
+          </p:cNvSpPr>
+          <p:nvPr/>
+        </p:nvSpPr>
+        <p:spPr bwMode="auto">
+          <a:xfrm>
+            <a:off x="0" y="2362200"/>
+            <a:ext cx="12192000" cy="457200"/>
+          </a:xfrm>
+          <a:prstGeom prst="rect">
+            <a:avLst/>
+          </a:prstGeom>
+          <a:solidFill>
+            <a:srgbClr val="F9F9F9"/>
+          </a:solidFill>
+          <a:ln>
+            <a:noFill/>
+          </a:ln>
+          <a:effectLst/>
+          <a:extLst>
+            <a:ext uri="{91240B29-F687-4F45-9708-019B960494DF}">
+              <a14:hiddenLine xmlns:a14="http://schemas.microsoft.com/office/drawing/2010/main" w="9525">
+                <a:solidFill>
+                  <a:schemeClr val="tx1"/>
+                </a:solidFill>
+                <a:miter lim="800000"/>
+                <a:headEnd/>
+                <a:tailEnd/>
+              </a14:hiddenLine>
+            </a:ext>
+            <a:ext uri="{AF507438-7753-43E0-B8FC-AC1667EBCBE1}">
+              <a14:hiddenEffects xmlns:a14="http://schemas.microsoft.com/office/drawing/2010/main">
+                <a:effectLst>
+                  <a:outerShdw dist="35921" dir="2700000" algn="ctr" rotWithShape="0">
+                    <a:schemeClr val="bg2"/>
+                  </a:outerShdw>
+                </a:effectLst>
+              </a14:hiddenEffects>
+            </a:ext>
+          </a:extLst>
+        </p:spPr>
+        <p:txBody>
+          <a:bodyPr vert="horz" wrap="none" lIns="0" tIns="0" rIns="0" bIns="63480" numCol="1" anchor="ctr" anchorCtr="0" compatLnSpc="1">
+            <a:prstTxWarp prst="textNoShape">
+              <a:avLst/>
+            </a:prstTxWarp>
+            <a:spAutoFit/>
+          </a:bodyPr>
+          <a:lstStyle/>
+          <a:p>
+            <a:pPr marL="0" marR="0" lvl="0" indent="0" algn="l" defTabSz="914400" rtl="0" eaLnBrk="0" fontAlgn="base" latinLnBrk="0" hangingPunct="0">
+              <a:lnSpc>
+                <a:spcPct val="100000"/>
+              </a:lnSpc>
+              <a:spcBef>
+                <a:spcPct val="0"/>
+              </a:spcBef>
+              <a:spcAft>
+                <a:spcPct val="0"/>
+              </a:spcAft>
+              <a:buClrTx/>
+              <a:buSzTx/>
+              <a:buFontTx/>
+              <a:buNone/>
+              <a:tabLst/>
+            </a:pPr>
+            <a:r>
+              <a:rPr kumimoji="0" lang="en-US" altLang="en-US" sz="1000" b="0" i="0" u="none" strike="noStrike" cap="none" normalizeH="0" baseline="0" smtClean="0">
+                <a:ln>
+                  <a:noFill/>
+                </a:ln>
+                <a:solidFill>
+                  <a:srgbClr val="1D75B3"/>
+                </a:solidFill>
+                <a:effectLst/>
+                <a:latin typeface="Ubuntu Mono"/>
+              </a:rPr>
+              <a:t>LOAD</a:t>
+            </a:r>
+            <a:r>
+              <a:rPr kumimoji="0" lang="en-US" altLang="en-US" sz="1000" b="0" i="0" u="none" strike="noStrike" cap="none" normalizeH="0" baseline="0" smtClean="0">
+                <a:ln>
+                  <a:noFill/>
+                </a:ln>
+                <a:solidFill>
+                  <a:srgbClr val="333333"/>
+                </a:solidFill>
+                <a:effectLst/>
+                <a:latin typeface="Ubuntu Mono"/>
+              </a:rPr>
+              <a:t> </a:t>
+            </a:r>
+            <a:r>
+              <a:rPr kumimoji="0" lang="en-US" altLang="en-US" sz="1000" b="0" i="0" u="none" strike="noStrike" cap="none" normalizeH="0" baseline="0" smtClean="0">
+                <a:ln>
+                  <a:noFill/>
+                </a:ln>
+                <a:solidFill>
+                  <a:srgbClr val="1D75B3"/>
+                </a:solidFill>
+                <a:effectLst/>
+                <a:latin typeface="Ubuntu Mono"/>
+              </a:rPr>
+              <a:t>CSV</a:t>
+            </a:r>
+            <a:r>
+              <a:rPr kumimoji="0" lang="en-US" altLang="en-US" sz="1000" b="0" i="0" u="none" strike="noStrike" cap="none" normalizeH="0" baseline="0" smtClean="0">
+                <a:ln>
+                  <a:noFill/>
+                </a:ln>
+                <a:solidFill>
+                  <a:srgbClr val="333333"/>
+                </a:solidFill>
+                <a:effectLst/>
+                <a:latin typeface="Ubuntu Mono"/>
+              </a:rPr>
+              <a:t> </a:t>
+            </a:r>
+            <a:r>
+              <a:rPr kumimoji="0" lang="en-US" altLang="en-US" sz="1000" b="0" i="0" u="none" strike="noStrike" cap="none" normalizeH="0" baseline="0" smtClean="0">
+                <a:ln>
+                  <a:noFill/>
+                </a:ln>
+                <a:solidFill>
+                  <a:srgbClr val="1D75B3"/>
+                </a:solidFill>
+                <a:effectLst/>
+                <a:latin typeface="Ubuntu Mono"/>
+              </a:rPr>
+              <a:t>FROM</a:t>
+            </a:r>
+            <a:r>
+              <a:rPr kumimoji="0" lang="en-US" altLang="en-US" sz="1000" b="0" i="0" u="none" strike="noStrike" cap="none" normalizeH="0" baseline="0" smtClean="0">
+                <a:ln>
+                  <a:noFill/>
+                </a:ln>
+                <a:solidFill>
+                  <a:srgbClr val="333333"/>
+                </a:solidFill>
+                <a:effectLst/>
+                <a:latin typeface="Ubuntu Mono"/>
+              </a:rPr>
+              <a:t> </a:t>
+            </a:r>
+            <a:r>
+              <a:rPr kumimoji="0" lang="en-US" altLang="en-US" sz="1000" b="0" i="0" u="none" strike="noStrike" cap="none" normalizeH="0" baseline="0" smtClean="0">
+                <a:ln>
+                  <a:noFill/>
+                </a:ln>
+                <a:solidFill>
+                  <a:srgbClr val="B35E14"/>
+                </a:solidFill>
+                <a:effectLst/>
+                <a:latin typeface="Ubuntu Mono"/>
+              </a:rPr>
+              <a:t>'http://neo4j.com/docs/2.2.6/csv/artists-fieldterminator.csv'</a:t>
+            </a:r>
+            <a:r>
+              <a:rPr kumimoji="0" lang="en-US" altLang="en-US" sz="1000" b="0" i="0" u="none" strike="noStrike" cap="none" normalizeH="0" baseline="0" smtClean="0">
+                <a:ln>
+                  <a:noFill/>
+                </a:ln>
+                <a:solidFill>
+                  <a:srgbClr val="333333"/>
+                </a:solidFill>
+                <a:effectLst/>
+                <a:latin typeface="Ubuntu Mono"/>
+              </a:rPr>
+              <a:t> </a:t>
+            </a:r>
+            <a:r>
+              <a:rPr kumimoji="0" lang="en-US" altLang="en-US" sz="1000" b="0" i="0" u="none" strike="noStrike" cap="none" normalizeH="0" baseline="0" smtClean="0">
+                <a:ln>
+                  <a:noFill/>
+                </a:ln>
+                <a:solidFill>
+                  <a:srgbClr val="1D75B3"/>
+                </a:solidFill>
+                <a:effectLst/>
+                <a:latin typeface="Ubuntu Mono"/>
+              </a:rPr>
+              <a:t>AS</a:t>
+            </a:r>
+            <a:r>
+              <a:rPr kumimoji="0" lang="en-US" altLang="en-US" sz="1000" b="0" i="0" u="none" strike="noStrike" cap="none" normalizeH="0" baseline="0" smtClean="0">
+                <a:ln>
+                  <a:noFill/>
+                </a:ln>
+                <a:solidFill>
+                  <a:srgbClr val="333333"/>
+                </a:solidFill>
+                <a:effectLst/>
+                <a:latin typeface="Ubuntu Mono"/>
+              </a:rPr>
+              <a:t> </a:t>
+            </a:r>
+            <a:r>
+              <a:rPr kumimoji="0" lang="en-US" altLang="en-US" sz="1000" b="0" i="0" u="none" strike="noStrike" cap="none" normalizeH="0" baseline="0" smtClean="0">
+                <a:ln>
+                  <a:noFill/>
+                </a:ln>
+                <a:solidFill>
+                  <a:srgbClr val="047D65"/>
+                </a:solidFill>
+                <a:effectLst/>
+                <a:latin typeface="Ubuntu Mono"/>
+              </a:rPr>
+              <a:t>line</a:t>
+            </a:r>
+            <a:r>
+              <a:rPr kumimoji="0" lang="en-US" altLang="en-US" sz="1000" b="0" i="0" u="none" strike="noStrike" cap="none" normalizeH="0" baseline="0" smtClean="0">
+                <a:ln>
+                  <a:noFill/>
+                </a:ln>
+                <a:solidFill>
+                  <a:srgbClr val="333333"/>
+                </a:solidFill>
+                <a:effectLst/>
+                <a:latin typeface="Ubuntu Mono"/>
+              </a:rPr>
+              <a:t> </a:t>
+            </a:r>
+            <a:r>
+              <a:rPr kumimoji="0" lang="en-US" altLang="en-US" sz="1000" b="0" i="0" u="none" strike="noStrike" cap="none" normalizeH="0" baseline="0" smtClean="0">
+                <a:ln>
+                  <a:noFill/>
+                </a:ln>
+                <a:solidFill>
+                  <a:srgbClr val="1D75B3"/>
+                </a:solidFill>
+                <a:effectLst/>
+                <a:latin typeface="Ubuntu Mono"/>
+              </a:rPr>
+              <a:t>FIELDTERMINATOR</a:t>
+            </a:r>
+            <a:r>
+              <a:rPr kumimoji="0" lang="en-US" altLang="en-US" sz="1000" b="0" i="0" u="none" strike="noStrike" cap="none" normalizeH="0" baseline="0" smtClean="0">
+                <a:ln>
+                  <a:noFill/>
+                </a:ln>
+                <a:solidFill>
+                  <a:srgbClr val="333333"/>
+                </a:solidFill>
+                <a:effectLst/>
+                <a:latin typeface="Ubuntu Mono"/>
+              </a:rPr>
+              <a:t> </a:t>
+            </a:r>
+            <a:r>
+              <a:rPr kumimoji="0" lang="en-US" altLang="en-US" sz="1000" b="0" i="0" u="none" strike="noStrike" cap="none" normalizeH="0" baseline="0" smtClean="0">
+                <a:ln>
+                  <a:noFill/>
+                </a:ln>
+                <a:solidFill>
+                  <a:srgbClr val="B35E14"/>
+                </a:solidFill>
+                <a:effectLst/>
+                <a:latin typeface="Ubuntu Mono"/>
+              </a:rPr>
+              <a:t>';'</a:t>
+            </a:r>
+            <a:r>
+              <a:rPr kumimoji="0" lang="en-US" altLang="en-US" sz="1000" b="0" i="0" u="none" strike="noStrike" cap="none" normalizeH="0" baseline="0" smtClean="0">
+                <a:ln>
+                  <a:noFill/>
+                </a:ln>
+                <a:solidFill>
+                  <a:srgbClr val="333333"/>
+                </a:solidFill>
+                <a:effectLst/>
+                <a:latin typeface="Ubuntu Mono"/>
+              </a:rPr>
+              <a:t> </a:t>
+            </a:r>
+            <a:r>
+              <a:rPr kumimoji="0" lang="en-US" altLang="en-US" sz="1000" b="0" i="0" u="none" strike="noStrike" cap="none" normalizeH="0" baseline="0" smtClean="0">
+                <a:ln>
+                  <a:noFill/>
+                </a:ln>
+                <a:solidFill>
+                  <a:srgbClr val="1D75B3"/>
+                </a:solidFill>
+                <a:effectLst/>
+                <a:latin typeface="Ubuntu Mono"/>
+              </a:rPr>
+              <a:t>CREATE</a:t>
+            </a:r>
+            <a:r>
+              <a:rPr kumimoji="0" lang="en-US" altLang="en-US" sz="1000" b="0" i="0" u="none" strike="noStrike" cap="none" normalizeH="0" baseline="0" smtClean="0">
+                <a:ln>
+                  <a:noFill/>
+                </a:ln>
+                <a:solidFill>
+                  <a:srgbClr val="333333"/>
+                </a:solidFill>
+                <a:effectLst/>
+                <a:latin typeface="Ubuntu Mono"/>
+              </a:rPr>
+              <a:t> </a:t>
+            </a:r>
+            <a:r>
+              <a:rPr kumimoji="0" lang="en-US" altLang="en-US" sz="1000" b="0" i="0" u="none" strike="noStrike" cap="none" normalizeH="0" baseline="0" smtClean="0">
+                <a:ln>
+                  <a:noFill/>
+                </a:ln>
+                <a:solidFill>
+                  <a:srgbClr val="9C3328"/>
+                </a:solidFill>
+                <a:effectLst/>
+                <a:latin typeface="Ubuntu Mono"/>
+              </a:rPr>
+              <a:t>(</a:t>
+            </a:r>
+            <a:r>
+              <a:rPr kumimoji="0" lang="en-US" altLang="en-US" sz="1000" b="0" i="0" u="none" strike="noStrike" cap="none" normalizeH="0" baseline="0" smtClean="0">
+                <a:ln>
+                  <a:noFill/>
+                </a:ln>
+                <a:solidFill>
+                  <a:srgbClr val="047D65"/>
+                </a:solidFill>
+                <a:effectLst/>
+                <a:latin typeface="Ubuntu Mono"/>
+              </a:rPr>
+              <a:t>:Artist</a:t>
+            </a:r>
+            <a:r>
+              <a:rPr kumimoji="0" lang="en-US" altLang="en-US" sz="1000" b="0" i="0" u="none" strike="noStrike" cap="none" normalizeH="0" baseline="0" smtClean="0">
+                <a:ln>
+                  <a:noFill/>
+                </a:ln>
+                <a:solidFill>
+                  <a:srgbClr val="333333"/>
+                </a:solidFill>
+                <a:effectLst/>
+                <a:latin typeface="Ubuntu Mono"/>
+              </a:rPr>
+              <a:t> </a:t>
+            </a:r>
+            <a:r>
+              <a:rPr kumimoji="0" lang="en-US" altLang="en-US" sz="1000" b="0" i="0" u="none" strike="noStrike" cap="none" normalizeH="0" baseline="0" smtClean="0">
+                <a:ln>
+                  <a:noFill/>
+                </a:ln>
+                <a:solidFill>
+                  <a:srgbClr val="9C3328"/>
+                </a:solidFill>
+                <a:effectLst/>
+                <a:latin typeface="Ubuntu Mono"/>
+              </a:rPr>
+              <a:t>{</a:t>
+            </a:r>
+            <a:r>
+              <a:rPr kumimoji="0" lang="en-US" altLang="en-US" sz="1000" b="0" i="0" u="none" strike="noStrike" cap="none" normalizeH="0" baseline="0" smtClean="0">
+                <a:ln>
+                  <a:noFill/>
+                </a:ln>
+                <a:solidFill>
+                  <a:srgbClr val="333333"/>
+                </a:solidFill>
+                <a:effectLst/>
+                <a:latin typeface="Ubuntu Mono"/>
+              </a:rPr>
+              <a:t> </a:t>
+            </a:r>
+            <a:r>
+              <a:rPr kumimoji="0" lang="en-US" altLang="en-US" sz="1000" b="0" i="0" u="none" strike="noStrike" cap="none" normalizeH="0" baseline="0" smtClean="0">
+                <a:ln>
+                  <a:noFill/>
+                </a:ln>
+                <a:solidFill>
+                  <a:srgbClr val="75438A"/>
+                </a:solidFill>
+                <a:effectLst/>
+                <a:latin typeface="Ubuntu Mono"/>
+              </a:rPr>
+              <a:t>name:</a:t>
+            </a:r>
+            <a:r>
+              <a:rPr kumimoji="0" lang="en-US" altLang="en-US" sz="1000" b="0" i="0" u="none" strike="noStrike" cap="none" normalizeH="0" baseline="0" smtClean="0">
+                <a:ln>
+                  <a:noFill/>
+                </a:ln>
+                <a:solidFill>
+                  <a:srgbClr val="333333"/>
+                </a:solidFill>
+                <a:effectLst/>
+                <a:latin typeface="Ubuntu Mono"/>
+              </a:rPr>
+              <a:t> </a:t>
+            </a:r>
+            <a:r>
+              <a:rPr kumimoji="0" lang="en-US" altLang="en-US" sz="1000" b="0" i="0" u="none" strike="noStrike" cap="none" normalizeH="0" baseline="0" smtClean="0">
+                <a:ln>
+                  <a:noFill/>
+                </a:ln>
+                <a:solidFill>
+                  <a:srgbClr val="047D65"/>
+                </a:solidFill>
+                <a:effectLst/>
+                <a:latin typeface="Ubuntu Mono"/>
+              </a:rPr>
+              <a:t>line</a:t>
+            </a:r>
+            <a:r>
+              <a:rPr kumimoji="0" lang="en-US" altLang="en-US" sz="1000" b="0" i="0" u="none" strike="noStrike" cap="none" normalizeH="0" baseline="0" smtClean="0">
+                <a:ln>
+                  <a:noFill/>
+                </a:ln>
+                <a:solidFill>
+                  <a:srgbClr val="9C3328"/>
+                </a:solidFill>
+                <a:effectLst/>
+                <a:latin typeface="Ubuntu Mono"/>
+              </a:rPr>
+              <a:t>[</a:t>
+            </a:r>
+            <a:r>
+              <a:rPr kumimoji="0" lang="en-US" altLang="en-US" sz="1000" b="0" i="0" u="none" strike="noStrike" cap="none" normalizeH="0" baseline="0" smtClean="0">
+                <a:ln>
+                  <a:noFill/>
+                </a:ln>
+                <a:solidFill>
+                  <a:srgbClr val="047D65"/>
+                </a:solidFill>
+                <a:effectLst/>
+                <a:latin typeface="Ubuntu Mono"/>
+              </a:rPr>
+              <a:t>1</a:t>
+            </a:r>
+            <a:r>
+              <a:rPr kumimoji="0" lang="en-US" altLang="en-US" sz="1000" b="0" i="0" u="none" strike="noStrike" cap="none" normalizeH="0" baseline="0" smtClean="0">
+                <a:ln>
+                  <a:noFill/>
+                </a:ln>
+                <a:solidFill>
+                  <a:srgbClr val="9C3328"/>
+                </a:solidFill>
+                <a:effectLst/>
+                <a:latin typeface="Ubuntu Mono"/>
+              </a:rPr>
+              <a:t>],</a:t>
+            </a:r>
+            <a:r>
+              <a:rPr kumimoji="0" lang="en-US" altLang="en-US" sz="1000" b="0" i="0" u="none" strike="noStrike" cap="none" normalizeH="0" baseline="0" smtClean="0">
+                <a:ln>
+                  <a:noFill/>
+                </a:ln>
+                <a:solidFill>
+                  <a:srgbClr val="333333"/>
+                </a:solidFill>
+                <a:effectLst/>
+                <a:latin typeface="Ubuntu Mono"/>
+              </a:rPr>
+              <a:t> </a:t>
+            </a:r>
+            <a:r>
+              <a:rPr kumimoji="0" lang="en-US" altLang="en-US" sz="1000" b="0" i="0" u="none" strike="noStrike" cap="none" normalizeH="0" baseline="0" smtClean="0">
+                <a:ln>
+                  <a:noFill/>
+                </a:ln>
+                <a:solidFill>
+                  <a:srgbClr val="75438A"/>
+                </a:solidFill>
+                <a:effectLst/>
+                <a:latin typeface="Ubuntu Mono"/>
+              </a:rPr>
+              <a:t>year:</a:t>
+            </a:r>
+            <a:r>
+              <a:rPr kumimoji="0" lang="en-US" altLang="en-US" sz="1000" b="0" i="0" u="none" strike="noStrike" cap="none" normalizeH="0" baseline="0" smtClean="0">
+                <a:ln>
+                  <a:noFill/>
+                </a:ln>
+                <a:solidFill>
+                  <a:srgbClr val="333333"/>
+                </a:solidFill>
+                <a:effectLst/>
+                <a:latin typeface="Ubuntu Mono"/>
+              </a:rPr>
+              <a:t> toInt</a:t>
+            </a:r>
+            <a:r>
+              <a:rPr kumimoji="0" lang="en-US" altLang="en-US" sz="1000" b="0" i="0" u="none" strike="noStrike" cap="none" normalizeH="0" baseline="0" smtClean="0">
+                <a:ln>
+                  <a:noFill/>
+                </a:ln>
+                <a:solidFill>
+                  <a:srgbClr val="9C3328"/>
+                </a:solidFill>
+                <a:effectLst/>
+                <a:latin typeface="Ubuntu Mono"/>
+              </a:rPr>
+              <a:t>(</a:t>
+            </a:r>
+            <a:r>
+              <a:rPr kumimoji="0" lang="en-US" altLang="en-US" sz="1000" b="0" i="0" u="none" strike="noStrike" cap="none" normalizeH="0" baseline="0" smtClean="0">
+                <a:ln>
+                  <a:noFill/>
+                </a:ln>
+                <a:solidFill>
+                  <a:srgbClr val="047D65"/>
+                </a:solidFill>
+                <a:effectLst/>
+                <a:latin typeface="Ubuntu Mono"/>
+              </a:rPr>
+              <a:t>line</a:t>
+            </a:r>
+            <a:r>
+              <a:rPr kumimoji="0" lang="en-US" altLang="en-US" sz="1000" b="0" i="0" u="none" strike="noStrike" cap="none" normalizeH="0" baseline="0" smtClean="0">
+                <a:ln>
+                  <a:noFill/>
+                </a:ln>
+                <a:solidFill>
+                  <a:srgbClr val="9C3328"/>
+                </a:solidFill>
+                <a:effectLst/>
+                <a:latin typeface="Ubuntu Mono"/>
+              </a:rPr>
+              <a:t>[</a:t>
+            </a:r>
+            <a:r>
+              <a:rPr kumimoji="0" lang="en-US" altLang="en-US" sz="1000" b="0" i="0" u="none" strike="noStrike" cap="none" normalizeH="0" baseline="0" smtClean="0">
+                <a:ln>
+                  <a:noFill/>
+                </a:ln>
+                <a:solidFill>
+                  <a:srgbClr val="047D65"/>
+                </a:solidFill>
+                <a:effectLst/>
+                <a:latin typeface="Ubuntu Mono"/>
+              </a:rPr>
+              <a:t>2</a:t>
+            </a:r>
+            <a:r>
+              <a:rPr kumimoji="0" lang="en-US" altLang="en-US" sz="1000" b="0" i="0" u="none" strike="noStrike" cap="none" normalizeH="0" baseline="0" smtClean="0">
+                <a:ln>
+                  <a:noFill/>
+                </a:ln>
+                <a:solidFill>
+                  <a:srgbClr val="9C3328"/>
+                </a:solidFill>
+                <a:effectLst/>
+                <a:latin typeface="Ubuntu Mono"/>
+              </a:rPr>
+              <a:t>])})</a:t>
+            </a:r>
+            <a:r>
+              <a:rPr kumimoji="0" lang="en-US" altLang="en-US" sz="800" b="0" i="0" u="none" strike="noStrike" cap="none" normalizeH="0" baseline="0" smtClean="0">
+                <a:ln>
+                  <a:noFill/>
+                </a:ln>
+                <a:solidFill>
+                  <a:schemeClr val="tx1"/>
+                </a:solidFill>
+                <a:effectLst/>
+              </a:rPr>
+              <a:t> </a:t>
+            </a:r>
+            <a:endParaRPr kumimoji="0" lang="en-US" altLang="en-US" sz="1800" b="0" i="0" u="none" strike="noStrike" cap="none" normalizeH="0" baseline="0" smtClean="0">
+              <a:ln>
+                <a:noFill/>
+              </a:ln>
+              <a:solidFill>
+                <a:schemeClr val="tx1"/>
+              </a:solidFill>
+              <a:effectLst/>
+              <a:latin typeface="Arial" panose="020B0604020202020204" pitchFamily="34" charset="0"/>
+            </a:endParaRPr>
+          </a:p>
+        </p:txBody>
+      </p:sp>
+    </p:spTree>
+    <p:extLst>
+      <p:ext uri="{BB962C8B-B14F-4D97-AF65-F5344CB8AC3E}">
+        <p14:creationId xmlns:p14="http://schemas.microsoft.com/office/powerpoint/2010/main" val="3466165010"/>
+      </p:ext>
+    </p:extLst>
+  </p:cSld>
+  <p:clrMapOvr>
+    <a:masterClrMapping/>
+  </p:clrMapOvr>
+  <mc:AlternateContent xmlns:mc="http://schemas.openxmlformats.org/markup-compatibility/2006">
+    <mc:Choice xmlns:p14="http://schemas.microsoft.com/office/powerpoint/2010/main" Requires="p14">
+      <p:transition spd="slow" p14:dur="2000" advTm="49896"/>
+    </mc:Choice>
+    <mc:Fallback>
+      <p:transition spd="slow" advTm="49896"/>
+    </mc:Fallback>
+  </mc:AlternateContent>
+  <p:timing>
+    <p:tnLst>
+      <p:par>
+        <p:cTn id="1" dur="indefinite" restart="never" nodeType="tmRoot"/>
+      </p:par>
+    </p:tnLst>
+  </p:timing>
+</p:sld>
+</file>
+
+<file path=ppt/slides/slide19.xml><?xml version="1.0" encoding="utf-8"?>
 <p:sld xmlns:a="http://schemas.openxmlformats.org/drawingml/2006/main" xmlns:r="http://schemas.openxmlformats.org/officeDocument/2006/relationships" xmlns:p="http://schemas.openxmlformats.org/presentationml/2006/main">
   <p:cSld>
     <p:spTree>
@@ -11147,67 +12030,6 @@
           </a:p>
         </p:txBody>
       </p:sp>
-      <p:pic>
-        <p:nvPicPr>
-          <p:cNvPr id="6" name="Picture 5"/>
-          <p:cNvPicPr>
-            <a:picLocks noChangeAspect="1"/>
-          </p:cNvPicPr>
-          <p:nvPr/>
-        </p:nvPicPr>
-        <p:blipFill>
-          <a:blip r:embed="rId3"/>
-          <a:stretch>
-            <a:fillRect/>
-          </a:stretch>
-        </p:blipFill>
-        <p:spPr>
-          <a:xfrm>
-            <a:off x="1371601" y="1447801"/>
-            <a:ext cx="8915400" cy="4604224"/>
-          </a:xfrm>
-          <a:prstGeom prst="rect">
-            <a:avLst/>
-          </a:prstGeom>
-        </p:spPr>
-      </p:pic>
-    </p:spTree>
-    <p:extLst>
-      <p:ext uri="{BB962C8B-B14F-4D97-AF65-F5344CB8AC3E}">
-        <p14:creationId xmlns:p14="http://schemas.microsoft.com/office/powerpoint/2010/main" val="3928326635"/>
-      </p:ext>
-    </p:extLst>
-  </p:cSld>
-  <p:clrMapOvr>
-    <a:masterClrMapping/>
-  </p:clrMapOvr>
-  <p:timing>
-    <p:tnLst>
-      <p:par>
-        <p:cTn id="1" dur="indefinite" restart="never" nodeType="tmRoot"/>
-      </p:par>
-    </p:tnLst>
-  </p:timing>
-</p:sld>
-</file>
-
-<file path=ppt/slides/slide19.xml><?xml version="1.0" encoding="utf-8"?>
-<p:sld xmlns:a="http://schemas.openxmlformats.org/drawingml/2006/main" xmlns:r="http://schemas.openxmlformats.org/officeDocument/2006/relationships" xmlns:p="http://schemas.openxmlformats.org/presentationml/2006/main">
-  <p:cSld>
-    <p:spTree>
-      <p:nvGrpSpPr>
-        <p:cNvPr id="1" name=""/>
-        <p:cNvGrpSpPr/>
-        <p:nvPr/>
-      </p:nvGrpSpPr>
-      <p:grpSpPr>
-        <a:xfrm>
-          <a:off x="0" y="0"/>
-          <a:ext cx="0" cy="0"/>
-          <a:chOff x="0" y="0"/>
-          <a:chExt cx="0" cy="0"/>
-        </a:xfrm>
-      </p:grpSpPr>
       <p:sp>
         <p:nvSpPr>
           <p:cNvPr id="3" name="Content Placeholder 2"/>
@@ -11220,112 +12042,57 @@
         </p:nvSpPr>
         <p:spPr/>
         <p:txBody>
-          <a:bodyPr/>
+          <a:bodyPr>
+            <a:normAutofit/>
+          </a:bodyPr>
           <a:lstStyle/>
           <a:p>
             <a:r>
-              <a:rPr lang="en-US" dirty="0"/>
-              <a:t>MATCH a-[:HUSBAND_OF]-&gt;b Return </a:t>
-            </a:r>
-            <a:r>
-              <a:rPr lang="en-US" dirty="0" err="1" smtClean="0"/>
-              <a:t>a,b</a:t>
-            </a:r>
-            <a:endParaRPr lang="en-US" dirty="0" smtClean="0"/>
-          </a:p>
-          <a:p>
-            <a:pPr marL="0" indent="0">
-              <a:buNone/>
-            </a:pPr>
-            <a:r>
-              <a:rPr lang="en-US" dirty="0" smtClean="0"/>
-              <a:t>Returns both Husband and Wife</a:t>
-            </a:r>
-          </a:p>
-          <a:p>
-            <a:r>
-              <a:rPr lang="en-US" dirty="0"/>
-              <a:t>MATCH a-[:HUSBAND_OF]-&gt;b </a:t>
-            </a:r>
-            <a:r>
-              <a:rPr lang="en-US" dirty="0" smtClean="0"/>
-              <a:t>Return a</a:t>
-            </a:r>
-          </a:p>
-          <a:p>
-            <a:pPr marL="0" indent="0">
-              <a:buNone/>
-            </a:pPr>
-            <a:r>
-              <a:rPr lang="en-US" dirty="0" smtClean="0"/>
-              <a:t>Returns Just the ?</a:t>
-            </a:r>
-          </a:p>
-          <a:p>
-            <a:r>
-              <a:rPr lang="en-US" dirty="0"/>
-              <a:t>MATCH a-[:HUSBAND_OF]-&gt;b </a:t>
-            </a:r>
-            <a:r>
-              <a:rPr lang="en-US" dirty="0" smtClean="0"/>
-              <a:t>Return b</a:t>
-            </a:r>
-          </a:p>
-          <a:p>
-            <a:pPr marL="0" indent="0">
-              <a:buNone/>
-            </a:pPr>
-            <a:r>
-              <a:rPr lang="en-US" dirty="0" smtClean="0"/>
-              <a:t>Returns Just the ? </a:t>
-            </a:r>
-            <a:endParaRPr lang="en-US" dirty="0"/>
-          </a:p>
-        </p:txBody>
-      </p:sp>
-      <p:sp>
-        <p:nvSpPr>
-          <p:cNvPr id="6" name="Title 1"/>
-          <p:cNvSpPr>
-            <a:spLocks noGrp="1"/>
-          </p:cNvSpPr>
-          <p:nvPr>
-            <p:ph type="title"/>
-          </p:nvPr>
-        </p:nvSpPr>
-        <p:spPr>
-          <a:xfrm>
-            <a:off x="838200" y="365125"/>
-            <a:ext cx="10515600" cy="1325563"/>
-          </a:xfrm>
-        </p:spPr>
-        <p:txBody>
-          <a:bodyPr/>
-          <a:lstStyle/>
-          <a:p>
-            <a:r>
-              <a:rPr lang="en-US" dirty="0" smtClean="0">
-                <a:solidFill>
-                  <a:srgbClr val="00B0F0"/>
-                </a:solidFill>
+              <a:rPr lang="en-US" sz="4000" dirty="0" smtClean="0">
                 <a:latin typeface="Segoe UI Light" panose="020B0502040204020203" pitchFamily="34" charset="0"/>
+                <a:cs typeface="Segoe UI Light" panose="020B0502040204020203" pitchFamily="34" charset="0"/>
               </a:rPr>
-              <a:t>Cypher – The Graph Lingo</a:t>
-            </a:r>
-            <a:endParaRPr lang="en-US" dirty="0"/>
+              <a:t>Designed for Graphs</a:t>
+            </a:r>
+          </a:p>
+          <a:p>
+            <a:r>
+              <a:rPr lang="en-US" sz="4000" dirty="0" smtClean="0">
+                <a:latin typeface="Segoe UI Light" panose="020B0502040204020203" pitchFamily="34" charset="0"/>
+                <a:cs typeface="Segoe UI Light" panose="020B0502040204020203" pitchFamily="34" charset="0"/>
+              </a:rPr>
+              <a:t>SQL – Like syntax</a:t>
+            </a:r>
+          </a:p>
+          <a:p>
+            <a:r>
+              <a:rPr lang="en-US" sz="4000" dirty="0" smtClean="0">
+                <a:latin typeface="Segoe UI Light" panose="020B0502040204020203" pitchFamily="34" charset="0"/>
+                <a:cs typeface="Segoe UI Light" panose="020B0502040204020203" pitchFamily="34" charset="0"/>
+              </a:rPr>
+              <a:t>Declarative Pattern Matching syntax</a:t>
+            </a:r>
           </a:p>
         </p:txBody>
       </p:sp>
     </p:spTree>
     <p:extLst>
       <p:ext uri="{BB962C8B-B14F-4D97-AF65-F5344CB8AC3E}">
-        <p14:creationId xmlns:p14="http://schemas.microsoft.com/office/powerpoint/2010/main" val="2335523458"/>
+        <p14:creationId xmlns:p14="http://schemas.microsoft.com/office/powerpoint/2010/main" val="2231446638"/>
       </p:ext>
     </p:extLst>
   </p:cSld>
   <p:clrMapOvr>
     <a:masterClrMapping/>
   </p:clrMapOvr>
+  <mc:AlternateContent xmlns:mc="http://schemas.openxmlformats.org/markup-compatibility/2006">
+    <mc:Choice xmlns:p14="http://schemas.microsoft.com/office/powerpoint/2010/main" Requires="p14">
+      <p:transition spd="slow" p14:dur="2000" advTm="24968"/>
+    </mc:Choice>
+    <mc:Fallback>
+      <p:transition spd="slow" advTm="24968"/>
+    </mc:Fallback>
+  </mc:AlternateContent>
   <p:timing>
     <p:tnLst>
       <p:par>
@@ -11978,6 +12745,256 @@
       </p:grpSpPr>
       <p:sp>
         <p:nvSpPr>
+          <p:cNvPr id="2" name="Title 1"/>
+          <p:cNvSpPr>
+            <a:spLocks noGrp="1"/>
+          </p:cNvSpPr>
+          <p:nvPr>
+            <p:ph type="title"/>
+          </p:nvPr>
+        </p:nvSpPr>
+        <p:spPr/>
+        <p:txBody>
+          <a:bodyPr/>
+          <a:lstStyle/>
+          <a:p>
+            <a:r>
+              <a:rPr lang="en-US" dirty="0" smtClean="0">
+                <a:solidFill>
+                  <a:srgbClr val="00B0F0"/>
+                </a:solidFill>
+                <a:latin typeface="Segoe UI Light" panose="020B0502040204020203" pitchFamily="34" charset="0"/>
+              </a:rPr>
+              <a:t>Cypher – The Graph Lingo</a:t>
+            </a:r>
+            <a:endParaRPr lang="en-US" dirty="0"/>
+          </a:p>
+        </p:txBody>
+      </p:sp>
+      <p:pic>
+        <p:nvPicPr>
+          <p:cNvPr id="6" name="Picture 5"/>
+          <p:cNvPicPr>
+            <a:picLocks noChangeAspect="1"/>
+          </p:cNvPicPr>
+          <p:nvPr/>
+        </p:nvPicPr>
+        <p:blipFill>
+          <a:blip r:embed="rId3"/>
+          <a:stretch>
+            <a:fillRect/>
+          </a:stretch>
+        </p:blipFill>
+        <p:spPr>
+          <a:xfrm>
+            <a:off x="1371601" y="1447801"/>
+            <a:ext cx="8915400" cy="4604224"/>
+          </a:xfrm>
+          <a:prstGeom prst="rect">
+            <a:avLst/>
+          </a:prstGeom>
+        </p:spPr>
+      </p:pic>
+    </p:spTree>
+    <p:extLst>
+      <p:ext uri="{BB962C8B-B14F-4D97-AF65-F5344CB8AC3E}">
+        <p14:creationId xmlns:p14="http://schemas.microsoft.com/office/powerpoint/2010/main" val="3928326635"/>
+      </p:ext>
+    </p:extLst>
+  </p:cSld>
+  <p:clrMapOvr>
+    <a:masterClrMapping/>
+  </p:clrMapOvr>
+  <mc:AlternateContent xmlns:mc="http://schemas.openxmlformats.org/markup-compatibility/2006">
+    <mc:Choice xmlns:p14="http://schemas.microsoft.com/office/powerpoint/2010/main" Requires="p14">
+      <p:transition spd="slow" p14:dur="2000" advTm="67431"/>
+    </mc:Choice>
+    <mc:Fallback>
+      <p:transition spd="slow" advTm="67431"/>
+    </mc:Fallback>
+  </mc:AlternateContent>
+  <p:timing>
+    <p:tnLst>
+      <p:par>
+        <p:cTn id="1" dur="indefinite" restart="never" nodeType="tmRoot"/>
+      </p:par>
+    </p:tnLst>
+  </p:timing>
+</p:sld>
+</file>
+
+<file path=ppt/slides/slide21.xml><?xml version="1.0" encoding="utf-8"?>
+<p:sld xmlns:a="http://schemas.openxmlformats.org/drawingml/2006/main" xmlns:r="http://schemas.openxmlformats.org/officeDocument/2006/relationships" xmlns:p="http://schemas.openxmlformats.org/presentationml/2006/main">
+  <p:cSld>
+    <p:spTree>
+      <p:nvGrpSpPr>
+        <p:cNvPr id="1" name=""/>
+        <p:cNvGrpSpPr/>
+        <p:nvPr/>
+      </p:nvGrpSpPr>
+      <p:grpSpPr>
+        <a:xfrm>
+          <a:off x="0" y="0"/>
+          <a:ext cx="0" cy="0"/>
+          <a:chOff x="0" y="0"/>
+          <a:chExt cx="0" cy="0"/>
+        </a:xfrm>
+      </p:grpSpPr>
+      <p:sp>
+        <p:nvSpPr>
+          <p:cNvPr id="3" name="Content Placeholder 2"/>
+          <p:cNvSpPr>
+            <a:spLocks noGrp="1"/>
+          </p:cNvSpPr>
+          <p:nvPr>
+            <p:ph idx="1"/>
+          </p:nvPr>
+        </p:nvSpPr>
+        <p:spPr/>
+        <p:txBody>
+          <a:bodyPr/>
+          <a:lstStyle/>
+          <a:p>
+            <a:r>
+              <a:rPr lang="en-US" dirty="0"/>
+              <a:t>MATCH a-[:HUSBAND_OF]-&gt;b Return </a:t>
+            </a:r>
+            <a:r>
+              <a:rPr lang="en-US" dirty="0" err="1" smtClean="0"/>
+              <a:t>a,b</a:t>
+            </a:r>
+            <a:endParaRPr lang="en-US" dirty="0" smtClean="0"/>
+          </a:p>
+          <a:p>
+            <a:pPr marL="0" indent="0">
+              <a:buNone/>
+            </a:pPr>
+            <a:r>
+              <a:rPr lang="en-US" dirty="0" smtClean="0"/>
+              <a:t>Returns both Husband and Wife</a:t>
+            </a:r>
+          </a:p>
+          <a:p>
+            <a:r>
+              <a:rPr lang="en-US" dirty="0"/>
+              <a:t>MATCH a-[:HUSBAND_OF]-&gt;b </a:t>
+            </a:r>
+            <a:r>
+              <a:rPr lang="en-US" dirty="0" smtClean="0"/>
+              <a:t>Return a</a:t>
+            </a:r>
+          </a:p>
+          <a:p>
+            <a:pPr marL="0" indent="0">
+              <a:buNone/>
+            </a:pPr>
+            <a:r>
+              <a:rPr lang="en-US" dirty="0" smtClean="0"/>
+              <a:t>Returns Just the ?</a:t>
+            </a:r>
+          </a:p>
+          <a:p>
+            <a:r>
+              <a:rPr lang="en-US" dirty="0"/>
+              <a:t>MATCH a-[:HUSBAND_OF]-&gt;b </a:t>
+            </a:r>
+            <a:r>
+              <a:rPr lang="en-US" dirty="0" smtClean="0"/>
+              <a:t>Return b</a:t>
+            </a:r>
+          </a:p>
+          <a:p>
+            <a:pPr marL="0" indent="0">
+              <a:buNone/>
+            </a:pPr>
+            <a:r>
+              <a:rPr lang="en-US" dirty="0" smtClean="0"/>
+              <a:t>Returns Just the ? </a:t>
+            </a:r>
+            <a:endParaRPr lang="en-US" dirty="0"/>
+          </a:p>
+        </p:txBody>
+      </p:sp>
+      <p:sp>
+        <p:nvSpPr>
+          <p:cNvPr id="6" name="Title 1"/>
+          <p:cNvSpPr>
+            <a:spLocks noGrp="1"/>
+          </p:cNvSpPr>
+          <p:nvPr>
+            <p:ph type="title"/>
+          </p:nvPr>
+        </p:nvSpPr>
+        <p:spPr>
+          <a:xfrm>
+            <a:off x="838200" y="365125"/>
+            <a:ext cx="10515600" cy="1325563"/>
+          </a:xfrm>
+        </p:spPr>
+        <p:txBody>
+          <a:bodyPr/>
+          <a:lstStyle/>
+          <a:p>
+            <a:r>
+              <a:rPr lang="en-US" dirty="0" smtClean="0">
+                <a:solidFill>
+                  <a:srgbClr val="00B0F0"/>
+                </a:solidFill>
+                <a:latin typeface="Segoe UI Light" panose="020B0502040204020203" pitchFamily="34" charset="0"/>
+              </a:rPr>
+              <a:t>Cypher – The Graph Lingo</a:t>
+            </a:r>
+            <a:endParaRPr lang="en-US" dirty="0"/>
+          </a:p>
+        </p:txBody>
+      </p:sp>
+    </p:spTree>
+    <p:extLst>
+      <p:ext uri="{BB962C8B-B14F-4D97-AF65-F5344CB8AC3E}">
+        <p14:creationId xmlns:p14="http://schemas.microsoft.com/office/powerpoint/2010/main" val="2335523458"/>
+      </p:ext>
+    </p:extLst>
+  </p:cSld>
+  <p:clrMapOvr>
+    <a:masterClrMapping/>
+  </p:clrMapOvr>
+  <mc:AlternateContent xmlns:mc="http://schemas.openxmlformats.org/markup-compatibility/2006">
+    <mc:Choice xmlns:p14="http://schemas.microsoft.com/office/powerpoint/2010/main" Requires="p14">
+      <p:transition spd="slow" p14:dur="2000" advTm="53297"/>
+    </mc:Choice>
+    <mc:Fallback>
+      <p:transition spd="slow" advTm="53297"/>
+    </mc:Fallback>
+  </mc:AlternateContent>
+  <p:timing>
+    <p:tnLst>
+      <p:par>
+        <p:cTn id="1" dur="indefinite" restart="never" nodeType="tmRoot"/>
+      </p:par>
+    </p:tnLst>
+  </p:timing>
+</p:sld>
+</file>
+
+<file path=ppt/slides/slide22.xml><?xml version="1.0" encoding="utf-8"?>
+<p:sld xmlns:a="http://schemas.openxmlformats.org/drawingml/2006/main" xmlns:r="http://schemas.openxmlformats.org/officeDocument/2006/relationships" xmlns:p="http://schemas.openxmlformats.org/presentationml/2006/main">
+  <p:cSld>
+    <p:spTree>
+      <p:nvGrpSpPr>
+        <p:cNvPr id="1" name=""/>
+        <p:cNvGrpSpPr/>
+        <p:nvPr/>
+      </p:nvGrpSpPr>
+      <p:grpSpPr>
+        <a:xfrm>
+          <a:off x="0" y="0"/>
+          <a:ext cx="0" cy="0"/>
+          <a:chOff x="0" y="0"/>
+          <a:chExt cx="0" cy="0"/>
+        </a:xfrm>
+      </p:grpSpPr>
+      <p:sp>
+        <p:nvSpPr>
           <p:cNvPr id="3" name="Content Placeholder 2"/>
           <p:cNvSpPr>
             <a:spLocks noGrp="1"/>
@@ -12139,6 +13156,14 @@
   <p:clrMapOvr>
     <a:masterClrMapping/>
   </p:clrMapOvr>
+  <mc:AlternateContent xmlns:mc="http://schemas.openxmlformats.org/markup-compatibility/2006">
+    <mc:Choice xmlns:p14="http://schemas.microsoft.com/office/powerpoint/2010/main" Requires="p14">
+      <p:transition spd="slow" p14:dur="2000" advTm="94681"/>
+    </mc:Choice>
+    <mc:Fallback>
+      <p:transition spd="slow" advTm="94681"/>
+    </mc:Fallback>
+  </mc:AlternateContent>
   <p:timing>
     <p:tnLst>
       <p:par>
@@ -12149,7 +13174,303 @@
 </p:sld>
 </file>
 
-<file path=ppt/slides/slide21.xml><?xml version="1.0" encoding="utf-8"?>
+<file path=ppt/slides/slide23.xml><?xml version="1.0" encoding="utf-8"?>
+<p:sld xmlns:a="http://schemas.openxmlformats.org/drawingml/2006/main" xmlns:r="http://schemas.openxmlformats.org/officeDocument/2006/relationships" xmlns:p="http://schemas.openxmlformats.org/presentationml/2006/main">
+  <p:cSld>
+    <p:spTree>
+      <p:nvGrpSpPr>
+        <p:cNvPr id="1" name=""/>
+        <p:cNvGrpSpPr/>
+        <p:nvPr/>
+      </p:nvGrpSpPr>
+      <p:grpSpPr>
+        <a:xfrm>
+          <a:off x="0" y="0"/>
+          <a:ext cx="0" cy="0"/>
+          <a:chOff x="0" y="0"/>
+          <a:chExt cx="0" cy="0"/>
+        </a:xfrm>
+      </p:grpSpPr>
+      <p:sp>
+        <p:nvSpPr>
+          <p:cNvPr id="3" name="Content Placeholder 2"/>
+          <p:cNvSpPr>
+            <a:spLocks noGrp="1"/>
+          </p:cNvSpPr>
+          <p:nvPr>
+            <p:ph idx="1"/>
+          </p:nvPr>
+        </p:nvSpPr>
+        <p:spPr>
+          <a:xfrm>
+            <a:off x="838200" y="1592262"/>
+            <a:ext cx="10515600" cy="4351338"/>
+          </a:xfrm>
+        </p:spPr>
+        <p:txBody>
+          <a:bodyPr>
+            <a:normAutofit lnSpcReduction="10000"/>
+          </a:bodyPr>
+          <a:lstStyle/>
+          <a:p>
+            <a:r>
+              <a:rPr lang="en-US" dirty="0" smtClean="0"/>
+              <a:t>Bollywood </a:t>
+            </a:r>
+            <a:r>
+              <a:rPr lang="en-US" dirty="0" err="1" smtClean="0"/>
+              <a:t>ki</a:t>
+            </a:r>
+            <a:r>
+              <a:rPr lang="en-US" dirty="0" smtClean="0"/>
+              <a:t> </a:t>
+            </a:r>
+            <a:r>
+              <a:rPr lang="en-US" dirty="0" err="1" smtClean="0"/>
+              <a:t>kasam</a:t>
+            </a:r>
+            <a:r>
+              <a:rPr lang="en-US" dirty="0" smtClean="0"/>
+              <a:t> </a:t>
+            </a:r>
+          </a:p>
+          <a:p>
+            <a:pPr lvl="1"/>
+            <a:r>
+              <a:rPr lang="en-US" dirty="0" smtClean="0"/>
+              <a:t>A game based over Bollywood Movies and Stars. </a:t>
+            </a:r>
+          </a:p>
+          <a:p>
+            <a:pPr lvl="1"/>
+            <a:r>
+              <a:rPr lang="en-US" dirty="0" smtClean="0"/>
+              <a:t>Find th</a:t>
+            </a:r>
+            <a:r>
+              <a:rPr lang="en-US" dirty="0" smtClean="0"/>
+              <a:t>e shortest </a:t>
+            </a:r>
+            <a:r>
+              <a:rPr lang="en-US" dirty="0" smtClean="0"/>
+              <a:t>Path between 2 Actors</a:t>
+            </a:r>
+          </a:p>
+          <a:p>
+            <a:pPr lvl="1"/>
+            <a:r>
+              <a:rPr lang="en-US" dirty="0" smtClean="0"/>
+              <a:t>Backend Hosted at Azure</a:t>
+            </a:r>
+          </a:p>
+          <a:p>
+            <a:pPr marL="457200" lvl="1" indent="0">
+              <a:buNone/>
+            </a:pPr>
+            <a:endParaRPr lang="en-US" dirty="0" smtClean="0"/>
+          </a:p>
+          <a:p>
+            <a:r>
+              <a:rPr lang="en-US" dirty="0" smtClean="0"/>
+              <a:t>eBay  </a:t>
+            </a:r>
+          </a:p>
+          <a:p>
+            <a:pPr lvl="1"/>
+            <a:r>
+              <a:rPr lang="en-US" dirty="0" err="1" smtClean="0"/>
+              <a:t>eCommerce</a:t>
+            </a:r>
+            <a:r>
+              <a:rPr lang="en-US" dirty="0" smtClean="0"/>
+              <a:t> Delivery service routing with Neo4J</a:t>
+            </a:r>
+          </a:p>
+          <a:p>
+            <a:pPr lvl="1"/>
+            <a:endParaRPr lang="en-US" dirty="0"/>
+          </a:p>
+          <a:p>
+            <a:r>
+              <a:rPr lang="en-US" dirty="0" err="1" smtClean="0"/>
+              <a:t>Wanderu</a:t>
+            </a:r>
+            <a:endParaRPr lang="en-US" dirty="0" smtClean="0"/>
+          </a:p>
+          <a:p>
+            <a:pPr lvl="1"/>
+            <a:r>
+              <a:rPr lang="en-US" dirty="0" smtClean="0"/>
+              <a:t>Book Travel using Shortest and optimal Paths with Mix of </a:t>
+            </a:r>
+          </a:p>
+          <a:p>
+            <a:pPr marL="457200" lvl="1" indent="0">
+              <a:buNone/>
+            </a:pPr>
+            <a:r>
+              <a:rPr lang="en-US" dirty="0" smtClean="0"/>
+              <a:t>travel options</a:t>
+            </a:r>
+          </a:p>
+          <a:p>
+            <a:pPr lvl="1"/>
+            <a:endParaRPr lang="en-US" dirty="0"/>
+          </a:p>
+        </p:txBody>
+      </p:sp>
+      <p:sp>
+        <p:nvSpPr>
+          <p:cNvPr id="6" name="Title 1"/>
+          <p:cNvSpPr>
+            <a:spLocks noGrp="1"/>
+          </p:cNvSpPr>
+          <p:nvPr>
+            <p:ph type="title"/>
+          </p:nvPr>
+        </p:nvSpPr>
+        <p:spPr>
+          <a:xfrm>
+            <a:off x="838200" y="365125"/>
+            <a:ext cx="10515600" cy="1325563"/>
+          </a:xfrm>
+        </p:spPr>
+        <p:txBody>
+          <a:bodyPr/>
+          <a:lstStyle/>
+          <a:p>
+            <a:r>
+              <a:rPr lang="en-US" dirty="0" smtClean="0">
+                <a:solidFill>
+                  <a:srgbClr val="00B0F0"/>
+                </a:solidFill>
+                <a:latin typeface="Segoe UI Light" panose="020B0502040204020203" pitchFamily="34" charset="0"/>
+              </a:rPr>
+              <a:t>Case Studies</a:t>
+            </a:r>
+            <a:endParaRPr lang="en-US" dirty="0"/>
+          </a:p>
+        </p:txBody>
+      </p:sp>
+      <p:pic>
+        <p:nvPicPr>
+          <p:cNvPr id="4" name="Picture 3"/>
+          <p:cNvPicPr>
+            <a:picLocks noChangeAspect="1"/>
+          </p:cNvPicPr>
+          <p:nvPr/>
+        </p:nvPicPr>
+        <p:blipFill>
+          <a:blip r:embed="rId3">
+            <a:extLst>
+              <a:ext uri="{28A0092B-C50C-407E-A947-70E740481C1C}">
+                <a14:useLocalDpi xmlns:a14="http://schemas.microsoft.com/office/drawing/2010/main" val="0"/>
+              </a:ext>
+            </a:extLst>
+          </a:blip>
+          <a:stretch>
+            <a:fillRect/>
+          </a:stretch>
+        </p:blipFill>
+        <p:spPr>
+          <a:xfrm>
+            <a:off x="9829800" y="1143000"/>
+            <a:ext cx="1819529" cy="1819529"/>
+          </a:xfrm>
+          <a:prstGeom prst="rect">
+            <a:avLst/>
+          </a:prstGeom>
+        </p:spPr>
+      </p:pic>
+      <p:pic>
+        <p:nvPicPr>
+          <p:cNvPr id="5" name="Picture 4"/>
+          <p:cNvPicPr>
+            <a:picLocks noChangeAspect="1"/>
+          </p:cNvPicPr>
+          <p:nvPr/>
+        </p:nvPicPr>
+        <p:blipFill>
+          <a:blip r:embed="rId4">
+            <a:extLst>
+              <a:ext uri="{28A0092B-C50C-407E-A947-70E740481C1C}">
+                <a14:useLocalDpi xmlns:a14="http://schemas.microsoft.com/office/drawing/2010/main" val="0"/>
+              </a:ext>
+            </a:extLst>
+          </a:blip>
+          <a:stretch>
+            <a:fillRect/>
+          </a:stretch>
+        </p:blipFill>
+        <p:spPr>
+          <a:xfrm>
+            <a:off x="9120314" y="3429000"/>
+            <a:ext cx="3238500" cy="1524000"/>
+          </a:xfrm>
+          <a:prstGeom prst="rect">
+            <a:avLst/>
+          </a:prstGeom>
+        </p:spPr>
+      </p:pic>
+      <p:pic>
+        <p:nvPicPr>
+          <p:cNvPr id="7" name="Picture 6"/>
+          <p:cNvPicPr>
+            <a:picLocks noChangeAspect="1"/>
+          </p:cNvPicPr>
+          <p:nvPr/>
+        </p:nvPicPr>
+        <p:blipFill>
+          <a:blip r:embed="rId5">
+            <a:extLst>
+              <a:ext uri="{28A0092B-C50C-407E-A947-70E740481C1C}">
+                <a14:useLocalDpi xmlns:a14="http://schemas.microsoft.com/office/drawing/2010/main" val="0"/>
+              </a:ext>
+            </a:extLst>
+          </a:blip>
+          <a:stretch>
+            <a:fillRect/>
+          </a:stretch>
+        </p:blipFill>
+        <p:spPr>
+          <a:xfrm>
+            <a:off x="8915400" y="4572000"/>
+            <a:ext cx="3238500" cy="1524000"/>
+          </a:xfrm>
+          <a:prstGeom prst="rect">
+            <a:avLst/>
+          </a:prstGeom>
+        </p:spPr>
+      </p:pic>
+    </p:spTree>
+    <p:extLst>
+      <p:ext uri="{BB962C8B-B14F-4D97-AF65-F5344CB8AC3E}">
+        <p14:creationId xmlns:p14="http://schemas.microsoft.com/office/powerpoint/2010/main" val="2404874619"/>
+      </p:ext>
+    </p:extLst>
+  </p:cSld>
+  <p:clrMapOvr>
+    <a:masterClrMapping/>
+  </p:clrMapOvr>
+  <mc:AlternateContent xmlns:mc="http://schemas.openxmlformats.org/markup-compatibility/2006">
+    <mc:Choice xmlns:p14="http://schemas.microsoft.com/office/powerpoint/2010/main" Requires="p14">
+      <p:transition spd="slow" p14:dur="2000" advTm="139843"/>
+    </mc:Choice>
+    <mc:Fallback>
+      <p:transition spd="slow" advTm="139843"/>
+    </mc:Fallback>
+  </mc:AlternateContent>
+  <p:timing>
+    <p:tnLst>
+      <p:par>
+        <p:cTn id="1" dur="indefinite" restart="never" nodeType="tmRoot"/>
+      </p:par>
+    </p:tnLst>
+  </p:timing>
+</p:sld>
+</file>
+
+<file path=ppt/slides/slide24.xml><?xml version="1.0" encoding="utf-8"?>
 <p:sld xmlns:a="http://schemas.openxmlformats.org/drawingml/2006/main" xmlns:r="http://schemas.openxmlformats.org/officeDocument/2006/relationships" xmlns:p="http://schemas.openxmlformats.org/presentationml/2006/main">
   <p:cSld>
     <p:spTree>
@@ -12259,6 +13580,14 @@
   <p:clrMapOvr>
     <a:masterClrMapping/>
   </p:clrMapOvr>
+  <mc:AlternateContent xmlns:mc="http://schemas.openxmlformats.org/markup-compatibility/2006">
+    <mc:Choice xmlns:p14="http://schemas.microsoft.com/office/powerpoint/2010/main" Requires="p14">
+      <p:transition spd="slow" p14:dur="2000" advTm="11059"/>
+    </mc:Choice>
+    <mc:Fallback>
+      <p:transition spd="slow" advTm="11059"/>
+    </mc:Fallback>
+  </mc:AlternateContent>
   <p:timing>
     <p:tnLst>
       <p:par>
@@ -12269,7 +13598,7 @@
 </p:sld>
 </file>
 
-<file path=ppt/slides/slide22.xml><?xml version="1.0" encoding="utf-8"?>
+<file path=ppt/slides/slide25.xml><?xml version="1.0" encoding="utf-8"?>
 <p:sld xmlns:a="http://schemas.openxmlformats.org/drawingml/2006/main" xmlns:r="http://schemas.openxmlformats.org/officeDocument/2006/relationships" xmlns:p="http://schemas.openxmlformats.org/presentationml/2006/main">
   <p:cSld>
     <p:spTree>
@@ -12341,6 +13670,14 @@
   <p:clrMapOvr>
     <a:masterClrMapping/>
   </p:clrMapOvr>
+  <mc:AlternateContent xmlns:mc="http://schemas.openxmlformats.org/markup-compatibility/2006">
+    <mc:Choice xmlns:p14="http://schemas.microsoft.com/office/powerpoint/2010/main" Requires="p14">
+      <p:transition spd="slow" p14:dur="2000" advTm="1128"/>
+    </mc:Choice>
+    <mc:Fallback>
+      <p:transition spd="slow" advTm="1128"/>
+    </mc:Fallback>
+  </mc:AlternateContent>
   <p:timing>
     <p:tnLst>
       <p:par>
@@ -12351,7 +13688,7 @@
 </p:sld>
 </file>
 
-<file path=ppt/slides/slide23.xml><?xml version="1.0" encoding="utf-8"?>
+<file path=ppt/slides/slide26.xml><?xml version="1.0" encoding="utf-8"?>
 <p:sld xmlns:a="http://schemas.openxmlformats.org/drawingml/2006/main" xmlns:r="http://schemas.openxmlformats.org/officeDocument/2006/relationships" xmlns:p="http://schemas.openxmlformats.org/presentationml/2006/main">
   <p:cSld>
     <p:spTree>
@@ -12688,6 +14025,39 @@
                 <a:hlinkClick r:id="rId6"/>
               </a:rPr>
               <a:t>github.com/neo4j-contrib/graphgist/wiki</a:t>
+            </a:r>
+            <a:endParaRPr lang="en-US" dirty="0" smtClean="0">
+              <a:solidFill>
+                <a:schemeClr val="tx1"/>
+              </a:solidFill>
+              <a:latin typeface="Segoe UI Light" panose="020B0502040204020203" pitchFamily="34" charset="0"/>
+              <a:ea typeface="Segoe UI" panose="020B0502040204020203" pitchFamily="34" charset="0"/>
+              <a:cs typeface="Segoe UI" panose="020B0502040204020203" pitchFamily="34" charset="0"/>
+            </a:endParaRPr>
+          </a:p>
+          <a:p>
+            <a:r>
+              <a:rPr lang="en-US" dirty="0" smtClean="0">
+                <a:solidFill>
+                  <a:schemeClr val="tx1"/>
+                </a:solidFill>
+                <a:latin typeface="Segoe UI Light" panose="020B0502040204020203" pitchFamily="34" charset="0"/>
+                <a:ea typeface="Segoe UI" panose="020B0502040204020203" pitchFamily="34" charset="0"/>
+                <a:cs typeface="Segoe UI" panose="020B0502040204020203" pitchFamily="34" charset="0"/>
+                <a:hlinkClick r:id="rId7"/>
+              </a:rPr>
+              <a:t>http://graphenedb.com</a:t>
+            </a:r>
+            <a:r>
+              <a:rPr lang="en-US" dirty="0" smtClean="0">
+                <a:solidFill>
+                  <a:schemeClr val="tx1"/>
+                </a:solidFill>
+                <a:latin typeface="Segoe UI Light" panose="020B0502040204020203" pitchFamily="34" charset="0"/>
+                <a:ea typeface="Segoe UI" panose="020B0502040204020203" pitchFamily="34" charset="0"/>
+                <a:cs typeface="Segoe UI" panose="020B0502040204020203" pitchFamily="34" charset="0"/>
+              </a:rPr>
+              <a:t> </a:t>
             </a:r>
             <a:endParaRPr lang="en-US" dirty="0" smtClean="0">
               <a:solidFill>
@@ -12940,7 +14310,7 @@
             <p:nvPr/>
           </p:nvPicPr>
           <p:blipFill rotWithShape="1">
-            <a:blip r:embed="rId7">
+            <a:blip r:embed="rId8">
               <a:extLst>
                 <a:ext uri="{28A0092B-C50C-407E-A947-70E740481C1C}">
                   <a14:useLocalDpi xmlns:a14="http://schemas.microsoft.com/office/drawing/2010/main" val="0"/>
@@ -12979,7 +14349,7 @@
             <p:nvPr/>
           </p:nvPicPr>
           <p:blipFill>
-            <a:blip r:embed="rId8" cstate="print">
+            <a:blip r:embed="rId9" cstate="print">
               <a:extLst>
                 <a:ext uri="{28A0092B-C50C-407E-A947-70E740481C1C}">
                   <a14:useLocalDpi xmlns:a14="http://schemas.microsoft.com/office/drawing/2010/main" val="0"/>
@@ -13127,7 +14497,7 @@
           <p:nvPr/>
         </p:nvPicPr>
         <p:blipFill>
-          <a:blip r:embed="rId9">
+          <a:blip r:embed="rId10">
             <a:extLst>
               <a:ext uri="{28A0092B-C50C-407E-A947-70E740481C1C}">
                 <a14:useLocalDpi xmlns:a14="http://schemas.microsoft.com/office/drawing/2010/main" val="0"/>
@@ -13158,6 +14528,14 @@
   <p:clrMapOvr>
     <a:masterClrMapping/>
   </p:clrMapOvr>
+  <mc:AlternateContent xmlns:mc="http://schemas.openxmlformats.org/markup-compatibility/2006">
+    <mc:Choice xmlns:p14="http://schemas.microsoft.com/office/powerpoint/2010/main" Requires="p14">
+      <p:transition spd="slow" p14:dur="2000" advTm="1120"/>
+    </mc:Choice>
+    <mc:Fallback>
+      <p:transition spd="slow" advTm="1120"/>
+    </mc:Fallback>
+  </mc:AlternateContent>
   <p:timing>
     <p:tnLst>
       <p:par>
@@ -13168,7 +14546,7 @@
 </p:sld>
 </file>
 
-<file path=ppt/slides/slide24.xml><?xml version="1.0" encoding="utf-8"?>
+<file path=ppt/slides/slide27.xml><?xml version="1.0" encoding="utf-8"?>
 <p:sld xmlns:a="http://schemas.openxmlformats.org/drawingml/2006/main" xmlns:r="http://schemas.openxmlformats.org/officeDocument/2006/relationships" xmlns:p="http://schemas.openxmlformats.org/presentationml/2006/main">
   <p:cSld>
     <p:spTree>
@@ -13629,42 +15007,6 @@
           </a:ln>
         </p:spPr>
       </p:pic>
-      <p:sp>
-        <p:nvSpPr>
-          <p:cNvPr id="8" name="TextBox 7"/>
-          <p:cNvSpPr txBox="1"/>
-          <p:nvPr/>
-        </p:nvSpPr>
-        <p:spPr>
-          <a:xfrm>
-            <a:off x="7684477" y="158931"/>
-            <a:ext cx="4360985" cy="646331"/>
-          </a:xfrm>
-          <a:prstGeom prst="rect">
-            <a:avLst/>
-          </a:prstGeom>
-          <a:solidFill>
-            <a:srgbClr val="FFFF00"/>
-          </a:solidFill>
-        </p:spPr>
-        <p:txBody>
-          <a:bodyPr wrap="square" rtlCol="0">
-            <a:spAutoFit/>
-          </a:bodyPr>
-          <a:lstStyle/>
-          <a:p>
-            <a:r>
-              <a:rPr lang="en-US" dirty="0" smtClean="0">
-                <a:latin typeface="Segoe UI"/>
-              </a:rPr>
-              <a:t>&lt; QR Code will be given 2 days before the Conference &gt;</a:t>
-            </a:r>
-            <a:endParaRPr lang="en-US" dirty="0">
-              <a:latin typeface="Segoe UI"/>
-            </a:endParaRPr>
-          </a:p>
-        </p:txBody>
-      </p:sp>
     </p:spTree>
     <p:extLst>
       <p:ext uri="{BB962C8B-B14F-4D97-AF65-F5344CB8AC3E}">
@@ -13675,6 +15017,14 @@
   <p:clrMapOvr>
     <a:masterClrMapping/>
   </p:clrMapOvr>
+  <mc:AlternateContent xmlns:mc="http://schemas.openxmlformats.org/markup-compatibility/2006">
+    <mc:Choice xmlns:p14="http://schemas.microsoft.com/office/powerpoint/2010/main" Requires="p14">
+      <p:transition spd="slow" p14:dur="2000" advTm="860"/>
+    </mc:Choice>
+    <mc:Fallback>
+      <p:transition spd="slow" advTm="860"/>
+    </mc:Fallback>
+  </mc:AlternateContent>
   <p:timing>
     <p:tnLst>
       <p:par>
@@ -13685,7 +15035,7 @@
 </p:sld>
 </file>
 
-<file path=ppt/slides/slide25.xml><?xml version="1.0" encoding="utf-8"?>
+<file path=ppt/slides/slide28.xml><?xml version="1.0" encoding="utf-8"?>
 <p:sld xmlns:a="http://schemas.openxmlformats.org/drawingml/2006/main" xmlns:r="http://schemas.openxmlformats.org/officeDocument/2006/relationships" xmlns:p="http://schemas.openxmlformats.org/presentationml/2006/main">
   <p:cSld>
     <p:spTree>
@@ -14082,6 +15432,14 @@
   <p:clrMapOvr>
     <a:masterClrMapping/>
   </p:clrMapOvr>
+  <mc:AlternateContent xmlns:mc="http://schemas.openxmlformats.org/markup-compatibility/2006">
+    <mc:Choice xmlns:p14="http://schemas.microsoft.com/office/powerpoint/2010/main" Requires="p14">
+      <p:transition spd="slow" p14:dur="2000" advTm="305"/>
+    </mc:Choice>
+    <mc:Fallback>
+      <p:transition spd="slow" advTm="305"/>
+    </mc:Fallback>
+  </mc:AlternateContent>
   <p:timing>
     <p:tnLst>
       <p:par>
@@ -14667,6 +16025,35 @@
               </a:rPr>
               <a:t>Plugins</a:t>
             </a:r>
+          </a:p>
+          <a:p>
+            <a:pPr marL="342900" indent="-342900">
+              <a:buFont typeface="Arial" panose="020B0604020202020204" pitchFamily="34" charset="0"/>
+              <a:buChar char="•"/>
+              <a:defRPr/>
+            </a:pPr>
+            <a:endParaRPr lang="en-US" sz="1800" dirty="0">
+              <a:solidFill>
+                <a:schemeClr val="tx1"/>
+              </a:solidFill>
+              <a:latin typeface="Segoe UI Light" panose="020B0502040204020203" pitchFamily="34" charset="0"/>
+            </a:endParaRPr>
+          </a:p>
+          <a:p>
+            <a:pPr marL="342900" indent="-342900">
+              <a:buFont typeface="Arial" panose="020B0604020202020204" pitchFamily="34" charset="0"/>
+              <a:buChar char="•"/>
+              <a:defRPr/>
+            </a:pPr>
+            <a:r>
+              <a:rPr lang="en-US" sz="1800" dirty="0" smtClean="0">
+                <a:solidFill>
+                  <a:schemeClr val="tx1"/>
+                </a:solidFill>
+                <a:latin typeface="Segoe UI Light" panose="020B0502040204020203" pitchFamily="34" charset="0"/>
+              </a:rPr>
+              <a:t>Case Studies</a:t>
+            </a:r>
             <a:endParaRPr lang="en-US" sz="1800" dirty="0" smtClean="0">
               <a:solidFill>
                 <a:schemeClr val="tx1"/>
@@ -14763,6 +16150,14 @@
   <p:clrMapOvr>
     <a:masterClrMapping/>
   </p:clrMapOvr>
+  <mc:AlternateContent xmlns:mc="http://schemas.openxmlformats.org/markup-compatibility/2006">
+    <mc:Choice xmlns:p14="http://schemas.microsoft.com/office/powerpoint/2010/main" Requires="p14">
+      <p:transition spd="slow" p14:dur="2000" advTm="37515"/>
+    </mc:Choice>
+    <mc:Fallback>
+      <p:transition spd="slow" advTm="37515"/>
+    </mc:Fallback>
+  </mc:AlternateContent>
   <p:timing>
     <p:tnLst>
       <p:par>
@@ -14882,6 +16277,14 @@
   <p:clrMapOvr>
     <a:masterClrMapping/>
   </p:clrMapOvr>
+  <mc:AlternateContent xmlns:mc="http://schemas.openxmlformats.org/markup-compatibility/2006">
+    <mc:Choice xmlns:p14="http://schemas.microsoft.com/office/powerpoint/2010/main" Requires="p14">
+      <p:transition spd="slow" p14:dur="2000" advTm="632"/>
+    </mc:Choice>
+    <mc:Fallback>
+      <p:transition spd="slow" advTm="632"/>
+    </mc:Fallback>
+  </mc:AlternateContent>
   <p:timing>
     <p:tnLst>
       <p:par>
@@ -17447,6 +18850,14 @@
   <p:clrMapOvr>
     <a:masterClrMapping/>
   </p:clrMapOvr>
+  <mc:AlternateContent xmlns:mc="http://schemas.openxmlformats.org/markup-compatibility/2006">
+    <mc:Choice xmlns:p14="http://schemas.microsoft.com/office/powerpoint/2010/main" Requires="p14">
+      <p:transition spd="slow" p14:dur="2000" advTm="55457"/>
+    </mc:Choice>
+    <mc:Fallback>
+      <p:transition spd="slow" advTm="55457"/>
+    </mc:Fallback>
+  </mc:AlternateContent>
   <p:timing>
     <p:tnLst>
       <p:par>
@@ -17647,17 +19058,6 @@
               </a:rPr>
               <a:t>Ram</a:t>
             </a:r>
-            <a:endParaRPr lang="en-US" altLang="en-US" sz="2800" dirty="0" smtClean="0">
-              <a:solidFill>
-                <a:schemeClr val="tx1"/>
-              </a:solidFill>
-              <a:effectLst>
-                <a:outerShdw blurRad="38100" dist="38100" dir="2700000" algn="tl">
-                  <a:srgbClr val="C0C0C0"/>
-                </a:outerShdw>
-              </a:effectLst>
-              <a:ea typeface="ＭＳ Ｐゴシック" pitchFamily="-84" charset="-128"/>
-            </a:endParaRPr>
           </a:p>
         </p:txBody>
       </p:sp>
@@ -19348,6 +20748,14 @@
   <p:clrMapOvr>
     <a:masterClrMapping/>
   </p:clrMapOvr>
+  <mc:AlternateContent xmlns:mc="http://schemas.openxmlformats.org/markup-compatibility/2006">
+    <mc:Choice xmlns:p14="http://schemas.microsoft.com/office/powerpoint/2010/main" Requires="p14">
+      <p:transition spd="slow" p14:dur="2000" advTm="25422"/>
+    </mc:Choice>
+    <mc:Fallback>
+      <p:transition spd="slow" advTm="25422"/>
+    </mc:Fallback>
+  </mc:AlternateContent>
   <p:timing>
     <p:tnLst>
       <p:par>
@@ -21998,6 +23406,14 @@
   <p:clrMapOvr>
     <a:masterClrMapping/>
   </p:clrMapOvr>
+  <mc:AlternateContent xmlns:mc="http://schemas.openxmlformats.org/markup-compatibility/2006">
+    <mc:Choice xmlns:p14="http://schemas.microsoft.com/office/powerpoint/2010/main" Requires="p14">
+      <p:transition spd="slow" p14:dur="2000" advTm="25136"/>
+    </mc:Choice>
+    <mc:Fallback>
+      <p:transition spd="slow" advTm="25136"/>
+    </mc:Fallback>
+  </mc:AlternateContent>
   <p:timing>
     <p:tnLst>
       <p:par>
@@ -27898,6 +29314,14 @@
   <p:clrMapOvr>
     <a:masterClrMapping/>
   </p:clrMapOvr>
+  <mc:AlternateContent xmlns:mc="http://schemas.openxmlformats.org/markup-compatibility/2006">
+    <mc:Choice xmlns:p14="http://schemas.microsoft.com/office/powerpoint/2010/main" Requires="p14">
+      <p:transition spd="slow" p14:dur="2000" advTm="6576"/>
+    </mc:Choice>
+    <mc:Fallback>
+      <p:transition spd="slow" advTm="6576"/>
+    </mc:Fallback>
+  </mc:AlternateContent>
   <p:timing>
     <p:tnLst>
       <p:par>
@@ -30297,6 +31721,14 @@
   <p:clrMapOvr>
     <a:masterClrMapping/>
   </p:clrMapOvr>
+  <mc:AlternateContent xmlns:mc="http://schemas.openxmlformats.org/markup-compatibility/2006">
+    <mc:Choice xmlns:p14="http://schemas.microsoft.com/office/powerpoint/2010/main" Requires="p14">
+      <p:transition spd="slow" p14:dur="2000" advTm="692"/>
+    </mc:Choice>
+    <mc:Fallback>
+      <p:transition spd="slow" advTm="692"/>
+    </mc:Fallback>
+  </mc:AlternateContent>
   <p:timing>
     <p:tnLst>
       <p:par>

--- a/Neo4j/Future Unleashed_Neo4j.pptx
+++ b/Neo4j/Future Unleashed_Neo4j.pptx
@@ -2106,7 +2106,7 @@
           <a:p>
             <a:fld id="{CCE70BC5-5967-46F5-B959-0187FC8CE82A}" type="datetimeFigureOut">
               <a:rPr lang="en-US" smtClean="0"/>
-              <a:t>11/2/2015</a:t>
+              <a:t>11/4/2015</a:t>
             </a:fld>
             <a:endParaRPr lang="en-US"/>
           </a:p>
@@ -4968,7 +4968,7 @@
           <a:p>
             <a:fld id="{615B8220-D6CE-4EBA-9DF4-44184996CC87}" type="datetimeFigureOut">
               <a:rPr lang="en-IN" smtClean="0"/>
-              <a:t>02-11-2015</a:t>
+              <a:t>04-11-2015</a:t>
             </a:fld>
             <a:endParaRPr lang="en-IN"/>
           </a:p>
@@ -5221,7 +5221,7 @@
           <a:p>
             <a:fld id="{615B8220-D6CE-4EBA-9DF4-44184996CC87}" type="datetimeFigureOut">
               <a:rPr lang="en-IN" smtClean="0"/>
-              <a:t>02-11-2015</a:t>
+              <a:t>04-11-2015</a:t>
             </a:fld>
             <a:endParaRPr lang="en-IN"/>
           </a:p>
@@ -5391,7 +5391,7 @@
           <a:p>
             <a:fld id="{615B8220-D6CE-4EBA-9DF4-44184996CC87}" type="datetimeFigureOut">
               <a:rPr lang="en-IN" smtClean="0"/>
-              <a:t>02-11-2015</a:t>
+              <a:t>04-11-2015</a:t>
             </a:fld>
             <a:endParaRPr lang="en-IN"/>
           </a:p>
@@ -5571,7 +5571,7 @@
           <a:p>
             <a:fld id="{615B8220-D6CE-4EBA-9DF4-44184996CC87}" type="datetimeFigureOut">
               <a:rPr lang="en-IN" smtClean="0"/>
-              <a:t>02-11-2015</a:t>
+              <a:t>04-11-2015</a:t>
             </a:fld>
             <a:endParaRPr lang="en-IN"/>
           </a:p>
@@ -5793,7 +5793,7 @@
           <a:p>
             <a:fld id="{615B8220-D6CE-4EBA-9DF4-44184996CC87}" type="datetimeFigureOut">
               <a:rPr lang="en-IN" smtClean="0"/>
-              <a:t>02-11-2015</a:t>
+              <a:t>04-11-2015</a:t>
             </a:fld>
             <a:endParaRPr lang="en-IN"/>
           </a:p>
@@ -5993,7 +5993,7 @@
           <a:p>
             <a:fld id="{615B8220-D6CE-4EBA-9DF4-44184996CC87}" type="datetimeFigureOut">
               <a:rPr lang="en-IN" smtClean="0"/>
-              <a:t>02-11-2015</a:t>
+              <a:t>04-11-2015</a:t>
             </a:fld>
             <a:endParaRPr lang="en-IN"/>
           </a:p>
@@ -6253,7 +6253,7 @@
           <a:p>
             <a:fld id="{615B8220-D6CE-4EBA-9DF4-44184996CC87}" type="datetimeFigureOut">
               <a:rPr lang="en-IN" smtClean="0"/>
-              <a:t>02-11-2015</a:t>
+              <a:t>04-11-2015</a:t>
             </a:fld>
             <a:endParaRPr lang="en-IN"/>
           </a:p>
@@ -6529,7 +6529,7 @@
           <a:p>
             <a:fld id="{615B8220-D6CE-4EBA-9DF4-44184996CC87}" type="datetimeFigureOut">
               <a:rPr lang="en-IN" smtClean="0"/>
-              <a:t>02-11-2015</a:t>
+              <a:t>04-11-2015</a:t>
             </a:fld>
             <a:endParaRPr lang="en-IN"/>
           </a:p>
@@ -6761,7 +6761,7 @@
           <a:p>
             <a:fld id="{615B8220-D6CE-4EBA-9DF4-44184996CC87}" type="datetimeFigureOut">
               <a:rPr lang="en-IN" smtClean="0"/>
-              <a:t>02-11-2015</a:t>
+              <a:t>04-11-2015</a:t>
             </a:fld>
             <a:endParaRPr lang="en-IN"/>
           </a:p>
@@ -7128,7 +7128,7 @@
           <a:p>
             <a:fld id="{615B8220-D6CE-4EBA-9DF4-44184996CC87}" type="datetimeFigureOut">
               <a:rPr lang="en-IN" smtClean="0"/>
-              <a:t>02-11-2015</a:t>
+              <a:t>04-11-2015</a:t>
             </a:fld>
             <a:endParaRPr lang="en-IN"/>
           </a:p>
@@ -7246,7 +7246,7 @@
           <a:p>
             <a:fld id="{615B8220-D6CE-4EBA-9DF4-44184996CC87}" type="datetimeFigureOut">
               <a:rPr lang="en-IN" smtClean="0"/>
-              <a:t>02-11-2015</a:t>
+              <a:t>04-11-2015</a:t>
             </a:fld>
             <a:endParaRPr lang="en-IN"/>
           </a:p>
@@ -7341,7 +7341,7 @@
           <a:p>
             <a:fld id="{615B8220-D6CE-4EBA-9DF4-44184996CC87}" type="datetimeFigureOut">
               <a:rPr lang="en-IN" smtClean="0"/>
-              <a:t>02-11-2015</a:t>
+              <a:t>04-11-2015</a:t>
             </a:fld>
             <a:endParaRPr lang="en-IN"/>
           </a:p>
@@ -7978,7 +7978,7 @@
           <a:p>
             <a:fld id="{615B8220-D6CE-4EBA-9DF4-44184996CC87}" type="datetimeFigureOut">
               <a:rPr lang="en-IN" smtClean="0"/>
-              <a:t>02-11-2015</a:t>
+              <a:t>04-11-2015</a:t>
             </a:fld>
             <a:endParaRPr lang="en-IN"/>
           </a:p>
@@ -8789,8 +8789,14 @@
                   </a:solidFill>
                   <a:latin typeface="Segoe UI Light"/>
                 </a:rPr>
-                <a:t>Evangelist</a:t>
+                <a:t>Evangelist (OSS)</a:t>
               </a:r>
+              <a:endParaRPr lang="en-US" sz="2000" dirty="0" smtClean="0">
+                <a:solidFill>
+                  <a:schemeClr val="bg1"/>
+                </a:solidFill>
+                <a:latin typeface="Segoe UI Light"/>
+              </a:endParaRPr>
             </a:p>
             <a:p>
               <a:pPr>
@@ -8920,11 +8926,11 @@
   <p:clrMapOvr>
     <a:masterClrMapping/>
   </p:clrMapOvr>
-  <mc:AlternateContent xmlns:mc="http://schemas.openxmlformats.org/markup-compatibility/2006">
-    <mc:Choice xmlns:p14="http://schemas.microsoft.com/office/powerpoint/2010/main" Requires="p14">
+  <mc:AlternateContent xmlns:mc="http://schemas.openxmlformats.org/markup-compatibility/2006" xmlns:p14="http://schemas.microsoft.com/office/powerpoint/2010/main">
+    <mc:Choice Requires="p14">
       <p:transition spd="slow" p14:dur="2000" advTm="21361"/>
     </mc:Choice>
-    <mc:Fallback>
+    <mc:Fallback xmlns="">
       <p:transition spd="slow" advTm="21361"/>
     </mc:Fallback>
   </mc:AlternateContent>
@@ -9380,11 +9386,11 @@
   <p:clrMapOvr>
     <a:masterClrMapping/>
   </p:clrMapOvr>
-  <mc:AlternateContent xmlns:mc="http://schemas.openxmlformats.org/markup-compatibility/2006">
-    <mc:Choice xmlns:p14="http://schemas.microsoft.com/office/powerpoint/2010/main" Requires="p14">
+  <mc:AlternateContent xmlns:mc="http://schemas.openxmlformats.org/markup-compatibility/2006" xmlns:p14="http://schemas.microsoft.com/office/powerpoint/2010/main">
+    <mc:Choice Requires="p14">
       <p:transition spd="slow" p14:dur="2000" advTm="5635"/>
     </mc:Choice>
-    <mc:Fallback>
+    <mc:Fallback xmlns="">
       <p:transition spd="slow" advTm="5635"/>
     </mc:Fallback>
   </mc:AlternateContent>
@@ -9449,11 +9455,11 @@
   <p:clrMapOvr>
     <a:masterClrMapping/>
   </p:clrMapOvr>
-  <mc:AlternateContent xmlns:mc="http://schemas.openxmlformats.org/markup-compatibility/2006">
-    <mc:Choice xmlns:p14="http://schemas.microsoft.com/office/powerpoint/2010/main" Requires="p14">
+  <mc:AlternateContent xmlns:mc="http://schemas.openxmlformats.org/markup-compatibility/2006" xmlns:p14="http://schemas.microsoft.com/office/powerpoint/2010/main">
+    <mc:Choice Requires="p14">
       <p:transition spd="slow" p14:dur="2000" advTm="83171"/>
     </mc:Choice>
-    <mc:Fallback>
+    <mc:Fallback xmlns="">
       <p:transition spd="slow" advTm="83171"/>
     </mc:Fallback>
   </mc:AlternateContent>
@@ -9506,16 +9512,7 @@
                 </a:solidFill>
                 <a:latin typeface="Segoe UI Light" panose="020B0502040204020203" pitchFamily="34" charset="0"/>
               </a:rPr>
-              <a:t>Neo4J </a:t>
-            </a:r>
-            <a:r>
-              <a:rPr lang="en-US" dirty="0" smtClean="0">
-                <a:solidFill>
-                  <a:srgbClr val="00B0F0"/>
-                </a:solidFill>
-                <a:latin typeface="Segoe UI Light" panose="020B0502040204020203" pitchFamily="34" charset="0"/>
-              </a:rPr>
-              <a:t>Installation – Local Machine</a:t>
+              <a:t>Neo4J Installation – Local Machine</a:t>
             </a:r>
             <a:endParaRPr lang="en-US" dirty="0"/>
           </a:p>
@@ -9593,14 +9590,7 @@
                 <a:latin typeface="Segoe UI Light" panose="020B0502040204020203" pitchFamily="34" charset="0"/>
                 <a:cs typeface="Segoe UI Light" panose="020B0502040204020203" pitchFamily="34" charset="0"/>
               </a:rPr>
-              <a:t>2 </a:t>
-            </a:r>
-            <a:r>
-              <a:rPr lang="en-US" sz="3200" dirty="0" smtClean="0">
-                <a:latin typeface="Segoe UI Light" panose="020B0502040204020203" pitchFamily="34" charset="0"/>
-                <a:cs typeface="Segoe UI Light" panose="020B0502040204020203" pitchFamily="34" charset="0"/>
-              </a:rPr>
-              <a:t>kinds of Packages </a:t>
+              <a:t>2 kinds of Packages </a:t>
             </a:r>
           </a:p>
           <a:p>
@@ -9629,14 +9619,7 @@
                 <a:latin typeface="Segoe UI Light" panose="020B0502040204020203" pitchFamily="34" charset="0"/>
                 <a:cs typeface="Segoe UI Light" panose="020B0502040204020203" pitchFamily="34" charset="0"/>
               </a:rPr>
-              <a:t>Download and </a:t>
-            </a:r>
-            <a:r>
-              <a:rPr lang="en-US" sz="3200" dirty="0" smtClean="0">
-                <a:latin typeface="Segoe UI Light" panose="020B0502040204020203" pitchFamily="34" charset="0"/>
-                <a:cs typeface="Segoe UI Light" panose="020B0502040204020203" pitchFamily="34" charset="0"/>
-              </a:rPr>
-              <a:t>Install at </a:t>
+              <a:t>Download and Install at </a:t>
             </a:r>
           </a:p>
           <a:p>
@@ -9668,10 +9651,6 @@
               </a:rPr>
               <a:t>Mac OS X </a:t>
             </a:r>
-            <a:endParaRPr lang="en-US" sz="2800" dirty="0" smtClean="0">
-              <a:latin typeface="Segoe UI Light" panose="020B0502040204020203" pitchFamily="34" charset="0"/>
-              <a:cs typeface="Segoe UI Light" panose="020B0502040204020203" pitchFamily="34" charset="0"/>
-            </a:endParaRPr>
           </a:p>
         </p:txBody>
       </p:sp>
@@ -9715,11 +9694,11 @@
   <p:clrMapOvr>
     <a:masterClrMapping/>
   </p:clrMapOvr>
-  <mc:AlternateContent xmlns:mc="http://schemas.openxmlformats.org/markup-compatibility/2006">
-    <mc:Choice xmlns:p14="http://schemas.microsoft.com/office/powerpoint/2010/main" Requires="p14">
+  <mc:AlternateContent xmlns:mc="http://schemas.openxmlformats.org/markup-compatibility/2006" xmlns:p14="http://schemas.microsoft.com/office/powerpoint/2010/main">
+    <mc:Choice Requires="p14">
       <p:transition spd="slow" p14:dur="2000" advTm="62933"/>
     </mc:Choice>
-    <mc:Fallback>
+    <mc:Fallback xmlns="">
       <p:transition spd="slow" advTm="62933"/>
     </mc:Fallback>
   </mc:AlternateContent>
@@ -9772,16 +9751,7 @@
                 </a:solidFill>
                 <a:latin typeface="Segoe UI Light" panose="020B0502040204020203" pitchFamily="34" charset="0"/>
               </a:rPr>
-              <a:t>Neo4J </a:t>
-            </a:r>
-            <a:r>
-              <a:rPr lang="en-US" dirty="0" smtClean="0">
-                <a:solidFill>
-                  <a:srgbClr val="00B0F0"/>
-                </a:solidFill>
-                <a:latin typeface="Segoe UI Light" panose="020B0502040204020203" pitchFamily="34" charset="0"/>
-              </a:rPr>
-              <a:t>Installation – Local Machine</a:t>
+              <a:t>Neo4J Installation – Local Machine</a:t>
             </a:r>
             <a:endParaRPr lang="en-US" dirty="0"/>
           </a:p>
@@ -9928,11 +9898,11 @@
   <p:clrMapOvr>
     <a:masterClrMapping/>
   </p:clrMapOvr>
-  <mc:AlternateContent xmlns:mc="http://schemas.openxmlformats.org/markup-compatibility/2006">
-    <mc:Choice xmlns:p14="http://schemas.microsoft.com/office/powerpoint/2010/main" Requires="p14">
+  <mc:AlternateContent xmlns:mc="http://schemas.openxmlformats.org/markup-compatibility/2006" xmlns:p14="http://schemas.microsoft.com/office/powerpoint/2010/main">
+    <mc:Choice Requires="p14">
       <p:transition spd="slow" p14:dur="2000" advTm="4370"/>
     </mc:Choice>
-    <mc:Fallback>
+    <mc:Fallback xmlns="">
       <p:transition spd="slow" advTm="4370"/>
     </mc:Fallback>
   </mc:AlternateContent>
@@ -9985,16 +9955,7 @@
                 </a:solidFill>
                 <a:latin typeface="Segoe UI Light" panose="020B0502040204020203" pitchFamily="34" charset="0"/>
               </a:rPr>
-              <a:t>Neo4J </a:t>
-            </a:r>
-            <a:r>
-              <a:rPr lang="en-US" dirty="0" smtClean="0">
-                <a:solidFill>
-                  <a:srgbClr val="00B0F0"/>
-                </a:solidFill>
-                <a:latin typeface="Segoe UI Light" panose="020B0502040204020203" pitchFamily="34" charset="0"/>
-              </a:rPr>
-              <a:t>Installation – Azure - Demo</a:t>
+              <a:t>Neo4J Installation – Azure - Demo</a:t>
             </a:r>
             <a:endParaRPr lang="en-US" dirty="0"/>
           </a:p>
@@ -10107,11 +10068,11 @@
   <p:clrMapOvr>
     <a:masterClrMapping/>
   </p:clrMapOvr>
-  <mc:AlternateContent xmlns:mc="http://schemas.openxmlformats.org/markup-compatibility/2006">
-    <mc:Choice xmlns:p14="http://schemas.microsoft.com/office/powerpoint/2010/main" Requires="p14">
+  <mc:AlternateContent xmlns:mc="http://schemas.openxmlformats.org/markup-compatibility/2006" xmlns:p14="http://schemas.microsoft.com/office/powerpoint/2010/main">
+    <mc:Choice Requires="p14">
       <p:transition spd="slow" p14:dur="2000" advTm="23546"/>
     </mc:Choice>
-    <mc:Fallback>
+    <mc:Fallback xmlns="">
       <p:transition spd="slow" advTm="23546"/>
     </mc:Fallback>
   </mc:AlternateContent>
@@ -10164,16 +10125,7 @@
                 </a:solidFill>
                 <a:latin typeface="Segoe UI Light" panose="020B0502040204020203" pitchFamily="34" charset="0"/>
               </a:rPr>
-              <a:t>Neo4J </a:t>
-            </a:r>
-            <a:r>
-              <a:rPr lang="en-US" dirty="0" smtClean="0">
-                <a:solidFill>
-                  <a:srgbClr val="00B0F0"/>
-                </a:solidFill>
-                <a:latin typeface="Segoe UI Light" panose="020B0502040204020203" pitchFamily="34" charset="0"/>
-              </a:rPr>
-              <a:t>– Azure</a:t>
+              <a:t>Neo4J – Azure</a:t>
             </a:r>
             <a:endParaRPr lang="en-US" dirty="0"/>
           </a:p>
@@ -10315,11 +10267,11 @@
   <p:clrMapOvr>
     <a:masterClrMapping/>
   </p:clrMapOvr>
-  <mc:AlternateContent xmlns:mc="http://schemas.openxmlformats.org/markup-compatibility/2006">
-    <mc:Choice xmlns:p14="http://schemas.microsoft.com/office/powerpoint/2010/main" Requires="p14">
+  <mc:AlternateContent xmlns:mc="http://schemas.openxmlformats.org/markup-compatibility/2006" xmlns:p14="http://schemas.microsoft.com/office/powerpoint/2010/main">
+    <mc:Choice Requires="p14">
       <p:transition spd="slow" p14:dur="2000" advTm="32179"/>
     </mc:Choice>
-    <mc:Fallback>
+    <mc:Fallback xmlns="">
       <p:transition spd="slow" advTm="32179"/>
     </mc:Fallback>
   </mc:AlternateContent>
@@ -10438,11 +10390,11 @@
   <p:clrMapOvr>
     <a:masterClrMapping/>
   </p:clrMapOvr>
-  <mc:AlternateContent xmlns:mc="http://schemas.openxmlformats.org/markup-compatibility/2006">
-    <mc:Choice xmlns:p14="http://schemas.microsoft.com/office/powerpoint/2010/main" Requires="p14">
+  <mc:AlternateContent xmlns:mc="http://schemas.openxmlformats.org/markup-compatibility/2006" xmlns:p14="http://schemas.microsoft.com/office/powerpoint/2010/main">
+    <mc:Choice Requires="p14">
       <p:transition spd="slow" p14:dur="2000" advTm="21909"/>
     </mc:Choice>
-    <mc:Fallback>
+    <mc:Fallback xmlns="">
       <p:transition spd="slow" advTm="21909"/>
     </mc:Fallback>
   </mc:AlternateContent>
@@ -10622,11 +10574,11 @@
   <p:clrMapOvr>
     <a:masterClrMapping/>
   </p:clrMapOvr>
-  <mc:AlternateContent xmlns:mc="http://schemas.openxmlformats.org/markup-compatibility/2006">
-    <mc:Choice xmlns:p14="http://schemas.microsoft.com/office/powerpoint/2010/main" Requires="p14">
+  <mc:AlternateContent xmlns:mc="http://schemas.openxmlformats.org/markup-compatibility/2006" xmlns:p14="http://schemas.microsoft.com/office/powerpoint/2010/main">
+    <mc:Choice Requires="p14">
       <p:transition spd="slow" p14:dur="2000" advTm="47406"/>
     </mc:Choice>
-    <mc:Fallback>
+    <mc:Fallback xmlns="">
       <p:transition spd="slow" advTm="47406"/>
     </mc:Fallback>
   </mc:AlternateContent>
@@ -11967,11 +11919,11 @@
   <p:clrMapOvr>
     <a:masterClrMapping/>
   </p:clrMapOvr>
-  <mc:AlternateContent xmlns:mc="http://schemas.openxmlformats.org/markup-compatibility/2006">
-    <mc:Choice xmlns:p14="http://schemas.microsoft.com/office/powerpoint/2010/main" Requires="p14">
+  <mc:AlternateContent xmlns:mc="http://schemas.openxmlformats.org/markup-compatibility/2006" xmlns:p14="http://schemas.microsoft.com/office/powerpoint/2010/main">
+    <mc:Choice Requires="p14">
       <p:transition spd="slow" p14:dur="2000" advTm="49896"/>
     </mc:Choice>
-    <mc:Fallback>
+    <mc:Fallback xmlns="">
       <p:transition spd="slow" advTm="49896"/>
     </mc:Fallback>
   </mc:AlternateContent>
@@ -12085,11 +12037,11 @@
   <p:clrMapOvr>
     <a:masterClrMapping/>
   </p:clrMapOvr>
-  <mc:AlternateContent xmlns:mc="http://schemas.openxmlformats.org/markup-compatibility/2006">
-    <mc:Choice xmlns:p14="http://schemas.microsoft.com/office/powerpoint/2010/main" Requires="p14">
+  <mc:AlternateContent xmlns:mc="http://schemas.openxmlformats.org/markup-compatibility/2006" xmlns:p14="http://schemas.microsoft.com/office/powerpoint/2010/main">
+    <mc:Choice Requires="p14">
       <p:transition spd="slow" p14:dur="2000" advTm="24968"/>
     </mc:Choice>
-    <mc:Fallback>
+    <mc:Fallback xmlns="">
       <p:transition spd="slow" advTm="24968"/>
     </mc:Fallback>
   </mc:AlternateContent>
@@ -12805,11 +12757,11 @@
   <p:clrMapOvr>
     <a:masterClrMapping/>
   </p:clrMapOvr>
-  <mc:AlternateContent xmlns:mc="http://schemas.openxmlformats.org/markup-compatibility/2006">
-    <mc:Choice xmlns:p14="http://schemas.microsoft.com/office/powerpoint/2010/main" Requires="p14">
+  <mc:AlternateContent xmlns:mc="http://schemas.openxmlformats.org/markup-compatibility/2006" xmlns:p14="http://schemas.microsoft.com/office/powerpoint/2010/main">
+    <mc:Choice Requires="p14">
       <p:transition spd="slow" p14:dur="2000" advTm="67431"/>
     </mc:Choice>
-    <mc:Fallback>
+    <mc:Fallback xmlns="">
       <p:transition spd="slow" advTm="67431"/>
     </mc:Fallback>
   </mc:AlternateContent>
@@ -12958,11 +12910,11 @@
   <p:clrMapOvr>
     <a:masterClrMapping/>
   </p:clrMapOvr>
-  <mc:AlternateContent xmlns:mc="http://schemas.openxmlformats.org/markup-compatibility/2006">
-    <mc:Choice xmlns:p14="http://schemas.microsoft.com/office/powerpoint/2010/main" Requires="p14">
+  <mc:AlternateContent xmlns:mc="http://schemas.openxmlformats.org/markup-compatibility/2006" xmlns:p14="http://schemas.microsoft.com/office/powerpoint/2010/main">
+    <mc:Choice Requires="p14">
       <p:transition spd="slow" p14:dur="2000" advTm="53297"/>
     </mc:Choice>
-    <mc:Fallback>
+    <mc:Fallback xmlns="">
       <p:transition spd="slow" advTm="53297"/>
     </mc:Fallback>
   </mc:AlternateContent>
@@ -13156,11 +13108,11 @@
   <p:clrMapOvr>
     <a:masterClrMapping/>
   </p:clrMapOvr>
-  <mc:AlternateContent xmlns:mc="http://schemas.openxmlformats.org/markup-compatibility/2006">
-    <mc:Choice xmlns:p14="http://schemas.microsoft.com/office/powerpoint/2010/main" Requires="p14">
+  <mc:AlternateContent xmlns:mc="http://schemas.openxmlformats.org/markup-compatibility/2006" xmlns:p14="http://schemas.microsoft.com/office/powerpoint/2010/main">
+    <mc:Choice Requires="p14">
       <p:transition spd="slow" p14:dur="2000" advTm="94681"/>
     </mc:Choice>
-    <mc:Fallback>
+    <mc:Fallback xmlns="">
       <p:transition spd="slow" advTm="94681"/>
     </mc:Fallback>
   </mc:AlternateContent>
@@ -13245,15 +13197,7 @@
             <a:pPr lvl="1"/>
             <a:r>
               <a:rPr lang="en-US" dirty="0" smtClean="0"/>
-              <a:t>Find th</a:t>
-            </a:r>
-            <a:r>
-              <a:rPr lang="en-US" dirty="0" smtClean="0"/>
-              <a:t>e shortest </a:t>
-            </a:r>
-            <a:r>
-              <a:rPr lang="en-US" dirty="0" smtClean="0"/>
-              <a:t>Path between 2 Actors</a:t>
+              <a:t>Find the shortest Path between 2 Actors</a:t>
             </a:r>
           </a:p>
           <a:p>
@@ -13452,11 +13396,11 @@
   <p:clrMapOvr>
     <a:masterClrMapping/>
   </p:clrMapOvr>
-  <mc:AlternateContent xmlns:mc="http://schemas.openxmlformats.org/markup-compatibility/2006">
-    <mc:Choice xmlns:p14="http://schemas.microsoft.com/office/powerpoint/2010/main" Requires="p14">
+  <mc:AlternateContent xmlns:mc="http://schemas.openxmlformats.org/markup-compatibility/2006" xmlns:p14="http://schemas.microsoft.com/office/powerpoint/2010/main">
+    <mc:Choice Requires="p14">
       <p:transition spd="slow" p14:dur="2000" advTm="139843"/>
     </mc:Choice>
-    <mc:Fallback>
+    <mc:Fallback xmlns="">
       <p:transition spd="slow" advTm="139843"/>
     </mc:Fallback>
   </mc:AlternateContent>
@@ -13580,11 +13524,11 @@
   <p:clrMapOvr>
     <a:masterClrMapping/>
   </p:clrMapOvr>
-  <mc:AlternateContent xmlns:mc="http://schemas.openxmlformats.org/markup-compatibility/2006">
-    <mc:Choice xmlns:p14="http://schemas.microsoft.com/office/powerpoint/2010/main" Requires="p14">
+  <mc:AlternateContent xmlns:mc="http://schemas.openxmlformats.org/markup-compatibility/2006" xmlns:p14="http://schemas.microsoft.com/office/powerpoint/2010/main">
+    <mc:Choice Requires="p14">
       <p:transition spd="slow" p14:dur="2000" advTm="11059"/>
     </mc:Choice>
-    <mc:Fallback>
+    <mc:Fallback xmlns="">
       <p:transition spd="slow" advTm="11059"/>
     </mc:Fallback>
   </mc:AlternateContent>
@@ -13670,11 +13614,11 @@
   <p:clrMapOvr>
     <a:masterClrMapping/>
   </p:clrMapOvr>
-  <mc:AlternateContent xmlns:mc="http://schemas.openxmlformats.org/markup-compatibility/2006">
-    <mc:Choice xmlns:p14="http://schemas.microsoft.com/office/powerpoint/2010/main" Requires="p14">
+  <mc:AlternateContent xmlns:mc="http://schemas.openxmlformats.org/markup-compatibility/2006" xmlns:p14="http://schemas.microsoft.com/office/powerpoint/2010/main">
+    <mc:Choice Requires="p14">
       <p:transition spd="slow" p14:dur="2000" advTm="1128"/>
     </mc:Choice>
-    <mc:Fallback>
+    <mc:Fallback xmlns="">
       <p:transition spd="slow" advTm="1128"/>
     </mc:Fallback>
   </mc:AlternateContent>
@@ -14059,14 +14003,6 @@
               </a:rPr>
               <a:t> </a:t>
             </a:r>
-            <a:endParaRPr lang="en-US" dirty="0" smtClean="0">
-              <a:solidFill>
-                <a:schemeClr val="tx1"/>
-              </a:solidFill>
-              <a:latin typeface="Segoe UI Light" panose="020B0502040204020203" pitchFamily="34" charset="0"/>
-              <a:ea typeface="Segoe UI" panose="020B0502040204020203" pitchFamily="34" charset="0"/>
-              <a:cs typeface="Segoe UI" panose="020B0502040204020203" pitchFamily="34" charset="0"/>
-            </a:endParaRPr>
           </a:p>
           <a:p>
             <a:endParaRPr lang="en-US" dirty="0" smtClean="0">
@@ -14528,11 +14464,11 @@
   <p:clrMapOvr>
     <a:masterClrMapping/>
   </p:clrMapOvr>
-  <mc:AlternateContent xmlns:mc="http://schemas.openxmlformats.org/markup-compatibility/2006">
-    <mc:Choice xmlns:p14="http://schemas.microsoft.com/office/powerpoint/2010/main" Requires="p14">
+  <mc:AlternateContent xmlns:mc="http://schemas.openxmlformats.org/markup-compatibility/2006" xmlns:p14="http://schemas.microsoft.com/office/powerpoint/2010/main">
+    <mc:Choice Requires="p14">
       <p:transition spd="slow" p14:dur="2000" advTm="1120"/>
     </mc:Choice>
-    <mc:Fallback>
+    <mc:Fallback xmlns="">
       <p:transition spd="slow" advTm="1120"/>
     </mc:Fallback>
   </mc:AlternateContent>
@@ -15017,11 +14953,11 @@
   <p:clrMapOvr>
     <a:masterClrMapping/>
   </p:clrMapOvr>
-  <mc:AlternateContent xmlns:mc="http://schemas.openxmlformats.org/markup-compatibility/2006">
-    <mc:Choice xmlns:p14="http://schemas.microsoft.com/office/powerpoint/2010/main" Requires="p14">
+  <mc:AlternateContent xmlns:mc="http://schemas.openxmlformats.org/markup-compatibility/2006" xmlns:p14="http://schemas.microsoft.com/office/powerpoint/2010/main">
+    <mc:Choice Requires="p14">
       <p:transition spd="slow" p14:dur="2000" advTm="860"/>
     </mc:Choice>
-    <mc:Fallback>
+    <mc:Fallback xmlns="">
       <p:transition spd="slow" advTm="860"/>
     </mc:Fallback>
   </mc:AlternateContent>
@@ -15432,11 +15368,11 @@
   <p:clrMapOvr>
     <a:masterClrMapping/>
   </p:clrMapOvr>
-  <mc:AlternateContent xmlns:mc="http://schemas.openxmlformats.org/markup-compatibility/2006">
-    <mc:Choice xmlns:p14="http://schemas.microsoft.com/office/powerpoint/2010/main" Requires="p14">
+  <mc:AlternateContent xmlns:mc="http://schemas.openxmlformats.org/markup-compatibility/2006" xmlns:p14="http://schemas.microsoft.com/office/powerpoint/2010/main">
+    <mc:Choice Requires="p14">
       <p:transition spd="slow" p14:dur="2000" advTm="305"/>
     </mc:Choice>
-    <mc:Fallback>
+    <mc:Fallback xmlns="">
       <p:transition spd="slow" advTm="305"/>
     </mc:Fallback>
   </mc:AlternateContent>
@@ -16014,16 +15950,7 @@
                 </a:solidFill>
                 <a:latin typeface="Segoe UI Light" panose="020B0502040204020203" pitchFamily="34" charset="0"/>
               </a:rPr>
-              <a:t>Neo4j Language </a:t>
-            </a:r>
-            <a:r>
-              <a:rPr lang="en-US" sz="1800" dirty="0" smtClean="0">
-                <a:solidFill>
-                  <a:schemeClr val="tx1"/>
-                </a:solidFill>
-                <a:latin typeface="Segoe UI Light" panose="020B0502040204020203" pitchFamily="34" charset="0"/>
-              </a:rPr>
-              <a:t>Plugins</a:t>
+              <a:t>Neo4j Language Plugins</a:t>
             </a:r>
           </a:p>
           <a:p>
@@ -16054,12 +15981,6 @@
               </a:rPr>
               <a:t>Case Studies</a:t>
             </a:r>
-            <a:endParaRPr lang="en-US" sz="1800" dirty="0" smtClean="0">
-              <a:solidFill>
-                <a:schemeClr val="tx1"/>
-              </a:solidFill>
-              <a:latin typeface="Segoe UI Light" panose="020B0502040204020203" pitchFamily="34" charset="0"/>
-            </a:endParaRPr>
           </a:p>
           <a:p>
             <a:pPr marL="342900" indent="-342900">
@@ -16150,11 +16071,11 @@
   <p:clrMapOvr>
     <a:masterClrMapping/>
   </p:clrMapOvr>
-  <mc:AlternateContent xmlns:mc="http://schemas.openxmlformats.org/markup-compatibility/2006">
-    <mc:Choice xmlns:p14="http://schemas.microsoft.com/office/powerpoint/2010/main" Requires="p14">
+  <mc:AlternateContent xmlns:mc="http://schemas.openxmlformats.org/markup-compatibility/2006" xmlns:p14="http://schemas.microsoft.com/office/powerpoint/2010/main">
+    <mc:Choice Requires="p14">
       <p:transition spd="slow" p14:dur="2000" advTm="37515"/>
     </mc:Choice>
-    <mc:Fallback>
+    <mc:Fallback xmlns="">
       <p:transition spd="slow" advTm="37515"/>
     </mc:Fallback>
   </mc:AlternateContent>
@@ -16277,11 +16198,11 @@
   <p:clrMapOvr>
     <a:masterClrMapping/>
   </p:clrMapOvr>
-  <mc:AlternateContent xmlns:mc="http://schemas.openxmlformats.org/markup-compatibility/2006">
-    <mc:Choice xmlns:p14="http://schemas.microsoft.com/office/powerpoint/2010/main" Requires="p14">
+  <mc:AlternateContent xmlns:mc="http://schemas.openxmlformats.org/markup-compatibility/2006" xmlns:p14="http://schemas.microsoft.com/office/powerpoint/2010/main">
+    <mc:Choice Requires="p14">
       <p:transition spd="slow" p14:dur="2000" advTm="632"/>
     </mc:Choice>
-    <mc:Fallback>
+    <mc:Fallback xmlns="">
       <p:transition spd="slow" advTm="632"/>
     </mc:Fallback>
   </mc:AlternateContent>
@@ -16314,9 +16235,9 @@
       </p:grpSpPr>
       <p:pic>
         <p:nvPicPr>
-          <p:cNvPr id="5" name="Picture 1"/>
+          <p:cNvPr id="2" name="Picture 1"/>
           <p:cNvPicPr>
-            <a:picLocks noChangeAspect="1" noChangeArrowheads="1"/>
+            <a:picLocks noChangeAspect="1"/>
           </p:cNvPicPr>
           <p:nvPr/>
         </p:nvPicPr>
@@ -16328,2515 +16249,179 @@
               </a:ext>
             </a:extLst>
           </a:blip>
-          <a:srcRect l="2185" t="8627" r="2151" b="1569"/>
           <a:stretch>
             <a:fillRect/>
           </a:stretch>
         </p:blipFill>
-        <p:spPr bwMode="auto">
+        <p:spPr>
           <a:xfrm>
-            <a:off x="228600" y="0"/>
-            <a:ext cx="11671300" cy="5816600"/>
+            <a:off x="0" y="1487593"/>
+            <a:ext cx="3962400" cy="3125894"/>
+          </a:xfrm>
+          <a:prstGeom prst="rect">
+            <a:avLst/>
+          </a:prstGeom>
+        </p:spPr>
+      </p:pic>
+      <p:pic>
+        <p:nvPicPr>
+          <p:cNvPr id="3" name="Picture 2"/>
+          <p:cNvPicPr>
+            <a:picLocks noChangeAspect="1"/>
+          </p:cNvPicPr>
+          <p:nvPr/>
+        </p:nvPicPr>
+        <p:blipFill>
+          <a:blip r:embed="rId4">
+            <a:extLst>
+              <a:ext uri="{28A0092B-C50C-407E-A947-70E740481C1C}">
+                <a14:useLocalDpi xmlns:a14="http://schemas.microsoft.com/office/drawing/2010/main" val="0"/>
+              </a:ext>
+            </a:extLst>
+          </a:blip>
+          <a:stretch>
+            <a:fillRect/>
+          </a:stretch>
+        </p:blipFill>
+        <p:spPr>
+          <a:xfrm>
+            <a:off x="4648200" y="1421832"/>
+            <a:ext cx="4038600" cy="3226368"/>
+          </a:xfrm>
+          <a:prstGeom prst="rect">
+            <a:avLst/>
+          </a:prstGeom>
+        </p:spPr>
+      </p:pic>
+      <p:pic>
+        <p:nvPicPr>
+          <p:cNvPr id="4" name="Picture 3"/>
+          <p:cNvPicPr>
+            <a:picLocks noChangeAspect="1"/>
+          </p:cNvPicPr>
+          <p:nvPr/>
+        </p:nvPicPr>
+        <p:blipFill>
+          <a:blip r:embed="rId5">
+            <a:extLst>
+              <a:ext uri="{28A0092B-C50C-407E-A947-70E740481C1C}">
+                <a14:useLocalDpi xmlns:a14="http://schemas.microsoft.com/office/drawing/2010/main" val="0"/>
+              </a:ext>
+            </a:extLst>
+          </a:blip>
+          <a:stretch>
+            <a:fillRect/>
+          </a:stretch>
+        </p:blipFill>
+        <p:spPr>
+          <a:xfrm>
+            <a:off x="9258300" y="1828800"/>
+            <a:ext cx="2933700" cy="2346960"/>
+          </a:xfrm>
+          <a:prstGeom prst="rect">
+            <a:avLst/>
+          </a:prstGeom>
+        </p:spPr>
+      </p:pic>
+      <p:cxnSp>
+        <p:nvCxnSpPr>
+          <p:cNvPr id="25" name="Straight Arrow Connector 24"/>
+          <p:cNvCxnSpPr>
+            <a:stCxn id="2" idx="3"/>
+            <a:endCxn id="3" idx="1"/>
+          </p:cNvCxnSpPr>
+          <p:nvPr/>
+        </p:nvCxnSpPr>
+        <p:spPr>
+          <a:xfrm flipV="1">
+            <a:off x="3962400" y="3035016"/>
+            <a:ext cx="731520" cy="0"/>
+          </a:xfrm>
+          <a:prstGeom prst="straightConnector1">
+            <a:avLst/>
+          </a:prstGeom>
+          <a:ln w="47625">
+            <a:tailEnd type="triangle"/>
+          </a:ln>
+        </p:spPr>
+        <p:style>
+          <a:lnRef idx="3">
+            <a:schemeClr val="accent5"/>
+          </a:lnRef>
+          <a:fillRef idx="0">
+            <a:schemeClr val="accent5"/>
+          </a:fillRef>
+          <a:effectRef idx="2">
+            <a:schemeClr val="accent5"/>
+          </a:effectRef>
+          <a:fontRef idx="minor">
+            <a:schemeClr val="tx1"/>
+          </a:fontRef>
+        </p:style>
+      </p:cxnSp>
+      <p:cxnSp>
+        <p:nvCxnSpPr>
+          <p:cNvPr id="27" name="Straight Arrow Connector 26"/>
+          <p:cNvCxnSpPr>
+            <a:stCxn id="3" idx="3"/>
+            <a:endCxn id="4" idx="1"/>
+          </p:cNvCxnSpPr>
+          <p:nvPr/>
+        </p:nvCxnSpPr>
+        <p:spPr>
+          <a:xfrm flipV="1">
+            <a:off x="8686800" y="3002280"/>
+            <a:ext cx="571500" cy="32736"/>
+          </a:xfrm>
+          <a:prstGeom prst="straightConnector1">
+            <a:avLst/>
+          </a:prstGeom>
+          <a:ln w="47625">
+            <a:tailEnd type="triangle"/>
+          </a:ln>
+        </p:spPr>
+        <p:style>
+          <a:lnRef idx="3">
+            <a:schemeClr val="accent5"/>
+          </a:lnRef>
+          <a:fillRef idx="0">
+            <a:schemeClr val="accent5"/>
+          </a:fillRef>
+          <a:effectRef idx="2">
+            <a:schemeClr val="accent5"/>
+          </a:effectRef>
+          <a:fontRef idx="minor">
+            <a:schemeClr val="tx1"/>
+          </a:fontRef>
+        </p:style>
+      </p:cxnSp>
+      <p:sp>
+        <p:nvSpPr>
+          <p:cNvPr id="30" name="TextBox 29"/>
+          <p:cNvSpPr txBox="1"/>
+          <p:nvPr/>
+        </p:nvSpPr>
+        <p:spPr>
+          <a:xfrm>
+            <a:off x="9514497" y="6019800"/>
+            <a:ext cx="2753703" cy="369332"/>
           </a:xfrm>
           <a:prstGeom prst="rect">
             <a:avLst/>
           </a:prstGeom>
           <a:noFill/>
-          <a:ln>
-            <a:noFill/>
-          </a:ln>
-          <a:extLst>
-            <a:ext uri="{909E8E84-426E-40DD-AFC4-6F175D3DCCD1}">
-              <a14:hiddenFill xmlns:a14="http://schemas.microsoft.com/office/drawing/2010/main">
-                <a:solidFill>
-                  <a:srgbClr val="FFFFFF"/>
-                </a:solidFill>
-              </a14:hiddenFill>
-            </a:ext>
-            <a:ext uri="{91240B29-F687-4F45-9708-019B960494DF}">
-              <a14:hiddenLine xmlns:a14="http://schemas.microsoft.com/office/drawing/2010/main" w="12700">
-                <a:solidFill>
-                  <a:schemeClr val="tx1"/>
-                </a:solidFill>
-                <a:miter lim="800000"/>
-                <a:headEnd/>
-                <a:tailEnd/>
-              </a14:hiddenLine>
-            </a:ext>
-          </a:extLst>
-        </p:spPr>
-      </p:pic>
-      <p:sp>
-        <p:nvSpPr>
-          <p:cNvPr id="6" name="Oval 2"/>
-          <p:cNvSpPr>
-            <a:spLocks/>
-          </p:cNvSpPr>
-          <p:nvPr/>
-        </p:nvSpPr>
-        <p:spPr bwMode="auto">
-          <a:xfrm>
-            <a:off x="6096000" y="254000"/>
-            <a:ext cx="1270000" cy="1270000"/>
-          </a:xfrm>
-          <a:prstGeom prst="ellipse">
-            <a:avLst/>
-          </a:prstGeom>
-          <a:noFill/>
-          <a:ln w="101600">
-            <a:solidFill>
-              <a:schemeClr val="tx1"/>
-            </a:solidFill>
-            <a:miter lim="800000"/>
-            <a:headEnd/>
-            <a:tailEnd/>
-          </a:ln>
-          <a:effectLst>
-            <a:outerShdw blurRad="38100" dist="12699" dir="5400000" algn="ctr" rotWithShape="0">
-              <a:srgbClr val="808080">
-                <a:alpha val="50000"/>
-              </a:srgbClr>
-            </a:outerShdw>
-          </a:effectLst>
-          <a:extLst>
-            <a:ext uri="{909E8E84-426E-40DD-AFC4-6F175D3DCCD1}">
-              <a14:hiddenFill xmlns:a14="http://schemas.microsoft.com/office/drawing/2010/main">
-                <a:solidFill>
-                  <a:srgbClr val="FFFFFF"/>
-                </a:solidFill>
-              </a14:hiddenFill>
-            </a:ext>
-          </a:extLst>
         </p:spPr>
         <p:txBody>
-          <a:bodyPr lIns="0" tIns="0" rIns="0" bIns="0" anchor="ctr"/>
-          <a:lstStyle>
-            <a:lvl1pPr eaLnBrk="0" hangingPunct="0">
-              <a:defRPr sz="3800">
-                <a:solidFill>
-                  <a:srgbClr val="000000"/>
-                </a:solidFill>
-                <a:latin typeface="Gill Sans" pitchFamily="-84" charset="0"/>
-                <a:ea typeface="ヒラギノ角ゴ ProN W3" pitchFamily="-84" charset="-128"/>
-                <a:sym typeface="Gill Sans" pitchFamily="-84" charset="0"/>
-              </a:defRPr>
-            </a:lvl1pPr>
-            <a:lvl2pPr marL="742950" indent="-285750" eaLnBrk="0" hangingPunct="0">
-              <a:defRPr sz="3800">
-                <a:solidFill>
-                  <a:srgbClr val="000000"/>
-                </a:solidFill>
-                <a:latin typeface="Gill Sans" pitchFamily="-84" charset="0"/>
-                <a:ea typeface="ヒラギノ角ゴ ProN W3" pitchFamily="-84" charset="-128"/>
-                <a:sym typeface="Gill Sans" pitchFamily="-84" charset="0"/>
-              </a:defRPr>
-            </a:lvl2pPr>
-            <a:lvl3pPr marL="1143000" indent="-228600" eaLnBrk="0" hangingPunct="0">
-              <a:defRPr sz="3800">
-                <a:solidFill>
-                  <a:srgbClr val="000000"/>
-                </a:solidFill>
-                <a:latin typeface="Gill Sans" pitchFamily="-84" charset="0"/>
-                <a:ea typeface="ヒラギノ角ゴ ProN W3" pitchFamily="-84" charset="-128"/>
-                <a:sym typeface="Gill Sans" pitchFamily="-84" charset="0"/>
-              </a:defRPr>
-            </a:lvl3pPr>
-            <a:lvl4pPr marL="1600200" indent="-228600" eaLnBrk="0" hangingPunct="0">
-              <a:defRPr sz="3800">
-                <a:solidFill>
-                  <a:srgbClr val="000000"/>
-                </a:solidFill>
-                <a:latin typeface="Gill Sans" pitchFamily="-84" charset="0"/>
-                <a:ea typeface="ヒラギノ角ゴ ProN W3" pitchFamily="-84" charset="-128"/>
-                <a:sym typeface="Gill Sans" pitchFamily="-84" charset="0"/>
-              </a:defRPr>
-            </a:lvl4pPr>
-            <a:lvl5pPr marL="2057400" indent="-228600" eaLnBrk="0" hangingPunct="0">
-              <a:defRPr sz="3800">
-                <a:solidFill>
-                  <a:srgbClr val="000000"/>
-                </a:solidFill>
-                <a:latin typeface="Gill Sans" pitchFamily="-84" charset="0"/>
-                <a:ea typeface="ヒラギノ角ゴ ProN W3" pitchFamily="-84" charset="-128"/>
-                <a:sym typeface="Gill Sans" pitchFamily="-84" charset="0"/>
-              </a:defRPr>
-            </a:lvl5pPr>
-            <a:lvl6pPr marL="2514600" indent="-228600" algn="ctr" eaLnBrk="0" fontAlgn="base" hangingPunct="0">
-              <a:spcBef>
-                <a:spcPct val="0"/>
-              </a:spcBef>
-              <a:spcAft>
-                <a:spcPct val="0"/>
-              </a:spcAft>
-              <a:defRPr sz="3800">
-                <a:solidFill>
-                  <a:srgbClr val="000000"/>
-                </a:solidFill>
-                <a:latin typeface="Gill Sans" pitchFamily="-84" charset="0"/>
-                <a:ea typeface="ヒラギノ角ゴ ProN W3" pitchFamily="-84" charset="-128"/>
-                <a:sym typeface="Gill Sans" pitchFamily="-84" charset="0"/>
-              </a:defRPr>
-            </a:lvl6pPr>
-            <a:lvl7pPr marL="2971800" indent="-228600" algn="ctr" eaLnBrk="0" fontAlgn="base" hangingPunct="0">
-              <a:spcBef>
-                <a:spcPct val="0"/>
-              </a:spcBef>
-              <a:spcAft>
-                <a:spcPct val="0"/>
-              </a:spcAft>
-              <a:defRPr sz="3800">
-                <a:solidFill>
-                  <a:srgbClr val="000000"/>
-                </a:solidFill>
-                <a:latin typeface="Gill Sans" pitchFamily="-84" charset="0"/>
-                <a:ea typeface="ヒラギノ角ゴ ProN W3" pitchFamily="-84" charset="-128"/>
-                <a:sym typeface="Gill Sans" pitchFamily="-84" charset="0"/>
-              </a:defRPr>
-            </a:lvl7pPr>
-            <a:lvl8pPr marL="3429000" indent="-228600" algn="ctr" eaLnBrk="0" fontAlgn="base" hangingPunct="0">
-              <a:spcBef>
-                <a:spcPct val="0"/>
-              </a:spcBef>
-              <a:spcAft>
-                <a:spcPct val="0"/>
-              </a:spcAft>
-              <a:defRPr sz="3800">
-                <a:solidFill>
-                  <a:srgbClr val="000000"/>
-                </a:solidFill>
-                <a:latin typeface="Gill Sans" pitchFamily="-84" charset="0"/>
-                <a:ea typeface="ヒラギノ角ゴ ProN W3" pitchFamily="-84" charset="-128"/>
-                <a:sym typeface="Gill Sans" pitchFamily="-84" charset="0"/>
-              </a:defRPr>
-            </a:lvl8pPr>
-            <a:lvl9pPr marL="3886200" indent="-228600" algn="ctr" eaLnBrk="0" fontAlgn="base" hangingPunct="0">
-              <a:spcBef>
-                <a:spcPct val="0"/>
-              </a:spcBef>
-              <a:spcAft>
-                <a:spcPct val="0"/>
-              </a:spcAft>
-              <a:defRPr sz="3800">
-                <a:solidFill>
-                  <a:srgbClr val="000000"/>
-                </a:solidFill>
-                <a:latin typeface="Gill Sans" pitchFamily="-84" charset="0"/>
-                <a:ea typeface="ヒラギノ角ゴ ProN W3" pitchFamily="-84" charset="-128"/>
-                <a:sym typeface="Gill Sans" pitchFamily="-84" charset="0"/>
-              </a:defRPr>
-            </a:lvl9pPr>
-          </a:lstStyle>
-          <a:p>
-            <a:pPr algn="ctr" eaLnBrk="1" hangingPunct="1">
-              <a:defRPr/>
-            </a:pPr>
-            <a:r>
-              <a:rPr lang="en-US" altLang="en-US" sz="4800" smtClean="0">
-                <a:solidFill>
-                  <a:schemeClr val="tx1"/>
-                </a:solidFill>
-                <a:effectLst>
-                  <a:outerShdw blurRad="38100" dist="38100" dir="2700000" algn="tl">
-                    <a:srgbClr val="C0C0C0"/>
-                  </a:outerShdw>
-                </a:effectLst>
-                <a:ea typeface="ＭＳ Ｐゴシック" pitchFamily="-84" charset="-128"/>
-              </a:rPr>
-              <a:t>A</a:t>
-            </a:r>
-          </a:p>
-        </p:txBody>
-      </p:sp>
-      <p:sp>
-        <p:nvSpPr>
-          <p:cNvPr id="7" name="Oval 3"/>
-          <p:cNvSpPr>
-            <a:spLocks/>
-          </p:cNvSpPr>
-          <p:nvPr/>
-        </p:nvSpPr>
-        <p:spPr bwMode="auto">
-          <a:xfrm>
-            <a:off x="3454400" y="2463800"/>
-            <a:ext cx="1270000" cy="1270000"/>
-          </a:xfrm>
-          <a:prstGeom prst="ellipse">
-            <a:avLst/>
-          </a:prstGeom>
-          <a:noFill/>
-          <a:ln w="101600">
-            <a:solidFill>
-              <a:schemeClr val="tx1"/>
-            </a:solidFill>
-            <a:miter lim="800000"/>
-            <a:headEnd/>
-            <a:tailEnd/>
-          </a:ln>
-          <a:effectLst>
-            <a:outerShdw blurRad="38100" dist="12699" dir="5400000" algn="ctr" rotWithShape="0">
-              <a:srgbClr val="808080">
-                <a:alpha val="50000"/>
-              </a:srgbClr>
-            </a:outerShdw>
-          </a:effectLst>
-          <a:extLst>
-            <a:ext uri="{909E8E84-426E-40DD-AFC4-6F175D3DCCD1}">
-              <a14:hiddenFill xmlns:a14="http://schemas.microsoft.com/office/drawing/2010/main">
-                <a:solidFill>
-                  <a:srgbClr val="FFFFFF"/>
-                </a:solidFill>
-              </a14:hiddenFill>
-            </a:ext>
-          </a:extLst>
-        </p:spPr>
-        <p:txBody>
-          <a:bodyPr lIns="0" tIns="0" rIns="0" bIns="0" anchor="ctr"/>
-          <a:lstStyle>
-            <a:lvl1pPr eaLnBrk="0" hangingPunct="0">
-              <a:defRPr sz="3800">
-                <a:solidFill>
-                  <a:srgbClr val="000000"/>
-                </a:solidFill>
-                <a:latin typeface="Gill Sans" pitchFamily="-84" charset="0"/>
-                <a:ea typeface="ヒラギノ角ゴ ProN W3" pitchFamily="-84" charset="-128"/>
-                <a:sym typeface="Gill Sans" pitchFamily="-84" charset="0"/>
-              </a:defRPr>
-            </a:lvl1pPr>
-            <a:lvl2pPr marL="742950" indent="-285750" eaLnBrk="0" hangingPunct="0">
-              <a:defRPr sz="3800">
-                <a:solidFill>
-                  <a:srgbClr val="000000"/>
-                </a:solidFill>
-                <a:latin typeface="Gill Sans" pitchFamily="-84" charset="0"/>
-                <a:ea typeface="ヒラギノ角ゴ ProN W3" pitchFamily="-84" charset="-128"/>
-                <a:sym typeface="Gill Sans" pitchFamily="-84" charset="0"/>
-              </a:defRPr>
-            </a:lvl2pPr>
-            <a:lvl3pPr marL="1143000" indent="-228600" eaLnBrk="0" hangingPunct="0">
-              <a:defRPr sz="3800">
-                <a:solidFill>
-                  <a:srgbClr val="000000"/>
-                </a:solidFill>
-                <a:latin typeface="Gill Sans" pitchFamily="-84" charset="0"/>
-                <a:ea typeface="ヒラギノ角ゴ ProN W3" pitchFamily="-84" charset="-128"/>
-                <a:sym typeface="Gill Sans" pitchFamily="-84" charset="0"/>
-              </a:defRPr>
-            </a:lvl3pPr>
-            <a:lvl4pPr marL="1600200" indent="-228600" eaLnBrk="0" hangingPunct="0">
-              <a:defRPr sz="3800">
-                <a:solidFill>
-                  <a:srgbClr val="000000"/>
-                </a:solidFill>
-                <a:latin typeface="Gill Sans" pitchFamily="-84" charset="0"/>
-                <a:ea typeface="ヒラギノ角ゴ ProN W3" pitchFamily="-84" charset="-128"/>
-                <a:sym typeface="Gill Sans" pitchFamily="-84" charset="0"/>
-              </a:defRPr>
-            </a:lvl4pPr>
-            <a:lvl5pPr marL="2057400" indent="-228600" eaLnBrk="0" hangingPunct="0">
-              <a:defRPr sz="3800">
-                <a:solidFill>
-                  <a:srgbClr val="000000"/>
-                </a:solidFill>
-                <a:latin typeface="Gill Sans" pitchFamily="-84" charset="0"/>
-                <a:ea typeface="ヒラギノ角ゴ ProN W3" pitchFamily="-84" charset="-128"/>
-                <a:sym typeface="Gill Sans" pitchFamily="-84" charset="0"/>
-              </a:defRPr>
-            </a:lvl5pPr>
-            <a:lvl6pPr marL="2514600" indent="-228600" algn="ctr" eaLnBrk="0" fontAlgn="base" hangingPunct="0">
-              <a:spcBef>
-                <a:spcPct val="0"/>
-              </a:spcBef>
-              <a:spcAft>
-                <a:spcPct val="0"/>
-              </a:spcAft>
-              <a:defRPr sz="3800">
-                <a:solidFill>
-                  <a:srgbClr val="000000"/>
-                </a:solidFill>
-                <a:latin typeface="Gill Sans" pitchFamily="-84" charset="0"/>
-                <a:ea typeface="ヒラギノ角ゴ ProN W3" pitchFamily="-84" charset="-128"/>
-                <a:sym typeface="Gill Sans" pitchFamily="-84" charset="0"/>
-              </a:defRPr>
-            </a:lvl6pPr>
-            <a:lvl7pPr marL="2971800" indent="-228600" algn="ctr" eaLnBrk="0" fontAlgn="base" hangingPunct="0">
-              <a:spcBef>
-                <a:spcPct val="0"/>
-              </a:spcBef>
-              <a:spcAft>
-                <a:spcPct val="0"/>
-              </a:spcAft>
-              <a:defRPr sz="3800">
-                <a:solidFill>
-                  <a:srgbClr val="000000"/>
-                </a:solidFill>
-                <a:latin typeface="Gill Sans" pitchFamily="-84" charset="0"/>
-                <a:ea typeface="ヒラギノ角ゴ ProN W3" pitchFamily="-84" charset="-128"/>
-                <a:sym typeface="Gill Sans" pitchFamily="-84" charset="0"/>
-              </a:defRPr>
-            </a:lvl7pPr>
-            <a:lvl8pPr marL="3429000" indent="-228600" algn="ctr" eaLnBrk="0" fontAlgn="base" hangingPunct="0">
-              <a:spcBef>
-                <a:spcPct val="0"/>
-              </a:spcBef>
-              <a:spcAft>
-                <a:spcPct val="0"/>
-              </a:spcAft>
-              <a:defRPr sz="3800">
-                <a:solidFill>
-                  <a:srgbClr val="000000"/>
-                </a:solidFill>
-                <a:latin typeface="Gill Sans" pitchFamily="-84" charset="0"/>
-                <a:ea typeface="ヒラギノ角ゴ ProN W3" pitchFamily="-84" charset="-128"/>
-                <a:sym typeface="Gill Sans" pitchFamily="-84" charset="0"/>
-              </a:defRPr>
-            </a:lvl8pPr>
-            <a:lvl9pPr marL="3886200" indent="-228600" algn="ctr" eaLnBrk="0" fontAlgn="base" hangingPunct="0">
-              <a:spcBef>
-                <a:spcPct val="0"/>
-              </a:spcBef>
-              <a:spcAft>
-                <a:spcPct val="0"/>
-              </a:spcAft>
-              <a:defRPr sz="3800">
-                <a:solidFill>
-                  <a:srgbClr val="000000"/>
-                </a:solidFill>
-                <a:latin typeface="Gill Sans" pitchFamily="-84" charset="0"/>
-                <a:ea typeface="ヒラギノ角ゴ ProN W3" pitchFamily="-84" charset="-128"/>
-                <a:sym typeface="Gill Sans" pitchFamily="-84" charset="0"/>
-              </a:defRPr>
-            </a:lvl9pPr>
-          </a:lstStyle>
-          <a:p>
-            <a:pPr algn="ctr" eaLnBrk="1" hangingPunct="1">
-              <a:defRPr/>
-            </a:pPr>
-            <a:r>
-              <a:rPr lang="en-US" altLang="en-US" sz="4800" smtClean="0">
-                <a:solidFill>
-                  <a:schemeClr val="tx1"/>
-                </a:solidFill>
-                <a:effectLst>
-                  <a:outerShdw blurRad="38100" dist="38100" dir="2700000" algn="tl">
-                    <a:srgbClr val="C0C0C0"/>
-                  </a:outerShdw>
-                </a:effectLst>
-                <a:ea typeface="ＭＳ Ｐゴシック" pitchFamily="-84" charset="-128"/>
-              </a:rPr>
-              <a:t>B</a:t>
-            </a:r>
-          </a:p>
-        </p:txBody>
-      </p:sp>
-      <p:sp>
-        <p:nvSpPr>
-          <p:cNvPr id="8" name="Oval 4"/>
-          <p:cNvSpPr>
-            <a:spLocks/>
-          </p:cNvSpPr>
-          <p:nvPr/>
-        </p:nvSpPr>
-        <p:spPr bwMode="auto">
-          <a:xfrm>
-            <a:off x="4775200" y="4940300"/>
-            <a:ext cx="1270000" cy="1270000"/>
-          </a:xfrm>
-          <a:prstGeom prst="ellipse">
-            <a:avLst/>
-          </a:prstGeom>
-          <a:noFill/>
-          <a:ln w="101600">
-            <a:solidFill>
-              <a:schemeClr val="tx1"/>
-            </a:solidFill>
-            <a:miter lim="800000"/>
-            <a:headEnd/>
-            <a:tailEnd/>
-          </a:ln>
-          <a:effectLst>
-            <a:outerShdw blurRad="38100" dist="12699" dir="5400000" algn="ctr" rotWithShape="0">
-              <a:srgbClr val="808080">
-                <a:alpha val="50000"/>
-              </a:srgbClr>
-            </a:outerShdw>
-          </a:effectLst>
-          <a:extLst>
-            <a:ext uri="{909E8E84-426E-40DD-AFC4-6F175D3DCCD1}">
-              <a14:hiddenFill xmlns:a14="http://schemas.microsoft.com/office/drawing/2010/main">
-                <a:solidFill>
-                  <a:srgbClr val="FFFFFF"/>
-                </a:solidFill>
-              </a14:hiddenFill>
-            </a:ext>
-          </a:extLst>
-        </p:spPr>
-        <p:txBody>
-          <a:bodyPr lIns="0" tIns="0" rIns="0" bIns="0" anchor="ctr"/>
-          <a:lstStyle>
-            <a:lvl1pPr eaLnBrk="0" hangingPunct="0">
-              <a:defRPr sz="3800">
-                <a:solidFill>
-                  <a:srgbClr val="000000"/>
-                </a:solidFill>
-                <a:latin typeface="Gill Sans" pitchFamily="-84" charset="0"/>
-                <a:ea typeface="ヒラギノ角ゴ ProN W3" pitchFamily="-84" charset="-128"/>
-                <a:sym typeface="Gill Sans" pitchFamily="-84" charset="0"/>
-              </a:defRPr>
-            </a:lvl1pPr>
-            <a:lvl2pPr marL="742950" indent="-285750" eaLnBrk="0" hangingPunct="0">
-              <a:defRPr sz="3800">
-                <a:solidFill>
-                  <a:srgbClr val="000000"/>
-                </a:solidFill>
-                <a:latin typeface="Gill Sans" pitchFamily="-84" charset="0"/>
-                <a:ea typeface="ヒラギノ角ゴ ProN W3" pitchFamily="-84" charset="-128"/>
-                <a:sym typeface="Gill Sans" pitchFamily="-84" charset="0"/>
-              </a:defRPr>
-            </a:lvl2pPr>
-            <a:lvl3pPr marL="1143000" indent="-228600" eaLnBrk="0" hangingPunct="0">
-              <a:defRPr sz="3800">
-                <a:solidFill>
-                  <a:srgbClr val="000000"/>
-                </a:solidFill>
-                <a:latin typeface="Gill Sans" pitchFamily="-84" charset="0"/>
-                <a:ea typeface="ヒラギノ角ゴ ProN W3" pitchFamily="-84" charset="-128"/>
-                <a:sym typeface="Gill Sans" pitchFamily="-84" charset="0"/>
-              </a:defRPr>
-            </a:lvl3pPr>
-            <a:lvl4pPr marL="1600200" indent="-228600" eaLnBrk="0" hangingPunct="0">
-              <a:defRPr sz="3800">
-                <a:solidFill>
-                  <a:srgbClr val="000000"/>
-                </a:solidFill>
-                <a:latin typeface="Gill Sans" pitchFamily="-84" charset="0"/>
-                <a:ea typeface="ヒラギノ角ゴ ProN W3" pitchFamily="-84" charset="-128"/>
-                <a:sym typeface="Gill Sans" pitchFamily="-84" charset="0"/>
-              </a:defRPr>
-            </a:lvl4pPr>
-            <a:lvl5pPr marL="2057400" indent="-228600" eaLnBrk="0" hangingPunct="0">
-              <a:defRPr sz="3800">
-                <a:solidFill>
-                  <a:srgbClr val="000000"/>
-                </a:solidFill>
-                <a:latin typeface="Gill Sans" pitchFamily="-84" charset="0"/>
-                <a:ea typeface="ヒラギノ角ゴ ProN W3" pitchFamily="-84" charset="-128"/>
-                <a:sym typeface="Gill Sans" pitchFamily="-84" charset="0"/>
-              </a:defRPr>
-            </a:lvl5pPr>
-            <a:lvl6pPr marL="2514600" indent="-228600" algn="ctr" eaLnBrk="0" fontAlgn="base" hangingPunct="0">
-              <a:spcBef>
-                <a:spcPct val="0"/>
-              </a:spcBef>
-              <a:spcAft>
-                <a:spcPct val="0"/>
-              </a:spcAft>
-              <a:defRPr sz="3800">
-                <a:solidFill>
-                  <a:srgbClr val="000000"/>
-                </a:solidFill>
-                <a:latin typeface="Gill Sans" pitchFamily="-84" charset="0"/>
-                <a:ea typeface="ヒラギノ角ゴ ProN W3" pitchFamily="-84" charset="-128"/>
-                <a:sym typeface="Gill Sans" pitchFamily="-84" charset="0"/>
-              </a:defRPr>
-            </a:lvl6pPr>
-            <a:lvl7pPr marL="2971800" indent="-228600" algn="ctr" eaLnBrk="0" fontAlgn="base" hangingPunct="0">
-              <a:spcBef>
-                <a:spcPct val="0"/>
-              </a:spcBef>
-              <a:spcAft>
-                <a:spcPct val="0"/>
-              </a:spcAft>
-              <a:defRPr sz="3800">
-                <a:solidFill>
-                  <a:srgbClr val="000000"/>
-                </a:solidFill>
-                <a:latin typeface="Gill Sans" pitchFamily="-84" charset="0"/>
-                <a:ea typeface="ヒラギノ角ゴ ProN W3" pitchFamily="-84" charset="-128"/>
-                <a:sym typeface="Gill Sans" pitchFamily="-84" charset="0"/>
-              </a:defRPr>
-            </a:lvl7pPr>
-            <a:lvl8pPr marL="3429000" indent="-228600" algn="ctr" eaLnBrk="0" fontAlgn="base" hangingPunct="0">
-              <a:spcBef>
-                <a:spcPct val="0"/>
-              </a:spcBef>
-              <a:spcAft>
-                <a:spcPct val="0"/>
-              </a:spcAft>
-              <a:defRPr sz="3800">
-                <a:solidFill>
-                  <a:srgbClr val="000000"/>
-                </a:solidFill>
-                <a:latin typeface="Gill Sans" pitchFamily="-84" charset="0"/>
-                <a:ea typeface="ヒラギノ角ゴ ProN W3" pitchFamily="-84" charset="-128"/>
-                <a:sym typeface="Gill Sans" pitchFamily="-84" charset="0"/>
-              </a:defRPr>
-            </a:lvl8pPr>
-            <a:lvl9pPr marL="3886200" indent="-228600" algn="ctr" eaLnBrk="0" fontAlgn="base" hangingPunct="0">
-              <a:spcBef>
-                <a:spcPct val="0"/>
-              </a:spcBef>
-              <a:spcAft>
-                <a:spcPct val="0"/>
-              </a:spcAft>
-              <a:defRPr sz="3800">
-                <a:solidFill>
-                  <a:srgbClr val="000000"/>
-                </a:solidFill>
-                <a:latin typeface="Gill Sans" pitchFamily="-84" charset="0"/>
-                <a:ea typeface="ヒラギノ角ゴ ProN W3" pitchFamily="-84" charset="-128"/>
-                <a:sym typeface="Gill Sans" pitchFamily="-84" charset="0"/>
-              </a:defRPr>
-            </a:lvl9pPr>
-          </a:lstStyle>
-          <a:p>
-            <a:pPr algn="ctr" eaLnBrk="1" hangingPunct="1">
-              <a:defRPr/>
-            </a:pPr>
-            <a:r>
-              <a:rPr lang="en-US" altLang="en-US" sz="4800" smtClean="0">
-                <a:solidFill>
-                  <a:schemeClr val="tx1"/>
-                </a:solidFill>
-                <a:effectLst>
-                  <a:outerShdw blurRad="38100" dist="38100" dir="2700000" algn="tl">
-                    <a:srgbClr val="C0C0C0"/>
-                  </a:outerShdw>
-                </a:effectLst>
-                <a:ea typeface="ＭＳ Ｐゴシック" pitchFamily="-84" charset="-128"/>
-              </a:rPr>
-              <a:t>D</a:t>
-            </a:r>
-          </a:p>
-        </p:txBody>
-      </p:sp>
-      <p:sp>
-        <p:nvSpPr>
-          <p:cNvPr id="9" name="Oval 5"/>
-          <p:cNvSpPr>
-            <a:spLocks/>
-          </p:cNvSpPr>
-          <p:nvPr/>
-        </p:nvSpPr>
-        <p:spPr bwMode="auto">
-          <a:xfrm>
-            <a:off x="10248900" y="2705100"/>
-            <a:ext cx="1270000" cy="1270000"/>
-          </a:xfrm>
-          <a:prstGeom prst="ellipse">
-            <a:avLst/>
-          </a:prstGeom>
-          <a:noFill/>
-          <a:ln w="101600">
-            <a:solidFill>
-              <a:schemeClr val="tx1"/>
-            </a:solidFill>
-            <a:miter lim="800000"/>
-            <a:headEnd/>
-            <a:tailEnd/>
-          </a:ln>
-          <a:effectLst>
-            <a:outerShdw blurRad="38100" dist="12699" dir="5400000" algn="ctr" rotWithShape="0">
-              <a:srgbClr val="808080">
-                <a:alpha val="50000"/>
-              </a:srgbClr>
-            </a:outerShdw>
-          </a:effectLst>
-          <a:extLst>
-            <a:ext uri="{909E8E84-426E-40DD-AFC4-6F175D3DCCD1}">
-              <a14:hiddenFill xmlns:a14="http://schemas.microsoft.com/office/drawing/2010/main">
-                <a:solidFill>
-                  <a:srgbClr val="FFFFFF"/>
-                </a:solidFill>
-              </a14:hiddenFill>
-            </a:ext>
-          </a:extLst>
-        </p:spPr>
-        <p:txBody>
-          <a:bodyPr lIns="0" tIns="0" rIns="0" bIns="0" anchor="ctr"/>
-          <a:lstStyle>
-            <a:lvl1pPr eaLnBrk="0" hangingPunct="0">
-              <a:defRPr sz="3800">
-                <a:solidFill>
-                  <a:srgbClr val="000000"/>
-                </a:solidFill>
-                <a:latin typeface="Gill Sans" pitchFamily="-84" charset="0"/>
-                <a:ea typeface="ヒラギノ角ゴ ProN W3" pitchFamily="-84" charset="-128"/>
-                <a:sym typeface="Gill Sans" pitchFamily="-84" charset="0"/>
-              </a:defRPr>
-            </a:lvl1pPr>
-            <a:lvl2pPr marL="742950" indent="-285750" eaLnBrk="0" hangingPunct="0">
-              <a:defRPr sz="3800">
-                <a:solidFill>
-                  <a:srgbClr val="000000"/>
-                </a:solidFill>
-                <a:latin typeface="Gill Sans" pitchFamily="-84" charset="0"/>
-                <a:ea typeface="ヒラギノ角ゴ ProN W3" pitchFamily="-84" charset="-128"/>
-                <a:sym typeface="Gill Sans" pitchFamily="-84" charset="0"/>
-              </a:defRPr>
-            </a:lvl2pPr>
-            <a:lvl3pPr marL="1143000" indent="-228600" eaLnBrk="0" hangingPunct="0">
-              <a:defRPr sz="3800">
-                <a:solidFill>
-                  <a:srgbClr val="000000"/>
-                </a:solidFill>
-                <a:latin typeface="Gill Sans" pitchFamily="-84" charset="0"/>
-                <a:ea typeface="ヒラギノ角ゴ ProN W3" pitchFamily="-84" charset="-128"/>
-                <a:sym typeface="Gill Sans" pitchFamily="-84" charset="0"/>
-              </a:defRPr>
-            </a:lvl3pPr>
-            <a:lvl4pPr marL="1600200" indent="-228600" eaLnBrk="0" hangingPunct="0">
-              <a:defRPr sz="3800">
-                <a:solidFill>
-                  <a:srgbClr val="000000"/>
-                </a:solidFill>
-                <a:latin typeface="Gill Sans" pitchFamily="-84" charset="0"/>
-                <a:ea typeface="ヒラギノ角ゴ ProN W3" pitchFamily="-84" charset="-128"/>
-                <a:sym typeface="Gill Sans" pitchFamily="-84" charset="0"/>
-              </a:defRPr>
-            </a:lvl4pPr>
-            <a:lvl5pPr marL="2057400" indent="-228600" eaLnBrk="0" hangingPunct="0">
-              <a:defRPr sz="3800">
-                <a:solidFill>
-                  <a:srgbClr val="000000"/>
-                </a:solidFill>
-                <a:latin typeface="Gill Sans" pitchFamily="-84" charset="0"/>
-                <a:ea typeface="ヒラギノ角ゴ ProN W3" pitchFamily="-84" charset="-128"/>
-                <a:sym typeface="Gill Sans" pitchFamily="-84" charset="0"/>
-              </a:defRPr>
-            </a:lvl5pPr>
-            <a:lvl6pPr marL="2514600" indent="-228600" algn="ctr" eaLnBrk="0" fontAlgn="base" hangingPunct="0">
-              <a:spcBef>
-                <a:spcPct val="0"/>
-              </a:spcBef>
-              <a:spcAft>
-                <a:spcPct val="0"/>
-              </a:spcAft>
-              <a:defRPr sz="3800">
-                <a:solidFill>
-                  <a:srgbClr val="000000"/>
-                </a:solidFill>
-                <a:latin typeface="Gill Sans" pitchFamily="-84" charset="0"/>
-                <a:ea typeface="ヒラギノ角ゴ ProN W3" pitchFamily="-84" charset="-128"/>
-                <a:sym typeface="Gill Sans" pitchFamily="-84" charset="0"/>
-              </a:defRPr>
-            </a:lvl6pPr>
-            <a:lvl7pPr marL="2971800" indent="-228600" algn="ctr" eaLnBrk="0" fontAlgn="base" hangingPunct="0">
-              <a:spcBef>
-                <a:spcPct val="0"/>
-              </a:spcBef>
-              <a:spcAft>
-                <a:spcPct val="0"/>
-              </a:spcAft>
-              <a:defRPr sz="3800">
-                <a:solidFill>
-                  <a:srgbClr val="000000"/>
-                </a:solidFill>
-                <a:latin typeface="Gill Sans" pitchFamily="-84" charset="0"/>
-                <a:ea typeface="ヒラギノ角ゴ ProN W3" pitchFamily="-84" charset="-128"/>
-                <a:sym typeface="Gill Sans" pitchFamily="-84" charset="0"/>
-              </a:defRPr>
-            </a:lvl7pPr>
-            <a:lvl8pPr marL="3429000" indent="-228600" algn="ctr" eaLnBrk="0" fontAlgn="base" hangingPunct="0">
-              <a:spcBef>
-                <a:spcPct val="0"/>
-              </a:spcBef>
-              <a:spcAft>
-                <a:spcPct val="0"/>
-              </a:spcAft>
-              <a:defRPr sz="3800">
-                <a:solidFill>
-                  <a:srgbClr val="000000"/>
-                </a:solidFill>
-                <a:latin typeface="Gill Sans" pitchFamily="-84" charset="0"/>
-                <a:ea typeface="ヒラギノ角ゴ ProN W3" pitchFamily="-84" charset="-128"/>
-                <a:sym typeface="Gill Sans" pitchFamily="-84" charset="0"/>
-              </a:defRPr>
-            </a:lvl8pPr>
-            <a:lvl9pPr marL="3886200" indent="-228600" algn="ctr" eaLnBrk="0" fontAlgn="base" hangingPunct="0">
-              <a:spcBef>
-                <a:spcPct val="0"/>
-              </a:spcBef>
-              <a:spcAft>
-                <a:spcPct val="0"/>
-              </a:spcAft>
-              <a:defRPr sz="3800">
-                <a:solidFill>
-                  <a:srgbClr val="000000"/>
-                </a:solidFill>
-                <a:latin typeface="Gill Sans" pitchFamily="-84" charset="0"/>
-                <a:ea typeface="ヒラギノ角ゴ ProN W3" pitchFamily="-84" charset="-128"/>
-                <a:sym typeface="Gill Sans" pitchFamily="-84" charset="0"/>
-              </a:defRPr>
-            </a:lvl9pPr>
-          </a:lstStyle>
-          <a:p>
-            <a:pPr algn="ctr" eaLnBrk="1" hangingPunct="1">
-              <a:defRPr/>
-            </a:pPr>
-            <a:r>
-              <a:rPr lang="en-US" altLang="en-US" sz="4800" smtClean="0">
-                <a:solidFill>
-                  <a:schemeClr val="tx1"/>
-                </a:solidFill>
-                <a:effectLst>
-                  <a:outerShdw blurRad="38100" dist="38100" dir="2700000" algn="tl">
-                    <a:srgbClr val="C0C0C0"/>
-                  </a:outerShdw>
-                </a:effectLst>
-                <a:ea typeface="ＭＳ Ｐゴシック" pitchFamily="-84" charset="-128"/>
-              </a:rPr>
-              <a:t>C</a:t>
-            </a:r>
-          </a:p>
-        </p:txBody>
-      </p:sp>
-      <p:sp>
-        <p:nvSpPr>
-          <p:cNvPr id="10" name="Freeform 6"/>
-          <p:cNvSpPr>
-            <a:spLocks/>
-          </p:cNvSpPr>
-          <p:nvPr/>
-        </p:nvSpPr>
-        <p:spPr bwMode="auto">
-          <a:xfrm>
-            <a:off x="4681538" y="3419475"/>
-            <a:ext cx="800100" cy="1520825"/>
-          </a:xfrm>
-          <a:custGeom>
-            <a:avLst/>
-            <a:gdLst>
-              <a:gd name="T0" fmla="*/ 0 w 21600"/>
-              <a:gd name="T1" fmla="*/ 0 h 21600"/>
-              <a:gd name="T2" fmla="*/ 2147483646 w 21600"/>
-              <a:gd name="T3" fmla="*/ 2147483646 h 21600"/>
-              <a:gd name="T4" fmla="*/ 0 60000 65536"/>
-              <a:gd name="T5" fmla="*/ 0 60000 65536"/>
-            </a:gdLst>
-            <a:ahLst/>
-            <a:cxnLst>
-              <a:cxn ang="T4">
-                <a:pos x="T0" y="T1"/>
-              </a:cxn>
-              <a:cxn ang="T5">
-                <a:pos x="T2" y="T3"/>
-              </a:cxn>
-            </a:cxnLst>
-            <a:rect l="0" t="0" r="r" b="b"/>
-            <a:pathLst>
-              <a:path w="21600" h="21600">
-                <a:moveTo>
-                  <a:pt x="0" y="0"/>
-                </a:moveTo>
-                <a:cubicBezTo>
-                  <a:pt x="11502" y="5275"/>
-                  <a:pt x="20902" y="10381"/>
-                  <a:pt x="21600" y="21600"/>
-                </a:cubicBezTo>
-              </a:path>
-            </a:pathLst>
-          </a:custGeom>
-          <a:noFill/>
-          <a:ln w="76200" cap="flat">
-            <a:solidFill>
-              <a:schemeClr val="tx1"/>
-            </a:solidFill>
-            <a:prstDash val="solid"/>
-            <a:miter lim="800000"/>
-            <a:headEnd type="triangle" w="med" len="med"/>
-            <a:tailEnd type="triangle" w="med" len="med"/>
-          </a:ln>
-          <a:extLst>
-            <a:ext uri="{909E8E84-426E-40DD-AFC4-6F175D3DCCD1}">
-              <a14:hiddenFill xmlns:a14="http://schemas.microsoft.com/office/drawing/2010/main">
-                <a:solidFill>
-                  <a:srgbClr val="FFFFFF"/>
-                </a:solidFill>
-              </a14:hiddenFill>
-            </a:ext>
-          </a:extLst>
-        </p:spPr>
-        <p:txBody>
-          <a:bodyPr lIns="0" tIns="0" rIns="0" bIns="0"/>
-          <a:lstStyle/>
-          <a:p>
-            <a:endParaRPr lang="en-US"/>
-          </a:p>
-        </p:txBody>
-      </p:sp>
-      <p:sp>
-        <p:nvSpPr>
-          <p:cNvPr id="11" name="Freeform 7"/>
-          <p:cNvSpPr>
-            <a:spLocks/>
-          </p:cNvSpPr>
-          <p:nvPr/>
-        </p:nvSpPr>
-        <p:spPr bwMode="auto">
-          <a:xfrm>
-            <a:off x="3519488" y="3740150"/>
-            <a:ext cx="1285875" cy="1717675"/>
-          </a:xfrm>
-          <a:custGeom>
-            <a:avLst/>
-            <a:gdLst>
-              <a:gd name="T0" fmla="*/ 2147483646 w 15454"/>
-              <a:gd name="T1" fmla="*/ 2147483646 h 21600"/>
-              <a:gd name="T2" fmla="*/ 2147483646 w 15454"/>
-              <a:gd name="T3" fmla="*/ 0 h 21600"/>
-              <a:gd name="T4" fmla="*/ 0 60000 65536"/>
-              <a:gd name="T5" fmla="*/ 0 60000 65536"/>
-            </a:gdLst>
-            <a:ahLst/>
-            <a:cxnLst>
-              <a:cxn ang="T4">
-                <a:pos x="T0" y="T1"/>
-              </a:cxn>
-              <a:cxn ang="T5">
-                <a:pos x="T2" y="T3"/>
-              </a:cxn>
-            </a:cxnLst>
-            <a:rect l="0" t="0" r="r" b="b"/>
-            <a:pathLst>
-              <a:path w="15454" h="21600">
-                <a:moveTo>
-                  <a:pt x="15454" y="21600"/>
-                </a:moveTo>
-                <a:cubicBezTo>
-                  <a:pt x="5179" y="19690"/>
-                  <a:pt x="-6146" y="12385"/>
-                  <a:pt x="3916" y="0"/>
-                </a:cubicBezTo>
-              </a:path>
-            </a:pathLst>
-          </a:custGeom>
-          <a:noFill/>
-          <a:ln w="76200" cap="flat">
-            <a:solidFill>
-              <a:schemeClr val="tx1"/>
-            </a:solidFill>
-            <a:prstDash val="solid"/>
-            <a:miter lim="800000"/>
-            <a:headEnd type="triangle" w="med" len="med"/>
-            <a:tailEnd type="triangle" w="med" len="med"/>
-          </a:ln>
-          <a:extLst>
-            <a:ext uri="{909E8E84-426E-40DD-AFC4-6F175D3DCCD1}">
-              <a14:hiddenFill xmlns:a14="http://schemas.microsoft.com/office/drawing/2010/main">
-                <a:solidFill>
-                  <a:srgbClr val="FFFFFF"/>
-                </a:solidFill>
-              </a14:hiddenFill>
-            </a:ext>
-          </a:extLst>
-        </p:spPr>
-        <p:txBody>
-          <a:bodyPr lIns="0" tIns="0" rIns="0" bIns="0"/>
-          <a:lstStyle/>
-          <a:p>
-            <a:endParaRPr lang="en-US"/>
-          </a:p>
-        </p:txBody>
-      </p:sp>
-      <p:sp>
-        <p:nvSpPr>
-          <p:cNvPr id="12" name="Freeform 8"/>
-          <p:cNvSpPr>
-            <a:spLocks/>
-          </p:cNvSpPr>
-          <p:nvPr/>
-        </p:nvSpPr>
-        <p:spPr bwMode="auto">
-          <a:xfrm>
-            <a:off x="2930525" y="461963"/>
-            <a:ext cx="3228975" cy="2362200"/>
-          </a:xfrm>
-          <a:custGeom>
-            <a:avLst/>
-            <a:gdLst>
-              <a:gd name="T0" fmla="*/ 2147483646 w 17401"/>
-              <a:gd name="T1" fmla="*/ 2147483646 h 18372"/>
-              <a:gd name="T2" fmla="*/ 2147483646 w 17401"/>
-              <a:gd name="T3" fmla="*/ 2147483646 h 18372"/>
-              <a:gd name="T4" fmla="*/ 0 60000 65536"/>
-              <a:gd name="T5" fmla="*/ 0 60000 65536"/>
-            </a:gdLst>
-            <a:ahLst/>
-            <a:cxnLst>
-              <a:cxn ang="T4">
-                <a:pos x="T0" y="T1"/>
-              </a:cxn>
-              <a:cxn ang="T5">
-                <a:pos x="T2" y="T3"/>
-              </a:cxn>
-            </a:cxnLst>
-            <a:rect l="0" t="0" r="r" b="b"/>
-            <a:pathLst>
-              <a:path w="17401" h="18372">
-                <a:moveTo>
-                  <a:pt x="2999" y="18372"/>
-                </a:moveTo>
-                <a:cubicBezTo>
-                  <a:pt x="-4199" y="9721"/>
-                  <a:pt x="1931" y="-3228"/>
-                  <a:pt x="17401" y="735"/>
-                </a:cubicBezTo>
-              </a:path>
-            </a:pathLst>
-          </a:custGeom>
-          <a:noFill/>
-          <a:ln w="76200" cap="flat">
-            <a:solidFill>
-              <a:schemeClr val="tx1"/>
-            </a:solidFill>
-            <a:prstDash val="solid"/>
-            <a:miter lim="800000"/>
-            <a:headEnd type="triangle" w="med" len="med"/>
-            <a:tailEnd type="triangle" w="med" len="med"/>
-          </a:ln>
-          <a:extLst>
-            <a:ext uri="{909E8E84-426E-40DD-AFC4-6F175D3DCCD1}">
-              <a14:hiddenFill xmlns:a14="http://schemas.microsoft.com/office/drawing/2010/main">
-                <a:solidFill>
-                  <a:srgbClr val="FFFFFF"/>
-                </a:solidFill>
-              </a14:hiddenFill>
-            </a:ext>
-          </a:extLst>
-        </p:spPr>
-        <p:txBody>
-          <a:bodyPr lIns="0" tIns="0" rIns="0" bIns="0"/>
-          <a:lstStyle/>
-          <a:p>
-            <a:endParaRPr lang="en-US"/>
-          </a:p>
-        </p:txBody>
-      </p:sp>
-      <p:sp>
-        <p:nvSpPr>
-          <p:cNvPr id="13" name="Freeform 9"/>
-          <p:cNvSpPr>
-            <a:spLocks/>
-          </p:cNvSpPr>
-          <p:nvPr/>
-        </p:nvSpPr>
-        <p:spPr bwMode="auto">
-          <a:xfrm>
-            <a:off x="4589463" y="1344613"/>
-            <a:ext cx="1671637" cy="1370012"/>
-          </a:xfrm>
-          <a:custGeom>
-            <a:avLst/>
-            <a:gdLst>
-              <a:gd name="T0" fmla="*/ 0 w 21600"/>
-              <a:gd name="T1" fmla="*/ 2147483646 h 21600"/>
-              <a:gd name="T2" fmla="*/ 2147483646 w 21600"/>
-              <a:gd name="T3" fmla="*/ 0 h 21600"/>
-              <a:gd name="T4" fmla="*/ 0 60000 65536"/>
-              <a:gd name="T5" fmla="*/ 0 60000 65536"/>
-            </a:gdLst>
-            <a:ahLst/>
-            <a:cxnLst>
-              <a:cxn ang="T4">
-                <a:pos x="T0" y="T1"/>
-              </a:cxn>
-              <a:cxn ang="T5">
-                <a:pos x="T2" y="T3"/>
-              </a:cxn>
-            </a:cxnLst>
-            <a:rect l="0" t="0" r="r" b="b"/>
-            <a:pathLst>
-              <a:path w="21600" h="21600">
-                <a:moveTo>
-                  <a:pt x="0" y="21600"/>
-                </a:moveTo>
-                <a:cubicBezTo>
-                  <a:pt x="0" y="21600"/>
-                  <a:pt x="13573" y="20170"/>
-                  <a:pt x="21600" y="0"/>
-                </a:cubicBezTo>
-              </a:path>
-            </a:pathLst>
-          </a:custGeom>
-          <a:noFill/>
-          <a:ln w="76200" cap="flat">
-            <a:solidFill>
-              <a:schemeClr val="tx1"/>
-            </a:solidFill>
-            <a:prstDash val="solid"/>
-            <a:miter lim="800000"/>
-            <a:headEnd type="triangle" w="med" len="med"/>
-            <a:tailEnd type="triangle" w="med" len="med"/>
-          </a:ln>
-          <a:extLst>
-            <a:ext uri="{909E8E84-426E-40DD-AFC4-6F175D3DCCD1}">
-              <a14:hiddenFill xmlns:a14="http://schemas.microsoft.com/office/drawing/2010/main">
-                <a:solidFill>
-                  <a:srgbClr val="FFFFFF"/>
-                </a:solidFill>
-              </a14:hiddenFill>
-            </a:ext>
-          </a:extLst>
-        </p:spPr>
-        <p:txBody>
-          <a:bodyPr lIns="0" tIns="0" rIns="0" bIns="0"/>
-          <a:lstStyle/>
-          <a:p>
-            <a:endParaRPr lang="en-US"/>
-          </a:p>
-        </p:txBody>
-      </p:sp>
-      <p:sp>
-        <p:nvSpPr>
-          <p:cNvPr id="14" name="Freeform 10"/>
-          <p:cNvSpPr>
-            <a:spLocks/>
-          </p:cNvSpPr>
-          <p:nvPr/>
-        </p:nvSpPr>
-        <p:spPr bwMode="auto">
-          <a:xfrm>
-            <a:off x="4751388" y="2794000"/>
-            <a:ext cx="5510212" cy="484188"/>
-          </a:xfrm>
-          <a:custGeom>
-            <a:avLst/>
-            <a:gdLst>
-              <a:gd name="T0" fmla="*/ 0 w 21600"/>
-              <a:gd name="T1" fmla="*/ 2147483646 h 14207"/>
-              <a:gd name="T2" fmla="*/ 2147483646 w 21600"/>
-              <a:gd name="T3" fmla="*/ 2147483646 h 14207"/>
-              <a:gd name="T4" fmla="*/ 0 60000 65536"/>
-              <a:gd name="T5" fmla="*/ 0 60000 65536"/>
-            </a:gdLst>
-            <a:ahLst/>
-            <a:cxnLst>
-              <a:cxn ang="T4">
-                <a:pos x="T0" y="T1"/>
-              </a:cxn>
-              <a:cxn ang="T5">
-                <a:pos x="T2" y="T3"/>
-              </a:cxn>
-            </a:cxnLst>
-            <a:rect l="0" t="0" r="r" b="b"/>
-            <a:pathLst>
-              <a:path w="21600" h="14207">
-                <a:moveTo>
-                  <a:pt x="0" y="8603"/>
-                </a:moveTo>
-                <a:cubicBezTo>
-                  <a:pt x="6186" y="-190"/>
-                  <a:pt x="12930" y="-7393"/>
-                  <a:pt x="21600" y="14207"/>
-                </a:cubicBezTo>
-              </a:path>
-            </a:pathLst>
-          </a:custGeom>
-          <a:noFill/>
-          <a:ln w="88900" cap="flat">
-            <a:solidFill>
-              <a:schemeClr val="tx1"/>
-            </a:solidFill>
-            <a:prstDash val="solid"/>
-            <a:miter lim="800000"/>
-            <a:headEnd type="triangle" w="med" len="med"/>
-            <a:tailEnd type="triangle" w="med" len="med"/>
-          </a:ln>
-          <a:extLst>
-            <a:ext uri="{909E8E84-426E-40DD-AFC4-6F175D3DCCD1}">
-              <a14:hiddenFill xmlns:a14="http://schemas.microsoft.com/office/drawing/2010/main">
-                <a:solidFill>
-                  <a:srgbClr val="FFFFFF"/>
-                </a:solidFill>
-              </a14:hiddenFill>
-            </a:ext>
-          </a:extLst>
-        </p:spPr>
-        <p:txBody>
-          <a:bodyPr lIns="0" tIns="0" rIns="0" bIns="0"/>
-          <a:lstStyle/>
-          <a:p>
-            <a:endParaRPr lang="en-US"/>
-          </a:p>
-        </p:txBody>
-      </p:sp>
-      <p:sp>
-        <p:nvSpPr>
-          <p:cNvPr id="15" name="Freeform 11"/>
-          <p:cNvSpPr>
-            <a:spLocks/>
-          </p:cNvSpPr>
-          <p:nvPr/>
-        </p:nvSpPr>
-        <p:spPr bwMode="auto">
-          <a:xfrm>
-            <a:off x="7383463" y="742950"/>
-            <a:ext cx="3290887" cy="2003425"/>
-          </a:xfrm>
-          <a:custGeom>
-            <a:avLst/>
-            <a:gdLst>
-              <a:gd name="T0" fmla="*/ 0 w 21600"/>
-              <a:gd name="T1" fmla="*/ 2147483646 h 19084"/>
-              <a:gd name="T2" fmla="*/ 2147483646 w 21600"/>
-              <a:gd name="T3" fmla="*/ 2147483646 h 19084"/>
-              <a:gd name="T4" fmla="*/ 0 60000 65536"/>
-              <a:gd name="T5" fmla="*/ 0 60000 65536"/>
-            </a:gdLst>
-            <a:ahLst/>
-            <a:cxnLst>
-              <a:cxn ang="T4">
-                <a:pos x="T0" y="T1"/>
-              </a:cxn>
-              <a:cxn ang="T5">
-                <a:pos x="T2" y="T3"/>
-              </a:cxn>
-            </a:cxnLst>
-            <a:rect l="0" t="0" r="r" b="b"/>
-            <a:pathLst>
-              <a:path w="21600" h="19084">
-                <a:moveTo>
-                  <a:pt x="0" y="379"/>
-                </a:moveTo>
-                <a:cubicBezTo>
-                  <a:pt x="15167" y="-2516"/>
-                  <a:pt x="18505" y="11887"/>
-                  <a:pt x="21600" y="19084"/>
-                </a:cubicBezTo>
-              </a:path>
-            </a:pathLst>
-          </a:custGeom>
-          <a:noFill/>
-          <a:ln w="76200" cap="flat">
-            <a:solidFill>
-              <a:schemeClr val="tx1"/>
-            </a:solidFill>
-            <a:prstDash val="solid"/>
-            <a:miter lim="800000"/>
-            <a:headEnd type="triangle" w="med" len="med"/>
-            <a:tailEnd type="triangle" w="med" len="med"/>
-          </a:ln>
-          <a:extLst>
-            <a:ext uri="{909E8E84-426E-40DD-AFC4-6F175D3DCCD1}">
-              <a14:hiddenFill xmlns:a14="http://schemas.microsoft.com/office/drawing/2010/main">
-                <a:solidFill>
-                  <a:srgbClr val="FFFFFF"/>
-                </a:solidFill>
-              </a14:hiddenFill>
-            </a:ext>
-          </a:extLst>
-        </p:spPr>
-        <p:txBody>
-          <a:bodyPr lIns="0" tIns="0" rIns="0" bIns="0"/>
-          <a:lstStyle/>
-          <a:p>
-            <a:endParaRPr lang="en-US"/>
-          </a:p>
-        </p:txBody>
-      </p:sp>
-      <p:sp>
-        <p:nvSpPr>
-          <p:cNvPr id="16" name="Freeform 12"/>
-          <p:cNvSpPr>
-            <a:spLocks/>
-          </p:cNvSpPr>
-          <p:nvPr/>
-        </p:nvSpPr>
-        <p:spPr bwMode="auto">
-          <a:xfrm>
-            <a:off x="6070600" y="3722688"/>
-            <a:ext cx="4322763" cy="1970087"/>
-          </a:xfrm>
-          <a:custGeom>
-            <a:avLst/>
-            <a:gdLst>
-              <a:gd name="T0" fmla="*/ 0 w 21600"/>
-              <a:gd name="T1" fmla="*/ 2147483646 h 20168"/>
-              <a:gd name="T2" fmla="*/ 2147483646 w 21600"/>
-              <a:gd name="T3" fmla="*/ 0 h 20168"/>
-              <a:gd name="T4" fmla="*/ 0 60000 65536"/>
-              <a:gd name="T5" fmla="*/ 0 60000 65536"/>
-            </a:gdLst>
-            <a:ahLst/>
-            <a:cxnLst>
-              <a:cxn ang="T4">
-                <a:pos x="T0" y="T1"/>
-              </a:cxn>
-              <a:cxn ang="T5">
-                <a:pos x="T2" y="T3"/>
-              </a:cxn>
-            </a:cxnLst>
-            <a:rect l="0" t="0" r="r" b="b"/>
-            <a:pathLst>
-              <a:path w="21600" h="20168">
-                <a:moveTo>
-                  <a:pt x="0" y="19863"/>
-                </a:moveTo>
-                <a:cubicBezTo>
-                  <a:pt x="10090" y="21600"/>
-                  <a:pt x="15010" y="16057"/>
-                  <a:pt x="21600" y="0"/>
-                </a:cubicBezTo>
-              </a:path>
-            </a:pathLst>
-          </a:custGeom>
-          <a:noFill/>
-          <a:ln w="76200" cap="flat">
-            <a:solidFill>
-              <a:schemeClr val="tx1"/>
-            </a:solidFill>
-            <a:prstDash val="solid"/>
-            <a:miter lim="800000"/>
-            <a:headEnd type="triangle" w="med" len="med"/>
-            <a:tailEnd type="triangle" w="med" len="med"/>
-          </a:ln>
-          <a:extLst>
-            <a:ext uri="{909E8E84-426E-40DD-AFC4-6F175D3DCCD1}">
-              <a14:hiddenFill xmlns:a14="http://schemas.microsoft.com/office/drawing/2010/main">
-                <a:solidFill>
-                  <a:srgbClr val="FFFFFF"/>
-                </a:solidFill>
-              </a14:hiddenFill>
-            </a:ext>
-          </a:extLst>
-        </p:spPr>
-        <p:txBody>
-          <a:bodyPr lIns="0" tIns="0" rIns="0" bIns="0"/>
-          <a:lstStyle/>
-          <a:p>
-            <a:endParaRPr lang="en-US"/>
-          </a:p>
-        </p:txBody>
-      </p:sp>
-      <p:sp>
-        <p:nvSpPr>
-          <p:cNvPr id="17" name="Rectangle 13"/>
-          <p:cNvSpPr>
-            <a:spLocks/>
-          </p:cNvSpPr>
-          <p:nvPr/>
-        </p:nvSpPr>
-        <p:spPr bwMode="auto">
-          <a:xfrm>
-            <a:off x="3275013" y="152400"/>
-            <a:ext cx="357187" cy="660400"/>
-          </a:xfrm>
-          <a:prstGeom prst="rect">
-            <a:avLst/>
-          </a:prstGeom>
-          <a:noFill/>
-          <a:ln>
-            <a:noFill/>
-          </a:ln>
-          <a:extLst>
-            <a:ext uri="{909E8E84-426E-40DD-AFC4-6F175D3DCCD1}">
-              <a14:hiddenFill xmlns:a14="http://schemas.microsoft.com/office/drawing/2010/main">
-                <a:solidFill>
-                  <a:srgbClr val="FFFFFF"/>
-                </a:solidFill>
-              </a14:hiddenFill>
-            </a:ext>
-            <a:ext uri="{91240B29-F687-4F45-9708-019B960494DF}">
-              <a14:hiddenLine xmlns:a14="http://schemas.microsoft.com/office/drawing/2010/main" w="12700">
-                <a:solidFill>
-                  <a:schemeClr val="tx1"/>
-                </a:solidFill>
-                <a:miter lim="800000"/>
-                <a:headEnd/>
-                <a:tailEnd/>
-              </a14:hiddenLine>
-            </a:ext>
-          </a:extLst>
-        </p:spPr>
-        <p:txBody>
-          <a:bodyPr wrap="none" lIns="0" tIns="0" rIns="0" bIns="0" anchor="ctr">
+          <a:bodyPr wrap="none" rtlCol="0">
             <a:spAutoFit/>
           </a:bodyPr>
-          <a:lstStyle>
-            <a:lvl1pPr algn="ctr">
-              <a:defRPr sz="3800">
-                <a:solidFill>
-                  <a:srgbClr val="000000"/>
-                </a:solidFill>
-                <a:latin typeface="Gill Sans" pitchFamily="-84" charset="0"/>
-                <a:ea typeface="ヒラギノ角ゴ ProN W3" pitchFamily="-84" charset="-128"/>
-                <a:sym typeface="Gill Sans" pitchFamily="-84" charset="0"/>
-              </a:defRPr>
-            </a:lvl1pPr>
-            <a:lvl2pPr marL="742950" indent="-285750" algn="ctr">
-              <a:defRPr sz="3800">
-                <a:solidFill>
-                  <a:srgbClr val="000000"/>
-                </a:solidFill>
-                <a:latin typeface="Gill Sans" pitchFamily="-84" charset="0"/>
-                <a:ea typeface="ヒラギノ角ゴ ProN W3" pitchFamily="-84" charset="-128"/>
-                <a:sym typeface="Gill Sans" pitchFamily="-84" charset="0"/>
-              </a:defRPr>
-            </a:lvl2pPr>
-            <a:lvl3pPr marL="1143000" indent="-228600" algn="ctr">
-              <a:defRPr sz="3800">
-                <a:solidFill>
-                  <a:srgbClr val="000000"/>
-                </a:solidFill>
-                <a:latin typeface="Gill Sans" pitchFamily="-84" charset="0"/>
-                <a:ea typeface="ヒラギノ角ゴ ProN W3" pitchFamily="-84" charset="-128"/>
-                <a:sym typeface="Gill Sans" pitchFamily="-84" charset="0"/>
-              </a:defRPr>
-            </a:lvl3pPr>
-            <a:lvl4pPr marL="1600200" indent="-228600" algn="ctr">
-              <a:defRPr sz="3800">
-                <a:solidFill>
-                  <a:srgbClr val="000000"/>
-                </a:solidFill>
-                <a:latin typeface="Gill Sans" pitchFamily="-84" charset="0"/>
-                <a:ea typeface="ヒラギノ角ゴ ProN W3" pitchFamily="-84" charset="-128"/>
-                <a:sym typeface="Gill Sans" pitchFamily="-84" charset="0"/>
-              </a:defRPr>
-            </a:lvl4pPr>
-            <a:lvl5pPr marL="2057400" indent="-228600" algn="ctr">
-              <a:defRPr sz="3800">
-                <a:solidFill>
-                  <a:srgbClr val="000000"/>
-                </a:solidFill>
-                <a:latin typeface="Gill Sans" pitchFamily="-84" charset="0"/>
-                <a:ea typeface="ヒラギノ角ゴ ProN W3" pitchFamily="-84" charset="-128"/>
-                <a:sym typeface="Gill Sans" pitchFamily="-84" charset="0"/>
-              </a:defRPr>
-            </a:lvl5pPr>
-            <a:lvl6pPr marL="2514600" indent="-228600" algn="ctr" eaLnBrk="0" fontAlgn="base" hangingPunct="0">
-              <a:spcBef>
-                <a:spcPct val="0"/>
-              </a:spcBef>
-              <a:spcAft>
-                <a:spcPct val="0"/>
-              </a:spcAft>
-              <a:defRPr sz="3800">
-                <a:solidFill>
-                  <a:srgbClr val="000000"/>
-                </a:solidFill>
-                <a:latin typeface="Gill Sans" pitchFamily="-84" charset="0"/>
-                <a:ea typeface="ヒラギノ角ゴ ProN W3" pitchFamily="-84" charset="-128"/>
-                <a:sym typeface="Gill Sans" pitchFamily="-84" charset="0"/>
-              </a:defRPr>
-            </a:lvl6pPr>
-            <a:lvl7pPr marL="2971800" indent="-228600" algn="ctr" eaLnBrk="0" fontAlgn="base" hangingPunct="0">
-              <a:spcBef>
-                <a:spcPct val="0"/>
-              </a:spcBef>
-              <a:spcAft>
-                <a:spcPct val="0"/>
-              </a:spcAft>
-              <a:defRPr sz="3800">
-                <a:solidFill>
-                  <a:srgbClr val="000000"/>
-                </a:solidFill>
-                <a:latin typeface="Gill Sans" pitchFamily="-84" charset="0"/>
-                <a:ea typeface="ヒラギノ角ゴ ProN W3" pitchFamily="-84" charset="-128"/>
-                <a:sym typeface="Gill Sans" pitchFamily="-84" charset="0"/>
-              </a:defRPr>
-            </a:lvl7pPr>
-            <a:lvl8pPr marL="3429000" indent="-228600" algn="ctr" eaLnBrk="0" fontAlgn="base" hangingPunct="0">
-              <a:spcBef>
-                <a:spcPct val="0"/>
-              </a:spcBef>
-              <a:spcAft>
-                <a:spcPct val="0"/>
-              </a:spcAft>
-              <a:defRPr sz="3800">
-                <a:solidFill>
-                  <a:srgbClr val="000000"/>
-                </a:solidFill>
-                <a:latin typeface="Gill Sans" pitchFamily="-84" charset="0"/>
-                <a:ea typeface="ヒラギノ角ゴ ProN W3" pitchFamily="-84" charset="-128"/>
-                <a:sym typeface="Gill Sans" pitchFamily="-84" charset="0"/>
-              </a:defRPr>
-            </a:lvl8pPr>
-            <a:lvl9pPr marL="3886200" indent="-228600" algn="ctr" eaLnBrk="0" fontAlgn="base" hangingPunct="0">
-              <a:spcBef>
-                <a:spcPct val="0"/>
-              </a:spcBef>
-              <a:spcAft>
-                <a:spcPct val="0"/>
-              </a:spcAft>
-              <a:defRPr sz="3800">
-                <a:solidFill>
-                  <a:srgbClr val="000000"/>
-                </a:solidFill>
-                <a:latin typeface="Gill Sans" pitchFamily="-84" charset="0"/>
-                <a:ea typeface="ヒラギノ角ゴ ProN W3" pitchFamily="-84" charset="-128"/>
-                <a:sym typeface="Gill Sans" pitchFamily="-84" charset="0"/>
-              </a:defRPr>
-            </a:lvl9pPr>
-          </a:lstStyle>
-          <a:p>
-            <a:pPr eaLnBrk="1" hangingPunct="1"/>
-            <a:r>
-              <a:rPr lang="en-US" altLang="en-US">
-                <a:solidFill>
-                  <a:schemeClr val="tx1"/>
-                </a:solidFill>
-                <a:latin typeface="Helvetica" panose="020B0604020202020204" pitchFamily="34" charset="0"/>
-                <a:ea typeface="ＭＳ Ｐゴシック" pitchFamily="-84" charset="-128"/>
-                <a:sym typeface="Helvetica" panose="020B0604020202020204" pitchFamily="34" charset="0"/>
-              </a:rPr>
-              <a:t>1</a:t>
-            </a:r>
-          </a:p>
-        </p:txBody>
-      </p:sp>
-      <p:sp>
-        <p:nvSpPr>
-          <p:cNvPr id="18" name="Rectangle 14"/>
-          <p:cNvSpPr>
-            <a:spLocks/>
-          </p:cNvSpPr>
-          <p:nvPr/>
-        </p:nvSpPr>
-        <p:spPr bwMode="auto">
-          <a:xfrm>
-            <a:off x="5816600" y="1879600"/>
-            <a:ext cx="357188" cy="660400"/>
-          </a:xfrm>
-          <a:prstGeom prst="rect">
-            <a:avLst/>
-          </a:prstGeom>
-          <a:noFill/>
-          <a:ln>
-            <a:noFill/>
-          </a:ln>
-          <a:extLst>
-            <a:ext uri="{909E8E84-426E-40DD-AFC4-6F175D3DCCD1}">
-              <a14:hiddenFill xmlns:a14="http://schemas.microsoft.com/office/drawing/2010/main">
-                <a:solidFill>
-                  <a:srgbClr val="FFFFFF"/>
-                </a:solidFill>
-              </a14:hiddenFill>
-            </a:ext>
-            <a:ext uri="{91240B29-F687-4F45-9708-019B960494DF}">
-              <a14:hiddenLine xmlns:a14="http://schemas.microsoft.com/office/drawing/2010/main" w="12700">
-                <a:solidFill>
-                  <a:schemeClr val="tx1"/>
-                </a:solidFill>
-                <a:miter lim="800000"/>
-                <a:headEnd/>
-                <a:tailEnd/>
-              </a14:hiddenLine>
-            </a:ext>
-          </a:extLst>
-        </p:spPr>
-        <p:txBody>
-          <a:bodyPr wrap="none" lIns="0" tIns="0" rIns="0" bIns="0" anchor="ctr">
-            <a:spAutoFit/>
-          </a:bodyPr>
-          <a:lstStyle>
-            <a:lvl1pPr algn="ctr">
-              <a:defRPr sz="3800">
-                <a:solidFill>
-                  <a:srgbClr val="000000"/>
-                </a:solidFill>
-                <a:latin typeface="Gill Sans" pitchFamily="-84" charset="0"/>
-                <a:ea typeface="ヒラギノ角ゴ ProN W3" pitchFamily="-84" charset="-128"/>
-                <a:sym typeface="Gill Sans" pitchFamily="-84" charset="0"/>
-              </a:defRPr>
-            </a:lvl1pPr>
-            <a:lvl2pPr marL="742950" indent="-285750" algn="ctr">
-              <a:defRPr sz="3800">
-                <a:solidFill>
-                  <a:srgbClr val="000000"/>
-                </a:solidFill>
-                <a:latin typeface="Gill Sans" pitchFamily="-84" charset="0"/>
-                <a:ea typeface="ヒラギノ角ゴ ProN W3" pitchFamily="-84" charset="-128"/>
-                <a:sym typeface="Gill Sans" pitchFamily="-84" charset="0"/>
-              </a:defRPr>
-            </a:lvl2pPr>
-            <a:lvl3pPr marL="1143000" indent="-228600" algn="ctr">
-              <a:defRPr sz="3800">
-                <a:solidFill>
-                  <a:srgbClr val="000000"/>
-                </a:solidFill>
-                <a:latin typeface="Gill Sans" pitchFamily="-84" charset="0"/>
-                <a:ea typeface="ヒラギノ角ゴ ProN W3" pitchFamily="-84" charset="-128"/>
-                <a:sym typeface="Gill Sans" pitchFamily="-84" charset="0"/>
-              </a:defRPr>
-            </a:lvl3pPr>
-            <a:lvl4pPr marL="1600200" indent="-228600" algn="ctr">
-              <a:defRPr sz="3800">
-                <a:solidFill>
-                  <a:srgbClr val="000000"/>
-                </a:solidFill>
-                <a:latin typeface="Gill Sans" pitchFamily="-84" charset="0"/>
-                <a:ea typeface="ヒラギノ角ゴ ProN W3" pitchFamily="-84" charset="-128"/>
-                <a:sym typeface="Gill Sans" pitchFamily="-84" charset="0"/>
-              </a:defRPr>
-            </a:lvl4pPr>
-            <a:lvl5pPr marL="2057400" indent="-228600" algn="ctr">
-              <a:defRPr sz="3800">
-                <a:solidFill>
-                  <a:srgbClr val="000000"/>
-                </a:solidFill>
-                <a:latin typeface="Gill Sans" pitchFamily="-84" charset="0"/>
-                <a:ea typeface="ヒラギノ角ゴ ProN W3" pitchFamily="-84" charset="-128"/>
-                <a:sym typeface="Gill Sans" pitchFamily="-84" charset="0"/>
-              </a:defRPr>
-            </a:lvl5pPr>
-            <a:lvl6pPr marL="2514600" indent="-228600" algn="ctr" eaLnBrk="0" fontAlgn="base" hangingPunct="0">
-              <a:spcBef>
-                <a:spcPct val="0"/>
-              </a:spcBef>
-              <a:spcAft>
-                <a:spcPct val="0"/>
-              </a:spcAft>
-              <a:defRPr sz="3800">
-                <a:solidFill>
-                  <a:srgbClr val="000000"/>
-                </a:solidFill>
-                <a:latin typeface="Gill Sans" pitchFamily="-84" charset="0"/>
-                <a:ea typeface="ヒラギノ角ゴ ProN W3" pitchFamily="-84" charset="-128"/>
-                <a:sym typeface="Gill Sans" pitchFamily="-84" charset="0"/>
-              </a:defRPr>
-            </a:lvl6pPr>
-            <a:lvl7pPr marL="2971800" indent="-228600" algn="ctr" eaLnBrk="0" fontAlgn="base" hangingPunct="0">
-              <a:spcBef>
-                <a:spcPct val="0"/>
-              </a:spcBef>
-              <a:spcAft>
-                <a:spcPct val="0"/>
-              </a:spcAft>
-              <a:defRPr sz="3800">
-                <a:solidFill>
-                  <a:srgbClr val="000000"/>
-                </a:solidFill>
-                <a:latin typeface="Gill Sans" pitchFamily="-84" charset="0"/>
-                <a:ea typeface="ヒラギノ角ゴ ProN W3" pitchFamily="-84" charset="-128"/>
-                <a:sym typeface="Gill Sans" pitchFamily="-84" charset="0"/>
-              </a:defRPr>
-            </a:lvl7pPr>
-            <a:lvl8pPr marL="3429000" indent="-228600" algn="ctr" eaLnBrk="0" fontAlgn="base" hangingPunct="0">
-              <a:spcBef>
-                <a:spcPct val="0"/>
-              </a:spcBef>
-              <a:spcAft>
-                <a:spcPct val="0"/>
-              </a:spcAft>
-              <a:defRPr sz="3800">
-                <a:solidFill>
-                  <a:srgbClr val="000000"/>
-                </a:solidFill>
-                <a:latin typeface="Gill Sans" pitchFamily="-84" charset="0"/>
-                <a:ea typeface="ヒラギノ角ゴ ProN W3" pitchFamily="-84" charset="-128"/>
-                <a:sym typeface="Gill Sans" pitchFamily="-84" charset="0"/>
-              </a:defRPr>
-            </a:lvl8pPr>
-            <a:lvl9pPr marL="3886200" indent="-228600" algn="ctr" eaLnBrk="0" fontAlgn="base" hangingPunct="0">
-              <a:spcBef>
-                <a:spcPct val="0"/>
-              </a:spcBef>
-              <a:spcAft>
-                <a:spcPct val="0"/>
-              </a:spcAft>
-              <a:defRPr sz="3800">
-                <a:solidFill>
-                  <a:srgbClr val="000000"/>
-                </a:solidFill>
-                <a:latin typeface="Gill Sans" pitchFamily="-84" charset="0"/>
-                <a:ea typeface="ヒラギノ角ゴ ProN W3" pitchFamily="-84" charset="-128"/>
-                <a:sym typeface="Gill Sans" pitchFamily="-84" charset="0"/>
-              </a:defRPr>
-            </a:lvl9pPr>
-          </a:lstStyle>
-          <a:p>
-            <a:pPr eaLnBrk="1" hangingPunct="1"/>
-            <a:r>
-              <a:rPr lang="en-US" altLang="en-US">
-                <a:solidFill>
-                  <a:schemeClr val="tx1"/>
-                </a:solidFill>
-                <a:latin typeface="Helvetica" panose="020B0604020202020204" pitchFamily="34" charset="0"/>
-                <a:ea typeface="ＭＳ Ｐゴシック" pitchFamily="-84" charset="-128"/>
-                <a:sym typeface="Helvetica" panose="020B0604020202020204" pitchFamily="34" charset="0"/>
-              </a:rPr>
-              <a:t>2</a:t>
-            </a:r>
-          </a:p>
-        </p:txBody>
-      </p:sp>
-      <p:sp>
-        <p:nvSpPr>
-          <p:cNvPr id="19" name="Rectangle 15"/>
-          <p:cNvSpPr>
-            <a:spLocks/>
-          </p:cNvSpPr>
-          <p:nvPr/>
-        </p:nvSpPr>
-        <p:spPr bwMode="auto">
-          <a:xfrm>
-            <a:off x="7061200" y="2768600"/>
-            <a:ext cx="357188" cy="660400"/>
-          </a:xfrm>
-          <a:prstGeom prst="rect">
-            <a:avLst/>
-          </a:prstGeom>
-          <a:noFill/>
-          <a:ln>
-            <a:noFill/>
-          </a:ln>
-          <a:extLst>
-            <a:ext uri="{909E8E84-426E-40DD-AFC4-6F175D3DCCD1}">
-              <a14:hiddenFill xmlns:a14="http://schemas.microsoft.com/office/drawing/2010/main">
-                <a:solidFill>
-                  <a:srgbClr val="FFFFFF"/>
-                </a:solidFill>
-              </a14:hiddenFill>
-            </a:ext>
-            <a:ext uri="{91240B29-F687-4F45-9708-019B960494DF}">
-              <a14:hiddenLine xmlns:a14="http://schemas.microsoft.com/office/drawing/2010/main" w="12700">
-                <a:solidFill>
-                  <a:schemeClr val="tx1"/>
-                </a:solidFill>
-                <a:miter lim="800000"/>
-                <a:headEnd/>
-                <a:tailEnd/>
-              </a14:hiddenLine>
-            </a:ext>
-          </a:extLst>
-        </p:spPr>
-        <p:txBody>
-          <a:bodyPr wrap="none" lIns="0" tIns="0" rIns="0" bIns="0" anchor="ctr">
-            <a:spAutoFit/>
-          </a:bodyPr>
-          <a:lstStyle>
-            <a:lvl1pPr algn="ctr">
-              <a:defRPr sz="3800">
-                <a:solidFill>
-                  <a:srgbClr val="000000"/>
-                </a:solidFill>
-                <a:latin typeface="Gill Sans" pitchFamily="-84" charset="0"/>
-                <a:ea typeface="ヒラギノ角ゴ ProN W3" pitchFamily="-84" charset="-128"/>
-                <a:sym typeface="Gill Sans" pitchFamily="-84" charset="0"/>
-              </a:defRPr>
-            </a:lvl1pPr>
-            <a:lvl2pPr marL="742950" indent="-285750" algn="ctr">
-              <a:defRPr sz="3800">
-                <a:solidFill>
-                  <a:srgbClr val="000000"/>
-                </a:solidFill>
-                <a:latin typeface="Gill Sans" pitchFamily="-84" charset="0"/>
-                <a:ea typeface="ヒラギノ角ゴ ProN W3" pitchFamily="-84" charset="-128"/>
-                <a:sym typeface="Gill Sans" pitchFamily="-84" charset="0"/>
-              </a:defRPr>
-            </a:lvl2pPr>
-            <a:lvl3pPr marL="1143000" indent="-228600" algn="ctr">
-              <a:defRPr sz="3800">
-                <a:solidFill>
-                  <a:srgbClr val="000000"/>
-                </a:solidFill>
-                <a:latin typeface="Gill Sans" pitchFamily="-84" charset="0"/>
-                <a:ea typeface="ヒラギノ角ゴ ProN W3" pitchFamily="-84" charset="-128"/>
-                <a:sym typeface="Gill Sans" pitchFamily="-84" charset="0"/>
-              </a:defRPr>
-            </a:lvl3pPr>
-            <a:lvl4pPr marL="1600200" indent="-228600" algn="ctr">
-              <a:defRPr sz="3800">
-                <a:solidFill>
-                  <a:srgbClr val="000000"/>
-                </a:solidFill>
-                <a:latin typeface="Gill Sans" pitchFamily="-84" charset="0"/>
-                <a:ea typeface="ヒラギノ角ゴ ProN W3" pitchFamily="-84" charset="-128"/>
-                <a:sym typeface="Gill Sans" pitchFamily="-84" charset="0"/>
-              </a:defRPr>
-            </a:lvl4pPr>
-            <a:lvl5pPr marL="2057400" indent="-228600" algn="ctr">
-              <a:defRPr sz="3800">
-                <a:solidFill>
-                  <a:srgbClr val="000000"/>
-                </a:solidFill>
-                <a:latin typeface="Gill Sans" pitchFamily="-84" charset="0"/>
-                <a:ea typeface="ヒラギノ角ゴ ProN W3" pitchFamily="-84" charset="-128"/>
-                <a:sym typeface="Gill Sans" pitchFamily="-84" charset="0"/>
-              </a:defRPr>
-            </a:lvl5pPr>
-            <a:lvl6pPr marL="2514600" indent="-228600" algn="ctr" eaLnBrk="0" fontAlgn="base" hangingPunct="0">
-              <a:spcBef>
-                <a:spcPct val="0"/>
-              </a:spcBef>
-              <a:spcAft>
-                <a:spcPct val="0"/>
-              </a:spcAft>
-              <a:defRPr sz="3800">
-                <a:solidFill>
-                  <a:srgbClr val="000000"/>
-                </a:solidFill>
-                <a:latin typeface="Gill Sans" pitchFamily="-84" charset="0"/>
-                <a:ea typeface="ヒラギノ角ゴ ProN W3" pitchFamily="-84" charset="-128"/>
-                <a:sym typeface="Gill Sans" pitchFamily="-84" charset="0"/>
-              </a:defRPr>
-            </a:lvl6pPr>
-            <a:lvl7pPr marL="2971800" indent="-228600" algn="ctr" eaLnBrk="0" fontAlgn="base" hangingPunct="0">
-              <a:spcBef>
-                <a:spcPct val="0"/>
-              </a:spcBef>
-              <a:spcAft>
-                <a:spcPct val="0"/>
-              </a:spcAft>
-              <a:defRPr sz="3800">
-                <a:solidFill>
-                  <a:srgbClr val="000000"/>
-                </a:solidFill>
-                <a:latin typeface="Gill Sans" pitchFamily="-84" charset="0"/>
-                <a:ea typeface="ヒラギノ角ゴ ProN W3" pitchFamily="-84" charset="-128"/>
-                <a:sym typeface="Gill Sans" pitchFamily="-84" charset="0"/>
-              </a:defRPr>
-            </a:lvl7pPr>
-            <a:lvl8pPr marL="3429000" indent="-228600" algn="ctr" eaLnBrk="0" fontAlgn="base" hangingPunct="0">
-              <a:spcBef>
-                <a:spcPct val="0"/>
-              </a:spcBef>
-              <a:spcAft>
-                <a:spcPct val="0"/>
-              </a:spcAft>
-              <a:defRPr sz="3800">
-                <a:solidFill>
-                  <a:srgbClr val="000000"/>
-                </a:solidFill>
-                <a:latin typeface="Gill Sans" pitchFamily="-84" charset="0"/>
-                <a:ea typeface="ヒラギノ角ゴ ProN W3" pitchFamily="-84" charset="-128"/>
-                <a:sym typeface="Gill Sans" pitchFamily="-84" charset="0"/>
-              </a:defRPr>
-            </a:lvl8pPr>
-            <a:lvl9pPr marL="3886200" indent="-228600" algn="ctr" eaLnBrk="0" fontAlgn="base" hangingPunct="0">
-              <a:spcBef>
-                <a:spcPct val="0"/>
-              </a:spcBef>
-              <a:spcAft>
-                <a:spcPct val="0"/>
-              </a:spcAft>
-              <a:defRPr sz="3800">
-                <a:solidFill>
-                  <a:srgbClr val="000000"/>
-                </a:solidFill>
-                <a:latin typeface="Gill Sans" pitchFamily="-84" charset="0"/>
-                <a:ea typeface="ヒラギノ角ゴ ProN W3" pitchFamily="-84" charset="-128"/>
-                <a:sym typeface="Gill Sans" pitchFamily="-84" charset="0"/>
-              </a:defRPr>
-            </a:lvl9pPr>
-          </a:lstStyle>
-          <a:p>
-            <a:pPr eaLnBrk="1" hangingPunct="1"/>
-            <a:r>
-              <a:rPr lang="en-US" altLang="en-US">
-                <a:solidFill>
-                  <a:schemeClr val="tx1"/>
-                </a:solidFill>
-                <a:latin typeface="Helvetica" panose="020B0604020202020204" pitchFamily="34" charset="0"/>
-                <a:ea typeface="ＭＳ Ｐゴシック" pitchFamily="-84" charset="-128"/>
-                <a:sym typeface="Helvetica" panose="020B0604020202020204" pitchFamily="34" charset="0"/>
-              </a:rPr>
-              <a:t>3</a:t>
-            </a:r>
-          </a:p>
-        </p:txBody>
-      </p:sp>
-      <p:sp>
-        <p:nvSpPr>
-          <p:cNvPr id="20" name="Rectangle 16"/>
-          <p:cNvSpPr>
-            <a:spLocks/>
-          </p:cNvSpPr>
-          <p:nvPr/>
-        </p:nvSpPr>
-        <p:spPr bwMode="auto">
-          <a:xfrm>
-            <a:off x="9042400" y="990600"/>
-            <a:ext cx="357188" cy="660400"/>
-          </a:xfrm>
-          <a:prstGeom prst="rect">
-            <a:avLst/>
-          </a:prstGeom>
-          <a:noFill/>
-          <a:ln>
-            <a:noFill/>
-          </a:ln>
-          <a:extLst>
-            <a:ext uri="{909E8E84-426E-40DD-AFC4-6F175D3DCCD1}">
-              <a14:hiddenFill xmlns:a14="http://schemas.microsoft.com/office/drawing/2010/main">
-                <a:solidFill>
-                  <a:srgbClr val="FFFFFF"/>
-                </a:solidFill>
-              </a14:hiddenFill>
-            </a:ext>
-            <a:ext uri="{91240B29-F687-4F45-9708-019B960494DF}">
-              <a14:hiddenLine xmlns:a14="http://schemas.microsoft.com/office/drawing/2010/main" w="12700">
-                <a:solidFill>
-                  <a:schemeClr val="tx1"/>
-                </a:solidFill>
-                <a:miter lim="800000"/>
-                <a:headEnd/>
-                <a:tailEnd/>
-              </a14:hiddenLine>
-            </a:ext>
-          </a:extLst>
-        </p:spPr>
-        <p:txBody>
-          <a:bodyPr wrap="none" lIns="0" tIns="0" rIns="0" bIns="0" anchor="ctr">
-            <a:spAutoFit/>
-          </a:bodyPr>
-          <a:lstStyle>
-            <a:lvl1pPr algn="ctr">
-              <a:defRPr sz="3800">
-                <a:solidFill>
-                  <a:srgbClr val="000000"/>
-                </a:solidFill>
-                <a:latin typeface="Gill Sans" pitchFamily="-84" charset="0"/>
-                <a:ea typeface="ヒラギノ角ゴ ProN W3" pitchFamily="-84" charset="-128"/>
-                <a:sym typeface="Gill Sans" pitchFamily="-84" charset="0"/>
-              </a:defRPr>
-            </a:lvl1pPr>
-            <a:lvl2pPr marL="742950" indent="-285750" algn="ctr">
-              <a:defRPr sz="3800">
-                <a:solidFill>
-                  <a:srgbClr val="000000"/>
-                </a:solidFill>
-                <a:latin typeface="Gill Sans" pitchFamily="-84" charset="0"/>
-                <a:ea typeface="ヒラギノ角ゴ ProN W3" pitchFamily="-84" charset="-128"/>
-                <a:sym typeface="Gill Sans" pitchFamily="-84" charset="0"/>
-              </a:defRPr>
-            </a:lvl2pPr>
-            <a:lvl3pPr marL="1143000" indent="-228600" algn="ctr">
-              <a:defRPr sz="3800">
-                <a:solidFill>
-                  <a:srgbClr val="000000"/>
-                </a:solidFill>
-                <a:latin typeface="Gill Sans" pitchFamily="-84" charset="0"/>
-                <a:ea typeface="ヒラギノ角ゴ ProN W3" pitchFamily="-84" charset="-128"/>
-                <a:sym typeface="Gill Sans" pitchFamily="-84" charset="0"/>
-              </a:defRPr>
-            </a:lvl3pPr>
-            <a:lvl4pPr marL="1600200" indent="-228600" algn="ctr">
-              <a:defRPr sz="3800">
-                <a:solidFill>
-                  <a:srgbClr val="000000"/>
-                </a:solidFill>
-                <a:latin typeface="Gill Sans" pitchFamily="-84" charset="0"/>
-                <a:ea typeface="ヒラギノ角ゴ ProN W3" pitchFamily="-84" charset="-128"/>
-                <a:sym typeface="Gill Sans" pitchFamily="-84" charset="0"/>
-              </a:defRPr>
-            </a:lvl4pPr>
-            <a:lvl5pPr marL="2057400" indent="-228600" algn="ctr">
-              <a:defRPr sz="3800">
-                <a:solidFill>
-                  <a:srgbClr val="000000"/>
-                </a:solidFill>
-                <a:latin typeface="Gill Sans" pitchFamily="-84" charset="0"/>
-                <a:ea typeface="ヒラギノ角ゴ ProN W3" pitchFamily="-84" charset="-128"/>
-                <a:sym typeface="Gill Sans" pitchFamily="-84" charset="0"/>
-              </a:defRPr>
-            </a:lvl5pPr>
-            <a:lvl6pPr marL="2514600" indent="-228600" algn="ctr" eaLnBrk="0" fontAlgn="base" hangingPunct="0">
-              <a:spcBef>
-                <a:spcPct val="0"/>
-              </a:spcBef>
-              <a:spcAft>
-                <a:spcPct val="0"/>
-              </a:spcAft>
-              <a:defRPr sz="3800">
-                <a:solidFill>
-                  <a:srgbClr val="000000"/>
-                </a:solidFill>
-                <a:latin typeface="Gill Sans" pitchFamily="-84" charset="0"/>
-                <a:ea typeface="ヒラギノ角ゴ ProN W3" pitchFamily="-84" charset="-128"/>
-                <a:sym typeface="Gill Sans" pitchFamily="-84" charset="0"/>
-              </a:defRPr>
-            </a:lvl6pPr>
-            <a:lvl7pPr marL="2971800" indent="-228600" algn="ctr" eaLnBrk="0" fontAlgn="base" hangingPunct="0">
-              <a:spcBef>
-                <a:spcPct val="0"/>
-              </a:spcBef>
-              <a:spcAft>
-                <a:spcPct val="0"/>
-              </a:spcAft>
-              <a:defRPr sz="3800">
-                <a:solidFill>
-                  <a:srgbClr val="000000"/>
-                </a:solidFill>
-                <a:latin typeface="Gill Sans" pitchFamily="-84" charset="0"/>
-                <a:ea typeface="ヒラギノ角ゴ ProN W3" pitchFamily="-84" charset="-128"/>
-                <a:sym typeface="Gill Sans" pitchFamily="-84" charset="0"/>
-              </a:defRPr>
-            </a:lvl7pPr>
-            <a:lvl8pPr marL="3429000" indent="-228600" algn="ctr" eaLnBrk="0" fontAlgn="base" hangingPunct="0">
-              <a:spcBef>
-                <a:spcPct val="0"/>
-              </a:spcBef>
-              <a:spcAft>
-                <a:spcPct val="0"/>
-              </a:spcAft>
-              <a:defRPr sz="3800">
-                <a:solidFill>
-                  <a:srgbClr val="000000"/>
-                </a:solidFill>
-                <a:latin typeface="Gill Sans" pitchFamily="-84" charset="0"/>
-                <a:ea typeface="ヒラギノ角ゴ ProN W3" pitchFamily="-84" charset="-128"/>
-                <a:sym typeface="Gill Sans" pitchFamily="-84" charset="0"/>
-              </a:defRPr>
-            </a:lvl8pPr>
-            <a:lvl9pPr marL="3886200" indent="-228600" algn="ctr" eaLnBrk="0" fontAlgn="base" hangingPunct="0">
-              <a:spcBef>
-                <a:spcPct val="0"/>
-              </a:spcBef>
-              <a:spcAft>
-                <a:spcPct val="0"/>
-              </a:spcAft>
-              <a:defRPr sz="3800">
-                <a:solidFill>
-                  <a:srgbClr val="000000"/>
-                </a:solidFill>
-                <a:latin typeface="Gill Sans" pitchFamily="-84" charset="0"/>
-                <a:ea typeface="ヒラギノ角ゴ ProN W3" pitchFamily="-84" charset="-128"/>
-                <a:sym typeface="Gill Sans" pitchFamily="-84" charset="0"/>
-              </a:defRPr>
-            </a:lvl9pPr>
-          </a:lstStyle>
-          <a:p>
-            <a:pPr eaLnBrk="1" hangingPunct="1"/>
-            <a:r>
-              <a:rPr lang="en-US" altLang="en-US">
-                <a:solidFill>
-                  <a:schemeClr val="tx1"/>
-                </a:solidFill>
-                <a:latin typeface="Helvetica" panose="020B0604020202020204" pitchFamily="34" charset="0"/>
-                <a:ea typeface="ＭＳ Ｐゴシック" pitchFamily="-84" charset="-128"/>
-                <a:sym typeface="Helvetica" panose="020B0604020202020204" pitchFamily="34" charset="0"/>
-              </a:rPr>
-              <a:t>4</a:t>
-            </a:r>
-          </a:p>
-        </p:txBody>
-      </p:sp>
-      <p:sp>
-        <p:nvSpPr>
-          <p:cNvPr id="21" name="Rectangle 17"/>
-          <p:cNvSpPr>
-            <a:spLocks/>
-          </p:cNvSpPr>
-          <p:nvPr/>
-        </p:nvSpPr>
-        <p:spPr bwMode="auto">
-          <a:xfrm>
-            <a:off x="8229600" y="4622800"/>
-            <a:ext cx="357188" cy="660400"/>
-          </a:xfrm>
-          <a:prstGeom prst="rect">
-            <a:avLst/>
-          </a:prstGeom>
-          <a:noFill/>
-          <a:ln>
-            <a:noFill/>
-          </a:ln>
-          <a:extLst>
-            <a:ext uri="{909E8E84-426E-40DD-AFC4-6F175D3DCCD1}">
-              <a14:hiddenFill xmlns:a14="http://schemas.microsoft.com/office/drawing/2010/main">
-                <a:solidFill>
-                  <a:srgbClr val="FFFFFF"/>
-                </a:solidFill>
-              </a14:hiddenFill>
-            </a:ext>
-            <a:ext uri="{91240B29-F687-4F45-9708-019B960494DF}">
-              <a14:hiddenLine xmlns:a14="http://schemas.microsoft.com/office/drawing/2010/main" w="12700">
-                <a:solidFill>
-                  <a:schemeClr val="tx1"/>
-                </a:solidFill>
-                <a:miter lim="800000"/>
-                <a:headEnd/>
-                <a:tailEnd/>
-              </a14:hiddenLine>
-            </a:ext>
-          </a:extLst>
-        </p:spPr>
-        <p:txBody>
-          <a:bodyPr wrap="none" lIns="0" tIns="0" rIns="0" bIns="0" anchor="ctr">
-            <a:spAutoFit/>
-          </a:bodyPr>
-          <a:lstStyle>
-            <a:lvl1pPr algn="ctr">
-              <a:defRPr sz="3800">
-                <a:solidFill>
-                  <a:srgbClr val="000000"/>
-                </a:solidFill>
-                <a:latin typeface="Gill Sans" pitchFamily="-84" charset="0"/>
-                <a:ea typeface="ヒラギノ角ゴ ProN W3" pitchFamily="-84" charset="-128"/>
-                <a:sym typeface="Gill Sans" pitchFamily="-84" charset="0"/>
-              </a:defRPr>
-            </a:lvl1pPr>
-            <a:lvl2pPr marL="742950" indent="-285750" algn="ctr">
-              <a:defRPr sz="3800">
-                <a:solidFill>
-                  <a:srgbClr val="000000"/>
-                </a:solidFill>
-                <a:latin typeface="Gill Sans" pitchFamily="-84" charset="0"/>
-                <a:ea typeface="ヒラギノ角ゴ ProN W3" pitchFamily="-84" charset="-128"/>
-                <a:sym typeface="Gill Sans" pitchFamily="-84" charset="0"/>
-              </a:defRPr>
-            </a:lvl2pPr>
-            <a:lvl3pPr marL="1143000" indent="-228600" algn="ctr">
-              <a:defRPr sz="3800">
-                <a:solidFill>
-                  <a:srgbClr val="000000"/>
-                </a:solidFill>
-                <a:latin typeface="Gill Sans" pitchFamily="-84" charset="0"/>
-                <a:ea typeface="ヒラギノ角ゴ ProN W3" pitchFamily="-84" charset="-128"/>
-                <a:sym typeface="Gill Sans" pitchFamily="-84" charset="0"/>
-              </a:defRPr>
-            </a:lvl3pPr>
-            <a:lvl4pPr marL="1600200" indent="-228600" algn="ctr">
-              <a:defRPr sz="3800">
-                <a:solidFill>
-                  <a:srgbClr val="000000"/>
-                </a:solidFill>
-                <a:latin typeface="Gill Sans" pitchFamily="-84" charset="0"/>
-                <a:ea typeface="ヒラギノ角ゴ ProN W3" pitchFamily="-84" charset="-128"/>
-                <a:sym typeface="Gill Sans" pitchFamily="-84" charset="0"/>
-              </a:defRPr>
-            </a:lvl4pPr>
-            <a:lvl5pPr marL="2057400" indent="-228600" algn="ctr">
-              <a:defRPr sz="3800">
-                <a:solidFill>
-                  <a:srgbClr val="000000"/>
-                </a:solidFill>
-                <a:latin typeface="Gill Sans" pitchFamily="-84" charset="0"/>
-                <a:ea typeface="ヒラギノ角ゴ ProN W3" pitchFamily="-84" charset="-128"/>
-                <a:sym typeface="Gill Sans" pitchFamily="-84" charset="0"/>
-              </a:defRPr>
-            </a:lvl5pPr>
-            <a:lvl6pPr marL="2514600" indent="-228600" algn="ctr" eaLnBrk="0" fontAlgn="base" hangingPunct="0">
-              <a:spcBef>
-                <a:spcPct val="0"/>
-              </a:spcBef>
-              <a:spcAft>
-                <a:spcPct val="0"/>
-              </a:spcAft>
-              <a:defRPr sz="3800">
-                <a:solidFill>
-                  <a:srgbClr val="000000"/>
-                </a:solidFill>
-                <a:latin typeface="Gill Sans" pitchFamily="-84" charset="0"/>
-                <a:ea typeface="ヒラギノ角ゴ ProN W3" pitchFamily="-84" charset="-128"/>
-                <a:sym typeface="Gill Sans" pitchFamily="-84" charset="0"/>
-              </a:defRPr>
-            </a:lvl6pPr>
-            <a:lvl7pPr marL="2971800" indent="-228600" algn="ctr" eaLnBrk="0" fontAlgn="base" hangingPunct="0">
-              <a:spcBef>
-                <a:spcPct val="0"/>
-              </a:spcBef>
-              <a:spcAft>
-                <a:spcPct val="0"/>
-              </a:spcAft>
-              <a:defRPr sz="3800">
-                <a:solidFill>
-                  <a:srgbClr val="000000"/>
-                </a:solidFill>
-                <a:latin typeface="Gill Sans" pitchFamily="-84" charset="0"/>
-                <a:ea typeface="ヒラギノ角ゴ ProN W3" pitchFamily="-84" charset="-128"/>
-                <a:sym typeface="Gill Sans" pitchFamily="-84" charset="0"/>
-              </a:defRPr>
-            </a:lvl7pPr>
-            <a:lvl8pPr marL="3429000" indent="-228600" algn="ctr" eaLnBrk="0" fontAlgn="base" hangingPunct="0">
-              <a:spcBef>
-                <a:spcPct val="0"/>
-              </a:spcBef>
-              <a:spcAft>
-                <a:spcPct val="0"/>
-              </a:spcAft>
-              <a:defRPr sz="3800">
-                <a:solidFill>
-                  <a:srgbClr val="000000"/>
-                </a:solidFill>
-                <a:latin typeface="Gill Sans" pitchFamily="-84" charset="0"/>
-                <a:ea typeface="ヒラギノ角ゴ ProN W3" pitchFamily="-84" charset="-128"/>
-                <a:sym typeface="Gill Sans" pitchFamily="-84" charset="0"/>
-              </a:defRPr>
-            </a:lvl8pPr>
-            <a:lvl9pPr marL="3886200" indent="-228600" algn="ctr" eaLnBrk="0" fontAlgn="base" hangingPunct="0">
-              <a:spcBef>
-                <a:spcPct val="0"/>
-              </a:spcBef>
-              <a:spcAft>
-                <a:spcPct val="0"/>
-              </a:spcAft>
-              <a:defRPr sz="3800">
-                <a:solidFill>
-                  <a:srgbClr val="000000"/>
-                </a:solidFill>
-                <a:latin typeface="Gill Sans" pitchFamily="-84" charset="0"/>
-                <a:ea typeface="ヒラギノ角ゴ ProN W3" pitchFamily="-84" charset="-128"/>
-                <a:sym typeface="Gill Sans" pitchFamily="-84" charset="0"/>
-              </a:defRPr>
-            </a:lvl9pPr>
-          </a:lstStyle>
-          <a:p>
-            <a:pPr eaLnBrk="1" hangingPunct="1"/>
-            <a:r>
-              <a:rPr lang="en-US" altLang="en-US">
-                <a:solidFill>
-                  <a:schemeClr val="tx1"/>
-                </a:solidFill>
-                <a:latin typeface="Helvetica" panose="020B0604020202020204" pitchFamily="34" charset="0"/>
-                <a:ea typeface="ＭＳ Ｐゴシック" pitchFamily="-84" charset="-128"/>
-                <a:sym typeface="Helvetica" panose="020B0604020202020204" pitchFamily="34" charset="0"/>
-              </a:rPr>
-              <a:t>7</a:t>
-            </a:r>
-          </a:p>
-        </p:txBody>
-      </p:sp>
-      <p:sp>
-        <p:nvSpPr>
-          <p:cNvPr id="22" name="Rectangle 18"/>
-          <p:cNvSpPr>
-            <a:spLocks/>
-          </p:cNvSpPr>
-          <p:nvPr/>
-        </p:nvSpPr>
-        <p:spPr bwMode="auto">
-          <a:xfrm>
-            <a:off x="5384800" y="3644900"/>
-            <a:ext cx="357188" cy="660400"/>
-          </a:xfrm>
-          <a:prstGeom prst="rect">
-            <a:avLst/>
-          </a:prstGeom>
-          <a:noFill/>
-          <a:ln>
-            <a:noFill/>
-          </a:ln>
-          <a:extLst>
-            <a:ext uri="{909E8E84-426E-40DD-AFC4-6F175D3DCCD1}">
-              <a14:hiddenFill xmlns:a14="http://schemas.microsoft.com/office/drawing/2010/main">
-                <a:solidFill>
-                  <a:srgbClr val="FFFFFF"/>
-                </a:solidFill>
-              </a14:hiddenFill>
-            </a:ext>
-            <a:ext uri="{91240B29-F687-4F45-9708-019B960494DF}">
-              <a14:hiddenLine xmlns:a14="http://schemas.microsoft.com/office/drawing/2010/main" w="12700">
-                <a:solidFill>
-                  <a:schemeClr val="tx1"/>
-                </a:solidFill>
-                <a:miter lim="800000"/>
-                <a:headEnd/>
-                <a:tailEnd/>
-              </a14:hiddenLine>
-            </a:ext>
-          </a:extLst>
-        </p:spPr>
-        <p:txBody>
-          <a:bodyPr wrap="none" lIns="0" tIns="0" rIns="0" bIns="0" anchor="ctr">
-            <a:spAutoFit/>
-          </a:bodyPr>
-          <a:lstStyle>
-            <a:lvl1pPr algn="ctr">
-              <a:defRPr sz="3800">
-                <a:solidFill>
-                  <a:srgbClr val="000000"/>
-                </a:solidFill>
-                <a:latin typeface="Gill Sans" pitchFamily="-84" charset="0"/>
-                <a:ea typeface="ヒラギノ角ゴ ProN W3" pitchFamily="-84" charset="-128"/>
-                <a:sym typeface="Gill Sans" pitchFamily="-84" charset="0"/>
-              </a:defRPr>
-            </a:lvl1pPr>
-            <a:lvl2pPr marL="742950" indent="-285750" algn="ctr">
-              <a:defRPr sz="3800">
-                <a:solidFill>
-                  <a:srgbClr val="000000"/>
-                </a:solidFill>
-                <a:latin typeface="Gill Sans" pitchFamily="-84" charset="0"/>
-                <a:ea typeface="ヒラギノ角ゴ ProN W3" pitchFamily="-84" charset="-128"/>
-                <a:sym typeface="Gill Sans" pitchFamily="-84" charset="0"/>
-              </a:defRPr>
-            </a:lvl2pPr>
-            <a:lvl3pPr marL="1143000" indent="-228600" algn="ctr">
-              <a:defRPr sz="3800">
-                <a:solidFill>
-                  <a:srgbClr val="000000"/>
-                </a:solidFill>
-                <a:latin typeface="Gill Sans" pitchFamily="-84" charset="0"/>
-                <a:ea typeface="ヒラギノ角ゴ ProN W3" pitchFamily="-84" charset="-128"/>
-                <a:sym typeface="Gill Sans" pitchFamily="-84" charset="0"/>
-              </a:defRPr>
-            </a:lvl3pPr>
-            <a:lvl4pPr marL="1600200" indent="-228600" algn="ctr">
-              <a:defRPr sz="3800">
-                <a:solidFill>
-                  <a:srgbClr val="000000"/>
-                </a:solidFill>
-                <a:latin typeface="Gill Sans" pitchFamily="-84" charset="0"/>
-                <a:ea typeface="ヒラギノ角ゴ ProN W3" pitchFamily="-84" charset="-128"/>
-                <a:sym typeface="Gill Sans" pitchFamily="-84" charset="0"/>
-              </a:defRPr>
-            </a:lvl4pPr>
-            <a:lvl5pPr marL="2057400" indent="-228600" algn="ctr">
-              <a:defRPr sz="3800">
-                <a:solidFill>
-                  <a:srgbClr val="000000"/>
-                </a:solidFill>
-                <a:latin typeface="Gill Sans" pitchFamily="-84" charset="0"/>
-                <a:ea typeface="ヒラギノ角ゴ ProN W3" pitchFamily="-84" charset="-128"/>
-                <a:sym typeface="Gill Sans" pitchFamily="-84" charset="0"/>
-              </a:defRPr>
-            </a:lvl5pPr>
-            <a:lvl6pPr marL="2514600" indent="-228600" algn="ctr" eaLnBrk="0" fontAlgn="base" hangingPunct="0">
-              <a:spcBef>
-                <a:spcPct val="0"/>
-              </a:spcBef>
-              <a:spcAft>
-                <a:spcPct val="0"/>
-              </a:spcAft>
-              <a:defRPr sz="3800">
-                <a:solidFill>
-                  <a:srgbClr val="000000"/>
-                </a:solidFill>
-                <a:latin typeface="Gill Sans" pitchFamily="-84" charset="0"/>
-                <a:ea typeface="ヒラギノ角ゴ ProN W3" pitchFamily="-84" charset="-128"/>
-                <a:sym typeface="Gill Sans" pitchFamily="-84" charset="0"/>
-              </a:defRPr>
-            </a:lvl6pPr>
-            <a:lvl7pPr marL="2971800" indent="-228600" algn="ctr" eaLnBrk="0" fontAlgn="base" hangingPunct="0">
-              <a:spcBef>
-                <a:spcPct val="0"/>
-              </a:spcBef>
-              <a:spcAft>
-                <a:spcPct val="0"/>
-              </a:spcAft>
-              <a:defRPr sz="3800">
-                <a:solidFill>
-                  <a:srgbClr val="000000"/>
-                </a:solidFill>
-                <a:latin typeface="Gill Sans" pitchFamily="-84" charset="0"/>
-                <a:ea typeface="ヒラギノ角ゴ ProN W3" pitchFamily="-84" charset="-128"/>
-                <a:sym typeface="Gill Sans" pitchFamily="-84" charset="0"/>
-              </a:defRPr>
-            </a:lvl7pPr>
-            <a:lvl8pPr marL="3429000" indent="-228600" algn="ctr" eaLnBrk="0" fontAlgn="base" hangingPunct="0">
-              <a:spcBef>
-                <a:spcPct val="0"/>
-              </a:spcBef>
-              <a:spcAft>
-                <a:spcPct val="0"/>
-              </a:spcAft>
-              <a:defRPr sz="3800">
-                <a:solidFill>
-                  <a:srgbClr val="000000"/>
-                </a:solidFill>
-                <a:latin typeface="Gill Sans" pitchFamily="-84" charset="0"/>
-                <a:ea typeface="ヒラギノ角ゴ ProN W3" pitchFamily="-84" charset="-128"/>
-                <a:sym typeface="Gill Sans" pitchFamily="-84" charset="0"/>
-              </a:defRPr>
-            </a:lvl8pPr>
-            <a:lvl9pPr marL="3886200" indent="-228600" algn="ctr" eaLnBrk="0" fontAlgn="base" hangingPunct="0">
-              <a:spcBef>
-                <a:spcPct val="0"/>
-              </a:spcBef>
-              <a:spcAft>
-                <a:spcPct val="0"/>
-              </a:spcAft>
-              <a:defRPr sz="3800">
-                <a:solidFill>
-                  <a:srgbClr val="000000"/>
-                </a:solidFill>
-                <a:latin typeface="Gill Sans" pitchFamily="-84" charset="0"/>
-                <a:ea typeface="ヒラギノ角ゴ ProN W3" pitchFamily="-84" charset="-128"/>
-                <a:sym typeface="Gill Sans" pitchFamily="-84" charset="0"/>
-              </a:defRPr>
-            </a:lvl9pPr>
-          </a:lstStyle>
-          <a:p>
-            <a:pPr eaLnBrk="1" hangingPunct="1"/>
-            <a:r>
-              <a:rPr lang="en-US" altLang="en-US">
-                <a:solidFill>
-                  <a:schemeClr val="tx1"/>
-                </a:solidFill>
-                <a:latin typeface="Helvetica" panose="020B0604020202020204" pitchFamily="34" charset="0"/>
-                <a:ea typeface="ＭＳ Ｐゴシック" pitchFamily="-84" charset="-128"/>
-                <a:sym typeface="Helvetica" panose="020B0604020202020204" pitchFamily="34" charset="0"/>
-              </a:rPr>
-              <a:t>6</a:t>
-            </a:r>
-          </a:p>
-        </p:txBody>
-      </p:sp>
-      <p:sp>
-        <p:nvSpPr>
-          <p:cNvPr id="23" name="Rectangle 19"/>
-          <p:cNvSpPr>
-            <a:spLocks/>
-          </p:cNvSpPr>
-          <p:nvPr/>
-        </p:nvSpPr>
-        <p:spPr bwMode="auto">
-          <a:xfrm>
-            <a:off x="3746500" y="4406900"/>
-            <a:ext cx="357188" cy="660400"/>
-          </a:xfrm>
-          <a:prstGeom prst="rect">
-            <a:avLst/>
-          </a:prstGeom>
-          <a:noFill/>
-          <a:ln>
-            <a:noFill/>
-          </a:ln>
-          <a:extLst>
-            <a:ext uri="{909E8E84-426E-40DD-AFC4-6F175D3DCCD1}">
-              <a14:hiddenFill xmlns:a14="http://schemas.microsoft.com/office/drawing/2010/main">
-                <a:solidFill>
-                  <a:srgbClr val="FFFFFF"/>
-                </a:solidFill>
-              </a14:hiddenFill>
-            </a:ext>
-            <a:ext uri="{91240B29-F687-4F45-9708-019B960494DF}">
-              <a14:hiddenLine xmlns:a14="http://schemas.microsoft.com/office/drawing/2010/main" w="12700">
-                <a:solidFill>
-                  <a:schemeClr val="tx1"/>
-                </a:solidFill>
-                <a:miter lim="800000"/>
-                <a:headEnd/>
-                <a:tailEnd/>
-              </a14:hiddenLine>
-            </a:ext>
-          </a:extLst>
-        </p:spPr>
-        <p:txBody>
-          <a:bodyPr wrap="none" lIns="0" tIns="0" rIns="0" bIns="0" anchor="ctr">
-            <a:spAutoFit/>
-          </a:bodyPr>
-          <a:lstStyle>
-            <a:lvl1pPr algn="ctr">
-              <a:defRPr sz="3800">
-                <a:solidFill>
-                  <a:srgbClr val="000000"/>
-                </a:solidFill>
-                <a:latin typeface="Gill Sans" pitchFamily="-84" charset="0"/>
-                <a:ea typeface="ヒラギノ角ゴ ProN W3" pitchFamily="-84" charset="-128"/>
-                <a:sym typeface="Gill Sans" pitchFamily="-84" charset="0"/>
-              </a:defRPr>
-            </a:lvl1pPr>
-            <a:lvl2pPr marL="742950" indent="-285750" algn="ctr">
-              <a:defRPr sz="3800">
-                <a:solidFill>
-                  <a:srgbClr val="000000"/>
-                </a:solidFill>
-                <a:latin typeface="Gill Sans" pitchFamily="-84" charset="0"/>
-                <a:ea typeface="ヒラギノ角ゴ ProN W3" pitchFamily="-84" charset="-128"/>
-                <a:sym typeface="Gill Sans" pitchFamily="-84" charset="0"/>
-              </a:defRPr>
-            </a:lvl2pPr>
-            <a:lvl3pPr marL="1143000" indent="-228600" algn="ctr">
-              <a:defRPr sz="3800">
-                <a:solidFill>
-                  <a:srgbClr val="000000"/>
-                </a:solidFill>
-                <a:latin typeface="Gill Sans" pitchFamily="-84" charset="0"/>
-                <a:ea typeface="ヒラギノ角ゴ ProN W3" pitchFamily="-84" charset="-128"/>
-                <a:sym typeface="Gill Sans" pitchFamily="-84" charset="0"/>
-              </a:defRPr>
-            </a:lvl3pPr>
-            <a:lvl4pPr marL="1600200" indent="-228600" algn="ctr">
-              <a:defRPr sz="3800">
-                <a:solidFill>
-                  <a:srgbClr val="000000"/>
-                </a:solidFill>
-                <a:latin typeface="Gill Sans" pitchFamily="-84" charset="0"/>
-                <a:ea typeface="ヒラギノ角ゴ ProN W3" pitchFamily="-84" charset="-128"/>
-                <a:sym typeface="Gill Sans" pitchFamily="-84" charset="0"/>
-              </a:defRPr>
-            </a:lvl4pPr>
-            <a:lvl5pPr marL="2057400" indent="-228600" algn="ctr">
-              <a:defRPr sz="3800">
-                <a:solidFill>
-                  <a:srgbClr val="000000"/>
-                </a:solidFill>
-                <a:latin typeface="Gill Sans" pitchFamily="-84" charset="0"/>
-                <a:ea typeface="ヒラギノ角ゴ ProN W3" pitchFamily="-84" charset="-128"/>
-                <a:sym typeface="Gill Sans" pitchFamily="-84" charset="0"/>
-              </a:defRPr>
-            </a:lvl5pPr>
-            <a:lvl6pPr marL="2514600" indent="-228600" algn="ctr" eaLnBrk="0" fontAlgn="base" hangingPunct="0">
-              <a:spcBef>
-                <a:spcPct val="0"/>
-              </a:spcBef>
-              <a:spcAft>
-                <a:spcPct val="0"/>
-              </a:spcAft>
-              <a:defRPr sz="3800">
-                <a:solidFill>
-                  <a:srgbClr val="000000"/>
-                </a:solidFill>
-                <a:latin typeface="Gill Sans" pitchFamily="-84" charset="0"/>
-                <a:ea typeface="ヒラギノ角ゴ ProN W3" pitchFamily="-84" charset="-128"/>
-                <a:sym typeface="Gill Sans" pitchFamily="-84" charset="0"/>
-              </a:defRPr>
-            </a:lvl6pPr>
-            <a:lvl7pPr marL="2971800" indent="-228600" algn="ctr" eaLnBrk="0" fontAlgn="base" hangingPunct="0">
-              <a:spcBef>
-                <a:spcPct val="0"/>
-              </a:spcBef>
-              <a:spcAft>
-                <a:spcPct val="0"/>
-              </a:spcAft>
-              <a:defRPr sz="3800">
-                <a:solidFill>
-                  <a:srgbClr val="000000"/>
-                </a:solidFill>
-                <a:latin typeface="Gill Sans" pitchFamily="-84" charset="0"/>
-                <a:ea typeface="ヒラギノ角ゴ ProN W3" pitchFamily="-84" charset="-128"/>
-                <a:sym typeface="Gill Sans" pitchFamily="-84" charset="0"/>
-              </a:defRPr>
-            </a:lvl7pPr>
-            <a:lvl8pPr marL="3429000" indent="-228600" algn="ctr" eaLnBrk="0" fontAlgn="base" hangingPunct="0">
-              <a:spcBef>
-                <a:spcPct val="0"/>
-              </a:spcBef>
-              <a:spcAft>
-                <a:spcPct val="0"/>
-              </a:spcAft>
-              <a:defRPr sz="3800">
-                <a:solidFill>
-                  <a:srgbClr val="000000"/>
-                </a:solidFill>
-                <a:latin typeface="Gill Sans" pitchFamily="-84" charset="0"/>
-                <a:ea typeface="ヒラギノ角ゴ ProN W3" pitchFamily="-84" charset="-128"/>
-                <a:sym typeface="Gill Sans" pitchFamily="-84" charset="0"/>
-              </a:defRPr>
-            </a:lvl8pPr>
-            <a:lvl9pPr marL="3886200" indent="-228600" algn="ctr" eaLnBrk="0" fontAlgn="base" hangingPunct="0">
-              <a:spcBef>
-                <a:spcPct val="0"/>
-              </a:spcBef>
-              <a:spcAft>
-                <a:spcPct val="0"/>
-              </a:spcAft>
-              <a:defRPr sz="3800">
-                <a:solidFill>
-                  <a:srgbClr val="000000"/>
-                </a:solidFill>
-                <a:latin typeface="Gill Sans" pitchFamily="-84" charset="0"/>
-                <a:ea typeface="ヒラギノ角ゴ ProN W3" pitchFamily="-84" charset="-128"/>
-                <a:sym typeface="Gill Sans" pitchFamily="-84" charset="0"/>
-              </a:defRPr>
-            </a:lvl9pPr>
-          </a:lstStyle>
-          <a:p>
-            <a:pPr eaLnBrk="1" hangingPunct="1"/>
-            <a:r>
-              <a:rPr lang="en-US" altLang="en-US">
-                <a:solidFill>
-                  <a:schemeClr val="tx1"/>
-                </a:solidFill>
-                <a:latin typeface="Helvetica" panose="020B0604020202020204" pitchFamily="34" charset="0"/>
-                <a:ea typeface="ＭＳ Ｐゴシック" pitchFamily="-84" charset="-128"/>
-                <a:sym typeface="Helvetica" panose="020B0604020202020204" pitchFamily="34" charset="0"/>
-              </a:rPr>
-              <a:t>5</a:t>
-            </a:r>
+          <a:lstStyle/>
+          <a:p>
+            <a:r>
+              <a:rPr lang="en-US" dirty="0" smtClean="0"/>
+              <a:t>Image Courtesy - Wikipedia</a:t>
+            </a:r>
+            <a:endParaRPr lang="en-US" dirty="0"/>
           </a:p>
         </p:txBody>
       </p:sp>
@@ -18850,11 +16435,11 @@
   <p:clrMapOvr>
     <a:masterClrMapping/>
   </p:clrMapOvr>
-  <mc:AlternateContent xmlns:mc="http://schemas.openxmlformats.org/markup-compatibility/2006">
-    <mc:Choice xmlns:p14="http://schemas.microsoft.com/office/powerpoint/2010/main" Requires="p14">
+  <mc:AlternateContent xmlns:mc="http://schemas.openxmlformats.org/markup-compatibility/2006" xmlns:p14="http://schemas.microsoft.com/office/powerpoint/2010/main">
+    <mc:Choice Requires="p14">
       <p:transition spd="slow" p14:dur="2000" advTm="55457"/>
     </mc:Choice>
-    <mc:Fallback>
+    <mc:Fallback xmlns="">
       <p:transition spd="slow" advTm="55457"/>
     </mc:Fallback>
   </mc:AlternateContent>
@@ -20748,11 +18333,11 @@
   <p:clrMapOvr>
     <a:masterClrMapping/>
   </p:clrMapOvr>
-  <mc:AlternateContent xmlns:mc="http://schemas.openxmlformats.org/markup-compatibility/2006">
-    <mc:Choice xmlns:p14="http://schemas.microsoft.com/office/powerpoint/2010/main" Requires="p14">
+  <mc:AlternateContent xmlns:mc="http://schemas.openxmlformats.org/markup-compatibility/2006" xmlns:p14="http://schemas.microsoft.com/office/powerpoint/2010/main">
+    <mc:Choice Requires="p14">
       <p:transition spd="slow" p14:dur="2000" advTm="25422"/>
     </mc:Choice>
-    <mc:Fallback>
+    <mc:Fallback xmlns="">
       <p:transition spd="slow" advTm="25422"/>
     </mc:Fallback>
   </mc:AlternateContent>
@@ -23406,11 +20991,11 @@
   <p:clrMapOvr>
     <a:masterClrMapping/>
   </p:clrMapOvr>
-  <mc:AlternateContent xmlns:mc="http://schemas.openxmlformats.org/markup-compatibility/2006">
-    <mc:Choice xmlns:p14="http://schemas.microsoft.com/office/powerpoint/2010/main" Requires="p14">
+  <mc:AlternateContent xmlns:mc="http://schemas.openxmlformats.org/markup-compatibility/2006" xmlns:p14="http://schemas.microsoft.com/office/powerpoint/2010/main">
+    <mc:Choice Requires="p14">
       <p:transition spd="slow" p14:dur="2000" advTm="25136"/>
     </mc:Choice>
-    <mc:Fallback>
+    <mc:Fallback xmlns="">
       <p:transition spd="slow" advTm="25136"/>
     </mc:Fallback>
   </mc:AlternateContent>
@@ -26441,8 +24026,8 @@
         </p:nvSpPr>
         <p:spPr bwMode="auto">
           <a:xfrm>
-            <a:off x="4838918" y="5257284"/>
-            <a:ext cx="2580835" cy="369332"/>
+            <a:off x="4746745" y="5257284"/>
+            <a:ext cx="2765181" cy="369332"/>
           </a:xfrm>
           <a:prstGeom prst="rect">
             <a:avLst/>
@@ -26602,7 +24187,7 @@
                 <a:ea typeface="ＭＳ Ｐゴシック" pitchFamily="-84" charset="-128"/>
                 <a:sym typeface="Courier New Bold" panose="02070609020205020404" pitchFamily="49" charset="0"/>
               </a:rPr>
-              <a:t>Doctor_Patiens</a:t>
+              <a:t>Doctor_Patients</a:t>
             </a:r>
             <a:endParaRPr lang="en-US" altLang="en-US" sz="2400" dirty="0">
               <a:solidFill>
@@ -29304,6 +26889,36 @@
           </a:p>
         </p:txBody>
       </p:sp>
+      <p:sp>
+        <p:nvSpPr>
+          <p:cNvPr id="80" name="TextBox 79"/>
+          <p:cNvSpPr txBox="1"/>
+          <p:nvPr/>
+        </p:nvSpPr>
+        <p:spPr>
+          <a:xfrm>
+            <a:off x="9514497" y="6019800"/>
+            <a:ext cx="2437911" cy="369332"/>
+          </a:xfrm>
+          <a:prstGeom prst="rect">
+            <a:avLst/>
+          </a:prstGeom>
+          <a:noFill/>
+        </p:spPr>
+        <p:txBody>
+          <a:bodyPr wrap="none" rtlCol="0">
+            <a:spAutoFit/>
+          </a:bodyPr>
+          <a:lstStyle/>
+          <a:p>
+            <a:r>
+              <a:rPr lang="en-US" dirty="0" smtClean="0"/>
+              <a:t>Image Courtesy – Neo4J</a:t>
+            </a:r>
+            <a:endParaRPr lang="en-US" dirty="0"/>
+          </a:p>
+        </p:txBody>
+      </p:sp>
     </p:spTree>
     <p:extLst>
       <p:ext uri="{BB962C8B-B14F-4D97-AF65-F5344CB8AC3E}">
@@ -29314,11 +26929,11 @@
   <p:clrMapOvr>
     <a:masterClrMapping/>
   </p:clrMapOvr>
-  <mc:AlternateContent xmlns:mc="http://schemas.openxmlformats.org/markup-compatibility/2006">
-    <mc:Choice xmlns:p14="http://schemas.microsoft.com/office/powerpoint/2010/main" Requires="p14">
+  <mc:AlternateContent xmlns:mc="http://schemas.openxmlformats.org/markup-compatibility/2006" xmlns:p14="http://schemas.microsoft.com/office/powerpoint/2010/main">
+    <mc:Choice Requires="p14">
       <p:transition spd="slow" p14:dur="2000" advTm="6576"/>
     </mc:Choice>
-    <mc:Fallback>
+    <mc:Fallback xmlns="">
       <p:transition spd="slow" advTm="6576"/>
     </mc:Fallback>
   </mc:AlternateContent>
@@ -31711,6 +29326,36 @@
           </a:p>
         </p:txBody>
       </p:sp>
+      <p:sp>
+        <p:nvSpPr>
+          <p:cNvPr id="26" name="TextBox 25"/>
+          <p:cNvSpPr txBox="1"/>
+          <p:nvPr/>
+        </p:nvSpPr>
+        <p:spPr>
+          <a:xfrm>
+            <a:off x="9753600" y="6019800"/>
+            <a:ext cx="2437911" cy="369332"/>
+          </a:xfrm>
+          <a:prstGeom prst="rect">
+            <a:avLst/>
+          </a:prstGeom>
+          <a:noFill/>
+        </p:spPr>
+        <p:txBody>
+          <a:bodyPr wrap="none" rtlCol="0">
+            <a:spAutoFit/>
+          </a:bodyPr>
+          <a:lstStyle/>
+          <a:p>
+            <a:r>
+              <a:rPr lang="en-US" dirty="0" smtClean="0"/>
+              <a:t>Image Courtesy – Neo4J</a:t>
+            </a:r>
+            <a:endParaRPr lang="en-US" dirty="0"/>
+          </a:p>
+        </p:txBody>
+      </p:sp>
     </p:spTree>
     <p:extLst>
       <p:ext uri="{BB962C8B-B14F-4D97-AF65-F5344CB8AC3E}">
@@ -31721,11 +29366,11 @@
   <p:clrMapOvr>
     <a:masterClrMapping/>
   </p:clrMapOvr>
-  <mc:AlternateContent xmlns:mc="http://schemas.openxmlformats.org/markup-compatibility/2006">
-    <mc:Choice xmlns:p14="http://schemas.microsoft.com/office/powerpoint/2010/main" Requires="p14">
+  <mc:AlternateContent xmlns:mc="http://schemas.openxmlformats.org/markup-compatibility/2006" xmlns:p14="http://schemas.microsoft.com/office/powerpoint/2010/main">
+    <mc:Choice Requires="p14">
       <p:transition spd="slow" p14:dur="2000" advTm="692"/>
     </mc:Choice>
-    <mc:Fallback>
+    <mc:Fallback xmlns="">
       <p:transition spd="slow" advTm="692"/>
     </mc:Fallback>
   </mc:AlternateContent>

--- a/Neo4j/Future Unleashed_Neo4j.pptx
+++ b/Neo4j/Future Unleashed_Neo4j.pptx
@@ -4,39 +4,46 @@
   <p:sldMasterIdLst>
     <p:sldMasterId id="2147483648" r:id="rId1"/>
     <p:sldMasterId id="2147483650" r:id="rId2"/>
+    <p:sldMasterId id="2147483663" r:id="rId3"/>
   </p:sldMasterIdLst>
   <p:notesMasterIdLst>
-    <p:notesMasterId r:id="rId31"/>
+    <p:notesMasterId r:id="rId38"/>
   </p:notesMasterIdLst>
   <p:sldIdLst>
-    <p:sldId id="256" r:id="rId3"/>
-    <p:sldId id="258" r:id="rId4"/>
-    <p:sldId id="259" r:id="rId5"/>
-    <p:sldId id="273" r:id="rId6"/>
-    <p:sldId id="274" r:id="rId7"/>
-    <p:sldId id="275" r:id="rId8"/>
-    <p:sldId id="276" r:id="rId9"/>
-    <p:sldId id="277" r:id="rId10"/>
-    <p:sldId id="278" r:id="rId11"/>
-    <p:sldId id="262" r:id="rId12"/>
-    <p:sldId id="279" r:id="rId13"/>
-    <p:sldId id="280" r:id="rId14"/>
-    <p:sldId id="281" r:id="rId15"/>
-    <p:sldId id="295" r:id="rId16"/>
-    <p:sldId id="297" r:id="rId17"/>
-    <p:sldId id="282" r:id="rId18"/>
-    <p:sldId id="283" r:id="rId19"/>
-    <p:sldId id="284" r:id="rId20"/>
-    <p:sldId id="285" r:id="rId21"/>
-    <p:sldId id="286" r:id="rId22"/>
-    <p:sldId id="287" r:id="rId23"/>
-    <p:sldId id="289" r:id="rId24"/>
-    <p:sldId id="296" r:id="rId25"/>
-    <p:sldId id="290" r:id="rId26"/>
-    <p:sldId id="291" r:id="rId27"/>
-    <p:sldId id="292" r:id="rId28"/>
-    <p:sldId id="293" r:id="rId29"/>
-    <p:sldId id="294" r:id="rId30"/>
+    <p:sldId id="256" r:id="rId4"/>
+    <p:sldId id="258" r:id="rId5"/>
+    <p:sldId id="259" r:id="rId6"/>
+    <p:sldId id="273" r:id="rId7"/>
+    <p:sldId id="274" r:id="rId8"/>
+    <p:sldId id="275" r:id="rId9"/>
+    <p:sldId id="276" r:id="rId10"/>
+    <p:sldId id="277" r:id="rId11"/>
+    <p:sldId id="278" r:id="rId12"/>
+    <p:sldId id="262" r:id="rId13"/>
+    <p:sldId id="279" r:id="rId14"/>
+    <p:sldId id="280" r:id="rId15"/>
+    <p:sldId id="281" r:id="rId16"/>
+    <p:sldId id="295" r:id="rId17"/>
+    <p:sldId id="297" r:id="rId18"/>
+    <p:sldId id="282" r:id="rId19"/>
+    <p:sldId id="283" r:id="rId20"/>
+    <p:sldId id="284" r:id="rId21"/>
+    <p:sldId id="285" r:id="rId22"/>
+    <p:sldId id="286" r:id="rId23"/>
+    <p:sldId id="287" r:id="rId24"/>
+    <p:sldId id="289" r:id="rId25"/>
+    <p:sldId id="296" r:id="rId26"/>
+    <p:sldId id="290" r:id="rId27"/>
+    <p:sldId id="291" r:id="rId28"/>
+    <p:sldId id="292" r:id="rId29"/>
+    <p:sldId id="293" r:id="rId30"/>
+    <p:sldId id="294" r:id="rId31"/>
+    <p:sldId id="298" r:id="rId32"/>
+    <p:sldId id="299" r:id="rId33"/>
+    <p:sldId id="300" r:id="rId34"/>
+    <p:sldId id="301" r:id="rId35"/>
+    <p:sldId id="302" r:id="rId36"/>
+    <p:sldId id="303" r:id="rId37"/>
   </p:sldIdLst>
   <p:sldSz cx="12192000" cy="6858000"/>
   <p:notesSz cx="6858000" cy="9144000"/>
@@ -2106,7 +2113,7 @@
           <a:p>
             <a:fld id="{CCE70BC5-5967-46F5-B959-0187FC8CE82A}" type="datetimeFigureOut">
               <a:rPr lang="en-US" smtClean="0"/>
-              <a:t>11/4/2015</a:t>
+              <a:t>11/6/2015</a:t>
             </a:fld>
             <a:endParaRPr lang="en-US"/>
           </a:p>
@@ -4968,7 +4975,7 @@
           <a:p>
             <a:fld id="{615B8220-D6CE-4EBA-9DF4-44184996CC87}" type="datetimeFigureOut">
               <a:rPr lang="en-IN" smtClean="0"/>
-              <a:t>04-11-2015</a:t>
+              <a:t>06-11-2015</a:t>
             </a:fld>
             <a:endParaRPr lang="en-IN"/>
           </a:p>
@@ -5221,7 +5228,7 @@
           <a:p>
             <a:fld id="{615B8220-D6CE-4EBA-9DF4-44184996CC87}" type="datetimeFigureOut">
               <a:rPr lang="en-IN" smtClean="0"/>
-              <a:t>04-11-2015</a:t>
+              <a:t>06-11-2015</a:t>
             </a:fld>
             <a:endParaRPr lang="en-IN"/>
           </a:p>
@@ -5391,7 +5398,7 @@
           <a:p>
             <a:fld id="{615B8220-D6CE-4EBA-9DF4-44184996CC87}" type="datetimeFigureOut">
               <a:rPr lang="en-IN" smtClean="0"/>
-              <a:t>04-11-2015</a:t>
+              <a:t>06-11-2015</a:t>
             </a:fld>
             <a:endParaRPr lang="en-IN"/>
           </a:p>
@@ -5571,7 +5578,7 @@
           <a:p>
             <a:fld id="{615B8220-D6CE-4EBA-9DF4-44184996CC87}" type="datetimeFigureOut">
               <a:rPr lang="en-IN" smtClean="0"/>
-              <a:t>04-11-2015</a:t>
+              <a:t>06-11-2015</a:t>
             </a:fld>
             <a:endParaRPr lang="en-IN"/>
           </a:p>
@@ -5623,6 +5630,2553 @@
     <p:extLst>
       <p:ext uri="{BB962C8B-B14F-4D97-AF65-F5344CB8AC3E}">
         <p14:creationId xmlns:p14="http://schemas.microsoft.com/office/powerpoint/2010/main" val="2214426562"/>
+      </p:ext>
+    </p:extLst>
+  </p:cSld>
+  <p:clrMapOvr>
+    <a:masterClrMapping/>
+  </p:clrMapOvr>
+</p:sldLayout>
+</file>
+
+<file path=ppt/slideLayouts/slideLayout14.xml><?xml version="1.0" encoding="utf-8"?>
+<p:sldLayout xmlns:a="http://schemas.openxmlformats.org/drawingml/2006/main" xmlns:r="http://schemas.openxmlformats.org/officeDocument/2006/relationships" xmlns:p="http://schemas.openxmlformats.org/presentationml/2006/main" type="title" preserve="1">
+  <p:cSld name="Title Slide">
+    <p:spTree>
+      <p:nvGrpSpPr>
+        <p:cNvPr id="1" name=""/>
+        <p:cNvGrpSpPr/>
+        <p:nvPr/>
+      </p:nvGrpSpPr>
+      <p:grpSpPr>
+        <a:xfrm>
+          <a:off x="0" y="0"/>
+          <a:ext cx="0" cy="0"/>
+          <a:chOff x="0" y="0"/>
+          <a:chExt cx="0" cy="0"/>
+        </a:xfrm>
+      </p:grpSpPr>
+      <p:pic>
+        <p:nvPicPr>
+          <p:cNvPr id="10" name="Picture 9"/>
+          <p:cNvPicPr>
+            <a:picLocks noChangeAspect="1"/>
+          </p:cNvPicPr>
+          <p:nvPr userDrawn="1"/>
+        </p:nvPicPr>
+        <p:blipFill>
+          <a:blip r:embed="rId2" cstate="print">
+            <a:extLst>
+              <a:ext uri="{28A0092B-C50C-407E-A947-70E740481C1C}">
+                <a14:useLocalDpi xmlns:a14="http://schemas.microsoft.com/office/drawing/2010/main" val="0"/>
+              </a:ext>
+            </a:extLst>
+          </a:blip>
+          <a:stretch>
+            <a:fillRect/>
+          </a:stretch>
+        </p:blipFill>
+        <p:spPr>
+          <a:xfrm>
+            <a:off x="-152401" y="-92774"/>
+            <a:ext cx="12417431" cy="6985913"/>
+          </a:xfrm>
+          <a:prstGeom prst="rect">
+            <a:avLst/>
+          </a:prstGeom>
+        </p:spPr>
+      </p:pic>
+      <p:sp>
+        <p:nvSpPr>
+          <p:cNvPr id="2" name="Title 1"/>
+          <p:cNvSpPr>
+            <a:spLocks noGrp="1"/>
+          </p:cNvSpPr>
+          <p:nvPr>
+            <p:ph type="ctrTitle"/>
+          </p:nvPr>
+        </p:nvSpPr>
+        <p:spPr>
+          <a:xfrm>
+            <a:off x="1524000" y="1122363"/>
+            <a:ext cx="9144000" cy="2387600"/>
+          </a:xfrm>
+        </p:spPr>
+        <p:txBody>
+          <a:bodyPr anchor="b"/>
+          <a:lstStyle>
+            <a:lvl1pPr algn="ctr">
+              <a:defRPr sz="6000"/>
+            </a:lvl1pPr>
+          </a:lstStyle>
+          <a:p>
+            <a:r>
+              <a:rPr lang="en-US" smtClean="0"/>
+              <a:t>Click to edit Master title style</a:t>
+            </a:r>
+            <a:endParaRPr lang="en-IN"/>
+          </a:p>
+        </p:txBody>
+      </p:sp>
+      <p:sp>
+        <p:nvSpPr>
+          <p:cNvPr id="3" name="Subtitle 2"/>
+          <p:cNvSpPr>
+            <a:spLocks noGrp="1"/>
+          </p:cNvSpPr>
+          <p:nvPr>
+            <p:ph type="subTitle" idx="1"/>
+          </p:nvPr>
+        </p:nvSpPr>
+        <p:spPr>
+          <a:xfrm>
+            <a:off x="1524000" y="3602038"/>
+            <a:ext cx="9144000" cy="1655762"/>
+          </a:xfrm>
+        </p:spPr>
+        <p:txBody>
+          <a:bodyPr/>
+          <a:lstStyle>
+            <a:lvl1pPr marL="0" indent="0" algn="ctr">
+              <a:buNone/>
+              <a:defRPr sz="2400"/>
+            </a:lvl1pPr>
+            <a:lvl2pPr marL="457200" indent="0" algn="ctr">
+              <a:buNone/>
+              <a:defRPr sz="2000"/>
+            </a:lvl2pPr>
+            <a:lvl3pPr marL="914400" indent="0" algn="ctr">
+              <a:buNone/>
+              <a:defRPr sz="1800"/>
+            </a:lvl3pPr>
+            <a:lvl4pPr marL="1371600" indent="0" algn="ctr">
+              <a:buNone/>
+              <a:defRPr sz="1600"/>
+            </a:lvl4pPr>
+            <a:lvl5pPr marL="1828800" indent="0" algn="ctr">
+              <a:buNone/>
+              <a:defRPr sz="1600"/>
+            </a:lvl5pPr>
+            <a:lvl6pPr marL="2286000" indent="0" algn="ctr">
+              <a:buNone/>
+              <a:defRPr sz="1600"/>
+            </a:lvl6pPr>
+            <a:lvl7pPr marL="2743200" indent="0" algn="ctr">
+              <a:buNone/>
+              <a:defRPr sz="1600"/>
+            </a:lvl7pPr>
+            <a:lvl8pPr marL="3200400" indent="0" algn="ctr">
+              <a:buNone/>
+              <a:defRPr sz="1600"/>
+            </a:lvl8pPr>
+            <a:lvl9pPr marL="3657600" indent="0" algn="ctr">
+              <a:buNone/>
+              <a:defRPr sz="1600"/>
+            </a:lvl9pPr>
+          </a:lstStyle>
+          <a:p>
+            <a:r>
+              <a:rPr lang="en-US" smtClean="0"/>
+              <a:t>Click to edit Master subtitle style</a:t>
+            </a:r>
+            <a:endParaRPr lang="en-IN"/>
+          </a:p>
+        </p:txBody>
+      </p:sp>
+      <p:sp>
+        <p:nvSpPr>
+          <p:cNvPr id="4" name="Date Placeholder 3"/>
+          <p:cNvSpPr>
+            <a:spLocks noGrp="1"/>
+          </p:cNvSpPr>
+          <p:nvPr>
+            <p:ph type="dt" sz="half" idx="10"/>
+          </p:nvPr>
+        </p:nvSpPr>
+        <p:spPr/>
+        <p:txBody>
+          <a:bodyPr/>
+          <a:lstStyle/>
+          <a:p>
+            <a:pPr marL="0" marR="0" lvl="0" indent="0" algn="l" defTabSz="914400" rtl="0" eaLnBrk="1" fontAlgn="auto" latinLnBrk="0" hangingPunct="1">
+              <a:lnSpc>
+                <a:spcPct val="100000"/>
+              </a:lnSpc>
+              <a:spcBef>
+                <a:spcPts val="0"/>
+              </a:spcBef>
+              <a:spcAft>
+                <a:spcPts val="0"/>
+              </a:spcAft>
+              <a:buClrTx/>
+              <a:buSzTx/>
+              <a:buFontTx/>
+              <a:buNone/>
+              <a:tabLst/>
+              <a:defRPr/>
+            </a:pPr>
+            <a:fld id="{615B8220-D6CE-4EBA-9DF4-44184996CC87}" type="datetimeFigureOut">
+              <a:rPr kumimoji="0" lang="en-IN" sz="1200" b="0" i="0" u="none" strike="noStrike" kern="1200" cap="none" spc="0" normalizeH="0" baseline="0" noProof="0" smtClean="0">
+                <a:ln>
+                  <a:noFill/>
+                </a:ln>
+                <a:solidFill>
+                  <a:prstClr val="black">
+                    <a:tint val="75000"/>
+                  </a:prstClr>
+                </a:solidFill>
+                <a:effectLst/>
+                <a:uLnTx/>
+                <a:uFillTx/>
+                <a:latin typeface="Calibri" panose="020F0502020204030204"/>
+                <a:ea typeface="+mn-ea"/>
+                <a:cs typeface="+mn-cs"/>
+              </a:rPr>
+              <a:pPr marL="0" marR="0" lvl="0" indent="0" algn="l" defTabSz="914400" rtl="0" eaLnBrk="1" fontAlgn="auto" latinLnBrk="0" hangingPunct="1">
+                <a:lnSpc>
+                  <a:spcPct val="100000"/>
+                </a:lnSpc>
+                <a:spcBef>
+                  <a:spcPts val="0"/>
+                </a:spcBef>
+                <a:spcAft>
+                  <a:spcPts val="0"/>
+                </a:spcAft>
+                <a:buClrTx/>
+                <a:buSzTx/>
+                <a:buFontTx/>
+                <a:buNone/>
+                <a:tabLst/>
+                <a:defRPr/>
+              </a:pPr>
+              <a:t>06-11-2015</a:t>
+            </a:fld>
+            <a:endParaRPr kumimoji="0" lang="en-IN" sz="1200" b="0" i="0" u="none" strike="noStrike" kern="1200" cap="none" spc="0" normalizeH="0" baseline="0" noProof="0">
+              <a:ln>
+                <a:noFill/>
+              </a:ln>
+              <a:solidFill>
+                <a:prstClr val="black">
+                  <a:tint val="75000"/>
+                </a:prstClr>
+              </a:solidFill>
+              <a:effectLst/>
+              <a:uLnTx/>
+              <a:uFillTx/>
+              <a:latin typeface="Calibri" panose="020F0502020204030204"/>
+              <a:ea typeface="+mn-ea"/>
+              <a:cs typeface="+mn-cs"/>
+            </a:endParaRPr>
+          </a:p>
+        </p:txBody>
+      </p:sp>
+      <p:sp>
+        <p:nvSpPr>
+          <p:cNvPr id="5" name="Footer Placeholder 4"/>
+          <p:cNvSpPr>
+            <a:spLocks noGrp="1"/>
+          </p:cNvSpPr>
+          <p:nvPr>
+            <p:ph type="ftr" sz="quarter" idx="11"/>
+          </p:nvPr>
+        </p:nvSpPr>
+        <p:spPr/>
+        <p:txBody>
+          <a:bodyPr/>
+          <a:lstStyle/>
+          <a:p>
+            <a:pPr marL="0" marR="0" lvl="0" indent="0" algn="ctr" defTabSz="914400" rtl="0" eaLnBrk="1" fontAlgn="auto" latinLnBrk="0" hangingPunct="1">
+              <a:lnSpc>
+                <a:spcPct val="100000"/>
+              </a:lnSpc>
+              <a:spcBef>
+                <a:spcPts val="0"/>
+              </a:spcBef>
+              <a:spcAft>
+                <a:spcPts val="0"/>
+              </a:spcAft>
+              <a:buClrTx/>
+              <a:buSzTx/>
+              <a:buFontTx/>
+              <a:buNone/>
+              <a:tabLst/>
+              <a:defRPr/>
+            </a:pPr>
+            <a:endParaRPr kumimoji="0" lang="en-IN" sz="1200" b="0" i="0" u="none" strike="noStrike" kern="1200" cap="none" spc="0" normalizeH="0" baseline="0" noProof="0">
+              <a:ln>
+                <a:noFill/>
+              </a:ln>
+              <a:solidFill>
+                <a:prstClr val="black">
+                  <a:tint val="75000"/>
+                </a:prstClr>
+              </a:solidFill>
+              <a:effectLst/>
+              <a:uLnTx/>
+              <a:uFillTx/>
+              <a:latin typeface="Calibri" panose="020F0502020204030204"/>
+              <a:ea typeface="+mn-ea"/>
+              <a:cs typeface="+mn-cs"/>
+            </a:endParaRPr>
+          </a:p>
+        </p:txBody>
+      </p:sp>
+      <p:sp>
+        <p:nvSpPr>
+          <p:cNvPr id="6" name="Slide Number Placeholder 5"/>
+          <p:cNvSpPr>
+            <a:spLocks noGrp="1"/>
+          </p:cNvSpPr>
+          <p:nvPr>
+            <p:ph type="sldNum" sz="quarter" idx="12"/>
+          </p:nvPr>
+        </p:nvSpPr>
+        <p:spPr/>
+        <p:txBody>
+          <a:bodyPr/>
+          <a:lstStyle/>
+          <a:p>
+            <a:pPr marL="0" marR="0" lvl="0" indent="0" algn="r" defTabSz="914400" rtl="0" eaLnBrk="1" fontAlgn="auto" latinLnBrk="0" hangingPunct="1">
+              <a:lnSpc>
+                <a:spcPct val="100000"/>
+              </a:lnSpc>
+              <a:spcBef>
+                <a:spcPts val="0"/>
+              </a:spcBef>
+              <a:spcAft>
+                <a:spcPts val="0"/>
+              </a:spcAft>
+              <a:buClrTx/>
+              <a:buSzTx/>
+              <a:buFontTx/>
+              <a:buNone/>
+              <a:tabLst/>
+              <a:defRPr/>
+            </a:pPr>
+            <a:fld id="{72C2F659-9614-4C11-ABEC-5C229DA454D6}" type="slidenum">
+              <a:rPr kumimoji="0" lang="en-IN" sz="1200" b="0" i="0" u="none" strike="noStrike" kern="1200" cap="none" spc="0" normalizeH="0" baseline="0" noProof="0" smtClean="0">
+                <a:ln>
+                  <a:noFill/>
+                </a:ln>
+                <a:solidFill>
+                  <a:prstClr val="black">
+                    <a:tint val="75000"/>
+                  </a:prstClr>
+                </a:solidFill>
+                <a:effectLst/>
+                <a:uLnTx/>
+                <a:uFillTx/>
+                <a:latin typeface="Calibri" panose="020F0502020204030204"/>
+                <a:ea typeface="+mn-ea"/>
+                <a:cs typeface="+mn-cs"/>
+              </a:rPr>
+              <a:pPr marL="0" marR="0" lvl="0" indent="0" algn="r" defTabSz="914400" rtl="0" eaLnBrk="1" fontAlgn="auto" latinLnBrk="0" hangingPunct="1">
+                <a:lnSpc>
+                  <a:spcPct val="100000"/>
+                </a:lnSpc>
+                <a:spcBef>
+                  <a:spcPts val="0"/>
+                </a:spcBef>
+                <a:spcAft>
+                  <a:spcPts val="0"/>
+                </a:spcAft>
+                <a:buClrTx/>
+                <a:buSzTx/>
+                <a:buFontTx/>
+                <a:buNone/>
+                <a:tabLst/>
+                <a:defRPr/>
+              </a:pPr>
+              <a:t>‹#›</a:t>
+            </a:fld>
+            <a:endParaRPr kumimoji="0" lang="en-IN" sz="1200" b="0" i="0" u="none" strike="noStrike" kern="1200" cap="none" spc="0" normalizeH="0" baseline="0" noProof="0">
+              <a:ln>
+                <a:noFill/>
+              </a:ln>
+              <a:solidFill>
+                <a:prstClr val="black">
+                  <a:tint val="75000"/>
+                </a:prstClr>
+              </a:solidFill>
+              <a:effectLst/>
+              <a:uLnTx/>
+              <a:uFillTx/>
+              <a:latin typeface="Calibri" panose="020F0502020204030204"/>
+              <a:ea typeface="+mn-ea"/>
+              <a:cs typeface="+mn-cs"/>
+            </a:endParaRPr>
+          </a:p>
+        </p:txBody>
+      </p:sp>
+      <p:pic>
+        <p:nvPicPr>
+          <p:cNvPr id="11" name="Picture 10"/>
+          <p:cNvPicPr>
+            <a:picLocks noChangeAspect="1"/>
+          </p:cNvPicPr>
+          <p:nvPr userDrawn="1"/>
+        </p:nvPicPr>
+        <p:blipFill>
+          <a:blip r:embed="rId3">
+            <a:extLst>
+              <a:ext uri="{28A0092B-C50C-407E-A947-70E740481C1C}">
+                <a14:useLocalDpi xmlns:a14="http://schemas.microsoft.com/office/drawing/2010/main" val="0"/>
+              </a:ext>
+            </a:extLst>
+          </a:blip>
+          <a:stretch>
+            <a:fillRect/>
+          </a:stretch>
+        </p:blipFill>
+        <p:spPr>
+          <a:xfrm>
+            <a:off x="10640830" y="6471713"/>
+            <a:ext cx="1263089" cy="264367"/>
+          </a:xfrm>
+          <a:prstGeom prst="rect">
+            <a:avLst/>
+          </a:prstGeom>
+        </p:spPr>
+      </p:pic>
+      <p:pic>
+        <p:nvPicPr>
+          <p:cNvPr id="9" name="Picture 8"/>
+          <p:cNvPicPr>
+            <a:picLocks noChangeAspect="1"/>
+          </p:cNvPicPr>
+          <p:nvPr userDrawn="1"/>
+        </p:nvPicPr>
+        <p:blipFill>
+          <a:blip r:embed="rId4" cstate="print">
+            <a:extLst>
+              <a:ext uri="{28A0092B-C50C-407E-A947-70E740481C1C}">
+                <a14:useLocalDpi xmlns:a14="http://schemas.microsoft.com/office/drawing/2010/main" val="0"/>
+              </a:ext>
+            </a:extLst>
+          </a:blip>
+          <a:stretch>
+            <a:fillRect/>
+          </a:stretch>
+        </p:blipFill>
+        <p:spPr>
+          <a:xfrm>
+            <a:off x="11321142" y="0"/>
+            <a:ext cx="844732" cy="513538"/>
+          </a:xfrm>
+          <a:prstGeom prst="rect">
+            <a:avLst/>
+          </a:prstGeom>
+        </p:spPr>
+      </p:pic>
+    </p:spTree>
+    <p:extLst>
+      <p:ext uri="{BB962C8B-B14F-4D97-AF65-F5344CB8AC3E}">
+        <p14:creationId xmlns:p14="http://schemas.microsoft.com/office/powerpoint/2010/main" val="2276229365"/>
+      </p:ext>
+    </p:extLst>
+  </p:cSld>
+  <p:clrMapOvr>
+    <a:masterClrMapping/>
+  </p:clrMapOvr>
+</p:sldLayout>
+</file>
+
+<file path=ppt/slideLayouts/slideLayout15.xml><?xml version="1.0" encoding="utf-8"?>
+<p:sldLayout xmlns:a="http://schemas.openxmlformats.org/drawingml/2006/main" xmlns:r="http://schemas.openxmlformats.org/officeDocument/2006/relationships" xmlns:p="http://schemas.openxmlformats.org/presentationml/2006/main" type="obj" preserve="1">
+  <p:cSld name="Title and Content">
+    <p:spTree>
+      <p:nvGrpSpPr>
+        <p:cNvPr id="1" name=""/>
+        <p:cNvGrpSpPr/>
+        <p:nvPr/>
+      </p:nvGrpSpPr>
+      <p:grpSpPr>
+        <a:xfrm>
+          <a:off x="0" y="0"/>
+          <a:ext cx="0" cy="0"/>
+          <a:chOff x="0" y="0"/>
+          <a:chExt cx="0" cy="0"/>
+        </a:xfrm>
+      </p:grpSpPr>
+      <p:sp>
+        <p:nvSpPr>
+          <p:cNvPr id="2" name="Title 1"/>
+          <p:cNvSpPr>
+            <a:spLocks noGrp="1"/>
+          </p:cNvSpPr>
+          <p:nvPr>
+            <p:ph type="title"/>
+          </p:nvPr>
+        </p:nvSpPr>
+        <p:spPr/>
+        <p:txBody>
+          <a:bodyPr/>
+          <a:lstStyle/>
+          <a:p>
+            <a:r>
+              <a:rPr lang="en-US" smtClean="0"/>
+              <a:t>Click to edit Master title style</a:t>
+            </a:r>
+            <a:endParaRPr lang="en-IN"/>
+          </a:p>
+        </p:txBody>
+      </p:sp>
+      <p:sp>
+        <p:nvSpPr>
+          <p:cNvPr id="3" name="Content Placeholder 2"/>
+          <p:cNvSpPr>
+            <a:spLocks noGrp="1"/>
+          </p:cNvSpPr>
+          <p:nvPr>
+            <p:ph idx="1"/>
+          </p:nvPr>
+        </p:nvSpPr>
+        <p:spPr/>
+        <p:txBody>
+          <a:bodyPr/>
+          <a:lstStyle/>
+          <a:p>
+            <a:pPr lvl="0"/>
+            <a:r>
+              <a:rPr lang="en-US" smtClean="0"/>
+              <a:t>Click to edit Master text styles</a:t>
+            </a:r>
+          </a:p>
+          <a:p>
+            <a:pPr lvl="1"/>
+            <a:r>
+              <a:rPr lang="en-US" smtClean="0"/>
+              <a:t>Second level</a:t>
+            </a:r>
+          </a:p>
+          <a:p>
+            <a:pPr lvl="2"/>
+            <a:r>
+              <a:rPr lang="en-US" smtClean="0"/>
+              <a:t>Third level</a:t>
+            </a:r>
+          </a:p>
+          <a:p>
+            <a:pPr lvl="3"/>
+            <a:r>
+              <a:rPr lang="en-US" smtClean="0"/>
+              <a:t>Fourth level</a:t>
+            </a:r>
+          </a:p>
+          <a:p>
+            <a:pPr lvl="4"/>
+            <a:r>
+              <a:rPr lang="en-US" smtClean="0"/>
+              <a:t>Fifth level</a:t>
+            </a:r>
+            <a:endParaRPr lang="en-IN"/>
+          </a:p>
+        </p:txBody>
+      </p:sp>
+      <p:sp>
+        <p:nvSpPr>
+          <p:cNvPr id="4" name="Date Placeholder 3"/>
+          <p:cNvSpPr>
+            <a:spLocks noGrp="1"/>
+          </p:cNvSpPr>
+          <p:nvPr>
+            <p:ph type="dt" sz="half" idx="10"/>
+          </p:nvPr>
+        </p:nvSpPr>
+        <p:spPr/>
+        <p:txBody>
+          <a:bodyPr/>
+          <a:lstStyle/>
+          <a:p>
+            <a:pPr marL="0" marR="0" lvl="0" indent="0" algn="l" defTabSz="914400" rtl="0" eaLnBrk="1" fontAlgn="auto" latinLnBrk="0" hangingPunct="1">
+              <a:lnSpc>
+                <a:spcPct val="100000"/>
+              </a:lnSpc>
+              <a:spcBef>
+                <a:spcPts val="0"/>
+              </a:spcBef>
+              <a:spcAft>
+                <a:spcPts val="0"/>
+              </a:spcAft>
+              <a:buClrTx/>
+              <a:buSzTx/>
+              <a:buFontTx/>
+              <a:buNone/>
+              <a:tabLst/>
+              <a:defRPr/>
+            </a:pPr>
+            <a:fld id="{615B8220-D6CE-4EBA-9DF4-44184996CC87}" type="datetimeFigureOut">
+              <a:rPr kumimoji="0" lang="en-IN" sz="1200" b="0" i="0" u="none" strike="noStrike" kern="1200" cap="none" spc="0" normalizeH="0" baseline="0" noProof="0" smtClean="0">
+                <a:ln>
+                  <a:noFill/>
+                </a:ln>
+                <a:solidFill>
+                  <a:prstClr val="black">
+                    <a:tint val="75000"/>
+                  </a:prstClr>
+                </a:solidFill>
+                <a:effectLst/>
+                <a:uLnTx/>
+                <a:uFillTx/>
+                <a:latin typeface="Calibri" panose="020F0502020204030204"/>
+                <a:ea typeface="+mn-ea"/>
+                <a:cs typeface="+mn-cs"/>
+              </a:rPr>
+              <a:pPr marL="0" marR="0" lvl="0" indent="0" algn="l" defTabSz="914400" rtl="0" eaLnBrk="1" fontAlgn="auto" latinLnBrk="0" hangingPunct="1">
+                <a:lnSpc>
+                  <a:spcPct val="100000"/>
+                </a:lnSpc>
+                <a:spcBef>
+                  <a:spcPts val="0"/>
+                </a:spcBef>
+                <a:spcAft>
+                  <a:spcPts val="0"/>
+                </a:spcAft>
+                <a:buClrTx/>
+                <a:buSzTx/>
+                <a:buFontTx/>
+                <a:buNone/>
+                <a:tabLst/>
+                <a:defRPr/>
+              </a:pPr>
+              <a:t>06-11-2015</a:t>
+            </a:fld>
+            <a:endParaRPr kumimoji="0" lang="en-IN" sz="1200" b="0" i="0" u="none" strike="noStrike" kern="1200" cap="none" spc="0" normalizeH="0" baseline="0" noProof="0">
+              <a:ln>
+                <a:noFill/>
+              </a:ln>
+              <a:solidFill>
+                <a:prstClr val="black">
+                  <a:tint val="75000"/>
+                </a:prstClr>
+              </a:solidFill>
+              <a:effectLst/>
+              <a:uLnTx/>
+              <a:uFillTx/>
+              <a:latin typeface="Calibri" panose="020F0502020204030204"/>
+              <a:ea typeface="+mn-ea"/>
+              <a:cs typeface="+mn-cs"/>
+            </a:endParaRPr>
+          </a:p>
+        </p:txBody>
+      </p:sp>
+      <p:sp>
+        <p:nvSpPr>
+          <p:cNvPr id="5" name="Footer Placeholder 4"/>
+          <p:cNvSpPr>
+            <a:spLocks noGrp="1"/>
+          </p:cNvSpPr>
+          <p:nvPr>
+            <p:ph type="ftr" sz="quarter" idx="11"/>
+          </p:nvPr>
+        </p:nvSpPr>
+        <p:spPr/>
+        <p:txBody>
+          <a:bodyPr/>
+          <a:lstStyle/>
+          <a:p>
+            <a:pPr marL="0" marR="0" lvl="0" indent="0" algn="ctr" defTabSz="914400" rtl="0" eaLnBrk="1" fontAlgn="auto" latinLnBrk="0" hangingPunct="1">
+              <a:lnSpc>
+                <a:spcPct val="100000"/>
+              </a:lnSpc>
+              <a:spcBef>
+                <a:spcPts val="0"/>
+              </a:spcBef>
+              <a:spcAft>
+                <a:spcPts val="0"/>
+              </a:spcAft>
+              <a:buClrTx/>
+              <a:buSzTx/>
+              <a:buFontTx/>
+              <a:buNone/>
+              <a:tabLst/>
+              <a:defRPr/>
+            </a:pPr>
+            <a:endParaRPr kumimoji="0" lang="en-IN" sz="1200" b="0" i="0" u="none" strike="noStrike" kern="1200" cap="none" spc="0" normalizeH="0" baseline="0" noProof="0">
+              <a:ln>
+                <a:noFill/>
+              </a:ln>
+              <a:solidFill>
+                <a:prstClr val="black">
+                  <a:tint val="75000"/>
+                </a:prstClr>
+              </a:solidFill>
+              <a:effectLst/>
+              <a:uLnTx/>
+              <a:uFillTx/>
+              <a:latin typeface="Calibri" panose="020F0502020204030204"/>
+              <a:ea typeface="+mn-ea"/>
+              <a:cs typeface="+mn-cs"/>
+            </a:endParaRPr>
+          </a:p>
+        </p:txBody>
+      </p:sp>
+      <p:sp>
+        <p:nvSpPr>
+          <p:cNvPr id="6" name="Slide Number Placeholder 5"/>
+          <p:cNvSpPr>
+            <a:spLocks noGrp="1"/>
+          </p:cNvSpPr>
+          <p:nvPr>
+            <p:ph type="sldNum" sz="quarter" idx="12"/>
+          </p:nvPr>
+        </p:nvSpPr>
+        <p:spPr/>
+        <p:txBody>
+          <a:bodyPr/>
+          <a:lstStyle/>
+          <a:p>
+            <a:pPr marL="0" marR="0" lvl="0" indent="0" algn="r" defTabSz="914400" rtl="0" eaLnBrk="1" fontAlgn="auto" latinLnBrk="0" hangingPunct="1">
+              <a:lnSpc>
+                <a:spcPct val="100000"/>
+              </a:lnSpc>
+              <a:spcBef>
+                <a:spcPts val="0"/>
+              </a:spcBef>
+              <a:spcAft>
+                <a:spcPts val="0"/>
+              </a:spcAft>
+              <a:buClrTx/>
+              <a:buSzTx/>
+              <a:buFontTx/>
+              <a:buNone/>
+              <a:tabLst/>
+              <a:defRPr/>
+            </a:pPr>
+            <a:fld id="{72C2F659-9614-4C11-ABEC-5C229DA454D6}" type="slidenum">
+              <a:rPr kumimoji="0" lang="en-IN" sz="1200" b="0" i="0" u="none" strike="noStrike" kern="1200" cap="none" spc="0" normalizeH="0" baseline="0" noProof="0" smtClean="0">
+                <a:ln>
+                  <a:noFill/>
+                </a:ln>
+                <a:solidFill>
+                  <a:prstClr val="black">
+                    <a:tint val="75000"/>
+                  </a:prstClr>
+                </a:solidFill>
+                <a:effectLst/>
+                <a:uLnTx/>
+                <a:uFillTx/>
+                <a:latin typeface="Calibri" panose="020F0502020204030204"/>
+                <a:ea typeface="+mn-ea"/>
+                <a:cs typeface="+mn-cs"/>
+              </a:rPr>
+              <a:pPr marL="0" marR="0" lvl="0" indent="0" algn="r" defTabSz="914400" rtl="0" eaLnBrk="1" fontAlgn="auto" latinLnBrk="0" hangingPunct="1">
+                <a:lnSpc>
+                  <a:spcPct val="100000"/>
+                </a:lnSpc>
+                <a:spcBef>
+                  <a:spcPts val="0"/>
+                </a:spcBef>
+                <a:spcAft>
+                  <a:spcPts val="0"/>
+                </a:spcAft>
+                <a:buClrTx/>
+                <a:buSzTx/>
+                <a:buFontTx/>
+                <a:buNone/>
+                <a:tabLst/>
+                <a:defRPr/>
+              </a:pPr>
+              <a:t>‹#›</a:t>
+            </a:fld>
+            <a:endParaRPr kumimoji="0" lang="en-IN" sz="1200" b="0" i="0" u="none" strike="noStrike" kern="1200" cap="none" spc="0" normalizeH="0" baseline="0" noProof="0">
+              <a:ln>
+                <a:noFill/>
+              </a:ln>
+              <a:solidFill>
+                <a:prstClr val="black">
+                  <a:tint val="75000"/>
+                </a:prstClr>
+              </a:solidFill>
+              <a:effectLst/>
+              <a:uLnTx/>
+              <a:uFillTx/>
+              <a:latin typeface="Calibri" panose="020F0502020204030204"/>
+              <a:ea typeface="+mn-ea"/>
+              <a:cs typeface="+mn-cs"/>
+            </a:endParaRPr>
+          </a:p>
+        </p:txBody>
+      </p:sp>
+      <p:pic>
+        <p:nvPicPr>
+          <p:cNvPr id="7" name="Picture 6"/>
+          <p:cNvPicPr>
+            <a:picLocks noChangeAspect="1"/>
+          </p:cNvPicPr>
+          <p:nvPr userDrawn="1"/>
+        </p:nvPicPr>
+        <p:blipFill>
+          <a:blip r:embed="rId2" cstate="print">
+            <a:extLst>
+              <a:ext uri="{28A0092B-C50C-407E-A947-70E740481C1C}">
+                <a14:useLocalDpi xmlns:a14="http://schemas.microsoft.com/office/drawing/2010/main" val="0"/>
+              </a:ext>
+            </a:extLst>
+          </a:blip>
+          <a:stretch>
+            <a:fillRect/>
+          </a:stretch>
+        </p:blipFill>
+        <p:spPr>
+          <a:xfrm>
+            <a:off x="10460441" y="6295811"/>
+            <a:ext cx="1623869" cy="597329"/>
+          </a:xfrm>
+          <a:prstGeom prst="rect">
+            <a:avLst/>
+          </a:prstGeom>
+        </p:spPr>
+      </p:pic>
+    </p:spTree>
+    <p:extLst>
+      <p:ext uri="{BB962C8B-B14F-4D97-AF65-F5344CB8AC3E}">
+        <p14:creationId xmlns:p14="http://schemas.microsoft.com/office/powerpoint/2010/main" val="3880554117"/>
+      </p:ext>
+    </p:extLst>
+  </p:cSld>
+  <p:clrMapOvr>
+    <a:masterClrMapping/>
+  </p:clrMapOvr>
+</p:sldLayout>
+</file>
+
+<file path=ppt/slideLayouts/slideLayout16.xml><?xml version="1.0" encoding="utf-8"?>
+<p:sldLayout xmlns:a="http://schemas.openxmlformats.org/drawingml/2006/main" xmlns:r="http://schemas.openxmlformats.org/officeDocument/2006/relationships" xmlns:p="http://schemas.openxmlformats.org/presentationml/2006/main" type="obj" preserve="1">
+  <p:cSld name="1_Title and Content">
+    <p:spTree>
+      <p:nvGrpSpPr>
+        <p:cNvPr id="1" name=""/>
+        <p:cNvGrpSpPr/>
+        <p:nvPr/>
+      </p:nvGrpSpPr>
+      <p:grpSpPr>
+        <a:xfrm>
+          <a:off x="0" y="0"/>
+          <a:ext cx="0" cy="0"/>
+          <a:chOff x="0" y="0"/>
+          <a:chExt cx="0" cy="0"/>
+        </a:xfrm>
+      </p:grpSpPr>
+      <p:pic>
+        <p:nvPicPr>
+          <p:cNvPr id="21" name="Picture 20"/>
+          <p:cNvPicPr>
+            <a:picLocks noChangeAspect="1"/>
+          </p:cNvPicPr>
+          <p:nvPr userDrawn="1"/>
+        </p:nvPicPr>
+        <p:blipFill>
+          <a:blip r:embed="rId2" cstate="print">
+            <a:extLst>
+              <a:ext uri="{28A0092B-C50C-407E-A947-70E740481C1C}">
+                <a14:useLocalDpi xmlns:a14="http://schemas.microsoft.com/office/drawing/2010/main" val="0"/>
+              </a:ext>
+            </a:extLst>
+          </a:blip>
+          <a:stretch>
+            <a:fillRect/>
+          </a:stretch>
+        </p:blipFill>
+        <p:spPr>
+          <a:xfrm>
+            <a:off x="-152401" y="-92774"/>
+            <a:ext cx="12417431" cy="6985913"/>
+          </a:xfrm>
+          <a:prstGeom prst="rect">
+            <a:avLst/>
+          </a:prstGeom>
+        </p:spPr>
+      </p:pic>
+      <p:pic>
+        <p:nvPicPr>
+          <p:cNvPr id="22" name="Picture 21"/>
+          <p:cNvPicPr>
+            <a:picLocks noChangeAspect="1"/>
+          </p:cNvPicPr>
+          <p:nvPr userDrawn="1"/>
+        </p:nvPicPr>
+        <p:blipFill>
+          <a:blip r:embed="rId3">
+            <a:extLst>
+              <a:ext uri="{28A0092B-C50C-407E-A947-70E740481C1C}">
+                <a14:useLocalDpi xmlns:a14="http://schemas.microsoft.com/office/drawing/2010/main" val="0"/>
+              </a:ext>
+            </a:extLst>
+          </a:blip>
+          <a:stretch>
+            <a:fillRect/>
+          </a:stretch>
+        </p:blipFill>
+        <p:spPr>
+          <a:xfrm>
+            <a:off x="10640830" y="6471713"/>
+            <a:ext cx="1263089" cy="264367"/>
+          </a:xfrm>
+          <a:prstGeom prst="rect">
+            <a:avLst/>
+          </a:prstGeom>
+        </p:spPr>
+      </p:pic>
+      <p:sp>
+        <p:nvSpPr>
+          <p:cNvPr id="2" name="Title 1"/>
+          <p:cNvSpPr>
+            <a:spLocks noGrp="1"/>
+          </p:cNvSpPr>
+          <p:nvPr>
+            <p:ph type="title"/>
+          </p:nvPr>
+        </p:nvSpPr>
+        <p:spPr/>
+        <p:txBody>
+          <a:bodyPr/>
+          <a:lstStyle/>
+          <a:p>
+            <a:r>
+              <a:rPr lang="en-US" smtClean="0"/>
+              <a:t>Click to edit Master title style</a:t>
+            </a:r>
+            <a:endParaRPr lang="en-IN"/>
+          </a:p>
+        </p:txBody>
+      </p:sp>
+      <p:sp>
+        <p:nvSpPr>
+          <p:cNvPr id="3" name="Content Placeholder 2"/>
+          <p:cNvSpPr>
+            <a:spLocks noGrp="1"/>
+          </p:cNvSpPr>
+          <p:nvPr>
+            <p:ph idx="1"/>
+          </p:nvPr>
+        </p:nvSpPr>
+        <p:spPr/>
+        <p:txBody>
+          <a:bodyPr/>
+          <a:lstStyle/>
+          <a:p>
+            <a:pPr lvl="0"/>
+            <a:r>
+              <a:rPr lang="en-US" smtClean="0"/>
+              <a:t>Click to edit Master text styles</a:t>
+            </a:r>
+          </a:p>
+          <a:p>
+            <a:pPr lvl="1"/>
+            <a:r>
+              <a:rPr lang="en-US" smtClean="0"/>
+              <a:t>Second level</a:t>
+            </a:r>
+          </a:p>
+          <a:p>
+            <a:pPr lvl="2"/>
+            <a:r>
+              <a:rPr lang="en-US" smtClean="0"/>
+              <a:t>Third level</a:t>
+            </a:r>
+          </a:p>
+          <a:p>
+            <a:pPr lvl="3"/>
+            <a:r>
+              <a:rPr lang="en-US" smtClean="0"/>
+              <a:t>Fourth level</a:t>
+            </a:r>
+          </a:p>
+          <a:p>
+            <a:pPr lvl="4"/>
+            <a:r>
+              <a:rPr lang="en-US" smtClean="0"/>
+              <a:t>Fifth level</a:t>
+            </a:r>
+            <a:endParaRPr lang="en-IN"/>
+          </a:p>
+        </p:txBody>
+      </p:sp>
+      <p:sp>
+        <p:nvSpPr>
+          <p:cNvPr id="4" name="Date Placeholder 3"/>
+          <p:cNvSpPr>
+            <a:spLocks noGrp="1"/>
+          </p:cNvSpPr>
+          <p:nvPr>
+            <p:ph type="dt" sz="half" idx="10"/>
+          </p:nvPr>
+        </p:nvSpPr>
+        <p:spPr/>
+        <p:txBody>
+          <a:bodyPr/>
+          <a:lstStyle/>
+          <a:p>
+            <a:pPr marL="0" marR="0" lvl="0" indent="0" algn="l" defTabSz="914400" rtl="0" eaLnBrk="1" fontAlgn="auto" latinLnBrk="0" hangingPunct="1">
+              <a:lnSpc>
+                <a:spcPct val="100000"/>
+              </a:lnSpc>
+              <a:spcBef>
+                <a:spcPts val="0"/>
+              </a:spcBef>
+              <a:spcAft>
+                <a:spcPts val="0"/>
+              </a:spcAft>
+              <a:buClrTx/>
+              <a:buSzTx/>
+              <a:buFontTx/>
+              <a:buNone/>
+              <a:tabLst/>
+              <a:defRPr/>
+            </a:pPr>
+            <a:fld id="{615B8220-D6CE-4EBA-9DF4-44184996CC87}" type="datetimeFigureOut">
+              <a:rPr kumimoji="0" lang="en-IN" sz="1200" b="0" i="0" u="none" strike="noStrike" kern="1200" cap="none" spc="0" normalizeH="0" baseline="0" noProof="0" smtClean="0">
+                <a:ln>
+                  <a:noFill/>
+                </a:ln>
+                <a:solidFill>
+                  <a:prstClr val="black">
+                    <a:tint val="75000"/>
+                  </a:prstClr>
+                </a:solidFill>
+                <a:effectLst/>
+                <a:uLnTx/>
+                <a:uFillTx/>
+                <a:latin typeface="Calibri" panose="020F0502020204030204"/>
+                <a:ea typeface="+mn-ea"/>
+                <a:cs typeface="+mn-cs"/>
+              </a:rPr>
+              <a:pPr marL="0" marR="0" lvl="0" indent="0" algn="l" defTabSz="914400" rtl="0" eaLnBrk="1" fontAlgn="auto" latinLnBrk="0" hangingPunct="1">
+                <a:lnSpc>
+                  <a:spcPct val="100000"/>
+                </a:lnSpc>
+                <a:spcBef>
+                  <a:spcPts val="0"/>
+                </a:spcBef>
+                <a:spcAft>
+                  <a:spcPts val="0"/>
+                </a:spcAft>
+                <a:buClrTx/>
+                <a:buSzTx/>
+                <a:buFontTx/>
+                <a:buNone/>
+                <a:tabLst/>
+                <a:defRPr/>
+              </a:pPr>
+              <a:t>06-11-2015</a:t>
+            </a:fld>
+            <a:endParaRPr kumimoji="0" lang="en-IN" sz="1200" b="0" i="0" u="none" strike="noStrike" kern="1200" cap="none" spc="0" normalizeH="0" baseline="0" noProof="0">
+              <a:ln>
+                <a:noFill/>
+              </a:ln>
+              <a:solidFill>
+                <a:prstClr val="black">
+                  <a:tint val="75000"/>
+                </a:prstClr>
+              </a:solidFill>
+              <a:effectLst/>
+              <a:uLnTx/>
+              <a:uFillTx/>
+              <a:latin typeface="Calibri" panose="020F0502020204030204"/>
+              <a:ea typeface="+mn-ea"/>
+              <a:cs typeface="+mn-cs"/>
+            </a:endParaRPr>
+          </a:p>
+        </p:txBody>
+      </p:sp>
+      <p:sp>
+        <p:nvSpPr>
+          <p:cNvPr id="5" name="Footer Placeholder 4"/>
+          <p:cNvSpPr>
+            <a:spLocks noGrp="1"/>
+          </p:cNvSpPr>
+          <p:nvPr>
+            <p:ph type="ftr" sz="quarter" idx="11"/>
+          </p:nvPr>
+        </p:nvSpPr>
+        <p:spPr/>
+        <p:txBody>
+          <a:bodyPr/>
+          <a:lstStyle/>
+          <a:p>
+            <a:pPr marL="0" marR="0" lvl="0" indent="0" algn="ctr" defTabSz="914400" rtl="0" eaLnBrk="1" fontAlgn="auto" latinLnBrk="0" hangingPunct="1">
+              <a:lnSpc>
+                <a:spcPct val="100000"/>
+              </a:lnSpc>
+              <a:spcBef>
+                <a:spcPts val="0"/>
+              </a:spcBef>
+              <a:spcAft>
+                <a:spcPts val="0"/>
+              </a:spcAft>
+              <a:buClrTx/>
+              <a:buSzTx/>
+              <a:buFontTx/>
+              <a:buNone/>
+              <a:tabLst/>
+              <a:defRPr/>
+            </a:pPr>
+            <a:endParaRPr kumimoji="0" lang="en-IN" sz="1200" b="0" i="0" u="none" strike="noStrike" kern="1200" cap="none" spc="0" normalizeH="0" baseline="0" noProof="0">
+              <a:ln>
+                <a:noFill/>
+              </a:ln>
+              <a:solidFill>
+                <a:prstClr val="black">
+                  <a:tint val="75000"/>
+                </a:prstClr>
+              </a:solidFill>
+              <a:effectLst/>
+              <a:uLnTx/>
+              <a:uFillTx/>
+              <a:latin typeface="Calibri" panose="020F0502020204030204"/>
+              <a:ea typeface="+mn-ea"/>
+              <a:cs typeface="+mn-cs"/>
+            </a:endParaRPr>
+          </a:p>
+        </p:txBody>
+      </p:sp>
+      <p:sp>
+        <p:nvSpPr>
+          <p:cNvPr id="6" name="Slide Number Placeholder 5"/>
+          <p:cNvSpPr>
+            <a:spLocks noGrp="1"/>
+          </p:cNvSpPr>
+          <p:nvPr>
+            <p:ph type="sldNum" sz="quarter" idx="12"/>
+          </p:nvPr>
+        </p:nvSpPr>
+        <p:spPr/>
+        <p:txBody>
+          <a:bodyPr/>
+          <a:lstStyle/>
+          <a:p>
+            <a:pPr marL="0" marR="0" lvl="0" indent="0" algn="r" defTabSz="914400" rtl="0" eaLnBrk="1" fontAlgn="auto" latinLnBrk="0" hangingPunct="1">
+              <a:lnSpc>
+                <a:spcPct val="100000"/>
+              </a:lnSpc>
+              <a:spcBef>
+                <a:spcPts val="0"/>
+              </a:spcBef>
+              <a:spcAft>
+                <a:spcPts val="0"/>
+              </a:spcAft>
+              <a:buClrTx/>
+              <a:buSzTx/>
+              <a:buFontTx/>
+              <a:buNone/>
+              <a:tabLst/>
+              <a:defRPr/>
+            </a:pPr>
+            <a:fld id="{72C2F659-9614-4C11-ABEC-5C229DA454D6}" type="slidenum">
+              <a:rPr kumimoji="0" lang="en-IN" sz="1200" b="0" i="0" u="none" strike="noStrike" kern="1200" cap="none" spc="0" normalizeH="0" baseline="0" noProof="0" smtClean="0">
+                <a:ln>
+                  <a:noFill/>
+                </a:ln>
+                <a:solidFill>
+                  <a:prstClr val="black">
+                    <a:tint val="75000"/>
+                  </a:prstClr>
+                </a:solidFill>
+                <a:effectLst/>
+                <a:uLnTx/>
+                <a:uFillTx/>
+                <a:latin typeface="Calibri" panose="020F0502020204030204"/>
+                <a:ea typeface="+mn-ea"/>
+                <a:cs typeface="+mn-cs"/>
+              </a:rPr>
+              <a:pPr marL="0" marR="0" lvl="0" indent="0" algn="r" defTabSz="914400" rtl="0" eaLnBrk="1" fontAlgn="auto" latinLnBrk="0" hangingPunct="1">
+                <a:lnSpc>
+                  <a:spcPct val="100000"/>
+                </a:lnSpc>
+                <a:spcBef>
+                  <a:spcPts val="0"/>
+                </a:spcBef>
+                <a:spcAft>
+                  <a:spcPts val="0"/>
+                </a:spcAft>
+                <a:buClrTx/>
+                <a:buSzTx/>
+                <a:buFontTx/>
+                <a:buNone/>
+                <a:tabLst/>
+                <a:defRPr/>
+              </a:pPr>
+              <a:t>‹#›</a:t>
+            </a:fld>
+            <a:endParaRPr kumimoji="0" lang="en-IN" sz="1200" b="0" i="0" u="none" strike="noStrike" kern="1200" cap="none" spc="0" normalizeH="0" baseline="0" noProof="0">
+              <a:ln>
+                <a:noFill/>
+              </a:ln>
+              <a:solidFill>
+                <a:prstClr val="black">
+                  <a:tint val="75000"/>
+                </a:prstClr>
+              </a:solidFill>
+              <a:effectLst/>
+              <a:uLnTx/>
+              <a:uFillTx/>
+              <a:latin typeface="Calibri" panose="020F0502020204030204"/>
+              <a:ea typeface="+mn-ea"/>
+              <a:cs typeface="+mn-cs"/>
+            </a:endParaRPr>
+          </a:p>
+        </p:txBody>
+      </p:sp>
+      <p:pic>
+        <p:nvPicPr>
+          <p:cNvPr id="19" name="Picture 18"/>
+          <p:cNvPicPr>
+            <a:picLocks noChangeAspect="1"/>
+          </p:cNvPicPr>
+          <p:nvPr userDrawn="1"/>
+        </p:nvPicPr>
+        <p:blipFill>
+          <a:blip r:embed="rId4" cstate="print">
+            <a:extLst>
+              <a:ext uri="{28A0092B-C50C-407E-A947-70E740481C1C}">
+                <a14:useLocalDpi xmlns:a14="http://schemas.microsoft.com/office/drawing/2010/main" val="0"/>
+              </a:ext>
+            </a:extLst>
+          </a:blip>
+          <a:stretch>
+            <a:fillRect/>
+          </a:stretch>
+        </p:blipFill>
+        <p:spPr>
+          <a:xfrm>
+            <a:off x="381000" y="6013820"/>
+            <a:ext cx="1164041" cy="707655"/>
+          </a:xfrm>
+          <a:prstGeom prst="rect">
+            <a:avLst/>
+          </a:prstGeom>
+        </p:spPr>
+      </p:pic>
+    </p:spTree>
+    <p:extLst>
+      <p:ext uri="{BB962C8B-B14F-4D97-AF65-F5344CB8AC3E}">
+        <p14:creationId xmlns:p14="http://schemas.microsoft.com/office/powerpoint/2010/main" val="1942356440"/>
+      </p:ext>
+    </p:extLst>
+  </p:cSld>
+  <p:clrMapOvr>
+    <a:masterClrMapping/>
+  </p:clrMapOvr>
+</p:sldLayout>
+</file>
+
+<file path=ppt/slideLayouts/slideLayout17.xml><?xml version="1.0" encoding="utf-8"?>
+<p:sldLayout xmlns:a="http://schemas.openxmlformats.org/drawingml/2006/main" xmlns:r="http://schemas.openxmlformats.org/officeDocument/2006/relationships" xmlns:p="http://schemas.openxmlformats.org/presentationml/2006/main" type="secHead" preserve="1">
+  <p:cSld name="Section Header">
+    <p:spTree>
+      <p:nvGrpSpPr>
+        <p:cNvPr id="1" name=""/>
+        <p:cNvGrpSpPr/>
+        <p:nvPr/>
+      </p:nvGrpSpPr>
+      <p:grpSpPr>
+        <a:xfrm>
+          <a:off x="0" y="0"/>
+          <a:ext cx="0" cy="0"/>
+          <a:chOff x="0" y="0"/>
+          <a:chExt cx="0" cy="0"/>
+        </a:xfrm>
+      </p:grpSpPr>
+      <p:sp>
+        <p:nvSpPr>
+          <p:cNvPr id="2" name="Title 1"/>
+          <p:cNvSpPr>
+            <a:spLocks noGrp="1"/>
+          </p:cNvSpPr>
+          <p:nvPr>
+            <p:ph type="title"/>
+          </p:nvPr>
+        </p:nvSpPr>
+        <p:spPr>
+          <a:xfrm>
+            <a:off x="831850" y="1709738"/>
+            <a:ext cx="10515600" cy="2852737"/>
+          </a:xfrm>
+        </p:spPr>
+        <p:txBody>
+          <a:bodyPr anchor="b"/>
+          <a:lstStyle>
+            <a:lvl1pPr>
+              <a:defRPr sz="6000"/>
+            </a:lvl1pPr>
+          </a:lstStyle>
+          <a:p>
+            <a:r>
+              <a:rPr lang="en-US" smtClean="0"/>
+              <a:t>Click to edit Master title style</a:t>
+            </a:r>
+            <a:endParaRPr lang="en-IN"/>
+          </a:p>
+        </p:txBody>
+      </p:sp>
+      <p:sp>
+        <p:nvSpPr>
+          <p:cNvPr id="3" name="Text Placeholder 2"/>
+          <p:cNvSpPr>
+            <a:spLocks noGrp="1"/>
+          </p:cNvSpPr>
+          <p:nvPr>
+            <p:ph type="body" idx="1"/>
+          </p:nvPr>
+        </p:nvSpPr>
+        <p:spPr>
+          <a:xfrm>
+            <a:off x="831850" y="4589463"/>
+            <a:ext cx="10515600" cy="1500187"/>
+          </a:xfrm>
+        </p:spPr>
+        <p:txBody>
+          <a:bodyPr/>
+          <a:lstStyle>
+            <a:lvl1pPr marL="0" indent="0">
+              <a:buNone/>
+              <a:defRPr sz="2400">
+                <a:solidFill>
+                  <a:schemeClr val="tx1">
+                    <a:tint val="75000"/>
+                  </a:schemeClr>
+                </a:solidFill>
+              </a:defRPr>
+            </a:lvl1pPr>
+            <a:lvl2pPr marL="457200" indent="0">
+              <a:buNone/>
+              <a:defRPr sz="2000">
+                <a:solidFill>
+                  <a:schemeClr val="tx1">
+                    <a:tint val="75000"/>
+                  </a:schemeClr>
+                </a:solidFill>
+              </a:defRPr>
+            </a:lvl2pPr>
+            <a:lvl3pPr marL="914400" indent="0">
+              <a:buNone/>
+              <a:defRPr sz="1800">
+                <a:solidFill>
+                  <a:schemeClr val="tx1">
+                    <a:tint val="75000"/>
+                  </a:schemeClr>
+                </a:solidFill>
+              </a:defRPr>
+            </a:lvl3pPr>
+            <a:lvl4pPr marL="1371600" indent="0">
+              <a:buNone/>
+              <a:defRPr sz="1600">
+                <a:solidFill>
+                  <a:schemeClr val="tx1">
+                    <a:tint val="75000"/>
+                  </a:schemeClr>
+                </a:solidFill>
+              </a:defRPr>
+            </a:lvl4pPr>
+            <a:lvl5pPr marL="1828800" indent="0">
+              <a:buNone/>
+              <a:defRPr sz="1600">
+                <a:solidFill>
+                  <a:schemeClr val="tx1">
+                    <a:tint val="75000"/>
+                  </a:schemeClr>
+                </a:solidFill>
+              </a:defRPr>
+            </a:lvl5pPr>
+            <a:lvl6pPr marL="2286000" indent="0">
+              <a:buNone/>
+              <a:defRPr sz="1600">
+                <a:solidFill>
+                  <a:schemeClr val="tx1">
+                    <a:tint val="75000"/>
+                  </a:schemeClr>
+                </a:solidFill>
+              </a:defRPr>
+            </a:lvl6pPr>
+            <a:lvl7pPr marL="2743200" indent="0">
+              <a:buNone/>
+              <a:defRPr sz="1600">
+                <a:solidFill>
+                  <a:schemeClr val="tx1">
+                    <a:tint val="75000"/>
+                  </a:schemeClr>
+                </a:solidFill>
+              </a:defRPr>
+            </a:lvl7pPr>
+            <a:lvl8pPr marL="3200400" indent="0">
+              <a:buNone/>
+              <a:defRPr sz="1600">
+                <a:solidFill>
+                  <a:schemeClr val="tx1">
+                    <a:tint val="75000"/>
+                  </a:schemeClr>
+                </a:solidFill>
+              </a:defRPr>
+            </a:lvl8pPr>
+            <a:lvl9pPr marL="3657600" indent="0">
+              <a:buNone/>
+              <a:defRPr sz="1600">
+                <a:solidFill>
+                  <a:schemeClr val="tx1">
+                    <a:tint val="75000"/>
+                  </a:schemeClr>
+                </a:solidFill>
+              </a:defRPr>
+            </a:lvl9pPr>
+          </a:lstStyle>
+          <a:p>
+            <a:pPr lvl="0"/>
+            <a:r>
+              <a:rPr lang="en-US" smtClean="0"/>
+              <a:t>Click to edit Master text styles</a:t>
+            </a:r>
+          </a:p>
+        </p:txBody>
+      </p:sp>
+      <p:sp>
+        <p:nvSpPr>
+          <p:cNvPr id="4" name="Date Placeholder 3"/>
+          <p:cNvSpPr>
+            <a:spLocks noGrp="1"/>
+          </p:cNvSpPr>
+          <p:nvPr>
+            <p:ph type="dt" sz="half" idx="10"/>
+          </p:nvPr>
+        </p:nvSpPr>
+        <p:spPr/>
+        <p:txBody>
+          <a:bodyPr/>
+          <a:lstStyle/>
+          <a:p>
+            <a:pPr marL="0" marR="0" lvl="0" indent="0" algn="l" defTabSz="914400" rtl="0" eaLnBrk="1" fontAlgn="auto" latinLnBrk="0" hangingPunct="1">
+              <a:lnSpc>
+                <a:spcPct val="100000"/>
+              </a:lnSpc>
+              <a:spcBef>
+                <a:spcPts val="0"/>
+              </a:spcBef>
+              <a:spcAft>
+                <a:spcPts val="0"/>
+              </a:spcAft>
+              <a:buClrTx/>
+              <a:buSzTx/>
+              <a:buFontTx/>
+              <a:buNone/>
+              <a:tabLst/>
+              <a:defRPr/>
+            </a:pPr>
+            <a:fld id="{615B8220-D6CE-4EBA-9DF4-44184996CC87}" type="datetimeFigureOut">
+              <a:rPr kumimoji="0" lang="en-IN" sz="1200" b="0" i="0" u="none" strike="noStrike" kern="1200" cap="none" spc="0" normalizeH="0" baseline="0" noProof="0" smtClean="0">
+                <a:ln>
+                  <a:noFill/>
+                </a:ln>
+                <a:solidFill>
+                  <a:prstClr val="black">
+                    <a:tint val="75000"/>
+                  </a:prstClr>
+                </a:solidFill>
+                <a:effectLst/>
+                <a:uLnTx/>
+                <a:uFillTx/>
+                <a:latin typeface="Calibri" panose="020F0502020204030204"/>
+                <a:ea typeface="+mn-ea"/>
+                <a:cs typeface="+mn-cs"/>
+              </a:rPr>
+              <a:pPr marL="0" marR="0" lvl="0" indent="0" algn="l" defTabSz="914400" rtl="0" eaLnBrk="1" fontAlgn="auto" latinLnBrk="0" hangingPunct="1">
+                <a:lnSpc>
+                  <a:spcPct val="100000"/>
+                </a:lnSpc>
+                <a:spcBef>
+                  <a:spcPts val="0"/>
+                </a:spcBef>
+                <a:spcAft>
+                  <a:spcPts val="0"/>
+                </a:spcAft>
+                <a:buClrTx/>
+                <a:buSzTx/>
+                <a:buFontTx/>
+                <a:buNone/>
+                <a:tabLst/>
+                <a:defRPr/>
+              </a:pPr>
+              <a:t>06-11-2015</a:t>
+            </a:fld>
+            <a:endParaRPr kumimoji="0" lang="en-IN" sz="1200" b="0" i="0" u="none" strike="noStrike" kern="1200" cap="none" spc="0" normalizeH="0" baseline="0" noProof="0">
+              <a:ln>
+                <a:noFill/>
+              </a:ln>
+              <a:solidFill>
+                <a:prstClr val="black">
+                  <a:tint val="75000"/>
+                </a:prstClr>
+              </a:solidFill>
+              <a:effectLst/>
+              <a:uLnTx/>
+              <a:uFillTx/>
+              <a:latin typeface="Calibri" panose="020F0502020204030204"/>
+              <a:ea typeface="+mn-ea"/>
+              <a:cs typeface="+mn-cs"/>
+            </a:endParaRPr>
+          </a:p>
+        </p:txBody>
+      </p:sp>
+      <p:sp>
+        <p:nvSpPr>
+          <p:cNvPr id="5" name="Footer Placeholder 4"/>
+          <p:cNvSpPr>
+            <a:spLocks noGrp="1"/>
+          </p:cNvSpPr>
+          <p:nvPr>
+            <p:ph type="ftr" sz="quarter" idx="11"/>
+          </p:nvPr>
+        </p:nvSpPr>
+        <p:spPr/>
+        <p:txBody>
+          <a:bodyPr/>
+          <a:lstStyle/>
+          <a:p>
+            <a:pPr marL="0" marR="0" lvl="0" indent="0" algn="ctr" defTabSz="914400" rtl="0" eaLnBrk="1" fontAlgn="auto" latinLnBrk="0" hangingPunct="1">
+              <a:lnSpc>
+                <a:spcPct val="100000"/>
+              </a:lnSpc>
+              <a:spcBef>
+                <a:spcPts val="0"/>
+              </a:spcBef>
+              <a:spcAft>
+                <a:spcPts val="0"/>
+              </a:spcAft>
+              <a:buClrTx/>
+              <a:buSzTx/>
+              <a:buFontTx/>
+              <a:buNone/>
+              <a:tabLst/>
+              <a:defRPr/>
+            </a:pPr>
+            <a:endParaRPr kumimoji="0" lang="en-IN" sz="1200" b="0" i="0" u="none" strike="noStrike" kern="1200" cap="none" spc="0" normalizeH="0" baseline="0" noProof="0">
+              <a:ln>
+                <a:noFill/>
+              </a:ln>
+              <a:solidFill>
+                <a:prstClr val="black">
+                  <a:tint val="75000"/>
+                </a:prstClr>
+              </a:solidFill>
+              <a:effectLst/>
+              <a:uLnTx/>
+              <a:uFillTx/>
+              <a:latin typeface="Calibri" panose="020F0502020204030204"/>
+              <a:ea typeface="+mn-ea"/>
+              <a:cs typeface="+mn-cs"/>
+            </a:endParaRPr>
+          </a:p>
+        </p:txBody>
+      </p:sp>
+      <p:sp>
+        <p:nvSpPr>
+          <p:cNvPr id="6" name="Slide Number Placeholder 5"/>
+          <p:cNvSpPr>
+            <a:spLocks noGrp="1"/>
+          </p:cNvSpPr>
+          <p:nvPr>
+            <p:ph type="sldNum" sz="quarter" idx="12"/>
+          </p:nvPr>
+        </p:nvSpPr>
+        <p:spPr/>
+        <p:txBody>
+          <a:bodyPr/>
+          <a:lstStyle/>
+          <a:p>
+            <a:pPr marL="0" marR="0" lvl="0" indent="0" algn="r" defTabSz="914400" rtl="0" eaLnBrk="1" fontAlgn="auto" latinLnBrk="0" hangingPunct="1">
+              <a:lnSpc>
+                <a:spcPct val="100000"/>
+              </a:lnSpc>
+              <a:spcBef>
+                <a:spcPts val="0"/>
+              </a:spcBef>
+              <a:spcAft>
+                <a:spcPts val="0"/>
+              </a:spcAft>
+              <a:buClrTx/>
+              <a:buSzTx/>
+              <a:buFontTx/>
+              <a:buNone/>
+              <a:tabLst/>
+              <a:defRPr/>
+            </a:pPr>
+            <a:fld id="{72C2F659-9614-4C11-ABEC-5C229DA454D6}" type="slidenum">
+              <a:rPr kumimoji="0" lang="en-IN" sz="1200" b="0" i="0" u="none" strike="noStrike" kern="1200" cap="none" spc="0" normalizeH="0" baseline="0" noProof="0" smtClean="0">
+                <a:ln>
+                  <a:noFill/>
+                </a:ln>
+                <a:solidFill>
+                  <a:prstClr val="black">
+                    <a:tint val="75000"/>
+                  </a:prstClr>
+                </a:solidFill>
+                <a:effectLst/>
+                <a:uLnTx/>
+                <a:uFillTx/>
+                <a:latin typeface="Calibri" panose="020F0502020204030204"/>
+                <a:ea typeface="+mn-ea"/>
+                <a:cs typeface="+mn-cs"/>
+              </a:rPr>
+              <a:pPr marL="0" marR="0" lvl="0" indent="0" algn="r" defTabSz="914400" rtl="0" eaLnBrk="1" fontAlgn="auto" latinLnBrk="0" hangingPunct="1">
+                <a:lnSpc>
+                  <a:spcPct val="100000"/>
+                </a:lnSpc>
+                <a:spcBef>
+                  <a:spcPts val="0"/>
+                </a:spcBef>
+                <a:spcAft>
+                  <a:spcPts val="0"/>
+                </a:spcAft>
+                <a:buClrTx/>
+                <a:buSzTx/>
+                <a:buFontTx/>
+                <a:buNone/>
+                <a:tabLst/>
+                <a:defRPr/>
+              </a:pPr>
+              <a:t>‹#›</a:t>
+            </a:fld>
+            <a:endParaRPr kumimoji="0" lang="en-IN" sz="1200" b="0" i="0" u="none" strike="noStrike" kern="1200" cap="none" spc="0" normalizeH="0" baseline="0" noProof="0">
+              <a:ln>
+                <a:noFill/>
+              </a:ln>
+              <a:solidFill>
+                <a:prstClr val="black">
+                  <a:tint val="75000"/>
+                </a:prstClr>
+              </a:solidFill>
+              <a:effectLst/>
+              <a:uLnTx/>
+              <a:uFillTx/>
+              <a:latin typeface="Calibri" panose="020F0502020204030204"/>
+              <a:ea typeface="+mn-ea"/>
+              <a:cs typeface="+mn-cs"/>
+            </a:endParaRPr>
+          </a:p>
+        </p:txBody>
+      </p:sp>
+    </p:spTree>
+    <p:extLst>
+      <p:ext uri="{BB962C8B-B14F-4D97-AF65-F5344CB8AC3E}">
+        <p14:creationId xmlns:p14="http://schemas.microsoft.com/office/powerpoint/2010/main" val="984964341"/>
+      </p:ext>
+    </p:extLst>
+  </p:cSld>
+  <p:clrMapOvr>
+    <a:masterClrMapping/>
+  </p:clrMapOvr>
+</p:sldLayout>
+</file>
+
+<file path=ppt/slideLayouts/slideLayout18.xml><?xml version="1.0" encoding="utf-8"?>
+<p:sldLayout xmlns:a="http://schemas.openxmlformats.org/drawingml/2006/main" xmlns:r="http://schemas.openxmlformats.org/officeDocument/2006/relationships" xmlns:p="http://schemas.openxmlformats.org/presentationml/2006/main" type="twoObj" preserve="1">
+  <p:cSld name="Two Content">
+    <p:spTree>
+      <p:nvGrpSpPr>
+        <p:cNvPr id="1" name=""/>
+        <p:cNvGrpSpPr/>
+        <p:nvPr/>
+      </p:nvGrpSpPr>
+      <p:grpSpPr>
+        <a:xfrm>
+          <a:off x="0" y="0"/>
+          <a:ext cx="0" cy="0"/>
+          <a:chOff x="0" y="0"/>
+          <a:chExt cx="0" cy="0"/>
+        </a:xfrm>
+      </p:grpSpPr>
+      <p:sp>
+        <p:nvSpPr>
+          <p:cNvPr id="2" name="Title 1"/>
+          <p:cNvSpPr>
+            <a:spLocks noGrp="1"/>
+          </p:cNvSpPr>
+          <p:nvPr>
+            <p:ph type="title"/>
+          </p:nvPr>
+        </p:nvSpPr>
+        <p:spPr/>
+        <p:txBody>
+          <a:bodyPr/>
+          <a:lstStyle/>
+          <a:p>
+            <a:r>
+              <a:rPr lang="en-US" smtClean="0"/>
+              <a:t>Click to edit Master title style</a:t>
+            </a:r>
+            <a:endParaRPr lang="en-IN"/>
+          </a:p>
+        </p:txBody>
+      </p:sp>
+      <p:sp>
+        <p:nvSpPr>
+          <p:cNvPr id="3" name="Content Placeholder 2"/>
+          <p:cNvSpPr>
+            <a:spLocks noGrp="1"/>
+          </p:cNvSpPr>
+          <p:nvPr>
+            <p:ph sz="half" idx="1"/>
+          </p:nvPr>
+        </p:nvSpPr>
+        <p:spPr>
+          <a:xfrm>
+            <a:off x="838200" y="1825625"/>
+            <a:ext cx="5181600" cy="4351338"/>
+          </a:xfrm>
+        </p:spPr>
+        <p:txBody>
+          <a:bodyPr/>
+          <a:lstStyle/>
+          <a:p>
+            <a:pPr lvl="0"/>
+            <a:r>
+              <a:rPr lang="en-US" smtClean="0"/>
+              <a:t>Click to edit Master text styles</a:t>
+            </a:r>
+          </a:p>
+          <a:p>
+            <a:pPr lvl="1"/>
+            <a:r>
+              <a:rPr lang="en-US" smtClean="0"/>
+              <a:t>Second level</a:t>
+            </a:r>
+          </a:p>
+          <a:p>
+            <a:pPr lvl="2"/>
+            <a:r>
+              <a:rPr lang="en-US" smtClean="0"/>
+              <a:t>Third level</a:t>
+            </a:r>
+          </a:p>
+          <a:p>
+            <a:pPr lvl="3"/>
+            <a:r>
+              <a:rPr lang="en-US" smtClean="0"/>
+              <a:t>Fourth level</a:t>
+            </a:r>
+          </a:p>
+          <a:p>
+            <a:pPr lvl="4"/>
+            <a:r>
+              <a:rPr lang="en-US" smtClean="0"/>
+              <a:t>Fifth level</a:t>
+            </a:r>
+            <a:endParaRPr lang="en-IN"/>
+          </a:p>
+        </p:txBody>
+      </p:sp>
+      <p:sp>
+        <p:nvSpPr>
+          <p:cNvPr id="4" name="Content Placeholder 3"/>
+          <p:cNvSpPr>
+            <a:spLocks noGrp="1"/>
+          </p:cNvSpPr>
+          <p:nvPr>
+            <p:ph sz="half" idx="2"/>
+          </p:nvPr>
+        </p:nvSpPr>
+        <p:spPr>
+          <a:xfrm>
+            <a:off x="6172200" y="1825625"/>
+            <a:ext cx="5181600" cy="4351338"/>
+          </a:xfrm>
+        </p:spPr>
+        <p:txBody>
+          <a:bodyPr/>
+          <a:lstStyle/>
+          <a:p>
+            <a:pPr lvl="0"/>
+            <a:r>
+              <a:rPr lang="en-US" smtClean="0"/>
+              <a:t>Click to edit Master text styles</a:t>
+            </a:r>
+          </a:p>
+          <a:p>
+            <a:pPr lvl="1"/>
+            <a:r>
+              <a:rPr lang="en-US" smtClean="0"/>
+              <a:t>Second level</a:t>
+            </a:r>
+          </a:p>
+          <a:p>
+            <a:pPr lvl="2"/>
+            <a:r>
+              <a:rPr lang="en-US" smtClean="0"/>
+              <a:t>Third level</a:t>
+            </a:r>
+          </a:p>
+          <a:p>
+            <a:pPr lvl="3"/>
+            <a:r>
+              <a:rPr lang="en-US" smtClean="0"/>
+              <a:t>Fourth level</a:t>
+            </a:r>
+          </a:p>
+          <a:p>
+            <a:pPr lvl="4"/>
+            <a:r>
+              <a:rPr lang="en-US" smtClean="0"/>
+              <a:t>Fifth level</a:t>
+            </a:r>
+            <a:endParaRPr lang="en-IN"/>
+          </a:p>
+        </p:txBody>
+      </p:sp>
+      <p:sp>
+        <p:nvSpPr>
+          <p:cNvPr id="5" name="Date Placeholder 4"/>
+          <p:cNvSpPr>
+            <a:spLocks noGrp="1"/>
+          </p:cNvSpPr>
+          <p:nvPr>
+            <p:ph type="dt" sz="half" idx="10"/>
+          </p:nvPr>
+        </p:nvSpPr>
+        <p:spPr/>
+        <p:txBody>
+          <a:bodyPr/>
+          <a:lstStyle/>
+          <a:p>
+            <a:pPr marL="0" marR="0" lvl="0" indent="0" algn="l" defTabSz="914400" rtl="0" eaLnBrk="1" fontAlgn="auto" latinLnBrk="0" hangingPunct="1">
+              <a:lnSpc>
+                <a:spcPct val="100000"/>
+              </a:lnSpc>
+              <a:spcBef>
+                <a:spcPts val="0"/>
+              </a:spcBef>
+              <a:spcAft>
+                <a:spcPts val="0"/>
+              </a:spcAft>
+              <a:buClrTx/>
+              <a:buSzTx/>
+              <a:buFontTx/>
+              <a:buNone/>
+              <a:tabLst/>
+              <a:defRPr/>
+            </a:pPr>
+            <a:fld id="{615B8220-D6CE-4EBA-9DF4-44184996CC87}" type="datetimeFigureOut">
+              <a:rPr kumimoji="0" lang="en-IN" sz="1200" b="0" i="0" u="none" strike="noStrike" kern="1200" cap="none" spc="0" normalizeH="0" baseline="0" noProof="0" smtClean="0">
+                <a:ln>
+                  <a:noFill/>
+                </a:ln>
+                <a:solidFill>
+                  <a:prstClr val="black">
+                    <a:tint val="75000"/>
+                  </a:prstClr>
+                </a:solidFill>
+                <a:effectLst/>
+                <a:uLnTx/>
+                <a:uFillTx/>
+                <a:latin typeface="Calibri" panose="020F0502020204030204"/>
+                <a:ea typeface="+mn-ea"/>
+                <a:cs typeface="+mn-cs"/>
+              </a:rPr>
+              <a:pPr marL="0" marR="0" lvl="0" indent="0" algn="l" defTabSz="914400" rtl="0" eaLnBrk="1" fontAlgn="auto" latinLnBrk="0" hangingPunct="1">
+                <a:lnSpc>
+                  <a:spcPct val="100000"/>
+                </a:lnSpc>
+                <a:spcBef>
+                  <a:spcPts val="0"/>
+                </a:spcBef>
+                <a:spcAft>
+                  <a:spcPts val="0"/>
+                </a:spcAft>
+                <a:buClrTx/>
+                <a:buSzTx/>
+                <a:buFontTx/>
+                <a:buNone/>
+                <a:tabLst/>
+                <a:defRPr/>
+              </a:pPr>
+              <a:t>06-11-2015</a:t>
+            </a:fld>
+            <a:endParaRPr kumimoji="0" lang="en-IN" sz="1200" b="0" i="0" u="none" strike="noStrike" kern="1200" cap="none" spc="0" normalizeH="0" baseline="0" noProof="0">
+              <a:ln>
+                <a:noFill/>
+              </a:ln>
+              <a:solidFill>
+                <a:prstClr val="black">
+                  <a:tint val="75000"/>
+                </a:prstClr>
+              </a:solidFill>
+              <a:effectLst/>
+              <a:uLnTx/>
+              <a:uFillTx/>
+              <a:latin typeface="Calibri" panose="020F0502020204030204"/>
+              <a:ea typeface="+mn-ea"/>
+              <a:cs typeface="+mn-cs"/>
+            </a:endParaRPr>
+          </a:p>
+        </p:txBody>
+      </p:sp>
+      <p:sp>
+        <p:nvSpPr>
+          <p:cNvPr id="6" name="Footer Placeholder 5"/>
+          <p:cNvSpPr>
+            <a:spLocks noGrp="1"/>
+          </p:cNvSpPr>
+          <p:nvPr>
+            <p:ph type="ftr" sz="quarter" idx="11"/>
+          </p:nvPr>
+        </p:nvSpPr>
+        <p:spPr/>
+        <p:txBody>
+          <a:bodyPr/>
+          <a:lstStyle/>
+          <a:p>
+            <a:pPr marL="0" marR="0" lvl="0" indent="0" algn="ctr" defTabSz="914400" rtl="0" eaLnBrk="1" fontAlgn="auto" latinLnBrk="0" hangingPunct="1">
+              <a:lnSpc>
+                <a:spcPct val="100000"/>
+              </a:lnSpc>
+              <a:spcBef>
+                <a:spcPts val="0"/>
+              </a:spcBef>
+              <a:spcAft>
+                <a:spcPts val="0"/>
+              </a:spcAft>
+              <a:buClrTx/>
+              <a:buSzTx/>
+              <a:buFontTx/>
+              <a:buNone/>
+              <a:tabLst/>
+              <a:defRPr/>
+            </a:pPr>
+            <a:endParaRPr kumimoji="0" lang="en-IN" sz="1200" b="0" i="0" u="none" strike="noStrike" kern="1200" cap="none" spc="0" normalizeH="0" baseline="0" noProof="0">
+              <a:ln>
+                <a:noFill/>
+              </a:ln>
+              <a:solidFill>
+                <a:prstClr val="black">
+                  <a:tint val="75000"/>
+                </a:prstClr>
+              </a:solidFill>
+              <a:effectLst/>
+              <a:uLnTx/>
+              <a:uFillTx/>
+              <a:latin typeface="Calibri" panose="020F0502020204030204"/>
+              <a:ea typeface="+mn-ea"/>
+              <a:cs typeface="+mn-cs"/>
+            </a:endParaRPr>
+          </a:p>
+        </p:txBody>
+      </p:sp>
+      <p:sp>
+        <p:nvSpPr>
+          <p:cNvPr id="7" name="Slide Number Placeholder 6"/>
+          <p:cNvSpPr>
+            <a:spLocks noGrp="1"/>
+          </p:cNvSpPr>
+          <p:nvPr>
+            <p:ph type="sldNum" sz="quarter" idx="12"/>
+          </p:nvPr>
+        </p:nvSpPr>
+        <p:spPr/>
+        <p:txBody>
+          <a:bodyPr/>
+          <a:lstStyle/>
+          <a:p>
+            <a:pPr marL="0" marR="0" lvl="0" indent="0" algn="r" defTabSz="914400" rtl="0" eaLnBrk="1" fontAlgn="auto" latinLnBrk="0" hangingPunct="1">
+              <a:lnSpc>
+                <a:spcPct val="100000"/>
+              </a:lnSpc>
+              <a:spcBef>
+                <a:spcPts val="0"/>
+              </a:spcBef>
+              <a:spcAft>
+                <a:spcPts val="0"/>
+              </a:spcAft>
+              <a:buClrTx/>
+              <a:buSzTx/>
+              <a:buFontTx/>
+              <a:buNone/>
+              <a:tabLst/>
+              <a:defRPr/>
+            </a:pPr>
+            <a:fld id="{72C2F659-9614-4C11-ABEC-5C229DA454D6}" type="slidenum">
+              <a:rPr kumimoji="0" lang="en-IN" sz="1200" b="0" i="0" u="none" strike="noStrike" kern="1200" cap="none" spc="0" normalizeH="0" baseline="0" noProof="0" smtClean="0">
+                <a:ln>
+                  <a:noFill/>
+                </a:ln>
+                <a:solidFill>
+                  <a:prstClr val="black">
+                    <a:tint val="75000"/>
+                  </a:prstClr>
+                </a:solidFill>
+                <a:effectLst/>
+                <a:uLnTx/>
+                <a:uFillTx/>
+                <a:latin typeface="Calibri" panose="020F0502020204030204"/>
+                <a:ea typeface="+mn-ea"/>
+                <a:cs typeface="+mn-cs"/>
+              </a:rPr>
+              <a:pPr marL="0" marR="0" lvl="0" indent="0" algn="r" defTabSz="914400" rtl="0" eaLnBrk="1" fontAlgn="auto" latinLnBrk="0" hangingPunct="1">
+                <a:lnSpc>
+                  <a:spcPct val="100000"/>
+                </a:lnSpc>
+                <a:spcBef>
+                  <a:spcPts val="0"/>
+                </a:spcBef>
+                <a:spcAft>
+                  <a:spcPts val="0"/>
+                </a:spcAft>
+                <a:buClrTx/>
+                <a:buSzTx/>
+                <a:buFontTx/>
+                <a:buNone/>
+                <a:tabLst/>
+                <a:defRPr/>
+              </a:pPr>
+              <a:t>‹#›</a:t>
+            </a:fld>
+            <a:endParaRPr kumimoji="0" lang="en-IN" sz="1200" b="0" i="0" u="none" strike="noStrike" kern="1200" cap="none" spc="0" normalizeH="0" baseline="0" noProof="0">
+              <a:ln>
+                <a:noFill/>
+              </a:ln>
+              <a:solidFill>
+                <a:prstClr val="black">
+                  <a:tint val="75000"/>
+                </a:prstClr>
+              </a:solidFill>
+              <a:effectLst/>
+              <a:uLnTx/>
+              <a:uFillTx/>
+              <a:latin typeface="Calibri" panose="020F0502020204030204"/>
+              <a:ea typeface="+mn-ea"/>
+              <a:cs typeface="+mn-cs"/>
+            </a:endParaRPr>
+          </a:p>
+        </p:txBody>
+      </p:sp>
+    </p:spTree>
+    <p:extLst>
+      <p:ext uri="{BB962C8B-B14F-4D97-AF65-F5344CB8AC3E}">
+        <p14:creationId xmlns:p14="http://schemas.microsoft.com/office/powerpoint/2010/main" val="4216342515"/>
+      </p:ext>
+    </p:extLst>
+  </p:cSld>
+  <p:clrMapOvr>
+    <a:masterClrMapping/>
+  </p:clrMapOvr>
+</p:sldLayout>
+</file>
+
+<file path=ppt/slideLayouts/slideLayout19.xml><?xml version="1.0" encoding="utf-8"?>
+<p:sldLayout xmlns:a="http://schemas.openxmlformats.org/drawingml/2006/main" xmlns:r="http://schemas.openxmlformats.org/officeDocument/2006/relationships" xmlns:p="http://schemas.openxmlformats.org/presentationml/2006/main" type="twoTxTwoObj" preserve="1">
+  <p:cSld name="Comparison">
+    <p:spTree>
+      <p:nvGrpSpPr>
+        <p:cNvPr id="1" name=""/>
+        <p:cNvGrpSpPr/>
+        <p:nvPr/>
+      </p:nvGrpSpPr>
+      <p:grpSpPr>
+        <a:xfrm>
+          <a:off x="0" y="0"/>
+          <a:ext cx="0" cy="0"/>
+          <a:chOff x="0" y="0"/>
+          <a:chExt cx="0" cy="0"/>
+        </a:xfrm>
+      </p:grpSpPr>
+      <p:sp>
+        <p:nvSpPr>
+          <p:cNvPr id="2" name="Title 1"/>
+          <p:cNvSpPr>
+            <a:spLocks noGrp="1"/>
+          </p:cNvSpPr>
+          <p:nvPr>
+            <p:ph type="title"/>
+          </p:nvPr>
+        </p:nvSpPr>
+        <p:spPr>
+          <a:xfrm>
+            <a:off x="839788" y="365125"/>
+            <a:ext cx="10515600" cy="1325563"/>
+          </a:xfrm>
+        </p:spPr>
+        <p:txBody>
+          <a:bodyPr/>
+          <a:lstStyle/>
+          <a:p>
+            <a:r>
+              <a:rPr lang="en-US" smtClean="0"/>
+              <a:t>Click to edit Master title style</a:t>
+            </a:r>
+            <a:endParaRPr lang="en-IN"/>
+          </a:p>
+        </p:txBody>
+      </p:sp>
+      <p:sp>
+        <p:nvSpPr>
+          <p:cNvPr id="3" name="Text Placeholder 2"/>
+          <p:cNvSpPr>
+            <a:spLocks noGrp="1"/>
+          </p:cNvSpPr>
+          <p:nvPr>
+            <p:ph type="body" idx="1"/>
+          </p:nvPr>
+        </p:nvSpPr>
+        <p:spPr>
+          <a:xfrm>
+            <a:off x="839788" y="1681163"/>
+            <a:ext cx="5157787" cy="823912"/>
+          </a:xfrm>
+        </p:spPr>
+        <p:txBody>
+          <a:bodyPr anchor="b"/>
+          <a:lstStyle>
+            <a:lvl1pPr marL="0" indent="0">
+              <a:buNone/>
+              <a:defRPr sz="2400" b="1"/>
+            </a:lvl1pPr>
+            <a:lvl2pPr marL="457200" indent="0">
+              <a:buNone/>
+              <a:defRPr sz="2000" b="1"/>
+            </a:lvl2pPr>
+            <a:lvl3pPr marL="914400" indent="0">
+              <a:buNone/>
+              <a:defRPr sz="1800" b="1"/>
+            </a:lvl3pPr>
+            <a:lvl4pPr marL="1371600" indent="0">
+              <a:buNone/>
+              <a:defRPr sz="1600" b="1"/>
+            </a:lvl4pPr>
+            <a:lvl5pPr marL="1828800" indent="0">
+              <a:buNone/>
+              <a:defRPr sz="1600" b="1"/>
+            </a:lvl5pPr>
+            <a:lvl6pPr marL="2286000" indent="0">
+              <a:buNone/>
+              <a:defRPr sz="1600" b="1"/>
+            </a:lvl6pPr>
+            <a:lvl7pPr marL="2743200" indent="0">
+              <a:buNone/>
+              <a:defRPr sz="1600" b="1"/>
+            </a:lvl7pPr>
+            <a:lvl8pPr marL="3200400" indent="0">
+              <a:buNone/>
+              <a:defRPr sz="1600" b="1"/>
+            </a:lvl8pPr>
+            <a:lvl9pPr marL="3657600" indent="0">
+              <a:buNone/>
+              <a:defRPr sz="1600" b="1"/>
+            </a:lvl9pPr>
+          </a:lstStyle>
+          <a:p>
+            <a:pPr lvl="0"/>
+            <a:r>
+              <a:rPr lang="en-US" smtClean="0"/>
+              <a:t>Click to edit Master text styles</a:t>
+            </a:r>
+          </a:p>
+        </p:txBody>
+      </p:sp>
+      <p:sp>
+        <p:nvSpPr>
+          <p:cNvPr id="4" name="Content Placeholder 3"/>
+          <p:cNvSpPr>
+            <a:spLocks noGrp="1"/>
+          </p:cNvSpPr>
+          <p:nvPr>
+            <p:ph sz="half" idx="2"/>
+          </p:nvPr>
+        </p:nvSpPr>
+        <p:spPr>
+          <a:xfrm>
+            <a:off x="839788" y="2505075"/>
+            <a:ext cx="5157787" cy="3684588"/>
+          </a:xfrm>
+        </p:spPr>
+        <p:txBody>
+          <a:bodyPr/>
+          <a:lstStyle/>
+          <a:p>
+            <a:pPr lvl="0"/>
+            <a:r>
+              <a:rPr lang="en-US" smtClean="0"/>
+              <a:t>Click to edit Master text styles</a:t>
+            </a:r>
+          </a:p>
+          <a:p>
+            <a:pPr lvl="1"/>
+            <a:r>
+              <a:rPr lang="en-US" smtClean="0"/>
+              <a:t>Second level</a:t>
+            </a:r>
+          </a:p>
+          <a:p>
+            <a:pPr lvl="2"/>
+            <a:r>
+              <a:rPr lang="en-US" smtClean="0"/>
+              <a:t>Third level</a:t>
+            </a:r>
+          </a:p>
+          <a:p>
+            <a:pPr lvl="3"/>
+            <a:r>
+              <a:rPr lang="en-US" smtClean="0"/>
+              <a:t>Fourth level</a:t>
+            </a:r>
+          </a:p>
+          <a:p>
+            <a:pPr lvl="4"/>
+            <a:r>
+              <a:rPr lang="en-US" smtClean="0"/>
+              <a:t>Fifth level</a:t>
+            </a:r>
+            <a:endParaRPr lang="en-IN"/>
+          </a:p>
+        </p:txBody>
+      </p:sp>
+      <p:sp>
+        <p:nvSpPr>
+          <p:cNvPr id="5" name="Text Placeholder 4"/>
+          <p:cNvSpPr>
+            <a:spLocks noGrp="1"/>
+          </p:cNvSpPr>
+          <p:nvPr>
+            <p:ph type="body" sz="quarter" idx="3"/>
+          </p:nvPr>
+        </p:nvSpPr>
+        <p:spPr>
+          <a:xfrm>
+            <a:off x="6172200" y="1681163"/>
+            <a:ext cx="5183188" cy="823912"/>
+          </a:xfrm>
+        </p:spPr>
+        <p:txBody>
+          <a:bodyPr anchor="b"/>
+          <a:lstStyle>
+            <a:lvl1pPr marL="0" indent="0">
+              <a:buNone/>
+              <a:defRPr sz="2400" b="1"/>
+            </a:lvl1pPr>
+            <a:lvl2pPr marL="457200" indent="0">
+              <a:buNone/>
+              <a:defRPr sz="2000" b="1"/>
+            </a:lvl2pPr>
+            <a:lvl3pPr marL="914400" indent="0">
+              <a:buNone/>
+              <a:defRPr sz="1800" b="1"/>
+            </a:lvl3pPr>
+            <a:lvl4pPr marL="1371600" indent="0">
+              <a:buNone/>
+              <a:defRPr sz="1600" b="1"/>
+            </a:lvl4pPr>
+            <a:lvl5pPr marL="1828800" indent="0">
+              <a:buNone/>
+              <a:defRPr sz="1600" b="1"/>
+            </a:lvl5pPr>
+            <a:lvl6pPr marL="2286000" indent="0">
+              <a:buNone/>
+              <a:defRPr sz="1600" b="1"/>
+            </a:lvl6pPr>
+            <a:lvl7pPr marL="2743200" indent="0">
+              <a:buNone/>
+              <a:defRPr sz="1600" b="1"/>
+            </a:lvl7pPr>
+            <a:lvl8pPr marL="3200400" indent="0">
+              <a:buNone/>
+              <a:defRPr sz="1600" b="1"/>
+            </a:lvl8pPr>
+            <a:lvl9pPr marL="3657600" indent="0">
+              <a:buNone/>
+              <a:defRPr sz="1600" b="1"/>
+            </a:lvl9pPr>
+          </a:lstStyle>
+          <a:p>
+            <a:pPr lvl="0"/>
+            <a:r>
+              <a:rPr lang="en-US" smtClean="0"/>
+              <a:t>Click to edit Master text styles</a:t>
+            </a:r>
+          </a:p>
+        </p:txBody>
+      </p:sp>
+      <p:sp>
+        <p:nvSpPr>
+          <p:cNvPr id="6" name="Content Placeholder 5"/>
+          <p:cNvSpPr>
+            <a:spLocks noGrp="1"/>
+          </p:cNvSpPr>
+          <p:nvPr>
+            <p:ph sz="quarter" idx="4"/>
+          </p:nvPr>
+        </p:nvSpPr>
+        <p:spPr>
+          <a:xfrm>
+            <a:off x="6172200" y="2505075"/>
+            <a:ext cx="5183188" cy="3684588"/>
+          </a:xfrm>
+        </p:spPr>
+        <p:txBody>
+          <a:bodyPr/>
+          <a:lstStyle/>
+          <a:p>
+            <a:pPr lvl="0"/>
+            <a:r>
+              <a:rPr lang="en-US" smtClean="0"/>
+              <a:t>Click to edit Master text styles</a:t>
+            </a:r>
+          </a:p>
+          <a:p>
+            <a:pPr lvl="1"/>
+            <a:r>
+              <a:rPr lang="en-US" smtClean="0"/>
+              <a:t>Second level</a:t>
+            </a:r>
+          </a:p>
+          <a:p>
+            <a:pPr lvl="2"/>
+            <a:r>
+              <a:rPr lang="en-US" smtClean="0"/>
+              <a:t>Third level</a:t>
+            </a:r>
+          </a:p>
+          <a:p>
+            <a:pPr lvl="3"/>
+            <a:r>
+              <a:rPr lang="en-US" smtClean="0"/>
+              <a:t>Fourth level</a:t>
+            </a:r>
+          </a:p>
+          <a:p>
+            <a:pPr lvl="4"/>
+            <a:r>
+              <a:rPr lang="en-US" smtClean="0"/>
+              <a:t>Fifth level</a:t>
+            </a:r>
+            <a:endParaRPr lang="en-IN"/>
+          </a:p>
+        </p:txBody>
+      </p:sp>
+      <p:sp>
+        <p:nvSpPr>
+          <p:cNvPr id="7" name="Date Placeholder 6"/>
+          <p:cNvSpPr>
+            <a:spLocks noGrp="1"/>
+          </p:cNvSpPr>
+          <p:nvPr>
+            <p:ph type="dt" sz="half" idx="10"/>
+          </p:nvPr>
+        </p:nvSpPr>
+        <p:spPr/>
+        <p:txBody>
+          <a:bodyPr/>
+          <a:lstStyle/>
+          <a:p>
+            <a:pPr marL="0" marR="0" lvl="0" indent="0" algn="l" defTabSz="914400" rtl="0" eaLnBrk="1" fontAlgn="auto" latinLnBrk="0" hangingPunct="1">
+              <a:lnSpc>
+                <a:spcPct val="100000"/>
+              </a:lnSpc>
+              <a:spcBef>
+                <a:spcPts val="0"/>
+              </a:spcBef>
+              <a:spcAft>
+                <a:spcPts val="0"/>
+              </a:spcAft>
+              <a:buClrTx/>
+              <a:buSzTx/>
+              <a:buFontTx/>
+              <a:buNone/>
+              <a:tabLst/>
+              <a:defRPr/>
+            </a:pPr>
+            <a:fld id="{615B8220-D6CE-4EBA-9DF4-44184996CC87}" type="datetimeFigureOut">
+              <a:rPr kumimoji="0" lang="en-IN" sz="1200" b="0" i="0" u="none" strike="noStrike" kern="1200" cap="none" spc="0" normalizeH="0" baseline="0" noProof="0" smtClean="0">
+                <a:ln>
+                  <a:noFill/>
+                </a:ln>
+                <a:solidFill>
+                  <a:prstClr val="black">
+                    <a:tint val="75000"/>
+                  </a:prstClr>
+                </a:solidFill>
+                <a:effectLst/>
+                <a:uLnTx/>
+                <a:uFillTx/>
+                <a:latin typeface="Calibri" panose="020F0502020204030204"/>
+                <a:ea typeface="+mn-ea"/>
+                <a:cs typeface="+mn-cs"/>
+              </a:rPr>
+              <a:pPr marL="0" marR="0" lvl="0" indent="0" algn="l" defTabSz="914400" rtl="0" eaLnBrk="1" fontAlgn="auto" latinLnBrk="0" hangingPunct="1">
+                <a:lnSpc>
+                  <a:spcPct val="100000"/>
+                </a:lnSpc>
+                <a:spcBef>
+                  <a:spcPts val="0"/>
+                </a:spcBef>
+                <a:spcAft>
+                  <a:spcPts val="0"/>
+                </a:spcAft>
+                <a:buClrTx/>
+                <a:buSzTx/>
+                <a:buFontTx/>
+                <a:buNone/>
+                <a:tabLst/>
+                <a:defRPr/>
+              </a:pPr>
+              <a:t>06-11-2015</a:t>
+            </a:fld>
+            <a:endParaRPr kumimoji="0" lang="en-IN" sz="1200" b="0" i="0" u="none" strike="noStrike" kern="1200" cap="none" spc="0" normalizeH="0" baseline="0" noProof="0">
+              <a:ln>
+                <a:noFill/>
+              </a:ln>
+              <a:solidFill>
+                <a:prstClr val="black">
+                  <a:tint val="75000"/>
+                </a:prstClr>
+              </a:solidFill>
+              <a:effectLst/>
+              <a:uLnTx/>
+              <a:uFillTx/>
+              <a:latin typeface="Calibri" panose="020F0502020204030204"/>
+              <a:ea typeface="+mn-ea"/>
+              <a:cs typeface="+mn-cs"/>
+            </a:endParaRPr>
+          </a:p>
+        </p:txBody>
+      </p:sp>
+      <p:sp>
+        <p:nvSpPr>
+          <p:cNvPr id="8" name="Footer Placeholder 7"/>
+          <p:cNvSpPr>
+            <a:spLocks noGrp="1"/>
+          </p:cNvSpPr>
+          <p:nvPr>
+            <p:ph type="ftr" sz="quarter" idx="11"/>
+          </p:nvPr>
+        </p:nvSpPr>
+        <p:spPr/>
+        <p:txBody>
+          <a:bodyPr/>
+          <a:lstStyle/>
+          <a:p>
+            <a:pPr marL="0" marR="0" lvl="0" indent="0" algn="ctr" defTabSz="914400" rtl="0" eaLnBrk="1" fontAlgn="auto" latinLnBrk="0" hangingPunct="1">
+              <a:lnSpc>
+                <a:spcPct val="100000"/>
+              </a:lnSpc>
+              <a:spcBef>
+                <a:spcPts val="0"/>
+              </a:spcBef>
+              <a:spcAft>
+                <a:spcPts val="0"/>
+              </a:spcAft>
+              <a:buClrTx/>
+              <a:buSzTx/>
+              <a:buFontTx/>
+              <a:buNone/>
+              <a:tabLst/>
+              <a:defRPr/>
+            </a:pPr>
+            <a:endParaRPr kumimoji="0" lang="en-IN" sz="1200" b="0" i="0" u="none" strike="noStrike" kern="1200" cap="none" spc="0" normalizeH="0" baseline="0" noProof="0">
+              <a:ln>
+                <a:noFill/>
+              </a:ln>
+              <a:solidFill>
+                <a:prstClr val="black">
+                  <a:tint val="75000"/>
+                </a:prstClr>
+              </a:solidFill>
+              <a:effectLst/>
+              <a:uLnTx/>
+              <a:uFillTx/>
+              <a:latin typeface="Calibri" panose="020F0502020204030204"/>
+              <a:ea typeface="+mn-ea"/>
+              <a:cs typeface="+mn-cs"/>
+            </a:endParaRPr>
+          </a:p>
+        </p:txBody>
+      </p:sp>
+      <p:sp>
+        <p:nvSpPr>
+          <p:cNvPr id="9" name="Slide Number Placeholder 8"/>
+          <p:cNvSpPr>
+            <a:spLocks noGrp="1"/>
+          </p:cNvSpPr>
+          <p:nvPr>
+            <p:ph type="sldNum" sz="quarter" idx="12"/>
+          </p:nvPr>
+        </p:nvSpPr>
+        <p:spPr/>
+        <p:txBody>
+          <a:bodyPr/>
+          <a:lstStyle/>
+          <a:p>
+            <a:pPr marL="0" marR="0" lvl="0" indent="0" algn="r" defTabSz="914400" rtl="0" eaLnBrk="1" fontAlgn="auto" latinLnBrk="0" hangingPunct="1">
+              <a:lnSpc>
+                <a:spcPct val="100000"/>
+              </a:lnSpc>
+              <a:spcBef>
+                <a:spcPts val="0"/>
+              </a:spcBef>
+              <a:spcAft>
+                <a:spcPts val="0"/>
+              </a:spcAft>
+              <a:buClrTx/>
+              <a:buSzTx/>
+              <a:buFontTx/>
+              <a:buNone/>
+              <a:tabLst/>
+              <a:defRPr/>
+            </a:pPr>
+            <a:fld id="{72C2F659-9614-4C11-ABEC-5C229DA454D6}" type="slidenum">
+              <a:rPr kumimoji="0" lang="en-IN" sz="1200" b="0" i="0" u="none" strike="noStrike" kern="1200" cap="none" spc="0" normalizeH="0" baseline="0" noProof="0" smtClean="0">
+                <a:ln>
+                  <a:noFill/>
+                </a:ln>
+                <a:solidFill>
+                  <a:prstClr val="black">
+                    <a:tint val="75000"/>
+                  </a:prstClr>
+                </a:solidFill>
+                <a:effectLst/>
+                <a:uLnTx/>
+                <a:uFillTx/>
+                <a:latin typeface="Calibri" panose="020F0502020204030204"/>
+                <a:ea typeface="+mn-ea"/>
+                <a:cs typeface="+mn-cs"/>
+              </a:rPr>
+              <a:pPr marL="0" marR="0" lvl="0" indent="0" algn="r" defTabSz="914400" rtl="0" eaLnBrk="1" fontAlgn="auto" latinLnBrk="0" hangingPunct="1">
+                <a:lnSpc>
+                  <a:spcPct val="100000"/>
+                </a:lnSpc>
+                <a:spcBef>
+                  <a:spcPts val="0"/>
+                </a:spcBef>
+                <a:spcAft>
+                  <a:spcPts val="0"/>
+                </a:spcAft>
+                <a:buClrTx/>
+                <a:buSzTx/>
+                <a:buFontTx/>
+                <a:buNone/>
+                <a:tabLst/>
+                <a:defRPr/>
+              </a:pPr>
+              <a:t>‹#›</a:t>
+            </a:fld>
+            <a:endParaRPr kumimoji="0" lang="en-IN" sz="1200" b="0" i="0" u="none" strike="noStrike" kern="1200" cap="none" spc="0" normalizeH="0" baseline="0" noProof="0">
+              <a:ln>
+                <a:noFill/>
+              </a:ln>
+              <a:solidFill>
+                <a:prstClr val="black">
+                  <a:tint val="75000"/>
+                </a:prstClr>
+              </a:solidFill>
+              <a:effectLst/>
+              <a:uLnTx/>
+              <a:uFillTx/>
+              <a:latin typeface="Calibri" panose="020F0502020204030204"/>
+              <a:ea typeface="+mn-ea"/>
+              <a:cs typeface="+mn-cs"/>
+            </a:endParaRPr>
+          </a:p>
+        </p:txBody>
+      </p:sp>
+    </p:spTree>
+    <p:extLst>
+      <p:ext uri="{BB962C8B-B14F-4D97-AF65-F5344CB8AC3E}">
+        <p14:creationId xmlns:p14="http://schemas.microsoft.com/office/powerpoint/2010/main" val="1376071115"/>
       </p:ext>
     </p:extLst>
   </p:cSld>
@@ -5793,7 +8347,7 @@
           <a:p>
             <a:fld id="{615B8220-D6CE-4EBA-9DF4-44184996CC87}" type="datetimeFigureOut">
               <a:rPr lang="en-IN" smtClean="0"/>
-              <a:t>04-11-2015</a:t>
+              <a:t>06-11-2015</a:t>
             </a:fld>
             <a:endParaRPr lang="en-IN"/>
           </a:p>
@@ -5884,6 +8438,2059 @@
 </p:sldLayout>
 </file>
 
+<file path=ppt/slideLayouts/slideLayout20.xml><?xml version="1.0" encoding="utf-8"?>
+<p:sldLayout xmlns:a="http://schemas.openxmlformats.org/drawingml/2006/main" xmlns:r="http://schemas.openxmlformats.org/officeDocument/2006/relationships" xmlns:p="http://schemas.openxmlformats.org/presentationml/2006/main" type="titleOnly" preserve="1">
+  <p:cSld name="Title Only">
+    <p:spTree>
+      <p:nvGrpSpPr>
+        <p:cNvPr id="1" name=""/>
+        <p:cNvGrpSpPr/>
+        <p:nvPr/>
+      </p:nvGrpSpPr>
+      <p:grpSpPr>
+        <a:xfrm>
+          <a:off x="0" y="0"/>
+          <a:ext cx="0" cy="0"/>
+          <a:chOff x="0" y="0"/>
+          <a:chExt cx="0" cy="0"/>
+        </a:xfrm>
+      </p:grpSpPr>
+      <p:sp>
+        <p:nvSpPr>
+          <p:cNvPr id="2" name="Title 1"/>
+          <p:cNvSpPr>
+            <a:spLocks noGrp="1"/>
+          </p:cNvSpPr>
+          <p:nvPr>
+            <p:ph type="title"/>
+          </p:nvPr>
+        </p:nvSpPr>
+        <p:spPr/>
+        <p:txBody>
+          <a:bodyPr/>
+          <a:lstStyle/>
+          <a:p>
+            <a:r>
+              <a:rPr lang="en-US" smtClean="0"/>
+              <a:t>Click to edit Master title style</a:t>
+            </a:r>
+            <a:endParaRPr lang="en-IN"/>
+          </a:p>
+        </p:txBody>
+      </p:sp>
+      <p:sp>
+        <p:nvSpPr>
+          <p:cNvPr id="3" name="Date Placeholder 2"/>
+          <p:cNvSpPr>
+            <a:spLocks noGrp="1"/>
+          </p:cNvSpPr>
+          <p:nvPr>
+            <p:ph type="dt" sz="half" idx="10"/>
+          </p:nvPr>
+        </p:nvSpPr>
+        <p:spPr/>
+        <p:txBody>
+          <a:bodyPr/>
+          <a:lstStyle/>
+          <a:p>
+            <a:pPr marL="0" marR="0" lvl="0" indent="0" algn="l" defTabSz="914400" rtl="0" eaLnBrk="1" fontAlgn="auto" latinLnBrk="0" hangingPunct="1">
+              <a:lnSpc>
+                <a:spcPct val="100000"/>
+              </a:lnSpc>
+              <a:spcBef>
+                <a:spcPts val="0"/>
+              </a:spcBef>
+              <a:spcAft>
+                <a:spcPts val="0"/>
+              </a:spcAft>
+              <a:buClrTx/>
+              <a:buSzTx/>
+              <a:buFontTx/>
+              <a:buNone/>
+              <a:tabLst/>
+              <a:defRPr/>
+            </a:pPr>
+            <a:fld id="{615B8220-D6CE-4EBA-9DF4-44184996CC87}" type="datetimeFigureOut">
+              <a:rPr kumimoji="0" lang="en-IN" sz="1200" b="0" i="0" u="none" strike="noStrike" kern="1200" cap="none" spc="0" normalizeH="0" baseline="0" noProof="0" smtClean="0">
+                <a:ln>
+                  <a:noFill/>
+                </a:ln>
+                <a:solidFill>
+                  <a:prstClr val="black">
+                    <a:tint val="75000"/>
+                  </a:prstClr>
+                </a:solidFill>
+                <a:effectLst/>
+                <a:uLnTx/>
+                <a:uFillTx/>
+                <a:latin typeface="Calibri" panose="020F0502020204030204"/>
+                <a:ea typeface="+mn-ea"/>
+                <a:cs typeface="+mn-cs"/>
+              </a:rPr>
+              <a:pPr marL="0" marR="0" lvl="0" indent="0" algn="l" defTabSz="914400" rtl="0" eaLnBrk="1" fontAlgn="auto" latinLnBrk="0" hangingPunct="1">
+                <a:lnSpc>
+                  <a:spcPct val="100000"/>
+                </a:lnSpc>
+                <a:spcBef>
+                  <a:spcPts val="0"/>
+                </a:spcBef>
+                <a:spcAft>
+                  <a:spcPts val="0"/>
+                </a:spcAft>
+                <a:buClrTx/>
+                <a:buSzTx/>
+                <a:buFontTx/>
+                <a:buNone/>
+                <a:tabLst/>
+                <a:defRPr/>
+              </a:pPr>
+              <a:t>06-11-2015</a:t>
+            </a:fld>
+            <a:endParaRPr kumimoji="0" lang="en-IN" sz="1200" b="0" i="0" u="none" strike="noStrike" kern="1200" cap="none" spc="0" normalizeH="0" baseline="0" noProof="0">
+              <a:ln>
+                <a:noFill/>
+              </a:ln>
+              <a:solidFill>
+                <a:prstClr val="black">
+                  <a:tint val="75000"/>
+                </a:prstClr>
+              </a:solidFill>
+              <a:effectLst/>
+              <a:uLnTx/>
+              <a:uFillTx/>
+              <a:latin typeface="Calibri" panose="020F0502020204030204"/>
+              <a:ea typeface="+mn-ea"/>
+              <a:cs typeface="+mn-cs"/>
+            </a:endParaRPr>
+          </a:p>
+        </p:txBody>
+      </p:sp>
+      <p:sp>
+        <p:nvSpPr>
+          <p:cNvPr id="4" name="Footer Placeholder 3"/>
+          <p:cNvSpPr>
+            <a:spLocks noGrp="1"/>
+          </p:cNvSpPr>
+          <p:nvPr>
+            <p:ph type="ftr" sz="quarter" idx="11"/>
+          </p:nvPr>
+        </p:nvSpPr>
+        <p:spPr/>
+        <p:txBody>
+          <a:bodyPr/>
+          <a:lstStyle/>
+          <a:p>
+            <a:pPr marL="0" marR="0" lvl="0" indent="0" algn="ctr" defTabSz="914400" rtl="0" eaLnBrk="1" fontAlgn="auto" latinLnBrk="0" hangingPunct="1">
+              <a:lnSpc>
+                <a:spcPct val="100000"/>
+              </a:lnSpc>
+              <a:spcBef>
+                <a:spcPts val="0"/>
+              </a:spcBef>
+              <a:spcAft>
+                <a:spcPts val="0"/>
+              </a:spcAft>
+              <a:buClrTx/>
+              <a:buSzTx/>
+              <a:buFontTx/>
+              <a:buNone/>
+              <a:tabLst/>
+              <a:defRPr/>
+            </a:pPr>
+            <a:endParaRPr kumimoji="0" lang="en-IN" sz="1200" b="0" i="0" u="none" strike="noStrike" kern="1200" cap="none" spc="0" normalizeH="0" baseline="0" noProof="0">
+              <a:ln>
+                <a:noFill/>
+              </a:ln>
+              <a:solidFill>
+                <a:prstClr val="black">
+                  <a:tint val="75000"/>
+                </a:prstClr>
+              </a:solidFill>
+              <a:effectLst/>
+              <a:uLnTx/>
+              <a:uFillTx/>
+              <a:latin typeface="Calibri" panose="020F0502020204030204"/>
+              <a:ea typeface="+mn-ea"/>
+              <a:cs typeface="+mn-cs"/>
+            </a:endParaRPr>
+          </a:p>
+        </p:txBody>
+      </p:sp>
+      <p:sp>
+        <p:nvSpPr>
+          <p:cNvPr id="5" name="Slide Number Placeholder 4"/>
+          <p:cNvSpPr>
+            <a:spLocks noGrp="1"/>
+          </p:cNvSpPr>
+          <p:nvPr>
+            <p:ph type="sldNum" sz="quarter" idx="12"/>
+          </p:nvPr>
+        </p:nvSpPr>
+        <p:spPr/>
+        <p:txBody>
+          <a:bodyPr/>
+          <a:lstStyle/>
+          <a:p>
+            <a:pPr marL="0" marR="0" lvl="0" indent="0" algn="r" defTabSz="914400" rtl="0" eaLnBrk="1" fontAlgn="auto" latinLnBrk="0" hangingPunct="1">
+              <a:lnSpc>
+                <a:spcPct val="100000"/>
+              </a:lnSpc>
+              <a:spcBef>
+                <a:spcPts val="0"/>
+              </a:spcBef>
+              <a:spcAft>
+                <a:spcPts val="0"/>
+              </a:spcAft>
+              <a:buClrTx/>
+              <a:buSzTx/>
+              <a:buFontTx/>
+              <a:buNone/>
+              <a:tabLst/>
+              <a:defRPr/>
+            </a:pPr>
+            <a:fld id="{72C2F659-9614-4C11-ABEC-5C229DA454D6}" type="slidenum">
+              <a:rPr kumimoji="0" lang="en-IN" sz="1200" b="0" i="0" u="none" strike="noStrike" kern="1200" cap="none" spc="0" normalizeH="0" baseline="0" noProof="0" smtClean="0">
+                <a:ln>
+                  <a:noFill/>
+                </a:ln>
+                <a:solidFill>
+                  <a:prstClr val="black">
+                    <a:tint val="75000"/>
+                  </a:prstClr>
+                </a:solidFill>
+                <a:effectLst/>
+                <a:uLnTx/>
+                <a:uFillTx/>
+                <a:latin typeface="Calibri" panose="020F0502020204030204"/>
+                <a:ea typeface="+mn-ea"/>
+                <a:cs typeface="+mn-cs"/>
+              </a:rPr>
+              <a:pPr marL="0" marR="0" lvl="0" indent="0" algn="r" defTabSz="914400" rtl="0" eaLnBrk="1" fontAlgn="auto" latinLnBrk="0" hangingPunct="1">
+                <a:lnSpc>
+                  <a:spcPct val="100000"/>
+                </a:lnSpc>
+                <a:spcBef>
+                  <a:spcPts val="0"/>
+                </a:spcBef>
+                <a:spcAft>
+                  <a:spcPts val="0"/>
+                </a:spcAft>
+                <a:buClrTx/>
+                <a:buSzTx/>
+                <a:buFontTx/>
+                <a:buNone/>
+                <a:tabLst/>
+                <a:defRPr/>
+              </a:pPr>
+              <a:t>‹#›</a:t>
+            </a:fld>
+            <a:endParaRPr kumimoji="0" lang="en-IN" sz="1200" b="0" i="0" u="none" strike="noStrike" kern="1200" cap="none" spc="0" normalizeH="0" baseline="0" noProof="0">
+              <a:ln>
+                <a:noFill/>
+              </a:ln>
+              <a:solidFill>
+                <a:prstClr val="black">
+                  <a:tint val="75000"/>
+                </a:prstClr>
+              </a:solidFill>
+              <a:effectLst/>
+              <a:uLnTx/>
+              <a:uFillTx/>
+              <a:latin typeface="Calibri" panose="020F0502020204030204"/>
+              <a:ea typeface="+mn-ea"/>
+              <a:cs typeface="+mn-cs"/>
+            </a:endParaRPr>
+          </a:p>
+        </p:txBody>
+      </p:sp>
+    </p:spTree>
+    <p:extLst>
+      <p:ext uri="{BB962C8B-B14F-4D97-AF65-F5344CB8AC3E}">
+        <p14:creationId xmlns:p14="http://schemas.microsoft.com/office/powerpoint/2010/main" val="44133810"/>
+      </p:ext>
+    </p:extLst>
+  </p:cSld>
+  <p:clrMapOvr>
+    <a:masterClrMapping/>
+  </p:clrMapOvr>
+</p:sldLayout>
+</file>
+
+<file path=ppt/slideLayouts/slideLayout21.xml><?xml version="1.0" encoding="utf-8"?>
+<p:sldLayout xmlns:a="http://schemas.openxmlformats.org/drawingml/2006/main" xmlns:r="http://schemas.openxmlformats.org/officeDocument/2006/relationships" xmlns:p="http://schemas.openxmlformats.org/presentationml/2006/main" type="blank" preserve="1">
+  <p:cSld name="Blank">
+    <p:spTree>
+      <p:nvGrpSpPr>
+        <p:cNvPr id="1" name=""/>
+        <p:cNvGrpSpPr/>
+        <p:nvPr/>
+      </p:nvGrpSpPr>
+      <p:grpSpPr>
+        <a:xfrm>
+          <a:off x="0" y="0"/>
+          <a:ext cx="0" cy="0"/>
+          <a:chOff x="0" y="0"/>
+          <a:chExt cx="0" cy="0"/>
+        </a:xfrm>
+      </p:grpSpPr>
+      <p:sp>
+        <p:nvSpPr>
+          <p:cNvPr id="2" name="Date Placeholder 1"/>
+          <p:cNvSpPr>
+            <a:spLocks noGrp="1"/>
+          </p:cNvSpPr>
+          <p:nvPr>
+            <p:ph type="dt" sz="half" idx="10"/>
+          </p:nvPr>
+        </p:nvSpPr>
+        <p:spPr/>
+        <p:txBody>
+          <a:bodyPr/>
+          <a:lstStyle/>
+          <a:p>
+            <a:pPr marL="0" marR="0" lvl="0" indent="0" algn="l" defTabSz="914400" rtl="0" eaLnBrk="1" fontAlgn="auto" latinLnBrk="0" hangingPunct="1">
+              <a:lnSpc>
+                <a:spcPct val="100000"/>
+              </a:lnSpc>
+              <a:spcBef>
+                <a:spcPts val="0"/>
+              </a:spcBef>
+              <a:spcAft>
+                <a:spcPts val="0"/>
+              </a:spcAft>
+              <a:buClrTx/>
+              <a:buSzTx/>
+              <a:buFontTx/>
+              <a:buNone/>
+              <a:tabLst/>
+              <a:defRPr/>
+            </a:pPr>
+            <a:fld id="{615B8220-D6CE-4EBA-9DF4-44184996CC87}" type="datetimeFigureOut">
+              <a:rPr kumimoji="0" lang="en-IN" sz="1200" b="0" i="0" u="none" strike="noStrike" kern="1200" cap="none" spc="0" normalizeH="0" baseline="0" noProof="0" smtClean="0">
+                <a:ln>
+                  <a:noFill/>
+                </a:ln>
+                <a:solidFill>
+                  <a:prstClr val="black">
+                    <a:tint val="75000"/>
+                  </a:prstClr>
+                </a:solidFill>
+                <a:effectLst/>
+                <a:uLnTx/>
+                <a:uFillTx/>
+                <a:latin typeface="Calibri" panose="020F0502020204030204"/>
+                <a:ea typeface="+mn-ea"/>
+                <a:cs typeface="+mn-cs"/>
+              </a:rPr>
+              <a:pPr marL="0" marR="0" lvl="0" indent="0" algn="l" defTabSz="914400" rtl="0" eaLnBrk="1" fontAlgn="auto" latinLnBrk="0" hangingPunct="1">
+                <a:lnSpc>
+                  <a:spcPct val="100000"/>
+                </a:lnSpc>
+                <a:spcBef>
+                  <a:spcPts val="0"/>
+                </a:spcBef>
+                <a:spcAft>
+                  <a:spcPts val="0"/>
+                </a:spcAft>
+                <a:buClrTx/>
+                <a:buSzTx/>
+                <a:buFontTx/>
+                <a:buNone/>
+                <a:tabLst/>
+                <a:defRPr/>
+              </a:pPr>
+              <a:t>06-11-2015</a:t>
+            </a:fld>
+            <a:endParaRPr kumimoji="0" lang="en-IN" sz="1200" b="0" i="0" u="none" strike="noStrike" kern="1200" cap="none" spc="0" normalizeH="0" baseline="0" noProof="0">
+              <a:ln>
+                <a:noFill/>
+              </a:ln>
+              <a:solidFill>
+                <a:prstClr val="black">
+                  <a:tint val="75000"/>
+                </a:prstClr>
+              </a:solidFill>
+              <a:effectLst/>
+              <a:uLnTx/>
+              <a:uFillTx/>
+              <a:latin typeface="Calibri" panose="020F0502020204030204"/>
+              <a:ea typeface="+mn-ea"/>
+              <a:cs typeface="+mn-cs"/>
+            </a:endParaRPr>
+          </a:p>
+        </p:txBody>
+      </p:sp>
+      <p:sp>
+        <p:nvSpPr>
+          <p:cNvPr id="3" name="Footer Placeholder 2"/>
+          <p:cNvSpPr>
+            <a:spLocks noGrp="1"/>
+          </p:cNvSpPr>
+          <p:nvPr>
+            <p:ph type="ftr" sz="quarter" idx="11"/>
+          </p:nvPr>
+        </p:nvSpPr>
+        <p:spPr/>
+        <p:txBody>
+          <a:bodyPr/>
+          <a:lstStyle/>
+          <a:p>
+            <a:pPr marL="0" marR="0" lvl="0" indent="0" algn="ctr" defTabSz="914400" rtl="0" eaLnBrk="1" fontAlgn="auto" latinLnBrk="0" hangingPunct="1">
+              <a:lnSpc>
+                <a:spcPct val="100000"/>
+              </a:lnSpc>
+              <a:spcBef>
+                <a:spcPts val="0"/>
+              </a:spcBef>
+              <a:spcAft>
+                <a:spcPts val="0"/>
+              </a:spcAft>
+              <a:buClrTx/>
+              <a:buSzTx/>
+              <a:buFontTx/>
+              <a:buNone/>
+              <a:tabLst/>
+              <a:defRPr/>
+            </a:pPr>
+            <a:endParaRPr kumimoji="0" lang="en-IN" sz="1200" b="0" i="0" u="none" strike="noStrike" kern="1200" cap="none" spc="0" normalizeH="0" baseline="0" noProof="0">
+              <a:ln>
+                <a:noFill/>
+              </a:ln>
+              <a:solidFill>
+                <a:prstClr val="black">
+                  <a:tint val="75000"/>
+                </a:prstClr>
+              </a:solidFill>
+              <a:effectLst/>
+              <a:uLnTx/>
+              <a:uFillTx/>
+              <a:latin typeface="Calibri" panose="020F0502020204030204"/>
+              <a:ea typeface="+mn-ea"/>
+              <a:cs typeface="+mn-cs"/>
+            </a:endParaRPr>
+          </a:p>
+        </p:txBody>
+      </p:sp>
+      <p:sp>
+        <p:nvSpPr>
+          <p:cNvPr id="4" name="Slide Number Placeholder 3"/>
+          <p:cNvSpPr>
+            <a:spLocks noGrp="1"/>
+          </p:cNvSpPr>
+          <p:nvPr>
+            <p:ph type="sldNum" sz="quarter" idx="12"/>
+          </p:nvPr>
+        </p:nvSpPr>
+        <p:spPr/>
+        <p:txBody>
+          <a:bodyPr/>
+          <a:lstStyle/>
+          <a:p>
+            <a:pPr marL="0" marR="0" lvl="0" indent="0" algn="r" defTabSz="914400" rtl="0" eaLnBrk="1" fontAlgn="auto" latinLnBrk="0" hangingPunct="1">
+              <a:lnSpc>
+                <a:spcPct val="100000"/>
+              </a:lnSpc>
+              <a:spcBef>
+                <a:spcPts val="0"/>
+              </a:spcBef>
+              <a:spcAft>
+                <a:spcPts val="0"/>
+              </a:spcAft>
+              <a:buClrTx/>
+              <a:buSzTx/>
+              <a:buFontTx/>
+              <a:buNone/>
+              <a:tabLst/>
+              <a:defRPr/>
+            </a:pPr>
+            <a:fld id="{72C2F659-9614-4C11-ABEC-5C229DA454D6}" type="slidenum">
+              <a:rPr kumimoji="0" lang="en-IN" sz="1200" b="0" i="0" u="none" strike="noStrike" kern="1200" cap="none" spc="0" normalizeH="0" baseline="0" noProof="0" smtClean="0">
+                <a:ln>
+                  <a:noFill/>
+                </a:ln>
+                <a:solidFill>
+                  <a:prstClr val="black">
+                    <a:tint val="75000"/>
+                  </a:prstClr>
+                </a:solidFill>
+                <a:effectLst/>
+                <a:uLnTx/>
+                <a:uFillTx/>
+                <a:latin typeface="Calibri" panose="020F0502020204030204"/>
+                <a:ea typeface="+mn-ea"/>
+                <a:cs typeface="+mn-cs"/>
+              </a:rPr>
+              <a:pPr marL="0" marR="0" lvl="0" indent="0" algn="r" defTabSz="914400" rtl="0" eaLnBrk="1" fontAlgn="auto" latinLnBrk="0" hangingPunct="1">
+                <a:lnSpc>
+                  <a:spcPct val="100000"/>
+                </a:lnSpc>
+                <a:spcBef>
+                  <a:spcPts val="0"/>
+                </a:spcBef>
+                <a:spcAft>
+                  <a:spcPts val="0"/>
+                </a:spcAft>
+                <a:buClrTx/>
+                <a:buSzTx/>
+                <a:buFontTx/>
+                <a:buNone/>
+                <a:tabLst/>
+                <a:defRPr/>
+              </a:pPr>
+              <a:t>‹#›</a:t>
+            </a:fld>
+            <a:endParaRPr kumimoji="0" lang="en-IN" sz="1200" b="0" i="0" u="none" strike="noStrike" kern="1200" cap="none" spc="0" normalizeH="0" baseline="0" noProof="0">
+              <a:ln>
+                <a:noFill/>
+              </a:ln>
+              <a:solidFill>
+                <a:prstClr val="black">
+                  <a:tint val="75000"/>
+                </a:prstClr>
+              </a:solidFill>
+              <a:effectLst/>
+              <a:uLnTx/>
+              <a:uFillTx/>
+              <a:latin typeface="Calibri" panose="020F0502020204030204"/>
+              <a:ea typeface="+mn-ea"/>
+              <a:cs typeface="+mn-cs"/>
+            </a:endParaRPr>
+          </a:p>
+        </p:txBody>
+      </p:sp>
+    </p:spTree>
+    <p:extLst>
+      <p:ext uri="{BB962C8B-B14F-4D97-AF65-F5344CB8AC3E}">
+        <p14:creationId xmlns:p14="http://schemas.microsoft.com/office/powerpoint/2010/main" val="2065149022"/>
+      </p:ext>
+    </p:extLst>
+  </p:cSld>
+  <p:clrMapOvr>
+    <a:masterClrMapping/>
+  </p:clrMapOvr>
+</p:sldLayout>
+</file>
+
+<file path=ppt/slideLayouts/slideLayout22.xml><?xml version="1.0" encoding="utf-8"?>
+<p:sldLayout xmlns:a="http://schemas.openxmlformats.org/drawingml/2006/main" xmlns:r="http://schemas.openxmlformats.org/officeDocument/2006/relationships" xmlns:p="http://schemas.openxmlformats.org/presentationml/2006/main" type="objTx" preserve="1">
+  <p:cSld name="Content with Caption">
+    <p:spTree>
+      <p:nvGrpSpPr>
+        <p:cNvPr id="1" name=""/>
+        <p:cNvGrpSpPr/>
+        <p:nvPr/>
+      </p:nvGrpSpPr>
+      <p:grpSpPr>
+        <a:xfrm>
+          <a:off x="0" y="0"/>
+          <a:ext cx="0" cy="0"/>
+          <a:chOff x="0" y="0"/>
+          <a:chExt cx="0" cy="0"/>
+        </a:xfrm>
+      </p:grpSpPr>
+      <p:sp>
+        <p:nvSpPr>
+          <p:cNvPr id="2" name="Title 1"/>
+          <p:cNvSpPr>
+            <a:spLocks noGrp="1"/>
+          </p:cNvSpPr>
+          <p:nvPr>
+            <p:ph type="title"/>
+          </p:nvPr>
+        </p:nvSpPr>
+        <p:spPr>
+          <a:xfrm>
+            <a:off x="839788" y="457200"/>
+            <a:ext cx="3932237" cy="1600200"/>
+          </a:xfrm>
+        </p:spPr>
+        <p:txBody>
+          <a:bodyPr anchor="b"/>
+          <a:lstStyle>
+            <a:lvl1pPr>
+              <a:defRPr sz="3200"/>
+            </a:lvl1pPr>
+          </a:lstStyle>
+          <a:p>
+            <a:r>
+              <a:rPr lang="en-US" smtClean="0"/>
+              <a:t>Click to edit Master title style</a:t>
+            </a:r>
+            <a:endParaRPr lang="en-IN"/>
+          </a:p>
+        </p:txBody>
+      </p:sp>
+      <p:sp>
+        <p:nvSpPr>
+          <p:cNvPr id="3" name="Content Placeholder 2"/>
+          <p:cNvSpPr>
+            <a:spLocks noGrp="1"/>
+          </p:cNvSpPr>
+          <p:nvPr>
+            <p:ph idx="1"/>
+          </p:nvPr>
+        </p:nvSpPr>
+        <p:spPr>
+          <a:xfrm>
+            <a:off x="5183188" y="987425"/>
+            <a:ext cx="6172200" cy="4873625"/>
+          </a:xfrm>
+        </p:spPr>
+        <p:txBody>
+          <a:bodyPr/>
+          <a:lstStyle>
+            <a:lvl1pPr>
+              <a:defRPr sz="3200"/>
+            </a:lvl1pPr>
+            <a:lvl2pPr>
+              <a:defRPr sz="2800"/>
+            </a:lvl2pPr>
+            <a:lvl3pPr>
+              <a:defRPr sz="2400"/>
+            </a:lvl3pPr>
+            <a:lvl4pPr>
+              <a:defRPr sz="2000"/>
+            </a:lvl4pPr>
+            <a:lvl5pPr>
+              <a:defRPr sz="2000"/>
+            </a:lvl5pPr>
+            <a:lvl6pPr>
+              <a:defRPr sz="2000"/>
+            </a:lvl6pPr>
+            <a:lvl7pPr>
+              <a:defRPr sz="2000"/>
+            </a:lvl7pPr>
+            <a:lvl8pPr>
+              <a:defRPr sz="2000"/>
+            </a:lvl8pPr>
+            <a:lvl9pPr>
+              <a:defRPr sz="2000"/>
+            </a:lvl9pPr>
+          </a:lstStyle>
+          <a:p>
+            <a:pPr lvl="0"/>
+            <a:r>
+              <a:rPr lang="en-US" smtClean="0"/>
+              <a:t>Click to edit Master text styles</a:t>
+            </a:r>
+          </a:p>
+          <a:p>
+            <a:pPr lvl="1"/>
+            <a:r>
+              <a:rPr lang="en-US" smtClean="0"/>
+              <a:t>Second level</a:t>
+            </a:r>
+          </a:p>
+          <a:p>
+            <a:pPr lvl="2"/>
+            <a:r>
+              <a:rPr lang="en-US" smtClean="0"/>
+              <a:t>Third level</a:t>
+            </a:r>
+          </a:p>
+          <a:p>
+            <a:pPr lvl="3"/>
+            <a:r>
+              <a:rPr lang="en-US" smtClean="0"/>
+              <a:t>Fourth level</a:t>
+            </a:r>
+          </a:p>
+          <a:p>
+            <a:pPr lvl="4"/>
+            <a:r>
+              <a:rPr lang="en-US" smtClean="0"/>
+              <a:t>Fifth level</a:t>
+            </a:r>
+            <a:endParaRPr lang="en-IN"/>
+          </a:p>
+        </p:txBody>
+      </p:sp>
+      <p:sp>
+        <p:nvSpPr>
+          <p:cNvPr id="4" name="Text Placeholder 3"/>
+          <p:cNvSpPr>
+            <a:spLocks noGrp="1"/>
+          </p:cNvSpPr>
+          <p:nvPr>
+            <p:ph type="body" sz="half" idx="2"/>
+          </p:nvPr>
+        </p:nvSpPr>
+        <p:spPr>
+          <a:xfrm>
+            <a:off x="839788" y="2057400"/>
+            <a:ext cx="3932237" cy="3811588"/>
+          </a:xfrm>
+        </p:spPr>
+        <p:txBody>
+          <a:bodyPr/>
+          <a:lstStyle>
+            <a:lvl1pPr marL="0" indent="0">
+              <a:buNone/>
+              <a:defRPr sz="1600"/>
+            </a:lvl1pPr>
+            <a:lvl2pPr marL="457200" indent="0">
+              <a:buNone/>
+              <a:defRPr sz="1400"/>
+            </a:lvl2pPr>
+            <a:lvl3pPr marL="914400" indent="0">
+              <a:buNone/>
+              <a:defRPr sz="1200"/>
+            </a:lvl3pPr>
+            <a:lvl4pPr marL="1371600" indent="0">
+              <a:buNone/>
+              <a:defRPr sz="1000"/>
+            </a:lvl4pPr>
+            <a:lvl5pPr marL="1828800" indent="0">
+              <a:buNone/>
+              <a:defRPr sz="1000"/>
+            </a:lvl5pPr>
+            <a:lvl6pPr marL="2286000" indent="0">
+              <a:buNone/>
+              <a:defRPr sz="1000"/>
+            </a:lvl6pPr>
+            <a:lvl7pPr marL="2743200" indent="0">
+              <a:buNone/>
+              <a:defRPr sz="1000"/>
+            </a:lvl7pPr>
+            <a:lvl8pPr marL="3200400" indent="0">
+              <a:buNone/>
+              <a:defRPr sz="1000"/>
+            </a:lvl8pPr>
+            <a:lvl9pPr marL="3657600" indent="0">
+              <a:buNone/>
+              <a:defRPr sz="1000"/>
+            </a:lvl9pPr>
+          </a:lstStyle>
+          <a:p>
+            <a:pPr lvl="0"/>
+            <a:r>
+              <a:rPr lang="en-US" smtClean="0"/>
+              <a:t>Click to edit Master text styles</a:t>
+            </a:r>
+          </a:p>
+        </p:txBody>
+      </p:sp>
+      <p:sp>
+        <p:nvSpPr>
+          <p:cNvPr id="5" name="Date Placeholder 4"/>
+          <p:cNvSpPr>
+            <a:spLocks noGrp="1"/>
+          </p:cNvSpPr>
+          <p:nvPr>
+            <p:ph type="dt" sz="half" idx="10"/>
+          </p:nvPr>
+        </p:nvSpPr>
+        <p:spPr/>
+        <p:txBody>
+          <a:bodyPr/>
+          <a:lstStyle/>
+          <a:p>
+            <a:pPr marL="0" marR="0" lvl="0" indent="0" algn="l" defTabSz="914400" rtl="0" eaLnBrk="1" fontAlgn="auto" latinLnBrk="0" hangingPunct="1">
+              <a:lnSpc>
+                <a:spcPct val="100000"/>
+              </a:lnSpc>
+              <a:spcBef>
+                <a:spcPts val="0"/>
+              </a:spcBef>
+              <a:spcAft>
+                <a:spcPts val="0"/>
+              </a:spcAft>
+              <a:buClrTx/>
+              <a:buSzTx/>
+              <a:buFontTx/>
+              <a:buNone/>
+              <a:tabLst/>
+              <a:defRPr/>
+            </a:pPr>
+            <a:fld id="{615B8220-D6CE-4EBA-9DF4-44184996CC87}" type="datetimeFigureOut">
+              <a:rPr kumimoji="0" lang="en-IN" sz="1200" b="0" i="0" u="none" strike="noStrike" kern="1200" cap="none" spc="0" normalizeH="0" baseline="0" noProof="0" smtClean="0">
+                <a:ln>
+                  <a:noFill/>
+                </a:ln>
+                <a:solidFill>
+                  <a:prstClr val="black">
+                    <a:tint val="75000"/>
+                  </a:prstClr>
+                </a:solidFill>
+                <a:effectLst/>
+                <a:uLnTx/>
+                <a:uFillTx/>
+                <a:latin typeface="Calibri" panose="020F0502020204030204"/>
+                <a:ea typeface="+mn-ea"/>
+                <a:cs typeface="+mn-cs"/>
+              </a:rPr>
+              <a:pPr marL="0" marR="0" lvl="0" indent="0" algn="l" defTabSz="914400" rtl="0" eaLnBrk="1" fontAlgn="auto" latinLnBrk="0" hangingPunct="1">
+                <a:lnSpc>
+                  <a:spcPct val="100000"/>
+                </a:lnSpc>
+                <a:spcBef>
+                  <a:spcPts val="0"/>
+                </a:spcBef>
+                <a:spcAft>
+                  <a:spcPts val="0"/>
+                </a:spcAft>
+                <a:buClrTx/>
+                <a:buSzTx/>
+                <a:buFontTx/>
+                <a:buNone/>
+                <a:tabLst/>
+                <a:defRPr/>
+              </a:pPr>
+              <a:t>06-11-2015</a:t>
+            </a:fld>
+            <a:endParaRPr kumimoji="0" lang="en-IN" sz="1200" b="0" i="0" u="none" strike="noStrike" kern="1200" cap="none" spc="0" normalizeH="0" baseline="0" noProof="0">
+              <a:ln>
+                <a:noFill/>
+              </a:ln>
+              <a:solidFill>
+                <a:prstClr val="black">
+                  <a:tint val="75000"/>
+                </a:prstClr>
+              </a:solidFill>
+              <a:effectLst/>
+              <a:uLnTx/>
+              <a:uFillTx/>
+              <a:latin typeface="Calibri" panose="020F0502020204030204"/>
+              <a:ea typeface="+mn-ea"/>
+              <a:cs typeface="+mn-cs"/>
+            </a:endParaRPr>
+          </a:p>
+        </p:txBody>
+      </p:sp>
+      <p:sp>
+        <p:nvSpPr>
+          <p:cNvPr id="6" name="Footer Placeholder 5"/>
+          <p:cNvSpPr>
+            <a:spLocks noGrp="1"/>
+          </p:cNvSpPr>
+          <p:nvPr>
+            <p:ph type="ftr" sz="quarter" idx="11"/>
+          </p:nvPr>
+        </p:nvSpPr>
+        <p:spPr/>
+        <p:txBody>
+          <a:bodyPr/>
+          <a:lstStyle/>
+          <a:p>
+            <a:pPr marL="0" marR="0" lvl="0" indent="0" algn="ctr" defTabSz="914400" rtl="0" eaLnBrk="1" fontAlgn="auto" latinLnBrk="0" hangingPunct="1">
+              <a:lnSpc>
+                <a:spcPct val="100000"/>
+              </a:lnSpc>
+              <a:spcBef>
+                <a:spcPts val="0"/>
+              </a:spcBef>
+              <a:spcAft>
+                <a:spcPts val="0"/>
+              </a:spcAft>
+              <a:buClrTx/>
+              <a:buSzTx/>
+              <a:buFontTx/>
+              <a:buNone/>
+              <a:tabLst/>
+              <a:defRPr/>
+            </a:pPr>
+            <a:endParaRPr kumimoji="0" lang="en-IN" sz="1200" b="0" i="0" u="none" strike="noStrike" kern="1200" cap="none" spc="0" normalizeH="0" baseline="0" noProof="0">
+              <a:ln>
+                <a:noFill/>
+              </a:ln>
+              <a:solidFill>
+                <a:prstClr val="black">
+                  <a:tint val="75000"/>
+                </a:prstClr>
+              </a:solidFill>
+              <a:effectLst/>
+              <a:uLnTx/>
+              <a:uFillTx/>
+              <a:latin typeface="Calibri" panose="020F0502020204030204"/>
+              <a:ea typeface="+mn-ea"/>
+              <a:cs typeface="+mn-cs"/>
+            </a:endParaRPr>
+          </a:p>
+        </p:txBody>
+      </p:sp>
+      <p:sp>
+        <p:nvSpPr>
+          <p:cNvPr id="7" name="Slide Number Placeholder 6"/>
+          <p:cNvSpPr>
+            <a:spLocks noGrp="1"/>
+          </p:cNvSpPr>
+          <p:nvPr>
+            <p:ph type="sldNum" sz="quarter" idx="12"/>
+          </p:nvPr>
+        </p:nvSpPr>
+        <p:spPr/>
+        <p:txBody>
+          <a:bodyPr/>
+          <a:lstStyle/>
+          <a:p>
+            <a:pPr marL="0" marR="0" lvl="0" indent="0" algn="r" defTabSz="914400" rtl="0" eaLnBrk="1" fontAlgn="auto" latinLnBrk="0" hangingPunct="1">
+              <a:lnSpc>
+                <a:spcPct val="100000"/>
+              </a:lnSpc>
+              <a:spcBef>
+                <a:spcPts val="0"/>
+              </a:spcBef>
+              <a:spcAft>
+                <a:spcPts val="0"/>
+              </a:spcAft>
+              <a:buClrTx/>
+              <a:buSzTx/>
+              <a:buFontTx/>
+              <a:buNone/>
+              <a:tabLst/>
+              <a:defRPr/>
+            </a:pPr>
+            <a:fld id="{72C2F659-9614-4C11-ABEC-5C229DA454D6}" type="slidenum">
+              <a:rPr kumimoji="0" lang="en-IN" sz="1200" b="0" i="0" u="none" strike="noStrike" kern="1200" cap="none" spc="0" normalizeH="0" baseline="0" noProof="0" smtClean="0">
+                <a:ln>
+                  <a:noFill/>
+                </a:ln>
+                <a:solidFill>
+                  <a:prstClr val="black">
+                    <a:tint val="75000"/>
+                  </a:prstClr>
+                </a:solidFill>
+                <a:effectLst/>
+                <a:uLnTx/>
+                <a:uFillTx/>
+                <a:latin typeface="Calibri" panose="020F0502020204030204"/>
+                <a:ea typeface="+mn-ea"/>
+                <a:cs typeface="+mn-cs"/>
+              </a:rPr>
+              <a:pPr marL="0" marR="0" lvl="0" indent="0" algn="r" defTabSz="914400" rtl="0" eaLnBrk="1" fontAlgn="auto" latinLnBrk="0" hangingPunct="1">
+                <a:lnSpc>
+                  <a:spcPct val="100000"/>
+                </a:lnSpc>
+                <a:spcBef>
+                  <a:spcPts val="0"/>
+                </a:spcBef>
+                <a:spcAft>
+                  <a:spcPts val="0"/>
+                </a:spcAft>
+                <a:buClrTx/>
+                <a:buSzTx/>
+                <a:buFontTx/>
+                <a:buNone/>
+                <a:tabLst/>
+                <a:defRPr/>
+              </a:pPr>
+              <a:t>‹#›</a:t>
+            </a:fld>
+            <a:endParaRPr kumimoji="0" lang="en-IN" sz="1200" b="0" i="0" u="none" strike="noStrike" kern="1200" cap="none" spc="0" normalizeH="0" baseline="0" noProof="0">
+              <a:ln>
+                <a:noFill/>
+              </a:ln>
+              <a:solidFill>
+                <a:prstClr val="black">
+                  <a:tint val="75000"/>
+                </a:prstClr>
+              </a:solidFill>
+              <a:effectLst/>
+              <a:uLnTx/>
+              <a:uFillTx/>
+              <a:latin typeface="Calibri" panose="020F0502020204030204"/>
+              <a:ea typeface="+mn-ea"/>
+              <a:cs typeface="+mn-cs"/>
+            </a:endParaRPr>
+          </a:p>
+        </p:txBody>
+      </p:sp>
+    </p:spTree>
+    <p:extLst>
+      <p:ext uri="{BB962C8B-B14F-4D97-AF65-F5344CB8AC3E}">
+        <p14:creationId xmlns:p14="http://schemas.microsoft.com/office/powerpoint/2010/main" val="4155997869"/>
+      </p:ext>
+    </p:extLst>
+  </p:cSld>
+  <p:clrMapOvr>
+    <a:masterClrMapping/>
+  </p:clrMapOvr>
+</p:sldLayout>
+</file>
+
+<file path=ppt/slideLayouts/slideLayout23.xml><?xml version="1.0" encoding="utf-8"?>
+<p:sldLayout xmlns:a="http://schemas.openxmlformats.org/drawingml/2006/main" xmlns:r="http://schemas.openxmlformats.org/officeDocument/2006/relationships" xmlns:p="http://schemas.openxmlformats.org/presentationml/2006/main" type="picTx" preserve="1">
+  <p:cSld name="Picture with Caption">
+    <p:spTree>
+      <p:nvGrpSpPr>
+        <p:cNvPr id="1" name=""/>
+        <p:cNvGrpSpPr/>
+        <p:nvPr/>
+      </p:nvGrpSpPr>
+      <p:grpSpPr>
+        <a:xfrm>
+          <a:off x="0" y="0"/>
+          <a:ext cx="0" cy="0"/>
+          <a:chOff x="0" y="0"/>
+          <a:chExt cx="0" cy="0"/>
+        </a:xfrm>
+      </p:grpSpPr>
+      <p:sp>
+        <p:nvSpPr>
+          <p:cNvPr id="2" name="Title 1"/>
+          <p:cNvSpPr>
+            <a:spLocks noGrp="1"/>
+          </p:cNvSpPr>
+          <p:nvPr>
+            <p:ph type="title"/>
+          </p:nvPr>
+        </p:nvSpPr>
+        <p:spPr>
+          <a:xfrm>
+            <a:off x="839788" y="457200"/>
+            <a:ext cx="3932237" cy="1600200"/>
+          </a:xfrm>
+        </p:spPr>
+        <p:txBody>
+          <a:bodyPr anchor="b"/>
+          <a:lstStyle>
+            <a:lvl1pPr>
+              <a:defRPr sz="3200"/>
+            </a:lvl1pPr>
+          </a:lstStyle>
+          <a:p>
+            <a:r>
+              <a:rPr lang="en-US" smtClean="0"/>
+              <a:t>Click to edit Master title style</a:t>
+            </a:r>
+            <a:endParaRPr lang="en-IN"/>
+          </a:p>
+        </p:txBody>
+      </p:sp>
+      <p:sp>
+        <p:nvSpPr>
+          <p:cNvPr id="3" name="Picture Placeholder 2"/>
+          <p:cNvSpPr>
+            <a:spLocks noGrp="1"/>
+          </p:cNvSpPr>
+          <p:nvPr>
+            <p:ph type="pic" idx="1"/>
+          </p:nvPr>
+        </p:nvSpPr>
+        <p:spPr>
+          <a:xfrm>
+            <a:off x="5183188" y="987425"/>
+            <a:ext cx="6172200" cy="4873625"/>
+          </a:xfrm>
+        </p:spPr>
+        <p:txBody>
+          <a:bodyPr/>
+          <a:lstStyle>
+            <a:lvl1pPr marL="0" indent="0">
+              <a:buNone/>
+              <a:defRPr sz="3200"/>
+            </a:lvl1pPr>
+            <a:lvl2pPr marL="457200" indent="0">
+              <a:buNone/>
+              <a:defRPr sz="2800"/>
+            </a:lvl2pPr>
+            <a:lvl3pPr marL="914400" indent="0">
+              <a:buNone/>
+              <a:defRPr sz="2400"/>
+            </a:lvl3pPr>
+            <a:lvl4pPr marL="1371600" indent="0">
+              <a:buNone/>
+              <a:defRPr sz="2000"/>
+            </a:lvl4pPr>
+            <a:lvl5pPr marL="1828800" indent="0">
+              <a:buNone/>
+              <a:defRPr sz="2000"/>
+            </a:lvl5pPr>
+            <a:lvl6pPr marL="2286000" indent="0">
+              <a:buNone/>
+              <a:defRPr sz="2000"/>
+            </a:lvl6pPr>
+            <a:lvl7pPr marL="2743200" indent="0">
+              <a:buNone/>
+              <a:defRPr sz="2000"/>
+            </a:lvl7pPr>
+            <a:lvl8pPr marL="3200400" indent="0">
+              <a:buNone/>
+              <a:defRPr sz="2000"/>
+            </a:lvl8pPr>
+            <a:lvl9pPr marL="3657600" indent="0">
+              <a:buNone/>
+              <a:defRPr sz="2000"/>
+            </a:lvl9pPr>
+          </a:lstStyle>
+          <a:p>
+            <a:endParaRPr lang="en-IN"/>
+          </a:p>
+        </p:txBody>
+      </p:sp>
+      <p:sp>
+        <p:nvSpPr>
+          <p:cNvPr id="4" name="Text Placeholder 3"/>
+          <p:cNvSpPr>
+            <a:spLocks noGrp="1"/>
+          </p:cNvSpPr>
+          <p:nvPr>
+            <p:ph type="body" sz="half" idx="2"/>
+          </p:nvPr>
+        </p:nvSpPr>
+        <p:spPr>
+          <a:xfrm>
+            <a:off x="839788" y="2057400"/>
+            <a:ext cx="3932237" cy="3811588"/>
+          </a:xfrm>
+        </p:spPr>
+        <p:txBody>
+          <a:bodyPr/>
+          <a:lstStyle>
+            <a:lvl1pPr marL="0" indent="0">
+              <a:buNone/>
+              <a:defRPr sz="1600"/>
+            </a:lvl1pPr>
+            <a:lvl2pPr marL="457200" indent="0">
+              <a:buNone/>
+              <a:defRPr sz="1400"/>
+            </a:lvl2pPr>
+            <a:lvl3pPr marL="914400" indent="0">
+              <a:buNone/>
+              <a:defRPr sz="1200"/>
+            </a:lvl3pPr>
+            <a:lvl4pPr marL="1371600" indent="0">
+              <a:buNone/>
+              <a:defRPr sz="1000"/>
+            </a:lvl4pPr>
+            <a:lvl5pPr marL="1828800" indent="0">
+              <a:buNone/>
+              <a:defRPr sz="1000"/>
+            </a:lvl5pPr>
+            <a:lvl6pPr marL="2286000" indent="0">
+              <a:buNone/>
+              <a:defRPr sz="1000"/>
+            </a:lvl6pPr>
+            <a:lvl7pPr marL="2743200" indent="0">
+              <a:buNone/>
+              <a:defRPr sz="1000"/>
+            </a:lvl7pPr>
+            <a:lvl8pPr marL="3200400" indent="0">
+              <a:buNone/>
+              <a:defRPr sz="1000"/>
+            </a:lvl8pPr>
+            <a:lvl9pPr marL="3657600" indent="0">
+              <a:buNone/>
+              <a:defRPr sz="1000"/>
+            </a:lvl9pPr>
+          </a:lstStyle>
+          <a:p>
+            <a:pPr lvl="0"/>
+            <a:r>
+              <a:rPr lang="en-US" smtClean="0"/>
+              <a:t>Click to edit Master text styles</a:t>
+            </a:r>
+          </a:p>
+        </p:txBody>
+      </p:sp>
+      <p:sp>
+        <p:nvSpPr>
+          <p:cNvPr id="5" name="Date Placeholder 4"/>
+          <p:cNvSpPr>
+            <a:spLocks noGrp="1"/>
+          </p:cNvSpPr>
+          <p:nvPr>
+            <p:ph type="dt" sz="half" idx="10"/>
+          </p:nvPr>
+        </p:nvSpPr>
+        <p:spPr/>
+        <p:txBody>
+          <a:bodyPr/>
+          <a:lstStyle/>
+          <a:p>
+            <a:pPr marL="0" marR="0" lvl="0" indent="0" algn="l" defTabSz="914400" rtl="0" eaLnBrk="1" fontAlgn="auto" latinLnBrk="0" hangingPunct="1">
+              <a:lnSpc>
+                <a:spcPct val="100000"/>
+              </a:lnSpc>
+              <a:spcBef>
+                <a:spcPts val="0"/>
+              </a:spcBef>
+              <a:spcAft>
+                <a:spcPts val="0"/>
+              </a:spcAft>
+              <a:buClrTx/>
+              <a:buSzTx/>
+              <a:buFontTx/>
+              <a:buNone/>
+              <a:tabLst/>
+              <a:defRPr/>
+            </a:pPr>
+            <a:fld id="{615B8220-D6CE-4EBA-9DF4-44184996CC87}" type="datetimeFigureOut">
+              <a:rPr kumimoji="0" lang="en-IN" sz="1200" b="0" i="0" u="none" strike="noStrike" kern="1200" cap="none" spc="0" normalizeH="0" baseline="0" noProof="0" smtClean="0">
+                <a:ln>
+                  <a:noFill/>
+                </a:ln>
+                <a:solidFill>
+                  <a:prstClr val="black">
+                    <a:tint val="75000"/>
+                  </a:prstClr>
+                </a:solidFill>
+                <a:effectLst/>
+                <a:uLnTx/>
+                <a:uFillTx/>
+                <a:latin typeface="Calibri" panose="020F0502020204030204"/>
+                <a:ea typeface="+mn-ea"/>
+                <a:cs typeface="+mn-cs"/>
+              </a:rPr>
+              <a:pPr marL="0" marR="0" lvl="0" indent="0" algn="l" defTabSz="914400" rtl="0" eaLnBrk="1" fontAlgn="auto" latinLnBrk="0" hangingPunct="1">
+                <a:lnSpc>
+                  <a:spcPct val="100000"/>
+                </a:lnSpc>
+                <a:spcBef>
+                  <a:spcPts val="0"/>
+                </a:spcBef>
+                <a:spcAft>
+                  <a:spcPts val="0"/>
+                </a:spcAft>
+                <a:buClrTx/>
+                <a:buSzTx/>
+                <a:buFontTx/>
+                <a:buNone/>
+                <a:tabLst/>
+                <a:defRPr/>
+              </a:pPr>
+              <a:t>06-11-2015</a:t>
+            </a:fld>
+            <a:endParaRPr kumimoji="0" lang="en-IN" sz="1200" b="0" i="0" u="none" strike="noStrike" kern="1200" cap="none" spc="0" normalizeH="0" baseline="0" noProof="0">
+              <a:ln>
+                <a:noFill/>
+              </a:ln>
+              <a:solidFill>
+                <a:prstClr val="black">
+                  <a:tint val="75000"/>
+                </a:prstClr>
+              </a:solidFill>
+              <a:effectLst/>
+              <a:uLnTx/>
+              <a:uFillTx/>
+              <a:latin typeface="Calibri" panose="020F0502020204030204"/>
+              <a:ea typeface="+mn-ea"/>
+              <a:cs typeface="+mn-cs"/>
+            </a:endParaRPr>
+          </a:p>
+        </p:txBody>
+      </p:sp>
+      <p:sp>
+        <p:nvSpPr>
+          <p:cNvPr id="6" name="Footer Placeholder 5"/>
+          <p:cNvSpPr>
+            <a:spLocks noGrp="1"/>
+          </p:cNvSpPr>
+          <p:nvPr>
+            <p:ph type="ftr" sz="quarter" idx="11"/>
+          </p:nvPr>
+        </p:nvSpPr>
+        <p:spPr/>
+        <p:txBody>
+          <a:bodyPr/>
+          <a:lstStyle/>
+          <a:p>
+            <a:pPr marL="0" marR="0" lvl="0" indent="0" algn="ctr" defTabSz="914400" rtl="0" eaLnBrk="1" fontAlgn="auto" latinLnBrk="0" hangingPunct="1">
+              <a:lnSpc>
+                <a:spcPct val="100000"/>
+              </a:lnSpc>
+              <a:spcBef>
+                <a:spcPts val="0"/>
+              </a:spcBef>
+              <a:spcAft>
+                <a:spcPts val="0"/>
+              </a:spcAft>
+              <a:buClrTx/>
+              <a:buSzTx/>
+              <a:buFontTx/>
+              <a:buNone/>
+              <a:tabLst/>
+              <a:defRPr/>
+            </a:pPr>
+            <a:endParaRPr kumimoji="0" lang="en-IN" sz="1200" b="0" i="0" u="none" strike="noStrike" kern="1200" cap="none" spc="0" normalizeH="0" baseline="0" noProof="0">
+              <a:ln>
+                <a:noFill/>
+              </a:ln>
+              <a:solidFill>
+                <a:prstClr val="black">
+                  <a:tint val="75000"/>
+                </a:prstClr>
+              </a:solidFill>
+              <a:effectLst/>
+              <a:uLnTx/>
+              <a:uFillTx/>
+              <a:latin typeface="Calibri" panose="020F0502020204030204"/>
+              <a:ea typeface="+mn-ea"/>
+              <a:cs typeface="+mn-cs"/>
+            </a:endParaRPr>
+          </a:p>
+        </p:txBody>
+      </p:sp>
+      <p:sp>
+        <p:nvSpPr>
+          <p:cNvPr id="7" name="Slide Number Placeholder 6"/>
+          <p:cNvSpPr>
+            <a:spLocks noGrp="1"/>
+          </p:cNvSpPr>
+          <p:nvPr>
+            <p:ph type="sldNum" sz="quarter" idx="12"/>
+          </p:nvPr>
+        </p:nvSpPr>
+        <p:spPr/>
+        <p:txBody>
+          <a:bodyPr/>
+          <a:lstStyle/>
+          <a:p>
+            <a:pPr marL="0" marR="0" lvl="0" indent="0" algn="r" defTabSz="914400" rtl="0" eaLnBrk="1" fontAlgn="auto" latinLnBrk="0" hangingPunct="1">
+              <a:lnSpc>
+                <a:spcPct val="100000"/>
+              </a:lnSpc>
+              <a:spcBef>
+                <a:spcPts val="0"/>
+              </a:spcBef>
+              <a:spcAft>
+                <a:spcPts val="0"/>
+              </a:spcAft>
+              <a:buClrTx/>
+              <a:buSzTx/>
+              <a:buFontTx/>
+              <a:buNone/>
+              <a:tabLst/>
+              <a:defRPr/>
+            </a:pPr>
+            <a:fld id="{72C2F659-9614-4C11-ABEC-5C229DA454D6}" type="slidenum">
+              <a:rPr kumimoji="0" lang="en-IN" sz="1200" b="0" i="0" u="none" strike="noStrike" kern="1200" cap="none" spc="0" normalizeH="0" baseline="0" noProof="0" smtClean="0">
+                <a:ln>
+                  <a:noFill/>
+                </a:ln>
+                <a:solidFill>
+                  <a:prstClr val="black">
+                    <a:tint val="75000"/>
+                  </a:prstClr>
+                </a:solidFill>
+                <a:effectLst/>
+                <a:uLnTx/>
+                <a:uFillTx/>
+                <a:latin typeface="Calibri" panose="020F0502020204030204"/>
+                <a:ea typeface="+mn-ea"/>
+                <a:cs typeface="+mn-cs"/>
+              </a:rPr>
+              <a:pPr marL="0" marR="0" lvl="0" indent="0" algn="r" defTabSz="914400" rtl="0" eaLnBrk="1" fontAlgn="auto" latinLnBrk="0" hangingPunct="1">
+                <a:lnSpc>
+                  <a:spcPct val="100000"/>
+                </a:lnSpc>
+                <a:spcBef>
+                  <a:spcPts val="0"/>
+                </a:spcBef>
+                <a:spcAft>
+                  <a:spcPts val="0"/>
+                </a:spcAft>
+                <a:buClrTx/>
+                <a:buSzTx/>
+                <a:buFontTx/>
+                <a:buNone/>
+                <a:tabLst/>
+                <a:defRPr/>
+              </a:pPr>
+              <a:t>‹#›</a:t>
+            </a:fld>
+            <a:endParaRPr kumimoji="0" lang="en-IN" sz="1200" b="0" i="0" u="none" strike="noStrike" kern="1200" cap="none" spc="0" normalizeH="0" baseline="0" noProof="0">
+              <a:ln>
+                <a:noFill/>
+              </a:ln>
+              <a:solidFill>
+                <a:prstClr val="black">
+                  <a:tint val="75000"/>
+                </a:prstClr>
+              </a:solidFill>
+              <a:effectLst/>
+              <a:uLnTx/>
+              <a:uFillTx/>
+              <a:latin typeface="Calibri" panose="020F0502020204030204"/>
+              <a:ea typeface="+mn-ea"/>
+              <a:cs typeface="+mn-cs"/>
+            </a:endParaRPr>
+          </a:p>
+        </p:txBody>
+      </p:sp>
+    </p:spTree>
+    <p:extLst>
+      <p:ext uri="{BB962C8B-B14F-4D97-AF65-F5344CB8AC3E}">
+        <p14:creationId xmlns:p14="http://schemas.microsoft.com/office/powerpoint/2010/main" val="3034068411"/>
+      </p:ext>
+    </p:extLst>
+  </p:cSld>
+  <p:clrMapOvr>
+    <a:masterClrMapping/>
+  </p:clrMapOvr>
+</p:sldLayout>
+</file>
+
+<file path=ppt/slideLayouts/slideLayout24.xml><?xml version="1.0" encoding="utf-8"?>
+<p:sldLayout xmlns:a="http://schemas.openxmlformats.org/drawingml/2006/main" xmlns:r="http://schemas.openxmlformats.org/officeDocument/2006/relationships" xmlns:p="http://schemas.openxmlformats.org/presentationml/2006/main" type="vertTx" preserve="1">
+  <p:cSld name="Title and Vertical Text">
+    <p:spTree>
+      <p:nvGrpSpPr>
+        <p:cNvPr id="1" name=""/>
+        <p:cNvGrpSpPr/>
+        <p:nvPr/>
+      </p:nvGrpSpPr>
+      <p:grpSpPr>
+        <a:xfrm>
+          <a:off x="0" y="0"/>
+          <a:ext cx="0" cy="0"/>
+          <a:chOff x="0" y="0"/>
+          <a:chExt cx="0" cy="0"/>
+        </a:xfrm>
+      </p:grpSpPr>
+      <p:sp>
+        <p:nvSpPr>
+          <p:cNvPr id="2" name="Title 1"/>
+          <p:cNvSpPr>
+            <a:spLocks noGrp="1"/>
+          </p:cNvSpPr>
+          <p:nvPr>
+            <p:ph type="title"/>
+          </p:nvPr>
+        </p:nvSpPr>
+        <p:spPr/>
+        <p:txBody>
+          <a:bodyPr/>
+          <a:lstStyle/>
+          <a:p>
+            <a:r>
+              <a:rPr lang="en-US" smtClean="0"/>
+              <a:t>Click to edit Master title style</a:t>
+            </a:r>
+            <a:endParaRPr lang="en-IN"/>
+          </a:p>
+        </p:txBody>
+      </p:sp>
+      <p:sp>
+        <p:nvSpPr>
+          <p:cNvPr id="3" name="Vertical Text Placeholder 2"/>
+          <p:cNvSpPr>
+            <a:spLocks noGrp="1"/>
+          </p:cNvSpPr>
+          <p:nvPr>
+            <p:ph type="body" orient="vert" idx="1"/>
+          </p:nvPr>
+        </p:nvSpPr>
+        <p:spPr/>
+        <p:txBody>
+          <a:bodyPr vert="eaVert"/>
+          <a:lstStyle/>
+          <a:p>
+            <a:pPr lvl="0"/>
+            <a:r>
+              <a:rPr lang="en-US" smtClean="0"/>
+              <a:t>Click to edit Master text styles</a:t>
+            </a:r>
+          </a:p>
+          <a:p>
+            <a:pPr lvl="1"/>
+            <a:r>
+              <a:rPr lang="en-US" smtClean="0"/>
+              <a:t>Second level</a:t>
+            </a:r>
+          </a:p>
+          <a:p>
+            <a:pPr lvl="2"/>
+            <a:r>
+              <a:rPr lang="en-US" smtClean="0"/>
+              <a:t>Third level</a:t>
+            </a:r>
+          </a:p>
+          <a:p>
+            <a:pPr lvl="3"/>
+            <a:r>
+              <a:rPr lang="en-US" smtClean="0"/>
+              <a:t>Fourth level</a:t>
+            </a:r>
+          </a:p>
+          <a:p>
+            <a:pPr lvl="4"/>
+            <a:r>
+              <a:rPr lang="en-US" smtClean="0"/>
+              <a:t>Fifth level</a:t>
+            </a:r>
+            <a:endParaRPr lang="en-IN"/>
+          </a:p>
+        </p:txBody>
+      </p:sp>
+      <p:sp>
+        <p:nvSpPr>
+          <p:cNvPr id="4" name="Date Placeholder 3"/>
+          <p:cNvSpPr>
+            <a:spLocks noGrp="1"/>
+          </p:cNvSpPr>
+          <p:nvPr>
+            <p:ph type="dt" sz="half" idx="10"/>
+          </p:nvPr>
+        </p:nvSpPr>
+        <p:spPr/>
+        <p:txBody>
+          <a:bodyPr/>
+          <a:lstStyle/>
+          <a:p>
+            <a:pPr marL="0" marR="0" lvl="0" indent="0" algn="l" defTabSz="914400" rtl="0" eaLnBrk="1" fontAlgn="auto" latinLnBrk="0" hangingPunct="1">
+              <a:lnSpc>
+                <a:spcPct val="100000"/>
+              </a:lnSpc>
+              <a:spcBef>
+                <a:spcPts val="0"/>
+              </a:spcBef>
+              <a:spcAft>
+                <a:spcPts val="0"/>
+              </a:spcAft>
+              <a:buClrTx/>
+              <a:buSzTx/>
+              <a:buFontTx/>
+              <a:buNone/>
+              <a:tabLst/>
+              <a:defRPr/>
+            </a:pPr>
+            <a:fld id="{615B8220-D6CE-4EBA-9DF4-44184996CC87}" type="datetimeFigureOut">
+              <a:rPr kumimoji="0" lang="en-IN" sz="1200" b="0" i="0" u="none" strike="noStrike" kern="1200" cap="none" spc="0" normalizeH="0" baseline="0" noProof="0" smtClean="0">
+                <a:ln>
+                  <a:noFill/>
+                </a:ln>
+                <a:solidFill>
+                  <a:prstClr val="black">
+                    <a:tint val="75000"/>
+                  </a:prstClr>
+                </a:solidFill>
+                <a:effectLst/>
+                <a:uLnTx/>
+                <a:uFillTx/>
+                <a:latin typeface="Calibri" panose="020F0502020204030204"/>
+                <a:ea typeface="+mn-ea"/>
+                <a:cs typeface="+mn-cs"/>
+              </a:rPr>
+              <a:pPr marL="0" marR="0" lvl="0" indent="0" algn="l" defTabSz="914400" rtl="0" eaLnBrk="1" fontAlgn="auto" latinLnBrk="0" hangingPunct="1">
+                <a:lnSpc>
+                  <a:spcPct val="100000"/>
+                </a:lnSpc>
+                <a:spcBef>
+                  <a:spcPts val="0"/>
+                </a:spcBef>
+                <a:spcAft>
+                  <a:spcPts val="0"/>
+                </a:spcAft>
+                <a:buClrTx/>
+                <a:buSzTx/>
+                <a:buFontTx/>
+                <a:buNone/>
+                <a:tabLst/>
+                <a:defRPr/>
+              </a:pPr>
+              <a:t>06-11-2015</a:t>
+            </a:fld>
+            <a:endParaRPr kumimoji="0" lang="en-IN" sz="1200" b="0" i="0" u="none" strike="noStrike" kern="1200" cap="none" spc="0" normalizeH="0" baseline="0" noProof="0">
+              <a:ln>
+                <a:noFill/>
+              </a:ln>
+              <a:solidFill>
+                <a:prstClr val="black">
+                  <a:tint val="75000"/>
+                </a:prstClr>
+              </a:solidFill>
+              <a:effectLst/>
+              <a:uLnTx/>
+              <a:uFillTx/>
+              <a:latin typeface="Calibri" panose="020F0502020204030204"/>
+              <a:ea typeface="+mn-ea"/>
+              <a:cs typeface="+mn-cs"/>
+            </a:endParaRPr>
+          </a:p>
+        </p:txBody>
+      </p:sp>
+      <p:sp>
+        <p:nvSpPr>
+          <p:cNvPr id="5" name="Footer Placeholder 4"/>
+          <p:cNvSpPr>
+            <a:spLocks noGrp="1"/>
+          </p:cNvSpPr>
+          <p:nvPr>
+            <p:ph type="ftr" sz="quarter" idx="11"/>
+          </p:nvPr>
+        </p:nvSpPr>
+        <p:spPr/>
+        <p:txBody>
+          <a:bodyPr/>
+          <a:lstStyle/>
+          <a:p>
+            <a:pPr marL="0" marR="0" lvl="0" indent="0" algn="ctr" defTabSz="914400" rtl="0" eaLnBrk="1" fontAlgn="auto" latinLnBrk="0" hangingPunct="1">
+              <a:lnSpc>
+                <a:spcPct val="100000"/>
+              </a:lnSpc>
+              <a:spcBef>
+                <a:spcPts val="0"/>
+              </a:spcBef>
+              <a:spcAft>
+                <a:spcPts val="0"/>
+              </a:spcAft>
+              <a:buClrTx/>
+              <a:buSzTx/>
+              <a:buFontTx/>
+              <a:buNone/>
+              <a:tabLst/>
+              <a:defRPr/>
+            </a:pPr>
+            <a:endParaRPr kumimoji="0" lang="en-IN" sz="1200" b="0" i="0" u="none" strike="noStrike" kern="1200" cap="none" spc="0" normalizeH="0" baseline="0" noProof="0">
+              <a:ln>
+                <a:noFill/>
+              </a:ln>
+              <a:solidFill>
+                <a:prstClr val="black">
+                  <a:tint val="75000"/>
+                </a:prstClr>
+              </a:solidFill>
+              <a:effectLst/>
+              <a:uLnTx/>
+              <a:uFillTx/>
+              <a:latin typeface="Calibri" panose="020F0502020204030204"/>
+              <a:ea typeface="+mn-ea"/>
+              <a:cs typeface="+mn-cs"/>
+            </a:endParaRPr>
+          </a:p>
+        </p:txBody>
+      </p:sp>
+      <p:sp>
+        <p:nvSpPr>
+          <p:cNvPr id="6" name="Slide Number Placeholder 5"/>
+          <p:cNvSpPr>
+            <a:spLocks noGrp="1"/>
+          </p:cNvSpPr>
+          <p:nvPr>
+            <p:ph type="sldNum" sz="quarter" idx="12"/>
+          </p:nvPr>
+        </p:nvSpPr>
+        <p:spPr/>
+        <p:txBody>
+          <a:bodyPr/>
+          <a:lstStyle/>
+          <a:p>
+            <a:pPr marL="0" marR="0" lvl="0" indent="0" algn="r" defTabSz="914400" rtl="0" eaLnBrk="1" fontAlgn="auto" latinLnBrk="0" hangingPunct="1">
+              <a:lnSpc>
+                <a:spcPct val="100000"/>
+              </a:lnSpc>
+              <a:spcBef>
+                <a:spcPts val="0"/>
+              </a:spcBef>
+              <a:spcAft>
+                <a:spcPts val="0"/>
+              </a:spcAft>
+              <a:buClrTx/>
+              <a:buSzTx/>
+              <a:buFontTx/>
+              <a:buNone/>
+              <a:tabLst/>
+              <a:defRPr/>
+            </a:pPr>
+            <a:fld id="{72C2F659-9614-4C11-ABEC-5C229DA454D6}" type="slidenum">
+              <a:rPr kumimoji="0" lang="en-IN" sz="1200" b="0" i="0" u="none" strike="noStrike" kern="1200" cap="none" spc="0" normalizeH="0" baseline="0" noProof="0" smtClean="0">
+                <a:ln>
+                  <a:noFill/>
+                </a:ln>
+                <a:solidFill>
+                  <a:prstClr val="black">
+                    <a:tint val="75000"/>
+                  </a:prstClr>
+                </a:solidFill>
+                <a:effectLst/>
+                <a:uLnTx/>
+                <a:uFillTx/>
+                <a:latin typeface="Calibri" panose="020F0502020204030204"/>
+                <a:ea typeface="+mn-ea"/>
+                <a:cs typeface="+mn-cs"/>
+              </a:rPr>
+              <a:pPr marL="0" marR="0" lvl="0" indent="0" algn="r" defTabSz="914400" rtl="0" eaLnBrk="1" fontAlgn="auto" latinLnBrk="0" hangingPunct="1">
+                <a:lnSpc>
+                  <a:spcPct val="100000"/>
+                </a:lnSpc>
+                <a:spcBef>
+                  <a:spcPts val="0"/>
+                </a:spcBef>
+                <a:spcAft>
+                  <a:spcPts val="0"/>
+                </a:spcAft>
+                <a:buClrTx/>
+                <a:buSzTx/>
+                <a:buFontTx/>
+                <a:buNone/>
+                <a:tabLst/>
+                <a:defRPr/>
+              </a:pPr>
+              <a:t>‹#›</a:t>
+            </a:fld>
+            <a:endParaRPr kumimoji="0" lang="en-IN" sz="1200" b="0" i="0" u="none" strike="noStrike" kern="1200" cap="none" spc="0" normalizeH="0" baseline="0" noProof="0">
+              <a:ln>
+                <a:noFill/>
+              </a:ln>
+              <a:solidFill>
+                <a:prstClr val="black">
+                  <a:tint val="75000"/>
+                </a:prstClr>
+              </a:solidFill>
+              <a:effectLst/>
+              <a:uLnTx/>
+              <a:uFillTx/>
+              <a:latin typeface="Calibri" panose="020F0502020204030204"/>
+              <a:ea typeface="+mn-ea"/>
+              <a:cs typeface="+mn-cs"/>
+            </a:endParaRPr>
+          </a:p>
+        </p:txBody>
+      </p:sp>
+    </p:spTree>
+    <p:extLst>
+      <p:ext uri="{BB962C8B-B14F-4D97-AF65-F5344CB8AC3E}">
+        <p14:creationId xmlns:p14="http://schemas.microsoft.com/office/powerpoint/2010/main" val="1009810419"/>
+      </p:ext>
+    </p:extLst>
+  </p:cSld>
+  <p:clrMapOvr>
+    <a:masterClrMapping/>
+  </p:clrMapOvr>
+</p:sldLayout>
+</file>
+
+<file path=ppt/slideLayouts/slideLayout25.xml><?xml version="1.0" encoding="utf-8"?>
+<p:sldLayout xmlns:a="http://schemas.openxmlformats.org/drawingml/2006/main" xmlns:r="http://schemas.openxmlformats.org/officeDocument/2006/relationships" xmlns:p="http://schemas.openxmlformats.org/presentationml/2006/main" type="vertTitleAndTx" preserve="1">
+  <p:cSld name="Vertical Title and Text">
+    <p:spTree>
+      <p:nvGrpSpPr>
+        <p:cNvPr id="1" name=""/>
+        <p:cNvGrpSpPr/>
+        <p:nvPr/>
+      </p:nvGrpSpPr>
+      <p:grpSpPr>
+        <a:xfrm>
+          <a:off x="0" y="0"/>
+          <a:ext cx="0" cy="0"/>
+          <a:chOff x="0" y="0"/>
+          <a:chExt cx="0" cy="0"/>
+        </a:xfrm>
+      </p:grpSpPr>
+      <p:sp>
+        <p:nvSpPr>
+          <p:cNvPr id="2" name="Vertical Title 1"/>
+          <p:cNvSpPr>
+            <a:spLocks noGrp="1"/>
+          </p:cNvSpPr>
+          <p:nvPr>
+            <p:ph type="title" orient="vert"/>
+          </p:nvPr>
+        </p:nvSpPr>
+        <p:spPr>
+          <a:xfrm>
+            <a:off x="8724900" y="365125"/>
+            <a:ext cx="2628900" cy="5811838"/>
+          </a:xfrm>
+        </p:spPr>
+        <p:txBody>
+          <a:bodyPr vert="eaVert"/>
+          <a:lstStyle/>
+          <a:p>
+            <a:r>
+              <a:rPr lang="en-US" smtClean="0"/>
+              <a:t>Click to edit Master title style</a:t>
+            </a:r>
+            <a:endParaRPr lang="en-IN"/>
+          </a:p>
+        </p:txBody>
+      </p:sp>
+      <p:sp>
+        <p:nvSpPr>
+          <p:cNvPr id="3" name="Vertical Text Placeholder 2"/>
+          <p:cNvSpPr>
+            <a:spLocks noGrp="1"/>
+          </p:cNvSpPr>
+          <p:nvPr>
+            <p:ph type="body" orient="vert" idx="1"/>
+          </p:nvPr>
+        </p:nvSpPr>
+        <p:spPr>
+          <a:xfrm>
+            <a:off x="838200" y="365125"/>
+            <a:ext cx="7734300" cy="5811838"/>
+          </a:xfrm>
+        </p:spPr>
+        <p:txBody>
+          <a:bodyPr vert="eaVert"/>
+          <a:lstStyle/>
+          <a:p>
+            <a:pPr lvl="0"/>
+            <a:r>
+              <a:rPr lang="en-US" smtClean="0"/>
+              <a:t>Click to edit Master text styles</a:t>
+            </a:r>
+          </a:p>
+          <a:p>
+            <a:pPr lvl="1"/>
+            <a:r>
+              <a:rPr lang="en-US" smtClean="0"/>
+              <a:t>Second level</a:t>
+            </a:r>
+          </a:p>
+          <a:p>
+            <a:pPr lvl="2"/>
+            <a:r>
+              <a:rPr lang="en-US" smtClean="0"/>
+              <a:t>Third level</a:t>
+            </a:r>
+          </a:p>
+          <a:p>
+            <a:pPr lvl="3"/>
+            <a:r>
+              <a:rPr lang="en-US" smtClean="0"/>
+              <a:t>Fourth level</a:t>
+            </a:r>
+          </a:p>
+          <a:p>
+            <a:pPr lvl="4"/>
+            <a:r>
+              <a:rPr lang="en-US" smtClean="0"/>
+              <a:t>Fifth level</a:t>
+            </a:r>
+            <a:endParaRPr lang="en-IN"/>
+          </a:p>
+        </p:txBody>
+      </p:sp>
+      <p:sp>
+        <p:nvSpPr>
+          <p:cNvPr id="4" name="Date Placeholder 3"/>
+          <p:cNvSpPr>
+            <a:spLocks noGrp="1"/>
+          </p:cNvSpPr>
+          <p:nvPr>
+            <p:ph type="dt" sz="half" idx="10"/>
+          </p:nvPr>
+        </p:nvSpPr>
+        <p:spPr/>
+        <p:txBody>
+          <a:bodyPr/>
+          <a:lstStyle/>
+          <a:p>
+            <a:pPr marL="0" marR="0" lvl="0" indent="0" algn="l" defTabSz="914400" rtl="0" eaLnBrk="1" fontAlgn="auto" latinLnBrk="0" hangingPunct="1">
+              <a:lnSpc>
+                <a:spcPct val="100000"/>
+              </a:lnSpc>
+              <a:spcBef>
+                <a:spcPts val="0"/>
+              </a:spcBef>
+              <a:spcAft>
+                <a:spcPts val="0"/>
+              </a:spcAft>
+              <a:buClrTx/>
+              <a:buSzTx/>
+              <a:buFontTx/>
+              <a:buNone/>
+              <a:tabLst/>
+              <a:defRPr/>
+            </a:pPr>
+            <a:fld id="{615B8220-D6CE-4EBA-9DF4-44184996CC87}" type="datetimeFigureOut">
+              <a:rPr kumimoji="0" lang="en-IN" sz="1200" b="0" i="0" u="none" strike="noStrike" kern="1200" cap="none" spc="0" normalizeH="0" baseline="0" noProof="0" smtClean="0">
+                <a:ln>
+                  <a:noFill/>
+                </a:ln>
+                <a:solidFill>
+                  <a:prstClr val="black">
+                    <a:tint val="75000"/>
+                  </a:prstClr>
+                </a:solidFill>
+                <a:effectLst/>
+                <a:uLnTx/>
+                <a:uFillTx/>
+                <a:latin typeface="Calibri" panose="020F0502020204030204"/>
+                <a:ea typeface="+mn-ea"/>
+                <a:cs typeface="+mn-cs"/>
+              </a:rPr>
+              <a:pPr marL="0" marR="0" lvl="0" indent="0" algn="l" defTabSz="914400" rtl="0" eaLnBrk="1" fontAlgn="auto" latinLnBrk="0" hangingPunct="1">
+                <a:lnSpc>
+                  <a:spcPct val="100000"/>
+                </a:lnSpc>
+                <a:spcBef>
+                  <a:spcPts val="0"/>
+                </a:spcBef>
+                <a:spcAft>
+                  <a:spcPts val="0"/>
+                </a:spcAft>
+                <a:buClrTx/>
+                <a:buSzTx/>
+                <a:buFontTx/>
+                <a:buNone/>
+                <a:tabLst/>
+                <a:defRPr/>
+              </a:pPr>
+              <a:t>06-11-2015</a:t>
+            </a:fld>
+            <a:endParaRPr kumimoji="0" lang="en-IN" sz="1200" b="0" i="0" u="none" strike="noStrike" kern="1200" cap="none" spc="0" normalizeH="0" baseline="0" noProof="0">
+              <a:ln>
+                <a:noFill/>
+              </a:ln>
+              <a:solidFill>
+                <a:prstClr val="black">
+                  <a:tint val="75000"/>
+                </a:prstClr>
+              </a:solidFill>
+              <a:effectLst/>
+              <a:uLnTx/>
+              <a:uFillTx/>
+              <a:latin typeface="Calibri" panose="020F0502020204030204"/>
+              <a:ea typeface="+mn-ea"/>
+              <a:cs typeface="+mn-cs"/>
+            </a:endParaRPr>
+          </a:p>
+        </p:txBody>
+      </p:sp>
+      <p:sp>
+        <p:nvSpPr>
+          <p:cNvPr id="5" name="Footer Placeholder 4"/>
+          <p:cNvSpPr>
+            <a:spLocks noGrp="1"/>
+          </p:cNvSpPr>
+          <p:nvPr>
+            <p:ph type="ftr" sz="quarter" idx="11"/>
+          </p:nvPr>
+        </p:nvSpPr>
+        <p:spPr/>
+        <p:txBody>
+          <a:bodyPr/>
+          <a:lstStyle/>
+          <a:p>
+            <a:pPr marL="0" marR="0" lvl="0" indent="0" algn="ctr" defTabSz="914400" rtl="0" eaLnBrk="1" fontAlgn="auto" latinLnBrk="0" hangingPunct="1">
+              <a:lnSpc>
+                <a:spcPct val="100000"/>
+              </a:lnSpc>
+              <a:spcBef>
+                <a:spcPts val="0"/>
+              </a:spcBef>
+              <a:spcAft>
+                <a:spcPts val="0"/>
+              </a:spcAft>
+              <a:buClrTx/>
+              <a:buSzTx/>
+              <a:buFontTx/>
+              <a:buNone/>
+              <a:tabLst/>
+              <a:defRPr/>
+            </a:pPr>
+            <a:endParaRPr kumimoji="0" lang="en-IN" sz="1200" b="0" i="0" u="none" strike="noStrike" kern="1200" cap="none" spc="0" normalizeH="0" baseline="0" noProof="0">
+              <a:ln>
+                <a:noFill/>
+              </a:ln>
+              <a:solidFill>
+                <a:prstClr val="black">
+                  <a:tint val="75000"/>
+                </a:prstClr>
+              </a:solidFill>
+              <a:effectLst/>
+              <a:uLnTx/>
+              <a:uFillTx/>
+              <a:latin typeface="Calibri" panose="020F0502020204030204"/>
+              <a:ea typeface="+mn-ea"/>
+              <a:cs typeface="+mn-cs"/>
+            </a:endParaRPr>
+          </a:p>
+        </p:txBody>
+      </p:sp>
+      <p:sp>
+        <p:nvSpPr>
+          <p:cNvPr id="6" name="Slide Number Placeholder 5"/>
+          <p:cNvSpPr>
+            <a:spLocks noGrp="1"/>
+          </p:cNvSpPr>
+          <p:nvPr>
+            <p:ph type="sldNum" sz="quarter" idx="12"/>
+          </p:nvPr>
+        </p:nvSpPr>
+        <p:spPr/>
+        <p:txBody>
+          <a:bodyPr/>
+          <a:lstStyle/>
+          <a:p>
+            <a:pPr marL="0" marR="0" lvl="0" indent="0" algn="r" defTabSz="914400" rtl="0" eaLnBrk="1" fontAlgn="auto" latinLnBrk="0" hangingPunct="1">
+              <a:lnSpc>
+                <a:spcPct val="100000"/>
+              </a:lnSpc>
+              <a:spcBef>
+                <a:spcPts val="0"/>
+              </a:spcBef>
+              <a:spcAft>
+                <a:spcPts val="0"/>
+              </a:spcAft>
+              <a:buClrTx/>
+              <a:buSzTx/>
+              <a:buFontTx/>
+              <a:buNone/>
+              <a:tabLst/>
+              <a:defRPr/>
+            </a:pPr>
+            <a:fld id="{72C2F659-9614-4C11-ABEC-5C229DA454D6}" type="slidenum">
+              <a:rPr kumimoji="0" lang="en-IN" sz="1200" b="0" i="0" u="none" strike="noStrike" kern="1200" cap="none" spc="0" normalizeH="0" baseline="0" noProof="0" smtClean="0">
+                <a:ln>
+                  <a:noFill/>
+                </a:ln>
+                <a:solidFill>
+                  <a:prstClr val="black">
+                    <a:tint val="75000"/>
+                  </a:prstClr>
+                </a:solidFill>
+                <a:effectLst/>
+                <a:uLnTx/>
+                <a:uFillTx/>
+                <a:latin typeface="Calibri" panose="020F0502020204030204"/>
+                <a:ea typeface="+mn-ea"/>
+                <a:cs typeface="+mn-cs"/>
+              </a:rPr>
+              <a:pPr marL="0" marR="0" lvl="0" indent="0" algn="r" defTabSz="914400" rtl="0" eaLnBrk="1" fontAlgn="auto" latinLnBrk="0" hangingPunct="1">
+                <a:lnSpc>
+                  <a:spcPct val="100000"/>
+                </a:lnSpc>
+                <a:spcBef>
+                  <a:spcPts val="0"/>
+                </a:spcBef>
+                <a:spcAft>
+                  <a:spcPts val="0"/>
+                </a:spcAft>
+                <a:buClrTx/>
+                <a:buSzTx/>
+                <a:buFontTx/>
+                <a:buNone/>
+                <a:tabLst/>
+                <a:defRPr/>
+              </a:pPr>
+              <a:t>‹#›</a:t>
+            </a:fld>
+            <a:endParaRPr kumimoji="0" lang="en-IN" sz="1200" b="0" i="0" u="none" strike="noStrike" kern="1200" cap="none" spc="0" normalizeH="0" baseline="0" noProof="0">
+              <a:ln>
+                <a:noFill/>
+              </a:ln>
+              <a:solidFill>
+                <a:prstClr val="black">
+                  <a:tint val="75000"/>
+                </a:prstClr>
+              </a:solidFill>
+              <a:effectLst/>
+              <a:uLnTx/>
+              <a:uFillTx/>
+              <a:latin typeface="Calibri" panose="020F0502020204030204"/>
+              <a:ea typeface="+mn-ea"/>
+              <a:cs typeface="+mn-cs"/>
+            </a:endParaRPr>
+          </a:p>
+        </p:txBody>
+      </p:sp>
+    </p:spTree>
+    <p:extLst>
+      <p:ext uri="{BB962C8B-B14F-4D97-AF65-F5344CB8AC3E}">
+        <p14:creationId xmlns:p14="http://schemas.microsoft.com/office/powerpoint/2010/main" val="568422057"/>
+      </p:ext>
+    </p:extLst>
+  </p:cSld>
+  <p:clrMapOvr>
+    <a:masterClrMapping/>
+  </p:clrMapOvr>
+</p:sldLayout>
+</file>
+
 <file path=ppt/slideLayouts/slideLayout3.xml><?xml version="1.0" encoding="utf-8"?>
 <p:sldLayout xmlns:a="http://schemas.openxmlformats.org/drawingml/2006/main" xmlns:r="http://schemas.openxmlformats.org/officeDocument/2006/relationships" xmlns:p="http://schemas.openxmlformats.org/presentationml/2006/main" type="obj" preserve="1">
   <p:cSld name="Title and Content">
@@ -5993,7 +10600,7 @@
           <a:p>
             <a:fld id="{615B8220-D6CE-4EBA-9DF4-44184996CC87}" type="datetimeFigureOut">
               <a:rPr lang="en-IN" smtClean="0"/>
-              <a:t>04-11-2015</a:t>
+              <a:t>06-11-2015</a:t>
             </a:fld>
             <a:endParaRPr lang="en-IN"/>
           </a:p>
@@ -6253,7 +10860,7 @@
           <a:p>
             <a:fld id="{615B8220-D6CE-4EBA-9DF4-44184996CC87}" type="datetimeFigureOut">
               <a:rPr lang="en-IN" smtClean="0"/>
-              <a:t>04-11-2015</a:t>
+              <a:t>06-11-2015</a:t>
             </a:fld>
             <a:endParaRPr lang="en-IN"/>
           </a:p>
@@ -6529,7 +11136,7 @@
           <a:p>
             <a:fld id="{615B8220-D6CE-4EBA-9DF4-44184996CC87}" type="datetimeFigureOut">
               <a:rPr lang="en-IN" smtClean="0"/>
-              <a:t>04-11-2015</a:t>
+              <a:t>06-11-2015</a:t>
             </a:fld>
             <a:endParaRPr lang="en-IN"/>
           </a:p>
@@ -6761,7 +11368,7 @@
           <a:p>
             <a:fld id="{615B8220-D6CE-4EBA-9DF4-44184996CC87}" type="datetimeFigureOut">
               <a:rPr lang="en-IN" smtClean="0"/>
-              <a:t>04-11-2015</a:t>
+              <a:t>06-11-2015</a:t>
             </a:fld>
             <a:endParaRPr lang="en-IN"/>
           </a:p>
@@ -7128,7 +11735,7 @@
           <a:p>
             <a:fld id="{615B8220-D6CE-4EBA-9DF4-44184996CC87}" type="datetimeFigureOut">
               <a:rPr lang="en-IN" smtClean="0"/>
-              <a:t>04-11-2015</a:t>
+              <a:t>06-11-2015</a:t>
             </a:fld>
             <a:endParaRPr lang="en-IN"/>
           </a:p>
@@ -7246,7 +11853,7 @@
           <a:p>
             <a:fld id="{615B8220-D6CE-4EBA-9DF4-44184996CC87}" type="datetimeFigureOut">
               <a:rPr lang="en-IN" smtClean="0"/>
-              <a:t>04-11-2015</a:t>
+              <a:t>06-11-2015</a:t>
             </a:fld>
             <a:endParaRPr lang="en-IN"/>
           </a:p>
@@ -7341,7 +11948,7 @@
           <a:p>
             <a:fld id="{615B8220-D6CE-4EBA-9DF4-44184996CC87}" type="datetimeFigureOut">
               <a:rPr lang="en-IN" smtClean="0"/>
-              <a:t>04-11-2015</a:t>
+              <a:t>06-11-2015</a:t>
             </a:fld>
             <a:endParaRPr lang="en-IN"/>
           </a:p>
@@ -7978,7 +12585,7 @@
           <a:p>
             <a:fld id="{615B8220-D6CE-4EBA-9DF4-44184996CC87}" type="datetimeFigureOut">
               <a:rPr lang="en-IN" smtClean="0"/>
-              <a:t>04-11-2015</a:t>
+              <a:t>06-11-2015</a:t>
             </a:fld>
             <a:endParaRPr lang="en-IN"/>
           </a:p>
@@ -8083,6 +12690,784 @@
     <p:sldLayoutId id="2147483659" r:id="rId10"/>
     <p:sldLayoutId id="2147483660" r:id="rId11"/>
     <p:sldLayoutId id="2147483661" r:id="rId12"/>
+  </p:sldLayoutIdLst>
+  <p:txStyles>
+    <p:titleStyle>
+      <a:lvl1pPr algn="l" defTabSz="914400" rtl="0" eaLnBrk="1" latinLnBrk="0" hangingPunct="1">
+        <a:lnSpc>
+          <a:spcPct val="90000"/>
+        </a:lnSpc>
+        <a:spcBef>
+          <a:spcPct val="0"/>
+        </a:spcBef>
+        <a:buNone/>
+        <a:defRPr sz="4400" kern="1200">
+          <a:solidFill>
+            <a:schemeClr val="tx1"/>
+          </a:solidFill>
+          <a:latin typeface="+mj-lt"/>
+          <a:ea typeface="+mj-ea"/>
+          <a:cs typeface="+mj-cs"/>
+        </a:defRPr>
+      </a:lvl1pPr>
+    </p:titleStyle>
+    <p:bodyStyle>
+      <a:lvl1pPr marL="228600" indent="-228600" algn="l" defTabSz="914400" rtl="0" eaLnBrk="1" latinLnBrk="0" hangingPunct="1">
+        <a:lnSpc>
+          <a:spcPct val="90000"/>
+        </a:lnSpc>
+        <a:spcBef>
+          <a:spcPts val="1000"/>
+        </a:spcBef>
+        <a:buFont typeface="Arial" panose="020B0604020202020204" pitchFamily="34" charset="0"/>
+        <a:buChar char="•"/>
+        <a:defRPr sz="2800" kern="1200">
+          <a:solidFill>
+            <a:schemeClr val="tx1"/>
+          </a:solidFill>
+          <a:latin typeface="+mn-lt"/>
+          <a:ea typeface="+mn-ea"/>
+          <a:cs typeface="+mn-cs"/>
+        </a:defRPr>
+      </a:lvl1pPr>
+      <a:lvl2pPr marL="685800" indent="-228600" algn="l" defTabSz="914400" rtl="0" eaLnBrk="1" latinLnBrk="0" hangingPunct="1">
+        <a:lnSpc>
+          <a:spcPct val="90000"/>
+        </a:lnSpc>
+        <a:spcBef>
+          <a:spcPts val="500"/>
+        </a:spcBef>
+        <a:buFont typeface="Arial" panose="020B0604020202020204" pitchFamily="34" charset="0"/>
+        <a:buChar char="•"/>
+        <a:defRPr sz="2400" kern="1200">
+          <a:solidFill>
+            <a:schemeClr val="tx1"/>
+          </a:solidFill>
+          <a:latin typeface="+mn-lt"/>
+          <a:ea typeface="+mn-ea"/>
+          <a:cs typeface="+mn-cs"/>
+        </a:defRPr>
+      </a:lvl2pPr>
+      <a:lvl3pPr marL="1143000" indent="-228600" algn="l" defTabSz="914400" rtl="0" eaLnBrk="1" latinLnBrk="0" hangingPunct="1">
+        <a:lnSpc>
+          <a:spcPct val="90000"/>
+        </a:lnSpc>
+        <a:spcBef>
+          <a:spcPts val="500"/>
+        </a:spcBef>
+        <a:buFont typeface="Arial" panose="020B0604020202020204" pitchFamily="34" charset="0"/>
+        <a:buChar char="•"/>
+        <a:defRPr sz="2000" kern="1200">
+          <a:solidFill>
+            <a:schemeClr val="tx1"/>
+          </a:solidFill>
+          <a:latin typeface="+mn-lt"/>
+          <a:ea typeface="+mn-ea"/>
+          <a:cs typeface="+mn-cs"/>
+        </a:defRPr>
+      </a:lvl3pPr>
+      <a:lvl4pPr marL="1600200" indent="-228600" algn="l" defTabSz="914400" rtl="0" eaLnBrk="1" latinLnBrk="0" hangingPunct="1">
+        <a:lnSpc>
+          <a:spcPct val="90000"/>
+        </a:lnSpc>
+        <a:spcBef>
+          <a:spcPts val="500"/>
+        </a:spcBef>
+        <a:buFont typeface="Arial" panose="020B0604020202020204" pitchFamily="34" charset="0"/>
+        <a:buChar char="•"/>
+        <a:defRPr sz="1800" kern="1200">
+          <a:solidFill>
+            <a:schemeClr val="tx1"/>
+          </a:solidFill>
+          <a:latin typeface="+mn-lt"/>
+          <a:ea typeface="+mn-ea"/>
+          <a:cs typeface="+mn-cs"/>
+        </a:defRPr>
+      </a:lvl4pPr>
+      <a:lvl5pPr marL="2057400" indent="-228600" algn="l" defTabSz="914400" rtl="0" eaLnBrk="1" latinLnBrk="0" hangingPunct="1">
+        <a:lnSpc>
+          <a:spcPct val="90000"/>
+        </a:lnSpc>
+        <a:spcBef>
+          <a:spcPts val="500"/>
+        </a:spcBef>
+        <a:buFont typeface="Arial" panose="020B0604020202020204" pitchFamily="34" charset="0"/>
+        <a:buChar char="•"/>
+        <a:defRPr sz="1800" kern="1200">
+          <a:solidFill>
+            <a:schemeClr val="tx1"/>
+          </a:solidFill>
+          <a:latin typeface="+mn-lt"/>
+          <a:ea typeface="+mn-ea"/>
+          <a:cs typeface="+mn-cs"/>
+        </a:defRPr>
+      </a:lvl5pPr>
+      <a:lvl6pPr marL="2514600" indent="-228600" algn="l" defTabSz="914400" rtl="0" eaLnBrk="1" latinLnBrk="0" hangingPunct="1">
+        <a:lnSpc>
+          <a:spcPct val="90000"/>
+        </a:lnSpc>
+        <a:spcBef>
+          <a:spcPts val="500"/>
+        </a:spcBef>
+        <a:buFont typeface="Arial" panose="020B0604020202020204" pitchFamily="34" charset="0"/>
+        <a:buChar char="•"/>
+        <a:defRPr sz="1800" kern="1200">
+          <a:solidFill>
+            <a:schemeClr val="tx1"/>
+          </a:solidFill>
+          <a:latin typeface="+mn-lt"/>
+          <a:ea typeface="+mn-ea"/>
+          <a:cs typeface="+mn-cs"/>
+        </a:defRPr>
+      </a:lvl6pPr>
+      <a:lvl7pPr marL="2971800" indent="-228600" algn="l" defTabSz="914400" rtl="0" eaLnBrk="1" latinLnBrk="0" hangingPunct="1">
+        <a:lnSpc>
+          <a:spcPct val="90000"/>
+        </a:lnSpc>
+        <a:spcBef>
+          <a:spcPts val="500"/>
+        </a:spcBef>
+        <a:buFont typeface="Arial" panose="020B0604020202020204" pitchFamily="34" charset="0"/>
+        <a:buChar char="•"/>
+        <a:defRPr sz="1800" kern="1200">
+          <a:solidFill>
+            <a:schemeClr val="tx1"/>
+          </a:solidFill>
+          <a:latin typeface="+mn-lt"/>
+          <a:ea typeface="+mn-ea"/>
+          <a:cs typeface="+mn-cs"/>
+        </a:defRPr>
+      </a:lvl7pPr>
+      <a:lvl8pPr marL="3429000" indent="-228600" algn="l" defTabSz="914400" rtl="0" eaLnBrk="1" latinLnBrk="0" hangingPunct="1">
+        <a:lnSpc>
+          <a:spcPct val="90000"/>
+        </a:lnSpc>
+        <a:spcBef>
+          <a:spcPts val="500"/>
+        </a:spcBef>
+        <a:buFont typeface="Arial" panose="020B0604020202020204" pitchFamily="34" charset="0"/>
+        <a:buChar char="•"/>
+        <a:defRPr sz="1800" kern="1200">
+          <a:solidFill>
+            <a:schemeClr val="tx1"/>
+          </a:solidFill>
+          <a:latin typeface="+mn-lt"/>
+          <a:ea typeface="+mn-ea"/>
+          <a:cs typeface="+mn-cs"/>
+        </a:defRPr>
+      </a:lvl8pPr>
+      <a:lvl9pPr marL="3886200" indent="-228600" algn="l" defTabSz="914400" rtl="0" eaLnBrk="1" latinLnBrk="0" hangingPunct="1">
+        <a:lnSpc>
+          <a:spcPct val="90000"/>
+        </a:lnSpc>
+        <a:spcBef>
+          <a:spcPts val="500"/>
+        </a:spcBef>
+        <a:buFont typeface="Arial" panose="020B0604020202020204" pitchFamily="34" charset="0"/>
+        <a:buChar char="•"/>
+        <a:defRPr sz="1800" kern="1200">
+          <a:solidFill>
+            <a:schemeClr val="tx1"/>
+          </a:solidFill>
+          <a:latin typeface="+mn-lt"/>
+          <a:ea typeface="+mn-ea"/>
+          <a:cs typeface="+mn-cs"/>
+        </a:defRPr>
+      </a:lvl9pPr>
+    </p:bodyStyle>
+    <p:otherStyle>
+      <a:defPPr>
+        <a:defRPr lang="en-US"/>
+      </a:defPPr>
+      <a:lvl1pPr marL="0" algn="l" defTabSz="914400" rtl="0" eaLnBrk="1" latinLnBrk="0" hangingPunct="1">
+        <a:defRPr sz="1800" kern="1200">
+          <a:solidFill>
+            <a:schemeClr val="tx1"/>
+          </a:solidFill>
+          <a:latin typeface="+mn-lt"/>
+          <a:ea typeface="+mn-ea"/>
+          <a:cs typeface="+mn-cs"/>
+        </a:defRPr>
+      </a:lvl1pPr>
+      <a:lvl2pPr marL="457200" algn="l" defTabSz="914400" rtl="0" eaLnBrk="1" latinLnBrk="0" hangingPunct="1">
+        <a:defRPr sz="1800" kern="1200">
+          <a:solidFill>
+            <a:schemeClr val="tx1"/>
+          </a:solidFill>
+          <a:latin typeface="+mn-lt"/>
+          <a:ea typeface="+mn-ea"/>
+          <a:cs typeface="+mn-cs"/>
+        </a:defRPr>
+      </a:lvl2pPr>
+      <a:lvl3pPr marL="914400" algn="l" defTabSz="914400" rtl="0" eaLnBrk="1" latinLnBrk="0" hangingPunct="1">
+        <a:defRPr sz="1800" kern="1200">
+          <a:solidFill>
+            <a:schemeClr val="tx1"/>
+          </a:solidFill>
+          <a:latin typeface="+mn-lt"/>
+          <a:ea typeface="+mn-ea"/>
+          <a:cs typeface="+mn-cs"/>
+        </a:defRPr>
+      </a:lvl3pPr>
+      <a:lvl4pPr marL="1371600" algn="l" defTabSz="914400" rtl="0" eaLnBrk="1" latinLnBrk="0" hangingPunct="1">
+        <a:defRPr sz="1800" kern="1200">
+          <a:solidFill>
+            <a:schemeClr val="tx1"/>
+          </a:solidFill>
+          <a:latin typeface="+mn-lt"/>
+          <a:ea typeface="+mn-ea"/>
+          <a:cs typeface="+mn-cs"/>
+        </a:defRPr>
+      </a:lvl4pPr>
+      <a:lvl5pPr marL="1828800" algn="l" defTabSz="914400" rtl="0" eaLnBrk="1" latinLnBrk="0" hangingPunct="1">
+        <a:defRPr sz="1800" kern="1200">
+          <a:solidFill>
+            <a:schemeClr val="tx1"/>
+          </a:solidFill>
+          <a:latin typeface="+mn-lt"/>
+          <a:ea typeface="+mn-ea"/>
+          <a:cs typeface="+mn-cs"/>
+        </a:defRPr>
+      </a:lvl5pPr>
+      <a:lvl6pPr marL="2286000" algn="l" defTabSz="914400" rtl="0" eaLnBrk="1" latinLnBrk="0" hangingPunct="1">
+        <a:defRPr sz="1800" kern="1200">
+          <a:solidFill>
+            <a:schemeClr val="tx1"/>
+          </a:solidFill>
+          <a:latin typeface="+mn-lt"/>
+          <a:ea typeface="+mn-ea"/>
+          <a:cs typeface="+mn-cs"/>
+        </a:defRPr>
+      </a:lvl6pPr>
+      <a:lvl7pPr marL="2743200" algn="l" defTabSz="914400" rtl="0" eaLnBrk="1" latinLnBrk="0" hangingPunct="1">
+        <a:defRPr sz="1800" kern="1200">
+          <a:solidFill>
+            <a:schemeClr val="tx1"/>
+          </a:solidFill>
+          <a:latin typeface="+mn-lt"/>
+          <a:ea typeface="+mn-ea"/>
+          <a:cs typeface="+mn-cs"/>
+        </a:defRPr>
+      </a:lvl7pPr>
+      <a:lvl8pPr marL="3200400" algn="l" defTabSz="914400" rtl="0" eaLnBrk="1" latinLnBrk="0" hangingPunct="1">
+        <a:defRPr sz="1800" kern="1200">
+          <a:solidFill>
+            <a:schemeClr val="tx1"/>
+          </a:solidFill>
+          <a:latin typeface="+mn-lt"/>
+          <a:ea typeface="+mn-ea"/>
+          <a:cs typeface="+mn-cs"/>
+        </a:defRPr>
+      </a:lvl8pPr>
+      <a:lvl9pPr marL="3657600" algn="l" defTabSz="914400" rtl="0" eaLnBrk="1" latinLnBrk="0" hangingPunct="1">
+        <a:defRPr sz="1800" kern="1200">
+          <a:solidFill>
+            <a:schemeClr val="tx1"/>
+          </a:solidFill>
+          <a:latin typeface="+mn-lt"/>
+          <a:ea typeface="+mn-ea"/>
+          <a:cs typeface="+mn-cs"/>
+        </a:defRPr>
+      </a:lvl9pPr>
+    </p:otherStyle>
+  </p:txStyles>
+</p:sldMaster>
+</file>
+
+<file path=ppt/slideMasters/slideMaster3.xml><?xml version="1.0" encoding="utf-8"?>
+<p:sldMaster xmlns:a="http://schemas.openxmlformats.org/drawingml/2006/main" xmlns:r="http://schemas.openxmlformats.org/officeDocument/2006/relationships" xmlns:p="http://schemas.openxmlformats.org/presentationml/2006/main" preserve="1">
+  <p:cSld>
+    <p:bg>
+      <p:bgRef idx="1001">
+        <a:schemeClr val="bg1"/>
+      </p:bgRef>
+    </p:bg>
+    <p:spTree>
+      <p:nvGrpSpPr>
+        <p:cNvPr id="1" name=""/>
+        <p:cNvGrpSpPr/>
+        <p:nvPr/>
+      </p:nvGrpSpPr>
+      <p:grpSpPr>
+        <a:xfrm>
+          <a:off x="0" y="0"/>
+          <a:ext cx="0" cy="0"/>
+          <a:chOff x="0" y="0"/>
+          <a:chExt cx="0" cy="0"/>
+        </a:xfrm>
+      </p:grpSpPr>
+      <p:sp>
+        <p:nvSpPr>
+          <p:cNvPr id="7" name="Rectangle 6"/>
+          <p:cNvSpPr/>
+          <p:nvPr userDrawn="1"/>
+        </p:nvSpPr>
+        <p:spPr>
+          <a:xfrm>
+            <a:off x="0" y="0"/>
+            <a:ext cx="12192000" cy="6858000"/>
+          </a:xfrm>
+          <a:prstGeom prst="rect">
+            <a:avLst/>
+          </a:prstGeom>
+          <a:solidFill>
+            <a:schemeClr val="bg1">
+              <a:lumMod val="95000"/>
+            </a:schemeClr>
+          </a:solidFill>
+          <a:ln>
+            <a:noFill/>
+          </a:ln>
+        </p:spPr>
+        <p:style>
+          <a:lnRef idx="2">
+            <a:schemeClr val="accent1">
+              <a:shade val="50000"/>
+            </a:schemeClr>
+          </a:lnRef>
+          <a:fillRef idx="1">
+            <a:schemeClr val="accent1"/>
+          </a:fillRef>
+          <a:effectRef idx="0">
+            <a:schemeClr val="accent1"/>
+          </a:effectRef>
+          <a:fontRef idx="minor">
+            <a:schemeClr val="lt1"/>
+          </a:fontRef>
+        </p:style>
+        <p:txBody>
+          <a:bodyPr rtlCol="0" anchor="ctr"/>
+          <a:lstStyle/>
+          <a:p>
+            <a:pPr marL="0" marR="0" lvl="0" indent="0" algn="ctr" defTabSz="914400" rtl="0" eaLnBrk="1" fontAlgn="auto" latinLnBrk="0" hangingPunct="1">
+              <a:lnSpc>
+                <a:spcPct val="100000"/>
+              </a:lnSpc>
+              <a:spcBef>
+                <a:spcPts val="0"/>
+              </a:spcBef>
+              <a:spcAft>
+                <a:spcPts val="0"/>
+              </a:spcAft>
+              <a:buClrTx/>
+              <a:buSzTx/>
+              <a:buFontTx/>
+              <a:buNone/>
+              <a:tabLst/>
+              <a:defRPr/>
+            </a:pPr>
+            <a:endParaRPr kumimoji="0" lang="en-IN" sz="1800" b="0" i="0" u="none" strike="noStrike" kern="1200" cap="none" spc="0" normalizeH="0" baseline="0" noProof="0">
+              <a:ln>
+                <a:noFill/>
+              </a:ln>
+              <a:solidFill>
+                <a:prstClr val="white"/>
+              </a:solidFill>
+              <a:effectLst/>
+              <a:uLnTx/>
+              <a:uFillTx/>
+              <a:latin typeface="Calibri" panose="020F0502020204030204"/>
+              <a:ea typeface="+mn-ea"/>
+              <a:cs typeface="+mn-cs"/>
+            </a:endParaRPr>
+          </a:p>
+        </p:txBody>
+      </p:sp>
+      <p:sp>
+        <p:nvSpPr>
+          <p:cNvPr id="2" name="Title Placeholder 1"/>
+          <p:cNvSpPr>
+            <a:spLocks noGrp="1"/>
+          </p:cNvSpPr>
+          <p:nvPr>
+            <p:ph type="title"/>
+          </p:nvPr>
+        </p:nvSpPr>
+        <p:spPr>
+          <a:xfrm>
+            <a:off x="838200" y="365125"/>
+            <a:ext cx="10515600" cy="1325563"/>
+          </a:xfrm>
+          <a:prstGeom prst="rect">
+            <a:avLst/>
+          </a:prstGeom>
+        </p:spPr>
+        <p:txBody>
+          <a:bodyPr vert="horz" lIns="91440" tIns="45720" rIns="91440" bIns="45720" rtlCol="0" anchor="ctr">
+            <a:normAutofit/>
+          </a:bodyPr>
+          <a:lstStyle/>
+          <a:p>
+            <a:r>
+              <a:rPr lang="en-US" smtClean="0"/>
+              <a:t>Click to edit Master title style</a:t>
+            </a:r>
+            <a:endParaRPr lang="en-IN"/>
+          </a:p>
+        </p:txBody>
+      </p:sp>
+      <p:sp>
+        <p:nvSpPr>
+          <p:cNvPr id="3" name="Text Placeholder 2"/>
+          <p:cNvSpPr>
+            <a:spLocks noGrp="1"/>
+          </p:cNvSpPr>
+          <p:nvPr>
+            <p:ph type="body" idx="1"/>
+          </p:nvPr>
+        </p:nvSpPr>
+        <p:spPr>
+          <a:xfrm>
+            <a:off x="838200" y="1825625"/>
+            <a:ext cx="10515600" cy="4351338"/>
+          </a:xfrm>
+          <a:prstGeom prst="rect">
+            <a:avLst/>
+          </a:prstGeom>
+        </p:spPr>
+        <p:txBody>
+          <a:bodyPr vert="horz" lIns="91440" tIns="45720" rIns="91440" bIns="45720" rtlCol="0">
+            <a:normAutofit/>
+          </a:bodyPr>
+          <a:lstStyle/>
+          <a:p>
+            <a:pPr lvl="0"/>
+            <a:r>
+              <a:rPr lang="en-US" smtClean="0"/>
+              <a:t>Click to edit Master text styles</a:t>
+            </a:r>
+          </a:p>
+          <a:p>
+            <a:pPr lvl="1"/>
+            <a:r>
+              <a:rPr lang="en-US" smtClean="0"/>
+              <a:t>Second level</a:t>
+            </a:r>
+          </a:p>
+          <a:p>
+            <a:pPr lvl="2"/>
+            <a:r>
+              <a:rPr lang="en-US" smtClean="0"/>
+              <a:t>Third level</a:t>
+            </a:r>
+          </a:p>
+          <a:p>
+            <a:pPr lvl="3"/>
+            <a:r>
+              <a:rPr lang="en-US" smtClean="0"/>
+              <a:t>Fourth level</a:t>
+            </a:r>
+          </a:p>
+          <a:p>
+            <a:pPr lvl="4"/>
+            <a:r>
+              <a:rPr lang="en-US" smtClean="0"/>
+              <a:t>Fifth level</a:t>
+            </a:r>
+            <a:endParaRPr lang="en-IN"/>
+          </a:p>
+        </p:txBody>
+      </p:sp>
+      <p:sp>
+        <p:nvSpPr>
+          <p:cNvPr id="4" name="Date Placeholder 3"/>
+          <p:cNvSpPr>
+            <a:spLocks noGrp="1"/>
+          </p:cNvSpPr>
+          <p:nvPr>
+            <p:ph type="dt" sz="half" idx="2"/>
+          </p:nvPr>
+        </p:nvSpPr>
+        <p:spPr>
+          <a:xfrm>
+            <a:off x="838200" y="6356350"/>
+            <a:ext cx="2743200" cy="365125"/>
+          </a:xfrm>
+          <a:prstGeom prst="rect">
+            <a:avLst/>
+          </a:prstGeom>
+        </p:spPr>
+        <p:txBody>
+          <a:bodyPr vert="horz" lIns="91440" tIns="45720" rIns="91440" bIns="45720" rtlCol="0" anchor="ctr"/>
+          <a:lstStyle>
+            <a:lvl1pPr algn="l">
+              <a:defRPr sz="1200">
+                <a:solidFill>
+                  <a:schemeClr val="tx1">
+                    <a:tint val="75000"/>
+                  </a:schemeClr>
+                </a:solidFill>
+              </a:defRPr>
+            </a:lvl1pPr>
+          </a:lstStyle>
+          <a:p>
+            <a:pPr marL="0" marR="0" lvl="0" indent="0" algn="l" defTabSz="914400" rtl="0" eaLnBrk="1" fontAlgn="auto" latinLnBrk="0" hangingPunct="1">
+              <a:lnSpc>
+                <a:spcPct val="100000"/>
+              </a:lnSpc>
+              <a:spcBef>
+                <a:spcPts val="0"/>
+              </a:spcBef>
+              <a:spcAft>
+                <a:spcPts val="0"/>
+              </a:spcAft>
+              <a:buClrTx/>
+              <a:buSzTx/>
+              <a:buFontTx/>
+              <a:buNone/>
+              <a:tabLst/>
+              <a:defRPr/>
+            </a:pPr>
+            <a:fld id="{615B8220-D6CE-4EBA-9DF4-44184996CC87}" type="datetimeFigureOut">
+              <a:rPr kumimoji="0" lang="en-IN" sz="1200" b="0" i="0" u="none" strike="noStrike" kern="1200" cap="none" spc="0" normalizeH="0" baseline="0" noProof="0" smtClean="0">
+                <a:ln>
+                  <a:noFill/>
+                </a:ln>
+                <a:solidFill>
+                  <a:prstClr val="black">
+                    <a:tint val="75000"/>
+                  </a:prstClr>
+                </a:solidFill>
+                <a:effectLst/>
+                <a:uLnTx/>
+                <a:uFillTx/>
+                <a:latin typeface="Calibri" panose="020F0502020204030204"/>
+                <a:ea typeface="+mn-ea"/>
+                <a:cs typeface="+mn-cs"/>
+              </a:rPr>
+              <a:pPr marL="0" marR="0" lvl="0" indent="0" algn="l" defTabSz="914400" rtl="0" eaLnBrk="1" fontAlgn="auto" latinLnBrk="0" hangingPunct="1">
+                <a:lnSpc>
+                  <a:spcPct val="100000"/>
+                </a:lnSpc>
+                <a:spcBef>
+                  <a:spcPts val="0"/>
+                </a:spcBef>
+                <a:spcAft>
+                  <a:spcPts val="0"/>
+                </a:spcAft>
+                <a:buClrTx/>
+                <a:buSzTx/>
+                <a:buFontTx/>
+                <a:buNone/>
+                <a:tabLst/>
+                <a:defRPr/>
+              </a:pPr>
+              <a:t>06-11-2015</a:t>
+            </a:fld>
+            <a:endParaRPr kumimoji="0" lang="en-IN" sz="1200" b="0" i="0" u="none" strike="noStrike" kern="1200" cap="none" spc="0" normalizeH="0" baseline="0" noProof="0">
+              <a:ln>
+                <a:noFill/>
+              </a:ln>
+              <a:solidFill>
+                <a:prstClr val="black">
+                  <a:tint val="75000"/>
+                </a:prstClr>
+              </a:solidFill>
+              <a:effectLst/>
+              <a:uLnTx/>
+              <a:uFillTx/>
+              <a:latin typeface="Calibri" panose="020F0502020204030204"/>
+              <a:ea typeface="+mn-ea"/>
+              <a:cs typeface="+mn-cs"/>
+            </a:endParaRPr>
+          </a:p>
+        </p:txBody>
+      </p:sp>
+      <p:sp>
+        <p:nvSpPr>
+          <p:cNvPr id="5" name="Footer Placeholder 4"/>
+          <p:cNvSpPr>
+            <a:spLocks noGrp="1"/>
+          </p:cNvSpPr>
+          <p:nvPr>
+            <p:ph type="ftr" sz="quarter" idx="3"/>
+          </p:nvPr>
+        </p:nvSpPr>
+        <p:spPr>
+          <a:xfrm>
+            <a:off x="4038600" y="6356350"/>
+            <a:ext cx="4114800" cy="365125"/>
+          </a:xfrm>
+          <a:prstGeom prst="rect">
+            <a:avLst/>
+          </a:prstGeom>
+        </p:spPr>
+        <p:txBody>
+          <a:bodyPr vert="horz" lIns="91440" tIns="45720" rIns="91440" bIns="45720" rtlCol="0" anchor="ctr"/>
+          <a:lstStyle>
+            <a:lvl1pPr algn="ctr">
+              <a:defRPr sz="1200">
+                <a:solidFill>
+                  <a:schemeClr val="tx1">
+                    <a:tint val="75000"/>
+                  </a:schemeClr>
+                </a:solidFill>
+              </a:defRPr>
+            </a:lvl1pPr>
+          </a:lstStyle>
+          <a:p>
+            <a:pPr marL="0" marR="0" lvl="0" indent="0" algn="ctr" defTabSz="914400" rtl="0" eaLnBrk="1" fontAlgn="auto" latinLnBrk="0" hangingPunct="1">
+              <a:lnSpc>
+                <a:spcPct val="100000"/>
+              </a:lnSpc>
+              <a:spcBef>
+                <a:spcPts val="0"/>
+              </a:spcBef>
+              <a:spcAft>
+                <a:spcPts val="0"/>
+              </a:spcAft>
+              <a:buClrTx/>
+              <a:buSzTx/>
+              <a:buFontTx/>
+              <a:buNone/>
+              <a:tabLst/>
+              <a:defRPr/>
+            </a:pPr>
+            <a:endParaRPr kumimoji="0" lang="en-IN" sz="1200" b="0" i="0" u="none" strike="noStrike" kern="1200" cap="none" spc="0" normalizeH="0" baseline="0" noProof="0">
+              <a:ln>
+                <a:noFill/>
+              </a:ln>
+              <a:solidFill>
+                <a:prstClr val="black">
+                  <a:tint val="75000"/>
+                </a:prstClr>
+              </a:solidFill>
+              <a:effectLst/>
+              <a:uLnTx/>
+              <a:uFillTx/>
+              <a:latin typeface="Calibri" panose="020F0502020204030204"/>
+              <a:ea typeface="+mn-ea"/>
+              <a:cs typeface="+mn-cs"/>
+            </a:endParaRPr>
+          </a:p>
+        </p:txBody>
+      </p:sp>
+      <p:sp>
+        <p:nvSpPr>
+          <p:cNvPr id="6" name="Slide Number Placeholder 5"/>
+          <p:cNvSpPr>
+            <a:spLocks noGrp="1"/>
+          </p:cNvSpPr>
+          <p:nvPr>
+            <p:ph type="sldNum" sz="quarter" idx="4"/>
+          </p:nvPr>
+        </p:nvSpPr>
+        <p:spPr>
+          <a:xfrm>
+            <a:off x="8610600" y="6356350"/>
+            <a:ext cx="2743200" cy="365125"/>
+          </a:xfrm>
+          <a:prstGeom prst="rect">
+            <a:avLst/>
+          </a:prstGeom>
+        </p:spPr>
+        <p:txBody>
+          <a:bodyPr vert="horz" lIns="91440" tIns="45720" rIns="91440" bIns="45720" rtlCol="0" anchor="ctr"/>
+          <a:lstStyle>
+            <a:lvl1pPr algn="r">
+              <a:defRPr sz="1200">
+                <a:solidFill>
+                  <a:schemeClr val="tx1">
+                    <a:tint val="75000"/>
+                  </a:schemeClr>
+                </a:solidFill>
+              </a:defRPr>
+            </a:lvl1pPr>
+          </a:lstStyle>
+          <a:p>
+            <a:pPr marL="0" marR="0" lvl="0" indent="0" algn="r" defTabSz="914400" rtl="0" eaLnBrk="1" fontAlgn="auto" latinLnBrk="0" hangingPunct="1">
+              <a:lnSpc>
+                <a:spcPct val="100000"/>
+              </a:lnSpc>
+              <a:spcBef>
+                <a:spcPts val="0"/>
+              </a:spcBef>
+              <a:spcAft>
+                <a:spcPts val="0"/>
+              </a:spcAft>
+              <a:buClrTx/>
+              <a:buSzTx/>
+              <a:buFontTx/>
+              <a:buNone/>
+              <a:tabLst/>
+              <a:defRPr/>
+            </a:pPr>
+            <a:fld id="{72C2F659-9614-4C11-ABEC-5C229DA454D6}" type="slidenum">
+              <a:rPr kumimoji="0" lang="en-IN" sz="1200" b="0" i="0" u="none" strike="noStrike" kern="1200" cap="none" spc="0" normalizeH="0" baseline="0" noProof="0" smtClean="0">
+                <a:ln>
+                  <a:noFill/>
+                </a:ln>
+                <a:solidFill>
+                  <a:prstClr val="black">
+                    <a:tint val="75000"/>
+                  </a:prstClr>
+                </a:solidFill>
+                <a:effectLst/>
+                <a:uLnTx/>
+                <a:uFillTx/>
+                <a:latin typeface="Calibri" panose="020F0502020204030204"/>
+                <a:ea typeface="+mn-ea"/>
+                <a:cs typeface="+mn-cs"/>
+              </a:rPr>
+              <a:pPr marL="0" marR="0" lvl="0" indent="0" algn="r" defTabSz="914400" rtl="0" eaLnBrk="1" fontAlgn="auto" latinLnBrk="0" hangingPunct="1">
+                <a:lnSpc>
+                  <a:spcPct val="100000"/>
+                </a:lnSpc>
+                <a:spcBef>
+                  <a:spcPts val="0"/>
+                </a:spcBef>
+                <a:spcAft>
+                  <a:spcPts val="0"/>
+                </a:spcAft>
+                <a:buClrTx/>
+                <a:buSzTx/>
+                <a:buFontTx/>
+                <a:buNone/>
+                <a:tabLst/>
+                <a:defRPr/>
+              </a:pPr>
+              <a:t>‹#›</a:t>
+            </a:fld>
+            <a:endParaRPr kumimoji="0" lang="en-IN" sz="1200" b="0" i="0" u="none" strike="noStrike" kern="1200" cap="none" spc="0" normalizeH="0" baseline="0" noProof="0">
+              <a:ln>
+                <a:noFill/>
+              </a:ln>
+              <a:solidFill>
+                <a:prstClr val="black">
+                  <a:tint val="75000"/>
+                </a:prstClr>
+              </a:solidFill>
+              <a:effectLst/>
+              <a:uLnTx/>
+              <a:uFillTx/>
+              <a:latin typeface="Calibri" panose="020F0502020204030204"/>
+              <a:ea typeface="+mn-ea"/>
+              <a:cs typeface="+mn-cs"/>
+            </a:endParaRPr>
+          </a:p>
+        </p:txBody>
+      </p:sp>
+    </p:spTree>
+    <p:extLst>
+      <p:ext uri="{BB962C8B-B14F-4D97-AF65-F5344CB8AC3E}">
+        <p14:creationId xmlns:p14="http://schemas.microsoft.com/office/powerpoint/2010/main" val="3222722004"/>
+      </p:ext>
+    </p:extLst>
+  </p:cSld>
+  <p:clrMap bg1="lt1" tx1="dk1" bg2="lt2" tx2="dk2" accent1="accent1" accent2="accent2" accent3="accent3" accent4="accent4" accent5="accent5" accent6="accent6" hlink="hlink" folHlink="folHlink"/>
+  <p:sldLayoutIdLst>
+    <p:sldLayoutId id="2147483664" r:id="rId1"/>
+    <p:sldLayoutId id="2147483665" r:id="rId2"/>
+    <p:sldLayoutId id="2147483666" r:id="rId3"/>
+    <p:sldLayoutId id="2147483667" r:id="rId4"/>
+    <p:sldLayoutId id="2147483668" r:id="rId5"/>
+    <p:sldLayoutId id="2147483669" r:id="rId6"/>
+    <p:sldLayoutId id="2147483670" r:id="rId7"/>
+    <p:sldLayoutId id="2147483671" r:id="rId8"/>
+    <p:sldLayoutId id="2147483672" r:id="rId9"/>
+    <p:sldLayoutId id="2147483673" r:id="rId10"/>
+    <p:sldLayoutId id="2147483674" r:id="rId11"/>
+    <p:sldLayoutId id="2147483675" r:id="rId12"/>
   </p:sldLayoutIdLst>
   <p:txStyles>
     <p:titleStyle>
@@ -8780,23 +14165,8 @@
                   </a:solidFill>
                   <a:latin typeface="Segoe UI Light"/>
                 </a:rPr>
-                <a:t>Sr. Tech. </a:t>
+                <a:t>Sr. Tech. Evangelist (OSS)</a:t>
               </a:r>
-              <a:r>
-                <a:rPr lang="en-US" sz="2000" dirty="0" smtClean="0">
-                  <a:solidFill>
-                    <a:schemeClr val="bg1"/>
-                  </a:solidFill>
-                  <a:latin typeface="Segoe UI Light"/>
-                </a:rPr>
-                <a:t>Evangelist (OSS)</a:t>
-              </a:r>
-              <a:endParaRPr lang="en-US" sz="2000" dirty="0" smtClean="0">
-                <a:solidFill>
-                  <a:schemeClr val="bg1"/>
-                </a:solidFill>
-                <a:latin typeface="Segoe UI Light"/>
-              </a:endParaRPr>
             </a:p>
             <a:p>
               <a:pPr>
@@ -14889,7 +20259,7 @@
               </a:rPr>
             </a:br>
             <a:r>
-              <a:rPr lang="en-US" sz="3600" i="1" u="sng" dirty="0" smtClean="0">
+              <a:rPr lang="en-US" sz="3600" i="1" dirty="0" smtClean="0">
                 <a:latin typeface="Segoe UI Light" panose="020B0502040204020203" pitchFamily="34" charset="0"/>
               </a:rPr>
               <a:t>this</a:t>
@@ -14910,7 +20280,7 @@
       </p:sp>
       <p:pic>
         <p:nvPicPr>
-          <p:cNvPr id="7" name="Picture 6"/>
+          <p:cNvPr id="2" name="Picture 1"/>
           <p:cNvPicPr>
             <a:picLocks noChangeAspect="1"/>
           </p:cNvPicPr>
@@ -14930,17 +20300,12 @@
         </p:blipFill>
         <p:spPr>
           <a:xfrm>
-            <a:off x="1000984" y="2248335"/>
-            <a:ext cx="3269566" cy="3269566"/>
+            <a:off x="827341" y="1981200"/>
+            <a:ext cx="4049459" cy="4049459"/>
           </a:xfrm>
           <a:prstGeom prst="rect">
             <a:avLst/>
           </a:prstGeom>
-          <a:ln>
-            <a:solidFill>
-              <a:srgbClr val="8C8C8C"/>
-            </a:solidFill>
-          </a:ln>
         </p:spPr>
       </p:pic>
     </p:spTree>
@@ -15376,6 +20741,262 @@
       <p:transition spd="slow" advTm="305"/>
     </mc:Fallback>
   </mc:AlternateContent>
+  <p:timing>
+    <p:tnLst>
+      <p:par>
+        <p:cTn id="1" dur="indefinite" restart="never" nodeType="tmRoot"/>
+      </p:par>
+    </p:tnLst>
+  </p:timing>
+</p:sld>
+</file>
+
+<file path=ppt/slides/slide29.xml><?xml version="1.0" encoding="utf-8"?>
+<p:sld xmlns:a="http://schemas.openxmlformats.org/drawingml/2006/main" xmlns:r="http://schemas.openxmlformats.org/officeDocument/2006/relationships" xmlns:p="http://schemas.openxmlformats.org/presentationml/2006/main">
+  <p:cSld>
+    <p:spTree>
+      <p:nvGrpSpPr>
+        <p:cNvPr id="1" name=""/>
+        <p:cNvGrpSpPr/>
+        <p:nvPr/>
+      </p:nvGrpSpPr>
+      <p:grpSpPr>
+        <a:xfrm>
+          <a:off x="0" y="0"/>
+          <a:ext cx="0" cy="0"/>
+          <a:chOff x="0" y="0"/>
+          <a:chExt cx="0" cy="0"/>
+        </a:xfrm>
+      </p:grpSpPr>
+      <p:sp>
+        <p:nvSpPr>
+          <p:cNvPr id="9" name="Rectangle 8"/>
+          <p:cNvSpPr/>
+          <p:nvPr/>
+        </p:nvSpPr>
+        <p:spPr>
+          <a:xfrm>
+            <a:off x="838200" y="570411"/>
+            <a:ext cx="10759660" cy="3670663"/>
+          </a:xfrm>
+          <a:prstGeom prst="rect">
+            <a:avLst/>
+          </a:prstGeom>
+          <a:noFill/>
+          <a:ln>
+            <a:noFill/>
+          </a:ln>
+        </p:spPr>
+        <p:style>
+          <a:lnRef idx="2">
+            <a:schemeClr val="accent1">
+              <a:shade val="50000"/>
+            </a:schemeClr>
+          </a:lnRef>
+          <a:fillRef idx="1">
+            <a:schemeClr val="accent1"/>
+          </a:fillRef>
+          <a:effectRef idx="0">
+            <a:schemeClr val="accent1"/>
+          </a:effectRef>
+          <a:fontRef idx="minor">
+            <a:schemeClr val="lt1"/>
+          </a:fontRef>
+        </p:style>
+        <p:txBody>
+          <a:bodyPr rtlCol="0" anchor="ctr"/>
+          <a:lstStyle/>
+          <a:p>
+            <a:pPr marL="0" marR="0" lvl="0" indent="0" algn="ctr" defTabSz="914400" rtl="0" eaLnBrk="1" fontAlgn="auto" latinLnBrk="0" hangingPunct="1">
+              <a:lnSpc>
+                <a:spcPct val="100000"/>
+              </a:lnSpc>
+              <a:spcBef>
+                <a:spcPts val="0"/>
+              </a:spcBef>
+              <a:spcAft>
+                <a:spcPts val="0"/>
+              </a:spcAft>
+              <a:buClrTx/>
+              <a:buSzTx/>
+              <a:buFontTx/>
+              <a:buNone/>
+              <a:tabLst/>
+              <a:defRPr/>
+            </a:pPr>
+            <a:r>
+              <a:rPr kumimoji="0" lang="en-US" sz="4000" b="0" i="0" u="none" strike="noStrike" kern="1200" cap="none" spc="0" normalizeH="0" baseline="0" noProof="0" dirty="0" smtClean="0">
+                <a:ln>
+                  <a:noFill/>
+                </a:ln>
+                <a:solidFill>
+                  <a:srgbClr val="44546A"/>
+                </a:solidFill>
+                <a:effectLst/>
+                <a:uLnTx/>
+                <a:uFillTx/>
+                <a:latin typeface="Segoe UI" panose="020B0502040204020203" pitchFamily="34" charset="0"/>
+                <a:ea typeface="+mn-ea"/>
+                <a:cs typeface="Segoe UI" panose="020B0502040204020203" pitchFamily="34" charset="0"/>
+              </a:rPr>
+              <a:t>Attend the last session of the day and</a:t>
+            </a:r>
+          </a:p>
+          <a:p>
+            <a:pPr marL="0" marR="0" lvl="0" indent="0" algn="ctr" defTabSz="914400" rtl="0" eaLnBrk="1" fontAlgn="auto" latinLnBrk="0" hangingPunct="1">
+              <a:lnSpc>
+                <a:spcPct val="100000"/>
+              </a:lnSpc>
+              <a:spcBef>
+                <a:spcPts val="0"/>
+              </a:spcBef>
+              <a:spcAft>
+                <a:spcPts val="0"/>
+              </a:spcAft>
+              <a:buClrTx/>
+              <a:buSzTx/>
+              <a:buFontTx/>
+              <a:buNone/>
+              <a:tabLst/>
+              <a:defRPr/>
+            </a:pPr>
+            <a:r>
+              <a:rPr kumimoji="0" lang="en-US" sz="4000" b="0" i="0" u="none" strike="noStrike" kern="1200" cap="none" spc="0" normalizeH="0" baseline="0" noProof="0" dirty="0" smtClean="0">
+                <a:ln>
+                  <a:noFill/>
+                </a:ln>
+                <a:solidFill>
+                  <a:srgbClr val="44546A"/>
+                </a:solidFill>
+                <a:effectLst/>
+                <a:uLnTx/>
+                <a:uFillTx/>
+                <a:latin typeface="Segoe UI" panose="020B0502040204020203" pitchFamily="34" charset="0"/>
+                <a:ea typeface="+mn-ea"/>
+                <a:cs typeface="Segoe UI" panose="020B0502040204020203" pitchFamily="34" charset="0"/>
+              </a:rPr>
+              <a:t>get a chance to</a:t>
+            </a:r>
+            <a:endParaRPr kumimoji="0" lang="en-US" sz="4000" b="0" i="0" u="none" strike="noStrike" kern="1200" cap="none" spc="0" normalizeH="0" baseline="0" noProof="0" dirty="0">
+              <a:ln>
+                <a:noFill/>
+              </a:ln>
+              <a:solidFill>
+                <a:srgbClr val="FF0000"/>
+              </a:solidFill>
+              <a:effectLst/>
+              <a:uLnTx/>
+              <a:uFillTx/>
+              <a:latin typeface="Segoe UI" panose="020B0502040204020203" pitchFamily="34" charset="0"/>
+              <a:ea typeface="+mn-ea"/>
+              <a:cs typeface="Segoe UI" panose="020B0502040204020203" pitchFamily="34" charset="0"/>
+            </a:endParaRPr>
+          </a:p>
+          <a:p>
+            <a:pPr marL="0" marR="0" lvl="0" indent="0" algn="ctr" defTabSz="914400" rtl="0" eaLnBrk="1" fontAlgn="auto" latinLnBrk="0" hangingPunct="1">
+              <a:lnSpc>
+                <a:spcPct val="100000"/>
+              </a:lnSpc>
+              <a:spcBef>
+                <a:spcPts val="0"/>
+              </a:spcBef>
+              <a:spcAft>
+                <a:spcPts val="0"/>
+              </a:spcAft>
+              <a:buClrTx/>
+              <a:buSzTx/>
+              <a:buFontTx/>
+              <a:buNone/>
+              <a:tabLst/>
+              <a:defRPr/>
+            </a:pPr>
+            <a:r>
+              <a:rPr kumimoji="0" lang="en-US" sz="4000" b="0" i="0" u="none" strike="noStrike" kern="1200" cap="none" spc="0" normalizeH="0" baseline="0" noProof="0" dirty="0">
+                <a:ln>
+                  <a:noFill/>
+                </a:ln>
+                <a:solidFill>
+                  <a:srgbClr val="FF0000"/>
+                </a:solidFill>
+                <a:effectLst/>
+                <a:uLnTx/>
+                <a:uFillTx/>
+                <a:latin typeface="Segoe UI" panose="020B0502040204020203" pitchFamily="34" charset="0"/>
+                <a:ea typeface="+mn-ea"/>
+                <a:cs typeface="Segoe UI" panose="020B0502040204020203" pitchFamily="34" charset="0"/>
+              </a:rPr>
+              <a:t>W</a:t>
+            </a:r>
+            <a:r>
+              <a:rPr kumimoji="0" lang="en-US" sz="4000" b="0" i="0" u="none" strike="noStrike" kern="1200" cap="none" spc="0" normalizeH="0" baseline="0" noProof="0" dirty="0" smtClean="0">
+                <a:ln>
+                  <a:noFill/>
+                </a:ln>
+                <a:solidFill>
+                  <a:srgbClr val="FF0000"/>
+                </a:solidFill>
+                <a:effectLst/>
+                <a:uLnTx/>
+                <a:uFillTx/>
+                <a:latin typeface="Segoe UI" panose="020B0502040204020203" pitchFamily="34" charset="0"/>
+                <a:ea typeface="+mn-ea"/>
+                <a:cs typeface="Segoe UI" panose="020B0502040204020203" pitchFamily="34" charset="0"/>
+              </a:rPr>
+              <a:t>in a Cool Device!</a:t>
+            </a:r>
+          </a:p>
+        </p:txBody>
+      </p:sp>
+      <p:pic>
+        <p:nvPicPr>
+          <p:cNvPr id="4" name="Picture 3"/>
+          <p:cNvPicPr>
+            <a:picLocks noChangeAspect="1"/>
+          </p:cNvPicPr>
+          <p:nvPr/>
+        </p:nvPicPr>
+        <p:blipFill>
+          <a:blip r:embed="rId2" cstate="print">
+            <a:clrChange>
+              <a:clrFrom>
+                <a:srgbClr val="FFFFFF"/>
+              </a:clrFrom>
+              <a:clrTo>
+                <a:srgbClr val="FFFFFF">
+                  <a:alpha val="0"/>
+                </a:srgbClr>
+              </a:clrTo>
+            </a:clrChange>
+            <a:extLst>
+              <a:ext uri="{28A0092B-C50C-407E-A947-70E740481C1C}">
+                <a14:useLocalDpi xmlns:a14="http://schemas.microsoft.com/office/drawing/2010/main" val="0"/>
+              </a:ext>
+            </a:extLst>
+          </a:blip>
+          <a:stretch>
+            <a:fillRect/>
+          </a:stretch>
+        </p:blipFill>
+        <p:spPr>
+          <a:xfrm>
+            <a:off x="4678845" y="3429000"/>
+            <a:ext cx="3078370" cy="3078370"/>
+          </a:xfrm>
+          <a:prstGeom prst="rect">
+            <a:avLst/>
+          </a:prstGeom>
+        </p:spPr>
+      </p:pic>
+    </p:spTree>
+    <p:extLst>
+      <p:ext uri="{BB962C8B-B14F-4D97-AF65-F5344CB8AC3E}">
+        <p14:creationId xmlns:p14="http://schemas.microsoft.com/office/powerpoint/2010/main" val="1116283832"/>
+      </p:ext>
+    </p:extLst>
+  </p:cSld>
+  <p:clrMapOvr>
+    <a:masterClrMapping/>
+  </p:clrMapOvr>
   <p:timing>
     <p:tnLst>
       <p:par>
@@ -16079,6 +21700,1609 @@
       <p:transition spd="slow" advTm="37515"/>
     </mc:Fallback>
   </mc:AlternateContent>
+  <p:timing>
+    <p:tnLst>
+      <p:par>
+        <p:cTn id="1" dur="indefinite" restart="never" nodeType="tmRoot"/>
+      </p:par>
+    </p:tnLst>
+  </p:timing>
+</p:sld>
+</file>
+
+<file path=ppt/slides/slide30.xml><?xml version="1.0" encoding="utf-8"?>
+<p:sld xmlns:a="http://schemas.openxmlformats.org/drawingml/2006/main" xmlns:r="http://schemas.openxmlformats.org/officeDocument/2006/relationships" xmlns:p="http://schemas.openxmlformats.org/presentationml/2006/main">
+  <p:cSld>
+    <p:spTree>
+      <p:nvGrpSpPr>
+        <p:cNvPr id="1" name=""/>
+        <p:cNvGrpSpPr/>
+        <p:nvPr/>
+      </p:nvGrpSpPr>
+      <p:grpSpPr>
+        <a:xfrm>
+          <a:off x="0" y="0"/>
+          <a:ext cx="0" cy="0"/>
+          <a:chOff x="0" y="0"/>
+          <a:chExt cx="0" cy="0"/>
+        </a:xfrm>
+      </p:grpSpPr>
+      <p:sp>
+        <p:nvSpPr>
+          <p:cNvPr id="3" name="Subtitle 2"/>
+          <p:cNvSpPr>
+            <a:spLocks noGrp="1"/>
+          </p:cNvSpPr>
+          <p:nvPr>
+            <p:ph type="subTitle" idx="1"/>
+          </p:nvPr>
+        </p:nvSpPr>
+        <p:spPr>
+          <a:xfrm>
+            <a:off x="484192" y="2619102"/>
+            <a:ext cx="10958871" cy="2667000"/>
+          </a:xfrm>
+          <a:noFill/>
+          <a:ln>
+            <a:noFill/>
+          </a:ln>
+        </p:spPr>
+        <p:style>
+          <a:lnRef idx="2">
+            <a:schemeClr val="accent1">
+              <a:shade val="50000"/>
+            </a:schemeClr>
+          </a:lnRef>
+          <a:fillRef idx="1">
+            <a:schemeClr val="accent1"/>
+          </a:fillRef>
+          <a:effectRef idx="0">
+            <a:schemeClr val="accent1"/>
+          </a:effectRef>
+          <a:fontRef idx="minor">
+            <a:schemeClr val="lt1"/>
+          </a:fontRef>
+        </p:style>
+        <p:txBody>
+          <a:bodyPr rtlCol="0" anchor="ctr"/>
+          <a:lstStyle/>
+          <a:p>
+            <a:r>
+              <a:rPr lang="en-US" sz="3200" dirty="0">
+                <a:solidFill>
+                  <a:schemeClr val="tx2"/>
+                </a:solidFill>
+                <a:latin typeface="Segoe UI" panose="020B0502040204020203" pitchFamily="34" charset="0"/>
+                <a:cs typeface="Segoe UI" panose="020B0502040204020203" pitchFamily="34" charset="0"/>
+              </a:rPr>
+              <a:t>Keep tweeting with </a:t>
+            </a:r>
+            <a:r>
+              <a:rPr lang="en-US" sz="3200" dirty="0">
+                <a:solidFill>
+                  <a:schemeClr val="tx2"/>
+                </a:solidFill>
+                <a:latin typeface="Segoe UI" panose="020B0502040204020203" pitchFamily="34" charset="0"/>
+                <a:cs typeface="Segoe UI" panose="020B0502040204020203" pitchFamily="34" charset="0"/>
+                <a:hlinkClick r:id="rId2"/>
+              </a:rPr>
+              <a:t>#FutureUnleashed</a:t>
+            </a:r>
+            <a:r>
+              <a:rPr lang="en-US" sz="3200" dirty="0">
+                <a:solidFill>
+                  <a:schemeClr val="tx2"/>
+                </a:solidFill>
+                <a:latin typeface="Segoe UI" panose="020B0502040204020203" pitchFamily="34" charset="0"/>
+                <a:cs typeface="Segoe UI" panose="020B0502040204020203" pitchFamily="34" charset="0"/>
+              </a:rPr>
+              <a:t> </a:t>
+            </a:r>
+          </a:p>
+          <a:p>
+            <a:r>
+              <a:rPr lang="en-US" sz="3200" dirty="0">
+                <a:solidFill>
+                  <a:schemeClr val="tx2"/>
+                </a:solidFill>
+                <a:latin typeface="Segoe UI" panose="020B0502040204020203" pitchFamily="34" charset="0"/>
+                <a:cs typeface="Segoe UI" panose="020B0502040204020203" pitchFamily="34" charset="0"/>
+              </a:rPr>
+              <a:t>&amp;</a:t>
+            </a:r>
+          </a:p>
+          <a:p>
+            <a:r>
+              <a:rPr lang="en-US" sz="3200" dirty="0">
+                <a:solidFill>
+                  <a:srgbClr val="FF0000"/>
+                </a:solidFill>
+                <a:latin typeface="Segoe UI" panose="020B0502040204020203" pitchFamily="34" charset="0"/>
+                <a:cs typeface="Segoe UI" panose="020B0502040204020203" pitchFamily="34" charset="0"/>
+              </a:rPr>
+              <a:t>Win exciting prizes </a:t>
+            </a:r>
+            <a:r>
+              <a:rPr lang="en-US" sz="3200" dirty="0">
+                <a:solidFill>
+                  <a:schemeClr val="tx2"/>
+                </a:solidFill>
+                <a:latin typeface="Segoe UI" panose="020B0502040204020203" pitchFamily="34" charset="0"/>
+                <a:cs typeface="Segoe UI" panose="020B0502040204020203" pitchFamily="34" charset="0"/>
+              </a:rPr>
+              <a:t>at </a:t>
+            </a:r>
+            <a:r>
+              <a:rPr lang="en-US" sz="3200" dirty="0" smtClean="0">
+                <a:solidFill>
+                  <a:schemeClr val="tx2"/>
+                </a:solidFill>
+                <a:latin typeface="Segoe UI" panose="020B0502040204020203" pitchFamily="34" charset="0"/>
+                <a:cs typeface="Segoe UI" panose="020B0502040204020203" pitchFamily="34" charset="0"/>
+              </a:rPr>
+              <a:t>the end </a:t>
+            </a:r>
+            <a:r>
+              <a:rPr lang="en-US" sz="3200" dirty="0">
+                <a:solidFill>
+                  <a:schemeClr val="tx2"/>
+                </a:solidFill>
+                <a:latin typeface="Segoe UI" panose="020B0502040204020203" pitchFamily="34" charset="0"/>
+                <a:cs typeface="Segoe UI" panose="020B0502040204020203" pitchFamily="34" charset="0"/>
+              </a:rPr>
+              <a:t>of </a:t>
+            </a:r>
+            <a:r>
+              <a:rPr lang="en-US" sz="3200" dirty="0" smtClean="0">
+                <a:solidFill>
+                  <a:schemeClr val="tx2"/>
+                </a:solidFill>
+                <a:latin typeface="Segoe UI" panose="020B0502040204020203" pitchFamily="34" charset="0"/>
+                <a:cs typeface="Segoe UI" panose="020B0502040204020203" pitchFamily="34" charset="0"/>
+              </a:rPr>
+              <a:t>the day</a:t>
+            </a:r>
+            <a:endParaRPr lang="en-IN" sz="3200" dirty="0">
+              <a:solidFill>
+                <a:schemeClr val="tx2"/>
+              </a:solidFill>
+              <a:latin typeface="Segoe UI" panose="020B0502040204020203" pitchFamily="34" charset="0"/>
+              <a:cs typeface="Segoe UI" panose="020B0502040204020203" pitchFamily="34" charset="0"/>
+            </a:endParaRPr>
+          </a:p>
+        </p:txBody>
+      </p:sp>
+      <p:pic>
+        <p:nvPicPr>
+          <p:cNvPr id="4" name="Picture 3"/>
+          <p:cNvPicPr>
+            <a:picLocks noChangeAspect="1"/>
+          </p:cNvPicPr>
+          <p:nvPr/>
+        </p:nvPicPr>
+        <p:blipFill>
+          <a:blip r:embed="rId3">
+            <a:clrChange>
+              <a:clrFrom>
+                <a:srgbClr val="F4F4F4"/>
+              </a:clrFrom>
+              <a:clrTo>
+                <a:srgbClr val="F4F4F4">
+                  <a:alpha val="0"/>
+                </a:srgbClr>
+              </a:clrTo>
+            </a:clrChange>
+          </a:blip>
+          <a:stretch>
+            <a:fillRect/>
+          </a:stretch>
+        </p:blipFill>
+        <p:spPr>
+          <a:xfrm>
+            <a:off x="5340459" y="1034457"/>
+            <a:ext cx="1946067" cy="1790382"/>
+          </a:xfrm>
+          <a:prstGeom prst="rect">
+            <a:avLst/>
+          </a:prstGeom>
+        </p:spPr>
+      </p:pic>
+      <p:sp>
+        <p:nvSpPr>
+          <p:cNvPr id="6" name="TextBox 5"/>
+          <p:cNvSpPr txBox="1"/>
+          <p:nvPr/>
+        </p:nvSpPr>
+        <p:spPr>
+          <a:xfrm>
+            <a:off x="3073905" y="248193"/>
+            <a:ext cx="6479177" cy="707886"/>
+          </a:xfrm>
+          <a:prstGeom prst="rect">
+            <a:avLst/>
+          </a:prstGeom>
+          <a:noFill/>
+        </p:spPr>
+        <p:txBody>
+          <a:bodyPr wrap="square" rtlCol="0">
+            <a:spAutoFit/>
+          </a:bodyPr>
+          <a:lstStyle/>
+          <a:p>
+            <a:pPr marL="0" marR="0" lvl="0" indent="0" algn="ctr" defTabSz="914400" rtl="0" eaLnBrk="1" fontAlgn="auto" latinLnBrk="0" hangingPunct="1">
+              <a:lnSpc>
+                <a:spcPct val="100000"/>
+              </a:lnSpc>
+              <a:spcBef>
+                <a:spcPts val="0"/>
+              </a:spcBef>
+              <a:spcAft>
+                <a:spcPts val="0"/>
+              </a:spcAft>
+              <a:buClrTx/>
+              <a:buSzTx/>
+              <a:buFontTx/>
+              <a:buNone/>
+              <a:tabLst/>
+              <a:defRPr/>
+            </a:pPr>
+            <a:r>
+              <a:rPr kumimoji="0" lang="en-US" sz="4000" b="0" i="0" u="none" strike="noStrike" kern="1200" cap="none" spc="0" normalizeH="0" baseline="0" noProof="0" dirty="0" smtClean="0">
+                <a:ln>
+                  <a:noFill/>
+                </a:ln>
+                <a:solidFill>
+                  <a:srgbClr val="44546A"/>
+                </a:solidFill>
+                <a:effectLst/>
+                <a:uLnTx/>
+                <a:uFillTx/>
+                <a:latin typeface="Segoe UI" panose="020B0502040204020203" pitchFamily="34" charset="0"/>
+                <a:ea typeface="Segoe UI Black" panose="020B0A02040204020203" pitchFamily="34" charset="0"/>
+                <a:cs typeface="Segoe UI" panose="020B0502040204020203" pitchFamily="34" charset="0"/>
+              </a:rPr>
+              <a:t>Tweet2Win Contest</a:t>
+            </a:r>
+            <a:endParaRPr kumimoji="0" lang="en-US" sz="4000" b="0" i="0" u="none" strike="noStrike" kern="1200" cap="none" spc="0" normalizeH="0" baseline="0" noProof="0" dirty="0">
+              <a:ln>
+                <a:noFill/>
+              </a:ln>
+              <a:solidFill>
+                <a:srgbClr val="44546A"/>
+              </a:solidFill>
+              <a:effectLst/>
+              <a:uLnTx/>
+              <a:uFillTx/>
+              <a:latin typeface="Segoe UI" panose="020B0502040204020203" pitchFamily="34" charset="0"/>
+              <a:ea typeface="Segoe UI Black" panose="020B0A02040204020203" pitchFamily="34" charset="0"/>
+              <a:cs typeface="Segoe UI" panose="020B0502040204020203" pitchFamily="34" charset="0"/>
+            </a:endParaRPr>
+          </a:p>
+        </p:txBody>
+      </p:sp>
+    </p:spTree>
+    <p:extLst>
+      <p:ext uri="{BB962C8B-B14F-4D97-AF65-F5344CB8AC3E}">
+        <p14:creationId xmlns:p14="http://schemas.microsoft.com/office/powerpoint/2010/main" val="1127364277"/>
+      </p:ext>
+    </p:extLst>
+  </p:cSld>
+  <p:clrMapOvr>
+    <a:masterClrMapping/>
+  </p:clrMapOvr>
+</p:sld>
+</file>
+
+<file path=ppt/slides/slide31.xml><?xml version="1.0" encoding="utf-8"?>
+<p:sld xmlns:a="http://schemas.openxmlformats.org/drawingml/2006/main" xmlns:r="http://schemas.openxmlformats.org/officeDocument/2006/relationships" xmlns:p="http://schemas.openxmlformats.org/presentationml/2006/main">
+  <p:cSld>
+    <p:spTree>
+      <p:nvGrpSpPr>
+        <p:cNvPr id="1" name=""/>
+        <p:cNvGrpSpPr/>
+        <p:nvPr/>
+      </p:nvGrpSpPr>
+      <p:grpSpPr>
+        <a:xfrm>
+          <a:off x="0" y="0"/>
+          <a:ext cx="0" cy="0"/>
+          <a:chOff x="0" y="0"/>
+          <a:chExt cx="0" cy="0"/>
+        </a:xfrm>
+      </p:grpSpPr>
+      <p:sp>
+        <p:nvSpPr>
+          <p:cNvPr id="3" name="Subtitle 2"/>
+          <p:cNvSpPr>
+            <a:spLocks noGrp="1"/>
+          </p:cNvSpPr>
+          <p:nvPr>
+            <p:ph type="subTitle" idx="1"/>
+          </p:nvPr>
+        </p:nvSpPr>
+        <p:spPr>
+          <a:xfrm>
+            <a:off x="76200" y="2057400"/>
+            <a:ext cx="12115800" cy="3200400"/>
+          </a:xfrm>
+        </p:spPr>
+        <p:txBody>
+          <a:bodyPr>
+            <a:noAutofit/>
+          </a:bodyPr>
+          <a:lstStyle/>
+          <a:p>
+            <a:r>
+              <a:rPr lang="en-US" sz="3200" dirty="0">
+                <a:solidFill>
+                  <a:srgbClr val="FF0000"/>
+                </a:solidFill>
+                <a:latin typeface="Segoe Light"/>
+                <a:cs typeface="Segoe Light"/>
+              </a:rPr>
+              <a:t>Tweet a selfie </a:t>
+            </a:r>
+            <a:r>
+              <a:rPr lang="en-US" sz="3200" dirty="0">
+                <a:solidFill>
+                  <a:schemeClr val="tx2"/>
+                </a:solidFill>
+                <a:latin typeface="Segoe Light"/>
+                <a:cs typeface="Segoe Light"/>
+              </a:rPr>
+              <a:t>with your question written on paper with </a:t>
+            </a:r>
+            <a:r>
+              <a:rPr lang="en-US" sz="3200" dirty="0">
+                <a:solidFill>
+                  <a:schemeClr val="tx2"/>
+                </a:solidFill>
+                <a:latin typeface="Segoe Light"/>
+                <a:cs typeface="Segoe Light"/>
+                <a:hlinkClick r:id="rId2"/>
+              </a:rPr>
+              <a:t>#FutureUnleashed</a:t>
+            </a:r>
+            <a:endParaRPr lang="en-US" sz="3200" dirty="0">
+              <a:solidFill>
+                <a:schemeClr val="tx2"/>
+              </a:solidFill>
+              <a:latin typeface="Segoe Light"/>
+              <a:cs typeface="Segoe Light"/>
+            </a:endParaRPr>
+          </a:p>
+          <a:p>
+            <a:r>
+              <a:rPr lang="en-US" sz="3200" dirty="0">
+                <a:solidFill>
+                  <a:schemeClr val="tx2"/>
+                </a:solidFill>
+                <a:latin typeface="Segoe Light"/>
+                <a:cs typeface="Segoe Light"/>
+              </a:rPr>
+              <a:t> &amp;</a:t>
+            </a:r>
+          </a:p>
+          <a:p>
+            <a:r>
+              <a:rPr lang="en-US" sz="3200" dirty="0">
+                <a:solidFill>
+                  <a:schemeClr val="tx2"/>
+                </a:solidFill>
+                <a:latin typeface="Segoe Light"/>
+                <a:cs typeface="Segoe Light"/>
+              </a:rPr>
+              <a:t>E</a:t>
+            </a:r>
+            <a:r>
+              <a:rPr lang="en-US" sz="3200" dirty="0" smtClean="0">
+                <a:solidFill>
+                  <a:schemeClr val="tx2"/>
+                </a:solidFill>
+                <a:latin typeface="Segoe Light"/>
+                <a:cs typeface="Segoe Light"/>
+              </a:rPr>
+              <a:t>xperts </a:t>
+            </a:r>
+            <a:r>
+              <a:rPr lang="en-US" sz="3200" dirty="0">
+                <a:solidFill>
+                  <a:schemeClr val="tx2"/>
+                </a:solidFill>
+                <a:latin typeface="Segoe Light"/>
+                <a:cs typeface="Segoe Light"/>
+              </a:rPr>
+              <a:t>answer it for you </a:t>
+            </a:r>
+            <a:r>
+              <a:rPr lang="en-US" sz="3200" dirty="0">
+                <a:solidFill>
+                  <a:srgbClr val="FF0000"/>
+                </a:solidFill>
+                <a:latin typeface="Segoe Light"/>
+                <a:cs typeface="Segoe Light"/>
+              </a:rPr>
+              <a:t>@Meet the Experts </a:t>
+            </a:r>
+            <a:r>
+              <a:rPr lang="en-US" sz="3200" dirty="0" smtClean="0">
+                <a:solidFill>
+                  <a:schemeClr val="tx2"/>
+                </a:solidFill>
+                <a:latin typeface="Segoe Light"/>
+                <a:cs typeface="Segoe Light"/>
+              </a:rPr>
+              <a:t>session!</a:t>
+            </a:r>
+            <a:endParaRPr lang="en-US" sz="3200" dirty="0">
+              <a:solidFill>
+                <a:schemeClr val="tx2"/>
+              </a:solidFill>
+              <a:latin typeface="Segoe Light"/>
+              <a:cs typeface="Segoe Light"/>
+            </a:endParaRPr>
+          </a:p>
+        </p:txBody>
+      </p:sp>
+      <p:sp>
+        <p:nvSpPr>
+          <p:cNvPr id="10" name="TextBox 9"/>
+          <p:cNvSpPr txBox="1"/>
+          <p:nvPr/>
+        </p:nvSpPr>
+        <p:spPr>
+          <a:xfrm>
+            <a:off x="3073905" y="248193"/>
+            <a:ext cx="6479177" cy="707886"/>
+          </a:xfrm>
+          <a:prstGeom prst="rect">
+            <a:avLst/>
+          </a:prstGeom>
+          <a:noFill/>
+        </p:spPr>
+        <p:txBody>
+          <a:bodyPr wrap="square" rtlCol="0">
+            <a:spAutoFit/>
+          </a:bodyPr>
+          <a:lstStyle/>
+          <a:p>
+            <a:pPr marL="0" marR="0" lvl="0" indent="0" algn="ctr" defTabSz="914400" rtl="0" eaLnBrk="1" fontAlgn="auto" latinLnBrk="0" hangingPunct="1">
+              <a:lnSpc>
+                <a:spcPct val="100000"/>
+              </a:lnSpc>
+              <a:spcBef>
+                <a:spcPts val="0"/>
+              </a:spcBef>
+              <a:spcAft>
+                <a:spcPts val="0"/>
+              </a:spcAft>
+              <a:buClrTx/>
+              <a:buSzTx/>
+              <a:buFontTx/>
+              <a:buNone/>
+              <a:tabLst/>
+              <a:defRPr/>
+            </a:pPr>
+            <a:r>
+              <a:rPr kumimoji="0" lang="en-US" sz="4000" b="0" i="0" u="none" strike="noStrike" kern="1200" cap="none" spc="0" normalizeH="0" baseline="0" noProof="0" dirty="0" smtClean="0">
+                <a:ln>
+                  <a:noFill/>
+                </a:ln>
+                <a:solidFill>
+                  <a:srgbClr val="44546A"/>
+                </a:solidFill>
+                <a:effectLst/>
+                <a:uLnTx/>
+                <a:uFillTx/>
+                <a:latin typeface="Segoe UI" panose="020B0502040204020203" pitchFamily="34" charset="0"/>
+                <a:ea typeface="Segoe UI Black" panose="020B0A02040204020203" pitchFamily="34" charset="0"/>
+                <a:cs typeface="Segoe UI" panose="020B0502040204020203" pitchFamily="34" charset="0"/>
+              </a:rPr>
+              <a:t>Ask the Experts</a:t>
+            </a:r>
+            <a:endParaRPr kumimoji="0" lang="en-US" sz="4000" b="0" i="0" u="none" strike="noStrike" kern="1200" cap="none" spc="0" normalizeH="0" baseline="0" noProof="0" dirty="0">
+              <a:ln>
+                <a:noFill/>
+              </a:ln>
+              <a:solidFill>
+                <a:srgbClr val="44546A"/>
+              </a:solidFill>
+              <a:effectLst/>
+              <a:uLnTx/>
+              <a:uFillTx/>
+              <a:latin typeface="Segoe UI" panose="020B0502040204020203" pitchFamily="34" charset="0"/>
+              <a:ea typeface="Segoe UI Black" panose="020B0A02040204020203" pitchFamily="34" charset="0"/>
+              <a:cs typeface="Segoe UI" panose="020B0502040204020203" pitchFamily="34" charset="0"/>
+            </a:endParaRPr>
+          </a:p>
+        </p:txBody>
+      </p:sp>
+    </p:spTree>
+    <p:extLst>
+      <p:ext uri="{BB962C8B-B14F-4D97-AF65-F5344CB8AC3E}">
+        <p14:creationId xmlns:p14="http://schemas.microsoft.com/office/powerpoint/2010/main" val="4193854865"/>
+      </p:ext>
+    </p:extLst>
+  </p:cSld>
+  <p:clrMapOvr>
+    <a:masterClrMapping/>
+  </p:clrMapOvr>
+</p:sld>
+</file>
+
+<file path=ppt/slides/slide32.xml><?xml version="1.0" encoding="utf-8"?>
+<p:sld xmlns:a="http://schemas.openxmlformats.org/drawingml/2006/main" xmlns:r="http://schemas.openxmlformats.org/officeDocument/2006/relationships" xmlns:p="http://schemas.openxmlformats.org/presentationml/2006/main">
+  <p:cSld>
+    <p:spTree>
+      <p:nvGrpSpPr>
+        <p:cNvPr id="1" name=""/>
+        <p:cNvGrpSpPr/>
+        <p:nvPr/>
+      </p:nvGrpSpPr>
+      <p:grpSpPr>
+        <a:xfrm>
+          <a:off x="0" y="0"/>
+          <a:ext cx="0" cy="0"/>
+          <a:chOff x="0" y="0"/>
+          <a:chExt cx="0" cy="0"/>
+        </a:xfrm>
+      </p:grpSpPr>
+      <p:sp>
+        <p:nvSpPr>
+          <p:cNvPr id="2" name="Title 1"/>
+          <p:cNvSpPr>
+            <a:spLocks noGrp="1"/>
+          </p:cNvSpPr>
+          <p:nvPr>
+            <p:ph type="ctrTitle"/>
+          </p:nvPr>
+        </p:nvSpPr>
+        <p:spPr>
+          <a:xfrm>
+            <a:off x="5859854" y="762000"/>
+            <a:ext cx="6332146" cy="2159000"/>
+          </a:xfrm>
+        </p:spPr>
+        <p:txBody>
+          <a:bodyPr vert="horz" lIns="91440" tIns="45720" rIns="91440" bIns="45720" rtlCol="0">
+            <a:noAutofit/>
+          </a:bodyPr>
+          <a:lstStyle/>
+          <a:p>
+            <a:pPr>
+              <a:spcBef>
+                <a:spcPts val="1000"/>
+              </a:spcBef>
+              <a:buFont typeface="Arial" panose="020B0604020202020204" pitchFamily="34" charset="0"/>
+            </a:pPr>
+            <a:r>
+              <a:rPr lang="en-IN" sz="3200" dirty="0">
+                <a:solidFill>
+                  <a:srgbClr val="FF0000"/>
+                </a:solidFill>
+                <a:latin typeface="Segoe Light"/>
+                <a:ea typeface="+mn-ea"/>
+                <a:cs typeface="Segoe Light"/>
+              </a:rPr>
+              <a:t>Download </a:t>
+            </a:r>
+            <a:br>
+              <a:rPr lang="en-IN" sz="3200" dirty="0">
+                <a:solidFill>
+                  <a:srgbClr val="FF0000"/>
+                </a:solidFill>
+                <a:latin typeface="Segoe Light"/>
+                <a:ea typeface="+mn-ea"/>
+                <a:cs typeface="Segoe Light"/>
+              </a:rPr>
+            </a:br>
+            <a:r>
+              <a:rPr lang="en-IN" sz="3200" dirty="0" smtClean="0">
+                <a:solidFill>
+                  <a:schemeClr val="tx2"/>
+                </a:solidFill>
+                <a:latin typeface="Segoe Light"/>
+                <a:ea typeface="+mn-ea"/>
+                <a:cs typeface="Segoe Light"/>
+              </a:rPr>
+              <a:t>India </a:t>
+            </a:r>
+            <a:r>
+              <a:rPr lang="en-IN" sz="3200" dirty="0">
+                <a:solidFill>
+                  <a:schemeClr val="tx2"/>
+                </a:solidFill>
+                <a:latin typeface="Segoe Light"/>
+                <a:ea typeface="+mn-ea"/>
+                <a:cs typeface="Segoe Light"/>
+              </a:rPr>
+              <a:t>Tech Community</a:t>
+            </a:r>
+            <a:br>
+              <a:rPr lang="en-IN" sz="3200" dirty="0">
+                <a:solidFill>
+                  <a:schemeClr val="tx2"/>
+                </a:solidFill>
+                <a:latin typeface="Segoe Light"/>
+                <a:ea typeface="+mn-ea"/>
+                <a:cs typeface="Segoe Light"/>
+              </a:rPr>
+            </a:br>
+            <a:r>
+              <a:rPr lang="en-IN" sz="3200" dirty="0">
+                <a:solidFill>
+                  <a:schemeClr val="tx2"/>
+                </a:solidFill>
+                <a:latin typeface="Segoe Light"/>
+                <a:ea typeface="+mn-ea"/>
+                <a:cs typeface="Segoe Light"/>
+              </a:rPr>
+              <a:t>App</a:t>
+            </a:r>
+            <a:br>
+              <a:rPr lang="en-IN" sz="3200" dirty="0">
+                <a:solidFill>
+                  <a:schemeClr val="tx2"/>
+                </a:solidFill>
+                <a:latin typeface="Segoe Light"/>
+                <a:ea typeface="+mn-ea"/>
+                <a:cs typeface="Segoe Light"/>
+              </a:rPr>
+            </a:br>
+            <a:r>
+              <a:rPr lang="en-IN" sz="3200" dirty="0">
+                <a:solidFill>
+                  <a:srgbClr val="FF0000"/>
+                </a:solidFill>
+                <a:latin typeface="Segoe Light"/>
+                <a:ea typeface="+mn-ea"/>
+                <a:cs typeface="Segoe Light"/>
+              </a:rPr>
+              <a:t> now !!!</a:t>
+            </a:r>
+          </a:p>
+        </p:txBody>
+      </p:sp>
+      <p:grpSp>
+        <p:nvGrpSpPr>
+          <p:cNvPr id="3" name="Group 2"/>
+          <p:cNvGrpSpPr/>
+          <p:nvPr/>
+        </p:nvGrpSpPr>
+        <p:grpSpPr>
+          <a:xfrm>
+            <a:off x="152399" y="152400"/>
+            <a:ext cx="5707455" cy="6477000"/>
+            <a:chOff x="152399" y="152400"/>
+            <a:chExt cx="5707455" cy="6477000"/>
+          </a:xfrm>
+        </p:grpSpPr>
+        <p:pic>
+          <p:nvPicPr>
+            <p:cNvPr id="7" name="Picture 6"/>
+            <p:cNvPicPr>
+              <a:picLocks noChangeAspect="1"/>
+            </p:cNvPicPr>
+            <p:nvPr/>
+          </p:nvPicPr>
+          <p:blipFill>
+            <a:blip r:embed="rId2"/>
+            <a:stretch>
+              <a:fillRect/>
+            </a:stretch>
+          </p:blipFill>
+          <p:spPr>
+            <a:xfrm>
+              <a:off x="152399" y="152400"/>
+              <a:ext cx="5707455" cy="6477000"/>
+            </a:xfrm>
+            <a:prstGeom prst="rect">
+              <a:avLst/>
+            </a:prstGeom>
+          </p:spPr>
+        </p:pic>
+        <p:pic>
+          <p:nvPicPr>
+            <p:cNvPr id="8" name="Picture 7"/>
+            <p:cNvPicPr>
+              <a:picLocks noChangeAspect="1"/>
+            </p:cNvPicPr>
+            <p:nvPr/>
+          </p:nvPicPr>
+          <p:blipFill>
+            <a:blip r:embed="rId3"/>
+            <a:stretch>
+              <a:fillRect/>
+            </a:stretch>
+          </p:blipFill>
+          <p:spPr>
+            <a:xfrm>
+              <a:off x="2743200" y="3886200"/>
+              <a:ext cx="2895600" cy="2552700"/>
+            </a:xfrm>
+            <a:prstGeom prst="rect">
+              <a:avLst/>
+            </a:prstGeom>
+          </p:spPr>
+        </p:pic>
+      </p:grpSp>
+      <p:pic>
+        <p:nvPicPr>
+          <p:cNvPr id="6" name="Picture 5"/>
+          <p:cNvPicPr>
+            <a:picLocks noChangeAspect="1"/>
+          </p:cNvPicPr>
+          <p:nvPr/>
+        </p:nvPicPr>
+        <p:blipFill>
+          <a:blip r:embed="rId4">
+            <a:clrChange>
+              <a:clrFrom>
+                <a:srgbClr val="FFFFFF"/>
+              </a:clrFrom>
+              <a:clrTo>
+                <a:srgbClr val="FFFFFF">
+                  <a:alpha val="0"/>
+                </a:srgbClr>
+              </a:clrTo>
+            </a:clrChange>
+          </a:blip>
+          <a:stretch>
+            <a:fillRect/>
+          </a:stretch>
+        </p:blipFill>
+        <p:spPr>
+          <a:xfrm>
+            <a:off x="9829800" y="5402884"/>
+            <a:ext cx="1219200" cy="447218"/>
+          </a:xfrm>
+          <a:prstGeom prst="rect">
+            <a:avLst/>
+          </a:prstGeom>
+        </p:spPr>
+      </p:pic>
+      <p:pic>
+        <p:nvPicPr>
+          <p:cNvPr id="9" name="Picture 8"/>
+          <p:cNvPicPr>
+            <a:picLocks noChangeAspect="1"/>
+          </p:cNvPicPr>
+          <p:nvPr/>
+        </p:nvPicPr>
+        <p:blipFill>
+          <a:blip r:embed="rId5">
+            <a:clrChange>
+              <a:clrFrom>
+                <a:srgbClr val="FFFFFF"/>
+              </a:clrFrom>
+              <a:clrTo>
+                <a:srgbClr val="FFFFFF">
+                  <a:alpha val="0"/>
+                </a:srgbClr>
+              </a:clrTo>
+            </a:clrChange>
+          </a:blip>
+          <a:stretch>
+            <a:fillRect/>
+          </a:stretch>
+        </p:blipFill>
+        <p:spPr>
+          <a:xfrm>
+            <a:off x="6865544" y="5406048"/>
+            <a:ext cx="1745055" cy="444054"/>
+          </a:xfrm>
+          <a:prstGeom prst="rect">
+            <a:avLst/>
+          </a:prstGeom>
+        </p:spPr>
+      </p:pic>
+      <p:pic>
+        <p:nvPicPr>
+          <p:cNvPr id="4" name="Picture 3"/>
+          <p:cNvPicPr>
+            <a:picLocks noChangeAspect="1"/>
+          </p:cNvPicPr>
+          <p:nvPr/>
+        </p:nvPicPr>
+        <p:blipFill>
+          <a:blip r:embed="rId6">
+            <a:extLst>
+              <a:ext uri="{28A0092B-C50C-407E-A947-70E740481C1C}">
+                <a14:useLocalDpi xmlns:a14="http://schemas.microsoft.com/office/drawing/2010/main" val="0"/>
+              </a:ext>
+            </a:extLst>
+          </a:blip>
+          <a:stretch>
+            <a:fillRect/>
+          </a:stretch>
+        </p:blipFill>
+        <p:spPr>
+          <a:xfrm>
+            <a:off x="9588137" y="3581400"/>
+            <a:ext cx="1737415" cy="1737415"/>
+          </a:xfrm>
+          <a:prstGeom prst="rect">
+            <a:avLst/>
+          </a:prstGeom>
+        </p:spPr>
+      </p:pic>
+      <p:pic>
+        <p:nvPicPr>
+          <p:cNvPr id="5" name="Picture 4"/>
+          <p:cNvPicPr>
+            <a:picLocks noChangeAspect="1"/>
+          </p:cNvPicPr>
+          <p:nvPr/>
+        </p:nvPicPr>
+        <p:blipFill>
+          <a:blip r:embed="rId7">
+            <a:extLst>
+              <a:ext uri="{28A0092B-C50C-407E-A947-70E740481C1C}">
+                <a14:useLocalDpi xmlns:a14="http://schemas.microsoft.com/office/drawing/2010/main" val="0"/>
+              </a:ext>
+            </a:extLst>
+          </a:blip>
+          <a:stretch>
+            <a:fillRect/>
+          </a:stretch>
+        </p:blipFill>
+        <p:spPr>
+          <a:xfrm>
+            <a:off x="6865545" y="3581401"/>
+            <a:ext cx="1745055" cy="1745055"/>
+          </a:xfrm>
+          <a:prstGeom prst="rect">
+            <a:avLst/>
+          </a:prstGeom>
+        </p:spPr>
+      </p:pic>
+    </p:spTree>
+    <p:extLst>
+      <p:ext uri="{BB962C8B-B14F-4D97-AF65-F5344CB8AC3E}">
+        <p14:creationId xmlns:p14="http://schemas.microsoft.com/office/powerpoint/2010/main" val="4223905084"/>
+      </p:ext>
+    </p:extLst>
+  </p:cSld>
+  <p:clrMapOvr>
+    <a:masterClrMapping/>
+  </p:clrMapOvr>
+</p:sld>
+</file>
+
+<file path=ppt/slides/slide33.xml><?xml version="1.0" encoding="utf-8"?>
+<p:sld xmlns:a="http://schemas.openxmlformats.org/drawingml/2006/main" xmlns:r="http://schemas.openxmlformats.org/officeDocument/2006/relationships" xmlns:p="http://schemas.openxmlformats.org/presentationml/2006/main">
+  <p:cSld>
+    <p:spTree>
+      <p:nvGrpSpPr>
+        <p:cNvPr id="1" name=""/>
+        <p:cNvGrpSpPr/>
+        <p:nvPr/>
+      </p:nvGrpSpPr>
+      <p:grpSpPr>
+        <a:xfrm>
+          <a:off x="0" y="0"/>
+          <a:ext cx="0" cy="0"/>
+          <a:chOff x="0" y="0"/>
+          <a:chExt cx="0" cy="0"/>
+        </a:xfrm>
+      </p:grpSpPr>
+      <p:pic>
+        <p:nvPicPr>
+          <p:cNvPr id="10" name="Picture 9"/>
+          <p:cNvPicPr>
+            <a:picLocks noChangeAspect="1"/>
+          </p:cNvPicPr>
+          <p:nvPr/>
+        </p:nvPicPr>
+        <p:blipFill rotWithShape="1">
+          <a:blip r:embed="rId2">
+            <a:extLst>
+              <a:ext uri="{28A0092B-C50C-407E-A947-70E740481C1C}">
+                <a14:useLocalDpi xmlns:a14="http://schemas.microsoft.com/office/drawing/2010/main" val="0"/>
+              </a:ext>
+            </a:extLst>
+          </a:blip>
+          <a:srcRect/>
+          <a:stretch/>
+        </p:blipFill>
+        <p:spPr>
+          <a:xfrm>
+            <a:off x="-156026" y="-91621"/>
+            <a:ext cx="12500426" cy="6991667"/>
+          </a:xfrm>
+          <a:prstGeom prst="rect">
+            <a:avLst/>
+          </a:prstGeom>
+        </p:spPr>
+      </p:pic>
+      <p:sp>
+        <p:nvSpPr>
+          <p:cNvPr id="11" name="Rectangle 10"/>
+          <p:cNvSpPr/>
+          <p:nvPr/>
+        </p:nvSpPr>
+        <p:spPr bwMode="gray">
+          <a:xfrm>
+            <a:off x="379527" y="4227884"/>
+            <a:ext cx="11962712" cy="2514601"/>
+          </a:xfrm>
+          <a:prstGeom prst="rect">
+            <a:avLst/>
+          </a:prstGeom>
+          <a:solidFill>
+            <a:srgbClr val="FF0000">
+              <a:alpha val="90000"/>
+            </a:srgbClr>
+          </a:solidFill>
+          <a:ln w="9525" cap="flat" cmpd="sng" algn="ctr">
+            <a:noFill/>
+            <a:prstDash val="solid"/>
+            <a:headEnd type="none" w="med" len="med"/>
+            <a:tailEnd type="none" w="med" len="med"/>
+          </a:ln>
+          <a:effectLst/>
+        </p:spPr>
+        <p:txBody>
+          <a:bodyPr rot="0" spcFirstLastPara="0" vertOverflow="overflow" horzOverflow="overflow" vert="horz" wrap="square" lIns="182880" tIns="146304" rIns="182880" bIns="146304" numCol="1" spcCol="0" rtlCol="0" fromWordArt="0" anchor="t" anchorCtr="0" forceAA="0" compatLnSpc="1">
+            <a:prstTxWarp prst="textNoShape">
+              <a:avLst/>
+            </a:prstTxWarp>
+            <a:noAutofit/>
+          </a:bodyPr>
+          <a:lstStyle/>
+          <a:p>
+            <a:pPr marL="0" marR="0" lvl="0" indent="0" algn="ctr" defTabSz="932472" rtl="0" eaLnBrk="1" fontAlgn="base" latinLnBrk="0" hangingPunct="1">
+              <a:lnSpc>
+                <a:spcPct val="90000"/>
+              </a:lnSpc>
+              <a:spcBef>
+                <a:spcPct val="0"/>
+              </a:spcBef>
+              <a:spcAft>
+                <a:spcPct val="0"/>
+              </a:spcAft>
+              <a:buClrTx/>
+              <a:buSzTx/>
+              <a:buFontTx/>
+              <a:buNone/>
+              <a:tabLst/>
+              <a:defRPr/>
+            </a:pPr>
+            <a:endParaRPr kumimoji="0" lang="en-US" sz="2400" b="0" i="0" u="none" strike="noStrike" kern="0" cap="none" spc="0" normalizeH="0" baseline="0" noProof="0" dirty="0">
+              <a:ln>
+                <a:noFill/>
+              </a:ln>
+              <a:gradFill>
+                <a:gsLst>
+                  <a:gs pos="0">
+                    <a:srgbClr val="FFFFFF"/>
+                  </a:gs>
+                  <a:gs pos="100000">
+                    <a:srgbClr val="FFFFFF"/>
+                  </a:gs>
+                </a:gsLst>
+                <a:lin ang="5400000" scaled="0"/>
+              </a:gradFill>
+              <a:effectLst/>
+              <a:uLnTx/>
+              <a:uFillTx/>
+              <a:latin typeface="Segoe UI"/>
+              <a:ea typeface="Segoe UI" pitchFamily="34" charset="0"/>
+              <a:cs typeface="Segoe UI" pitchFamily="34" charset="0"/>
+            </a:endParaRPr>
+          </a:p>
+        </p:txBody>
+      </p:sp>
+      <p:sp>
+        <p:nvSpPr>
+          <p:cNvPr id="12" name="Title 1"/>
+          <p:cNvSpPr txBox="1">
+            <a:spLocks/>
+          </p:cNvSpPr>
+          <p:nvPr/>
+        </p:nvSpPr>
+        <p:spPr bwMode="ltGray">
+          <a:xfrm>
+            <a:off x="641121" y="4227884"/>
+            <a:ext cx="6597879" cy="2401516"/>
+          </a:xfrm>
+          <a:prstGeom prst="rect">
+            <a:avLst/>
+          </a:prstGeom>
+          <a:noFill/>
+        </p:spPr>
+        <p:txBody>
+          <a:bodyPr vert="horz" wrap="square" lIns="146304" tIns="91440" rIns="146304" bIns="91440" rtlCol="0" anchor="t" anchorCtr="0">
+            <a:noAutofit/>
+          </a:bodyPr>
+          <a:lstStyle>
+            <a:lvl1pPr algn="l" defTabSz="932742" rtl="0" eaLnBrk="1" latinLnBrk="0" hangingPunct="1">
+              <a:lnSpc>
+                <a:spcPct val="90000"/>
+              </a:lnSpc>
+              <a:spcBef>
+                <a:spcPct val="0"/>
+              </a:spcBef>
+              <a:buNone/>
+              <a:defRPr lang="en-US" sz="6000" b="0" kern="1200" cap="none" spc="-100" baseline="0">
+                <a:ln w="3175">
+                  <a:noFill/>
+                </a:ln>
+                <a:gradFill>
+                  <a:gsLst>
+                    <a:gs pos="0">
+                      <a:srgbClr val="FFFFFF"/>
+                    </a:gs>
+                    <a:gs pos="100000">
+                      <a:srgbClr val="FFFFFF"/>
+                    </a:gs>
+                  </a:gsLst>
+                  <a:lin ang="5400000" scaled="0"/>
+                </a:gradFill>
+                <a:effectLst/>
+                <a:latin typeface="+mj-lt"/>
+                <a:ea typeface="+mn-ea"/>
+                <a:cs typeface="Segoe UI" pitchFamily="34" charset="0"/>
+              </a:defRPr>
+            </a:lvl1pPr>
+          </a:lstStyle>
+          <a:p>
+            <a:pPr marL="0" marR="0" lvl="0" indent="0" algn="l" defTabSz="932742" rtl="0" eaLnBrk="1" fontAlgn="auto" latinLnBrk="0" hangingPunct="1">
+              <a:lnSpc>
+                <a:spcPct val="90000"/>
+              </a:lnSpc>
+              <a:spcBef>
+                <a:spcPct val="0"/>
+              </a:spcBef>
+              <a:spcAft>
+                <a:spcPts val="0"/>
+              </a:spcAft>
+              <a:buClrTx/>
+              <a:buSzTx/>
+              <a:buFontTx/>
+              <a:buNone/>
+              <a:tabLst/>
+              <a:defRPr/>
+            </a:pPr>
+            <a:endParaRPr kumimoji="0" lang="en-US" sz="3200" b="0" i="0" u="none" strike="noStrike" kern="1200" cap="none" spc="-100" normalizeH="0" baseline="0" noProof="0" dirty="0" smtClean="0">
+              <a:ln w="3175">
+                <a:noFill/>
+              </a:ln>
+              <a:gradFill>
+                <a:gsLst>
+                  <a:gs pos="0">
+                    <a:srgbClr val="FFFFFF"/>
+                  </a:gs>
+                  <a:gs pos="100000">
+                    <a:srgbClr val="FFFFFF"/>
+                  </a:gs>
+                </a:gsLst>
+                <a:lin ang="5400000" scaled="0"/>
+              </a:gradFill>
+              <a:effectLst/>
+              <a:uLnTx/>
+              <a:uFillTx/>
+              <a:latin typeface="Segoe UI Light"/>
+              <a:ea typeface="+mn-ea"/>
+              <a:cs typeface="Segoe UI" pitchFamily="34" charset="0"/>
+            </a:endParaRPr>
+          </a:p>
+          <a:p>
+            <a:pPr marL="0" marR="0" lvl="0" indent="0" algn="l" defTabSz="932742" rtl="0" eaLnBrk="1" fontAlgn="auto" latinLnBrk="0" hangingPunct="1">
+              <a:lnSpc>
+                <a:spcPct val="90000"/>
+              </a:lnSpc>
+              <a:spcBef>
+                <a:spcPct val="0"/>
+              </a:spcBef>
+              <a:spcAft>
+                <a:spcPts val="0"/>
+              </a:spcAft>
+              <a:buClrTx/>
+              <a:buSzTx/>
+              <a:buFontTx/>
+              <a:buNone/>
+              <a:tabLst/>
+              <a:defRPr/>
+            </a:pPr>
+            <a:r>
+              <a:rPr kumimoji="0" lang="en-US" sz="3600" b="1" i="0" u="none" strike="noStrike" kern="1200" cap="none" spc="-100" normalizeH="0" baseline="0" noProof="0" dirty="0" smtClean="0">
+                <a:ln w="3175">
+                  <a:noFill/>
+                </a:ln>
+                <a:gradFill>
+                  <a:gsLst>
+                    <a:gs pos="0">
+                      <a:srgbClr val="FFFFFF"/>
+                    </a:gs>
+                    <a:gs pos="100000">
+                      <a:srgbClr val="FFFFFF"/>
+                    </a:gs>
+                  </a:gsLst>
+                  <a:lin ang="5400000" scaled="0"/>
+                </a:gradFill>
+                <a:effectLst/>
+                <a:uLnTx/>
+                <a:uFillTx/>
+                <a:latin typeface="Segoe UI Light"/>
+                <a:ea typeface="+mn-ea"/>
+                <a:cs typeface="Segoe UI" pitchFamily="34" charset="0"/>
+              </a:rPr>
+              <a:t>         Continue Your Learning</a:t>
+            </a:r>
+          </a:p>
+          <a:p>
+            <a:pPr marL="0" marR="0" lvl="0" indent="0" algn="l" defTabSz="932742" rtl="0" eaLnBrk="1" fontAlgn="auto" latinLnBrk="0" hangingPunct="1">
+              <a:lnSpc>
+                <a:spcPct val="90000"/>
+              </a:lnSpc>
+              <a:spcBef>
+                <a:spcPct val="0"/>
+              </a:spcBef>
+              <a:spcAft>
+                <a:spcPts val="0"/>
+              </a:spcAft>
+              <a:buClrTx/>
+              <a:buSzTx/>
+              <a:buFontTx/>
+              <a:buNone/>
+              <a:tabLst/>
+              <a:defRPr/>
+            </a:pPr>
+            <a:r>
+              <a:rPr kumimoji="0" lang="en-US" sz="3600" b="1" i="0" u="none" strike="noStrike" kern="1200" cap="none" spc="-100" normalizeH="0" baseline="0" noProof="0" dirty="0" smtClean="0">
+                <a:ln w="3175">
+                  <a:noFill/>
+                </a:ln>
+                <a:gradFill>
+                  <a:gsLst>
+                    <a:gs pos="0">
+                      <a:srgbClr val="FFFFFF"/>
+                    </a:gs>
+                    <a:gs pos="100000">
+                      <a:srgbClr val="FFFFFF"/>
+                    </a:gs>
+                  </a:gsLst>
+                  <a:lin ang="5400000" scaled="0"/>
+                </a:gradFill>
+                <a:effectLst/>
+                <a:uLnTx/>
+                <a:uFillTx/>
+                <a:latin typeface="Segoe UI Light"/>
+                <a:ea typeface="+mn-ea"/>
+                <a:cs typeface="Segoe UI" pitchFamily="34" charset="0"/>
+              </a:rPr>
+              <a:t>                          @ </a:t>
+            </a:r>
+          </a:p>
+          <a:p>
+            <a:pPr marL="0" marR="0" lvl="0" indent="0" algn="l" defTabSz="932742" rtl="0" eaLnBrk="1" fontAlgn="auto" latinLnBrk="0" hangingPunct="1">
+              <a:lnSpc>
+                <a:spcPct val="90000"/>
+              </a:lnSpc>
+              <a:spcBef>
+                <a:spcPct val="0"/>
+              </a:spcBef>
+              <a:spcAft>
+                <a:spcPts val="0"/>
+              </a:spcAft>
+              <a:buClrTx/>
+              <a:buSzTx/>
+              <a:buFontTx/>
+              <a:buNone/>
+              <a:tabLst/>
+              <a:defRPr/>
+            </a:pPr>
+            <a:r>
+              <a:rPr kumimoji="0" lang="en-US" sz="3600" b="1" i="0" u="none" strike="noStrike" kern="1200" cap="none" spc="-100" normalizeH="0" baseline="0" noProof="0" dirty="0" smtClean="0">
+                <a:ln w="3175">
+                  <a:noFill/>
+                </a:ln>
+                <a:gradFill>
+                  <a:gsLst>
+                    <a:gs pos="0">
+                      <a:srgbClr val="FFFFFF"/>
+                    </a:gs>
+                    <a:gs pos="100000">
+                      <a:srgbClr val="FFFFFF"/>
+                    </a:gs>
+                  </a:gsLst>
+                  <a:lin ang="5400000" scaled="0"/>
+                </a:gradFill>
+                <a:effectLst/>
+                <a:uLnTx/>
+                <a:uFillTx/>
+                <a:latin typeface="Segoe UI Light"/>
+                <a:ea typeface="+mn-ea"/>
+                <a:cs typeface="Segoe UI" pitchFamily="34" charset="0"/>
+              </a:rPr>
+              <a:t>www.microsoftvirtualacademy.com</a:t>
+            </a:r>
+            <a:endParaRPr kumimoji="0" lang="en-US" sz="3600" b="1" i="0" u="none" strike="noStrike" kern="1200" cap="none" spc="-100" normalizeH="0" baseline="0" noProof="0" dirty="0">
+              <a:ln w="3175">
+                <a:noFill/>
+              </a:ln>
+              <a:gradFill>
+                <a:gsLst>
+                  <a:gs pos="0">
+                    <a:srgbClr val="FFFFFF"/>
+                  </a:gs>
+                  <a:gs pos="100000">
+                    <a:srgbClr val="FFFFFF"/>
+                  </a:gs>
+                </a:gsLst>
+                <a:lin ang="5400000" scaled="0"/>
+              </a:gradFill>
+              <a:effectLst/>
+              <a:uLnTx/>
+              <a:uFillTx/>
+              <a:latin typeface="Segoe UI Light"/>
+              <a:ea typeface="+mn-ea"/>
+              <a:cs typeface="Segoe UI" pitchFamily="34" charset="0"/>
+            </a:endParaRPr>
+          </a:p>
+        </p:txBody>
+      </p:sp>
+      <p:pic>
+        <p:nvPicPr>
+          <p:cNvPr id="6" name="Picture 5"/>
+          <p:cNvPicPr>
+            <a:picLocks noChangeAspect="1"/>
+          </p:cNvPicPr>
+          <p:nvPr/>
+        </p:nvPicPr>
+        <p:blipFill>
+          <a:blip r:embed="rId3"/>
+          <a:stretch>
+            <a:fillRect/>
+          </a:stretch>
+        </p:blipFill>
+        <p:spPr>
+          <a:xfrm>
+            <a:off x="7483101" y="4321779"/>
+            <a:ext cx="4708899" cy="2269898"/>
+          </a:xfrm>
+          <a:prstGeom prst="rect">
+            <a:avLst/>
+          </a:prstGeom>
+        </p:spPr>
+      </p:pic>
+    </p:spTree>
+    <p:extLst>
+      <p:ext uri="{BB962C8B-B14F-4D97-AF65-F5344CB8AC3E}">
+        <p14:creationId xmlns:p14="http://schemas.microsoft.com/office/powerpoint/2010/main" val="2167712628"/>
+      </p:ext>
+    </p:extLst>
+  </p:cSld>
+  <p:clrMapOvr>
+    <a:masterClrMapping/>
+  </p:clrMapOvr>
+  <p:timing>
+    <p:tnLst>
+      <p:par>
+        <p:cTn id="1" dur="indefinite" restart="never" nodeType="tmRoot"/>
+      </p:par>
+    </p:tnLst>
+  </p:timing>
+</p:sld>
+</file>
+
+<file path=ppt/slides/slide34.xml><?xml version="1.0" encoding="utf-8"?>
+<p:sld xmlns:a="http://schemas.openxmlformats.org/drawingml/2006/main" xmlns:r="http://schemas.openxmlformats.org/officeDocument/2006/relationships" xmlns:p="http://schemas.openxmlformats.org/presentationml/2006/main">
+  <p:cSld>
+    <p:spTree>
+      <p:nvGrpSpPr>
+        <p:cNvPr id="1" name=""/>
+        <p:cNvGrpSpPr/>
+        <p:nvPr/>
+      </p:nvGrpSpPr>
+      <p:grpSpPr>
+        <a:xfrm>
+          <a:off x="0" y="0"/>
+          <a:ext cx="0" cy="0"/>
+          <a:chOff x="0" y="0"/>
+          <a:chExt cx="0" cy="0"/>
+        </a:xfrm>
+      </p:grpSpPr>
+      <p:sp>
+        <p:nvSpPr>
+          <p:cNvPr id="11" name="Title 6"/>
+          <p:cNvSpPr txBox="1">
+            <a:spLocks/>
+          </p:cNvSpPr>
+          <p:nvPr/>
+        </p:nvSpPr>
+        <p:spPr>
+          <a:xfrm>
+            <a:off x="5562600" y="933845"/>
+            <a:ext cx="4193809" cy="552359"/>
+          </a:xfrm>
+          <a:prstGeom prst="rect">
+            <a:avLst/>
+          </a:prstGeom>
+        </p:spPr>
+        <p:txBody>
+          <a:bodyPr/>
+          <a:lstStyle>
+            <a:lvl1pPr algn="l" defTabSz="914400" rtl="0" eaLnBrk="1" latinLnBrk="0" hangingPunct="1">
+              <a:lnSpc>
+                <a:spcPct val="90000"/>
+              </a:lnSpc>
+              <a:spcBef>
+                <a:spcPct val="0"/>
+              </a:spcBef>
+              <a:buNone/>
+              <a:defRPr sz="4800" b="0" kern="1200" baseline="0">
+                <a:solidFill>
+                  <a:srgbClr val="0071B6"/>
+                </a:solidFill>
+                <a:latin typeface="Segoe UI Light" panose="020B0502040204020203" pitchFamily="34" charset="0"/>
+                <a:ea typeface="Segoe UI" panose="020B0502040204020203" pitchFamily="34" charset="0"/>
+                <a:cs typeface="Segoe UI" panose="020B0502040204020203" pitchFamily="34" charset="0"/>
+              </a:defRPr>
+            </a:lvl1pPr>
+          </a:lstStyle>
+          <a:p>
+            <a:pPr marL="0" marR="0" lvl="0" indent="0" algn="l" defTabSz="914400" rtl="0" eaLnBrk="1" fontAlgn="auto" latinLnBrk="0" hangingPunct="1">
+              <a:lnSpc>
+                <a:spcPct val="90000"/>
+              </a:lnSpc>
+              <a:spcBef>
+                <a:spcPct val="0"/>
+              </a:spcBef>
+              <a:spcAft>
+                <a:spcPts val="0"/>
+              </a:spcAft>
+              <a:buClrTx/>
+              <a:buSzTx/>
+              <a:buFontTx/>
+              <a:buNone/>
+              <a:tabLst/>
+              <a:defRPr/>
+            </a:pPr>
+            <a:r>
+              <a:rPr kumimoji="0" lang="en-US" sz="3200" b="1" i="0" u="none" strike="noStrike" kern="1200" cap="none" spc="0" normalizeH="0" baseline="0" noProof="0" dirty="0" smtClean="0">
+                <a:ln>
+                  <a:noFill/>
+                </a:ln>
+                <a:solidFill>
+                  <a:srgbClr val="FF0000"/>
+                </a:solidFill>
+                <a:effectLst/>
+                <a:uLnTx/>
+                <a:uFillTx/>
+                <a:latin typeface="Segoe UI Light" panose="020B0502040204020203" pitchFamily="34" charset="0"/>
+                <a:cs typeface="Segoe UI" panose="020B0502040204020203" pitchFamily="34" charset="0"/>
+              </a:rPr>
+              <a:t>Follow us online</a:t>
+            </a:r>
+            <a:endParaRPr kumimoji="0" lang="en-US" sz="3200" b="1" i="0" u="none" strike="noStrike" kern="1200" cap="none" spc="0" normalizeH="0" baseline="0" noProof="0" dirty="0">
+              <a:ln>
+                <a:noFill/>
+              </a:ln>
+              <a:solidFill>
+                <a:srgbClr val="FF0000"/>
+              </a:solidFill>
+              <a:effectLst/>
+              <a:uLnTx/>
+              <a:uFillTx/>
+              <a:latin typeface="Segoe UI Light" panose="020B0502040204020203" pitchFamily="34" charset="0"/>
+              <a:cs typeface="Segoe UI" panose="020B0502040204020203" pitchFamily="34" charset="0"/>
+            </a:endParaRPr>
+          </a:p>
+        </p:txBody>
+      </p:sp>
+      <p:cxnSp>
+        <p:nvCxnSpPr>
+          <p:cNvPr id="12" name="Straight Connector 11"/>
+          <p:cNvCxnSpPr/>
+          <p:nvPr/>
+        </p:nvCxnSpPr>
+        <p:spPr>
+          <a:xfrm>
+            <a:off x="5181600" y="933845"/>
+            <a:ext cx="0" cy="5105400"/>
+          </a:xfrm>
+          <a:prstGeom prst="line">
+            <a:avLst/>
+          </a:prstGeom>
+          <a:ln w="12700">
+            <a:solidFill>
+              <a:schemeClr val="tx1"/>
+            </a:solidFill>
+          </a:ln>
+        </p:spPr>
+        <p:style>
+          <a:lnRef idx="2">
+            <a:schemeClr val="accent1"/>
+          </a:lnRef>
+          <a:fillRef idx="0">
+            <a:schemeClr val="accent1"/>
+          </a:fillRef>
+          <a:effectRef idx="1">
+            <a:schemeClr val="accent1"/>
+          </a:effectRef>
+          <a:fontRef idx="minor">
+            <a:schemeClr val="tx1"/>
+          </a:fontRef>
+        </p:style>
+      </p:cxnSp>
+      <p:pic>
+        <p:nvPicPr>
+          <p:cNvPr id="13" name="Picture 12"/>
+          <p:cNvPicPr>
+            <a:picLocks noChangeAspect="1"/>
+          </p:cNvPicPr>
+          <p:nvPr/>
+        </p:nvPicPr>
+        <p:blipFill>
+          <a:blip r:embed="rId2" cstate="print">
+            <a:extLst>
+              <a:ext uri="{28A0092B-C50C-407E-A947-70E740481C1C}">
+                <a14:useLocalDpi xmlns:a14="http://schemas.microsoft.com/office/drawing/2010/main" val="0"/>
+              </a:ext>
+            </a:extLst>
+          </a:blip>
+          <a:stretch>
+            <a:fillRect/>
+          </a:stretch>
+        </p:blipFill>
+        <p:spPr>
+          <a:xfrm>
+            <a:off x="457200" y="1828800"/>
+            <a:ext cx="3739124" cy="2273124"/>
+          </a:xfrm>
+          <a:prstGeom prst="rect">
+            <a:avLst/>
+          </a:prstGeom>
+        </p:spPr>
+      </p:pic>
+      <p:pic>
+        <p:nvPicPr>
+          <p:cNvPr id="7" name="Picture 6"/>
+          <p:cNvPicPr>
+            <a:picLocks noChangeAspect="1"/>
+          </p:cNvPicPr>
+          <p:nvPr/>
+        </p:nvPicPr>
+        <p:blipFill>
+          <a:blip r:embed="rId3"/>
+          <a:stretch>
+            <a:fillRect/>
+          </a:stretch>
+        </p:blipFill>
+        <p:spPr>
+          <a:xfrm>
+            <a:off x="5638800" y="1828800"/>
+            <a:ext cx="5606808" cy="1600200"/>
+          </a:xfrm>
+          <a:prstGeom prst="rect">
+            <a:avLst/>
+          </a:prstGeom>
+        </p:spPr>
+      </p:pic>
+      <p:grpSp>
+        <p:nvGrpSpPr>
+          <p:cNvPr id="14" name="Group 13"/>
+          <p:cNvGrpSpPr/>
+          <p:nvPr/>
+        </p:nvGrpSpPr>
+        <p:grpSpPr>
+          <a:xfrm>
+            <a:off x="5715000" y="4038600"/>
+            <a:ext cx="5638800" cy="1828800"/>
+            <a:chOff x="6639672" y="4963850"/>
+            <a:chExt cx="4144592" cy="1285334"/>
+          </a:xfrm>
+        </p:grpSpPr>
+        <p:pic>
+          <p:nvPicPr>
+            <p:cNvPr id="15" name="Picture 14"/>
+            <p:cNvPicPr>
+              <a:picLocks noChangeAspect="1"/>
+            </p:cNvPicPr>
+            <p:nvPr/>
+          </p:nvPicPr>
+          <p:blipFill>
+            <a:blip r:embed="rId4"/>
+            <a:stretch>
+              <a:fillRect/>
+            </a:stretch>
+          </p:blipFill>
+          <p:spPr>
+            <a:xfrm>
+              <a:off x="6639672" y="4963850"/>
+              <a:ext cx="1267059" cy="1285334"/>
+            </a:xfrm>
+            <a:prstGeom prst="rect">
+              <a:avLst/>
+            </a:prstGeom>
+          </p:spPr>
+        </p:pic>
+        <p:sp>
+          <p:nvSpPr>
+            <p:cNvPr id="16" name="TextBox 15"/>
+            <p:cNvSpPr txBox="1"/>
+            <p:nvPr/>
+          </p:nvSpPr>
+          <p:spPr>
+            <a:xfrm>
+              <a:off x="8191893" y="5403071"/>
+              <a:ext cx="2592371" cy="369332"/>
+            </a:xfrm>
+            <a:prstGeom prst="rect">
+              <a:avLst/>
+            </a:prstGeom>
+            <a:noFill/>
+          </p:spPr>
+          <p:txBody>
+            <a:bodyPr wrap="square" rtlCol="0">
+              <a:spAutoFit/>
+            </a:bodyPr>
+            <a:lstStyle/>
+            <a:p>
+              <a:pPr marL="0" marR="0" lvl="0" indent="0" algn="l" defTabSz="914400" rtl="0" eaLnBrk="1" fontAlgn="auto" latinLnBrk="0" hangingPunct="1">
+                <a:lnSpc>
+                  <a:spcPct val="100000"/>
+                </a:lnSpc>
+                <a:spcBef>
+                  <a:spcPts val="0"/>
+                </a:spcBef>
+                <a:spcAft>
+                  <a:spcPts val="0"/>
+                </a:spcAft>
+                <a:buClrTx/>
+                <a:buSzTx/>
+                <a:buFontTx/>
+                <a:buNone/>
+                <a:tabLst/>
+                <a:defRPr/>
+              </a:pPr>
+              <a:r>
+                <a:rPr kumimoji="0" lang="en-IN" sz="1800" b="1" i="0" u="none" strike="noStrike" kern="1200" cap="none" spc="0" normalizeH="0" baseline="0" noProof="0" dirty="0" smtClean="0">
+                  <a:ln>
+                    <a:noFill/>
+                  </a:ln>
+                  <a:solidFill>
+                    <a:prstClr val="black"/>
+                  </a:solidFill>
+                  <a:effectLst/>
+                  <a:uLnTx/>
+                  <a:uFillTx/>
+                  <a:latin typeface="Calibri" panose="020F0502020204030204"/>
+                  <a:ea typeface="+mn-ea"/>
+                  <a:cs typeface="+mn-cs"/>
+                </a:rPr>
+                <a:t>Microsoft Developer</a:t>
+              </a:r>
+              <a:endParaRPr kumimoji="0" lang="en-US" sz="1800" b="1" i="0" u="none" strike="noStrike" kern="1200" cap="none" spc="0" normalizeH="0" baseline="0" noProof="0" dirty="0">
+                <a:ln>
+                  <a:noFill/>
+                </a:ln>
+                <a:solidFill>
+                  <a:prstClr val="black"/>
+                </a:solidFill>
+                <a:effectLst/>
+                <a:uLnTx/>
+                <a:uFillTx/>
+                <a:latin typeface="Calibri" panose="020F0502020204030204"/>
+                <a:ea typeface="+mn-ea"/>
+                <a:cs typeface="+mn-cs"/>
+              </a:endParaRPr>
+            </a:p>
+          </p:txBody>
+        </p:sp>
+      </p:grpSp>
+    </p:spTree>
+    <p:extLst>
+      <p:ext uri="{BB962C8B-B14F-4D97-AF65-F5344CB8AC3E}">
+        <p14:creationId xmlns:p14="http://schemas.microsoft.com/office/powerpoint/2010/main" val="3051267837"/>
+      </p:ext>
+    </p:extLst>
+  </p:cSld>
+  <p:clrMapOvr>
+    <a:masterClrMapping/>
+  </p:clrMapOvr>
   <p:timing>
     <p:tnLst>
       <p:par>
@@ -29907,6 +37131,267 @@
 </file>
 
 <file path=ppt/theme/theme3.xml><?xml version="1.0" encoding="utf-8"?>
+<a:theme xmlns:a="http://schemas.openxmlformats.org/drawingml/2006/main" name="1_Title Slide">
+  <a:themeElements>
+    <a:clrScheme name="Office">
+      <a:dk1>
+        <a:sysClr val="windowText" lastClr="000000"/>
+      </a:dk1>
+      <a:lt1>
+        <a:sysClr val="window" lastClr="FFFFFF"/>
+      </a:lt1>
+      <a:dk2>
+        <a:srgbClr val="44546A"/>
+      </a:dk2>
+      <a:lt2>
+        <a:srgbClr val="E7E6E6"/>
+      </a:lt2>
+      <a:accent1>
+        <a:srgbClr val="5B9BD5"/>
+      </a:accent1>
+      <a:accent2>
+        <a:srgbClr val="ED7D31"/>
+      </a:accent2>
+      <a:accent3>
+        <a:srgbClr val="A5A5A5"/>
+      </a:accent3>
+      <a:accent4>
+        <a:srgbClr val="FFC000"/>
+      </a:accent4>
+      <a:accent5>
+        <a:srgbClr val="4472C4"/>
+      </a:accent5>
+      <a:accent6>
+        <a:srgbClr val="70AD47"/>
+      </a:accent6>
+      <a:hlink>
+        <a:srgbClr val="0563C1"/>
+      </a:hlink>
+      <a:folHlink>
+        <a:srgbClr val="954F72"/>
+      </a:folHlink>
+    </a:clrScheme>
+    <a:fontScheme name="Office">
+      <a:majorFont>
+        <a:latin typeface="Calibri Light" panose="020F0302020204030204"/>
+        <a:ea typeface=""/>
+        <a:cs typeface=""/>
+        <a:font script="Jpan" typeface="ＭＳ Ｐゴシック"/>
+        <a:font script="Hang" typeface="맑은 고딕"/>
+        <a:font script="Hans" typeface="宋体"/>
+        <a:font script="Hant" typeface="新細明體"/>
+        <a:font script="Arab" typeface="Times New Roman"/>
+        <a:font script="Hebr" typeface="Times New Roman"/>
+        <a:font script="Thai" typeface="Angsana New"/>
+        <a:font script="Ethi" typeface="Nyala"/>
+        <a:font script="Beng" typeface="Vrinda"/>
+        <a:font script="Gujr" typeface="Shruti"/>
+        <a:font script="Khmr" typeface="MoolBoran"/>
+        <a:font script="Knda" typeface="Tunga"/>
+        <a:font script="Guru" typeface="Raavi"/>
+        <a:font script="Cans" typeface="Euphemia"/>
+        <a:font script="Cher" typeface="Plantagenet Cherokee"/>
+        <a:font script="Yiii" typeface="Microsoft Yi Baiti"/>
+        <a:font script="Tibt" typeface="Microsoft Himalaya"/>
+        <a:font script="Thaa" typeface="MV Boli"/>
+        <a:font script="Deva" typeface="Mangal"/>
+        <a:font script="Telu" typeface="Gautami"/>
+        <a:font script="Taml" typeface="Latha"/>
+        <a:font script="Syrc" typeface="Estrangelo Edessa"/>
+        <a:font script="Orya" typeface="Kalinga"/>
+        <a:font script="Mlym" typeface="Kartika"/>
+        <a:font script="Laoo" typeface="DokChampa"/>
+        <a:font script="Sinh" typeface="Iskoola Pota"/>
+        <a:font script="Mong" typeface="Mongolian Baiti"/>
+        <a:font script="Viet" typeface="Times New Roman"/>
+        <a:font script="Uigh" typeface="Microsoft Uighur"/>
+        <a:font script="Geor" typeface="Sylfaen"/>
+      </a:majorFont>
+      <a:minorFont>
+        <a:latin typeface="Calibri" panose="020F0502020204030204"/>
+        <a:ea typeface=""/>
+        <a:cs typeface=""/>
+        <a:font script="Jpan" typeface="ＭＳ Ｐゴシック"/>
+        <a:font script="Hang" typeface="맑은 고딕"/>
+        <a:font script="Hans" typeface="宋体"/>
+        <a:font script="Hant" typeface="新細明體"/>
+        <a:font script="Arab" typeface="Arial"/>
+        <a:font script="Hebr" typeface="Arial"/>
+        <a:font script="Thai" typeface="Cordia New"/>
+        <a:font script="Ethi" typeface="Nyala"/>
+        <a:font script="Beng" typeface="Vrinda"/>
+        <a:font script="Gujr" typeface="Shruti"/>
+        <a:font script="Khmr" typeface="DaunPenh"/>
+        <a:font script="Knda" typeface="Tunga"/>
+        <a:font script="Guru" typeface="Raavi"/>
+        <a:font script="Cans" typeface="Euphemia"/>
+        <a:font script="Cher" typeface="Plantagenet Cherokee"/>
+        <a:font script="Yiii" typeface="Microsoft Yi Baiti"/>
+        <a:font script="Tibt" typeface="Microsoft Himalaya"/>
+        <a:font script="Thaa" typeface="MV Boli"/>
+        <a:font script="Deva" typeface="Mangal"/>
+        <a:font script="Telu" typeface="Gautami"/>
+        <a:font script="Taml" typeface="Latha"/>
+        <a:font script="Syrc" typeface="Estrangelo Edessa"/>
+        <a:font script="Orya" typeface="Kalinga"/>
+        <a:font script="Mlym" typeface="Kartika"/>
+        <a:font script="Laoo" typeface="DokChampa"/>
+        <a:font script="Sinh" typeface="Iskoola Pota"/>
+        <a:font script="Mong" typeface="Mongolian Baiti"/>
+        <a:font script="Viet" typeface="Arial"/>
+        <a:font script="Uigh" typeface="Microsoft Uighur"/>
+        <a:font script="Geor" typeface="Sylfaen"/>
+      </a:minorFont>
+    </a:fontScheme>
+    <a:fmtScheme name="Office">
+      <a:fillStyleLst>
+        <a:solidFill>
+          <a:schemeClr val="phClr"/>
+        </a:solidFill>
+        <a:gradFill rotWithShape="1">
+          <a:gsLst>
+            <a:gs pos="0">
+              <a:schemeClr val="phClr">
+                <a:lumMod val="110000"/>
+                <a:satMod val="105000"/>
+                <a:tint val="67000"/>
+              </a:schemeClr>
+            </a:gs>
+            <a:gs pos="50000">
+              <a:schemeClr val="phClr">
+                <a:lumMod val="105000"/>
+                <a:satMod val="103000"/>
+                <a:tint val="73000"/>
+              </a:schemeClr>
+            </a:gs>
+            <a:gs pos="100000">
+              <a:schemeClr val="phClr">
+                <a:lumMod val="105000"/>
+                <a:satMod val="109000"/>
+                <a:tint val="81000"/>
+              </a:schemeClr>
+            </a:gs>
+          </a:gsLst>
+          <a:lin ang="5400000" scaled="0"/>
+        </a:gradFill>
+        <a:gradFill rotWithShape="1">
+          <a:gsLst>
+            <a:gs pos="0">
+              <a:schemeClr val="phClr">
+                <a:satMod val="103000"/>
+                <a:lumMod val="102000"/>
+                <a:tint val="94000"/>
+              </a:schemeClr>
+            </a:gs>
+            <a:gs pos="50000">
+              <a:schemeClr val="phClr">
+                <a:satMod val="110000"/>
+                <a:lumMod val="100000"/>
+                <a:shade val="100000"/>
+              </a:schemeClr>
+            </a:gs>
+            <a:gs pos="100000">
+              <a:schemeClr val="phClr">
+                <a:lumMod val="99000"/>
+                <a:satMod val="120000"/>
+                <a:shade val="78000"/>
+              </a:schemeClr>
+            </a:gs>
+          </a:gsLst>
+          <a:lin ang="5400000" scaled="0"/>
+        </a:gradFill>
+      </a:fillStyleLst>
+      <a:lnStyleLst>
+        <a:ln w="6350" cap="flat" cmpd="sng" algn="ctr">
+          <a:solidFill>
+            <a:schemeClr val="phClr"/>
+          </a:solidFill>
+          <a:prstDash val="solid"/>
+          <a:miter lim="800000"/>
+        </a:ln>
+        <a:ln w="12700" cap="flat" cmpd="sng" algn="ctr">
+          <a:solidFill>
+            <a:schemeClr val="phClr"/>
+          </a:solidFill>
+          <a:prstDash val="solid"/>
+          <a:miter lim="800000"/>
+        </a:ln>
+        <a:ln w="19050" cap="flat" cmpd="sng" algn="ctr">
+          <a:solidFill>
+            <a:schemeClr val="phClr"/>
+          </a:solidFill>
+          <a:prstDash val="solid"/>
+          <a:miter lim="800000"/>
+        </a:ln>
+      </a:lnStyleLst>
+      <a:effectStyleLst>
+        <a:effectStyle>
+          <a:effectLst/>
+        </a:effectStyle>
+        <a:effectStyle>
+          <a:effectLst/>
+        </a:effectStyle>
+        <a:effectStyle>
+          <a:effectLst>
+            <a:outerShdw blurRad="57150" dist="19050" dir="5400000" algn="ctr" rotWithShape="0">
+              <a:srgbClr val="000000">
+                <a:alpha val="63000"/>
+              </a:srgbClr>
+            </a:outerShdw>
+          </a:effectLst>
+        </a:effectStyle>
+      </a:effectStyleLst>
+      <a:bgFillStyleLst>
+        <a:solidFill>
+          <a:schemeClr val="phClr"/>
+        </a:solidFill>
+        <a:solidFill>
+          <a:schemeClr val="phClr">
+            <a:tint val="95000"/>
+            <a:satMod val="170000"/>
+          </a:schemeClr>
+        </a:solidFill>
+        <a:gradFill rotWithShape="1">
+          <a:gsLst>
+            <a:gs pos="0">
+              <a:schemeClr val="phClr">
+                <a:tint val="93000"/>
+                <a:satMod val="150000"/>
+                <a:shade val="98000"/>
+                <a:lumMod val="102000"/>
+              </a:schemeClr>
+            </a:gs>
+            <a:gs pos="50000">
+              <a:schemeClr val="phClr">
+                <a:tint val="98000"/>
+                <a:satMod val="130000"/>
+                <a:shade val="90000"/>
+                <a:lumMod val="103000"/>
+              </a:schemeClr>
+            </a:gs>
+            <a:gs pos="100000">
+              <a:schemeClr val="phClr">
+                <a:shade val="63000"/>
+                <a:satMod val="120000"/>
+              </a:schemeClr>
+            </a:gs>
+          </a:gsLst>
+          <a:lin ang="5400000" scaled="0"/>
+        </a:gradFill>
+      </a:bgFillStyleLst>
+    </a:fmtScheme>
+  </a:themeElements>
+  <a:objectDefaults/>
+  <a:extraClrSchemeLst/>
+  <a:extLst>
+    <a:ext uri="{05A4C25C-085E-4340-85A3-A5531E510DB2}">
+      <thm15:themeFamily xmlns:thm15="http://schemas.microsoft.com/office/thememl/2012/main" name="Office Theme" id="{62F939B6-93AF-4DB8-9C6B-D6C7DFDC589F}" vid="{4A3C46E8-61CC-4603-A589-7422A47A8E4A}"/>
+    </a:ext>
+  </a:extLst>
+</a:theme>
+</file>
+
+<file path=ppt/theme/theme4.xml><?xml version="1.0" encoding="utf-8"?>
 <a:theme xmlns:a="http://schemas.openxmlformats.org/drawingml/2006/main" name="Office Theme">
   <a:themeElements>
     <a:clrScheme name="Office">
